--- a/S1/codes/Hypertextmarkuplanguage.pptx
+++ b/S1/codes/Hypertextmarkuplanguage.pptx
@@ -6,17 +6,25 @@
   </p:sldMasterIdLst>
   <p:sldIdLst>
     <p:sldId id="256" r:id="rId2"/>
-    <p:sldId id="257" r:id="rId3"/>
-    <p:sldId id="258" r:id="rId4"/>
-    <p:sldId id="259" r:id="rId5"/>
-    <p:sldId id="260" r:id="rId6"/>
-    <p:sldId id="261" r:id="rId7"/>
-    <p:sldId id="262" r:id="rId8"/>
-    <p:sldId id="263" r:id="rId9"/>
-    <p:sldId id="264" r:id="rId10"/>
-    <p:sldId id="265" r:id="rId11"/>
-    <p:sldId id="266" r:id="rId12"/>
-    <p:sldId id="267" r:id="rId13"/>
+    <p:sldId id="275" r:id="rId3"/>
+    <p:sldId id="268" r:id="rId4"/>
+    <p:sldId id="269" r:id="rId5"/>
+    <p:sldId id="270" r:id="rId6"/>
+    <p:sldId id="271" r:id="rId7"/>
+    <p:sldId id="272" r:id="rId8"/>
+    <p:sldId id="257" r:id="rId9"/>
+    <p:sldId id="258" r:id="rId10"/>
+    <p:sldId id="259" r:id="rId11"/>
+    <p:sldId id="260" r:id="rId12"/>
+    <p:sldId id="261" r:id="rId13"/>
+    <p:sldId id="273" r:id="rId14"/>
+    <p:sldId id="262" r:id="rId15"/>
+    <p:sldId id="263" r:id="rId16"/>
+    <p:sldId id="264" r:id="rId17"/>
+    <p:sldId id="265" r:id="rId18"/>
+    <p:sldId id="266" r:id="rId19"/>
+    <p:sldId id="274" r:id="rId20"/>
+    <p:sldId id="267" r:id="rId21"/>
   </p:sldIdLst>
   <p:sldSz cx="12192000" cy="6858000"/>
   <p:notesSz cx="6858000" cy="9144000"/>
@@ -116,6 +124,454 @@
     </a:lvl9pPr>
   </p:defaultTextStyle>
 </p:presentation>
+</file>
+
+<file path=ppt/ink/ink1.xml><?xml version="1.0" encoding="utf-8"?>
+<inkml:ink xmlns:inkml="http://www.w3.org/2003/InkML">
+  <inkml:definitions>
+    <inkml:context xml:id="ctx0">
+      <inkml:inkSource xml:id="inkSrc0">
+        <inkml:traceFormat>
+          <inkml:channel name="X" type="integer" min="-2.14748E9" max="2.14748E9" units="cm"/>
+          <inkml:channel name="Y" type="integer" min="-2.14748E9" max="2.14748E9" units="cm"/>
+          <inkml:channel name="F" type="integer" max="32767" units="dev"/>
+        </inkml:traceFormat>
+        <inkml:channelProperties>
+          <inkml:channelProperty channel="X" name="resolution" value="1000" units="1/cm"/>
+          <inkml:channelProperty channel="Y" name="resolution" value="1000" units="1/cm"/>
+          <inkml:channelProperty channel="F" name="resolution" value="0" units="1/dev"/>
+        </inkml:channelProperties>
+      </inkml:inkSource>
+      <inkml:timestamp xml:id="ts0" timeString="2023-07-30T05:35:35.971"/>
+    </inkml:context>
+    <inkml:brush xml:id="br0">
+      <inkml:brushProperty name="width" value="0.1" units="cm"/>
+      <inkml:brushProperty name="height" value="0.1" units="cm"/>
+      <inkml:brushProperty name="color" value="#FFFFFF"/>
+    </inkml:brush>
+  </inkml:definitions>
+  <inkml:trace contextRef="#ctx0" brushRef="#br0">295 166 24575,'-1'0'0,"0"0"0,-1 0 0,1 0 0,0 0 0,-1 0 0,1 0 0,0 0 0,0 0 0,-1 0 0,1 1 0,0-1 0,0 1 0,-1-1 0,1 1 0,0-1 0,0 1 0,0 0 0,0-1 0,0 1 0,0 0 0,-1 1 0,1-1 0,1 0 0,0 0 0,0 0 0,0 0 0,0-1 0,0 1 0,0 0 0,0 0 0,0 0 0,0 0 0,0 0 0,0 0 0,1 0 0,-1-1 0,0 1 0,0 0 0,1 0 0,-1 0 0,1 0 0,-1-1 0,1 1 0,0 1 0,2 1 0,0 1 0,0-1 0,0 0 0,0 0 0,0 0 0,1-1 0,-1 1 0,1-1 0,0 1 0,0-1 0,7 2 0,1 0 0,-6-2 0,0-1 0,0 1 0,0-1 0,0 0 0,-1 0 0,1-1 0,12 0 0,-16 0 0,-1-1 0,0 1 0,0 0 0,0-1 0,0 1 0,0-1 0,0 0 0,0 1 0,0-1 0,0 0 0,0 1 0,0-1 0,0 0 0,-1 0 0,1 0 0,0 0 0,0 0 0,0-1 0,0-1 0,0 1 0,0-1 0,0 0 0,0 0 0,-1 1 0,0-1 0,1 0 0,-1 0 0,0 0 0,-1-4 0,0 0 0,-1 1 0,0 0 0,-1 0 0,1 0 0,-1 0 0,-1 0 0,1 0 0,-1 1 0,0 0 0,0-1 0,0 2 0,-1-1 0,0 0 0,0 1 0,0 0 0,0 0 0,-1 0 0,-11-5 0,17 9 0,-1 0 0,1 0 0,-1 0 0,0 0 0,1 1 0,-1-1 0,1 0 0,-1 0 0,1 0 0,-1 0 0,1 1 0,-1-1 0,1 0 0,-1 1 0,1-1 0,-1 0 0,1 1 0,0-1 0,-1 0 0,1 1 0,-1-1 0,1 1 0,0-1 0,0 1 0,-1-1 0,1 1 0,0-1 0,0 1 0,-1-1 0,1 1 0,0-1 0,0 1 0,0-1 0,0 1 0,0 0 0,0-1 0,0 1 0,0-1 0,0 1 0,0-1 0,0 1 0,0-1 0,0 1 0,1-1 0,-1 1 0,0 0 0,0-1 0,1 1 0,-1-1 0,0 0 0,0 1 0,1 0 0,12 29 0,-3-19 0,0 0 0,0 0 0,1-2 0,0 1 0,1-1 0,0-1 0,0 0 0,1-1 0,0 0 0,0-1 0,1 0 0,22 5 0,-34-10 0,0-1 0,1 1 0,-1-1 0,0 0 0,0 0 0,0 0 0,1 0 0,-1 0 0,0 0 0,0 0 0,0-1 0,1 1 0,-1-1 0,0 0 0,0 0 0,0 1 0,0-1 0,0-1 0,0 1 0,-1 0 0,1 0 0,0-1 0,0 1 0,-1-1 0,1 1 0,-1-1 0,0 0 0,1 1 0,1-4 0,-2 2 0,0 0 0,0 0 0,-1 0 0,1 0 0,-1 0 0,1 0 0,-1 0 0,0 0 0,0 0 0,0 0 0,-1 0 0,1 0 0,-1 0 0,0 0 0,1 0 0,-1 0 0,-1 0 0,1 0 0,0 0 0,-1 1 0,-2-4 0,-2-4 0,-1 1 0,0-1 0,0 1 0,-1 1 0,-1-1 0,-16-12 0,21 19 0,0-1 0,1 1 0,-1 0 0,0 0 0,0 0 0,-1 0 0,1 1 0,0 0 0,0 0 0,-1 0 0,1 0 0,-1 1 0,1-1 0,0 1 0,-1 0 0,1 1 0,-1-1 0,1 1 0,-1 0 0,1 0 0,-6 2 0,8-1 0,-1-1 0,1 1 0,0 0 0,-1-1 0,1 1 0,0 0 0,0 1 0,0-1 0,1 0 0,-1 0 0,0 1 0,1-1 0,0 1 0,-1 0 0,1-1 0,0 1 0,0 0 0,1-1 0,-1 1 0,0 0 0,1 0 0,0 0 0,0 0 0,0 0 0,0 0 0,0-1 0,0 1 0,1 0 0,-1 0 0,3 5 0,-2-1 0,1 0 0,0-1 0,0 1 0,0 0 0,1-1 0,0 1 0,1-1 0,-1 0 0,1 0 0,0 0 0,9 9 0,3-3 0,1-1 0,32 17 0,-13-8 0,-18-12 0,-1-1 0,1-1 0,0-1 0,0 0 0,1-1 0,-1-1 0,1-1 0,30 0 0,-40-2 0,0 1 0,-1-1 0,1 0 0,0-1 0,-1 0 0,1 0 0,15-4 0,-22 3 0,1 1 0,-1 0 0,0-1 0,1 1 0,-1-1 0,0 0 0,0 0 0,0 0 0,-1 0 0,1 0 0,0 0 0,-1 0 0,1 0 0,-1-1 0,0 1 0,0-1 0,0 1 0,0-1 0,0 1 0,0-1 0,-1 0 0,1 1 0,-1-1 0,0 0 0,0 1 0,0-4 0,1 2 0,-1 0 0,0 0 0,0 0 0,0 0 0,-1 0 0,0 0 0,1 0 0,-1 0 0,0 0 0,-1 0 0,1 1 0,-1-1 0,0 0 0,0 1 0,0-1 0,0 1 0,0 0 0,-1 0 0,0 0 0,1 0 0,-1 0 0,-6-4 0,-2 0 0,-1 1 0,0 0 0,-1 0 0,0 2 0,-18-6 0,17 6 0,0 0 0,1-1 0,0 0 0,-24-15 0,23 13 0,0 1 0,0 0 0,0 1 0,-1 1 0,0 0 0,0 1 0,0 0 0,-22 0 0,1-2 0,-20 0 0,0 2 0,-61 5 0,21 0 0,89-2 0,0 1 0,0 0 0,1 0 0,-1 1 0,0-1 0,1 2 0,-1-1 0,1 1 0,-1 0 0,1 0 0,-7 6 0,11-8 0,1 0 0,-1 0 0,1 0 0,0 0 0,0 1 0,-1-1 0,1 0 0,0 1 0,0-1 0,0 1 0,0 0 0,1-1 0,-1 1 0,0-1 0,1 1 0,-1 0 0,1 0 0,-1-1 0,1 3 0,0-2 0,1 1 0,-1-1 0,1 0 0,0 0 0,0 1 0,0-1 0,0 0 0,0 0 0,0 0 0,0 0 0,1-1 0,-1 1 0,1 0 0,-1 0 0,1-1 0,0 1 0,-1-1 0,1 1 0,3 0 0,54 29 0,-20-14 0,-25-10 0,1-1 0,0 0 0,0-1 0,1-1 0,-1 0 0,31 3 0,96-5 0,-84-3 0,-52 1 0,-1 0 0,1-1 0,0 1 0,0-1 0,0-1 0,-1 1 0,1-1 0,-1 0 0,1-1 0,-1 1 0,5-4 0,-8 5 0,0 0 0,0-1 0,-1 1 0,1-1 0,0 1 0,-1-1 0,1 0 0,-1 0 0,0 1 0,0-1 0,0 0 0,0 0 0,0 0 0,0 0 0,0 0 0,0-1 0,-1 1 0,1 0 0,-1 0 0,0 0 0,1-1 0,-1 1 0,0 0 0,-1 0 0,1-1 0,0 1 0,0 0 0,-1 0 0,0 0 0,1 0 0,-3-4 0,3 5 0,0 0 0,0 0 0,0 0 0,0 0 0,-1 0 0,1 0 0,0 0 0,-1 0 0,1 0 0,-1 0 0,1 0 0,-1 1 0,0-1 0,1 0 0,-1 0 0,0 1 0,1-1 0,-1 0 0,0 1 0,0-1 0,0 0 0,0 1 0,1-1 0,-1 1 0,0 0 0,0-1 0,0 1 0,0 0 0,0-1 0,0 1 0,0 0 0,0 0 0,0 0 0,0 0 0,0 0 0,0 0 0,0 0 0,0 0 0,0 0 0,0 1 0,0-1 0,0 0 0,0 1 0,0-1 0,0 1 0,0-1 0,0 1 0,0-1 0,0 1 0,1 0 0,-1-1 0,-1 2 0,0 0 0,-1 1 0,1-1 0,-1 1 0,1 0 0,0 0 0,0 0 0,0 0 0,1 1 0,-1-1 0,1 0 0,0 1 0,0-1 0,-2 7 0,3-7 0,1 1 0,-1-1 0,1 0 0,-1 0 0,1 0 0,0 0 0,0 0 0,0 0 0,0 0 0,1 0 0,-1-1 0,1 1 0,0 0 0,0-1 0,0 1 0,0-1 0,0 0 0,0 1 0,1-1 0,-1 0 0,1-1 0,-1 1 0,1 0 0,0-1 0,4 2 0,10 5 0,1 0 0,0-2 0,22 5 0,-14-3 0,-6-3 0,1 0 0,0-2 0,0 0 0,0-2 0,0 0 0,40-4 0,-58 3 0,-1-1 0,1 1 0,-1-1 0,1 0 0,-1 1 0,1-1 0,-1 0 0,0 0 0,1 0 0,-1-1 0,0 1 0,0-1 0,0 1 0,0-1 0,0 0 0,0 1 0,-1-1 0,1 0 0,-1 0 0,1 0 0,-1-1 0,0 1 0,1 0 0,-1 0 0,0-1 0,-1 1 0,1-1 0,0 1 0,-1-1 0,1 1 0,-1-1 0,0 1 0,0-1 0,0 1 0,0-1 0,0 1 0,0-1 0,-1 1 0,0-4 0,0-2 0,-1 0 0,0 0 0,0 0 0,-1 1 0,0-1 0,0 1 0,-1-1 0,0 1 0,0 0 0,-1 0 0,-6-7 0,3 5 0,-1 1 0,0 0 0,0 1 0,0-1 0,-1 2 0,0-1 0,0 2 0,-1-1 0,0 1 0,0 1 0,0 0 0,0 1 0,-1 0 0,1 0 0,-1 1 0,0 1 0,0 0 0,1 1 0,-1 0 0,-20 3 0,29-3 0,1 0 0,-1 1 0,0 0 0,0-1 0,0 1 0,0 0 0,1 0 0,-1 1 0,0-1 0,1 0 0,-1 1 0,1 0 0,0-1 0,0 1 0,-1 0 0,1 0 0,0 0 0,0 1 0,1-1 0,-1 0 0,0 1 0,1-1 0,0 1 0,-1 0 0,1-1 0,0 1 0,0 0 0,1 0 0,-1-1 0,0 1 0,1 0 0,0 0 0,0 4 0,0-3 0,0 1 0,0-1 0,1 1 0,-1-1 0,1 0 0,0 1 0,0-1 0,1 0 0,0 0 0,-1 1 0,1-1 0,1-1 0,-1 1 0,0 0 0,1-1 0,0 1 0,0-1 0,0 0 0,0 1 0,1-2 0,4 5 0,7 1 0,1-1 0,0 0 0,0-1 0,1 0 0,0-1 0,0-1 0,29 3 0,125-2 0,-155-5 0,-12 0 0,1-1 0,-1 1 0,1-1 0,-1 0 0,1 0 0,-1-1 0,0 1 0,0-1 0,0 0 0,0 0 0,0-1 0,0 1 0,6-6 0,-7 6 0,-1 0 0,0 0 0,-1 0 0,1 0 0,0 0 0,0-1 0,-1 1 0,0 0 0,1-1 0,-1 1 0,0-1 0,0 0 0,0 1 0,-1-1 0,1 0 0,-1 1 0,1-1 0,-1 0 0,0 0 0,0 1 0,0-1 0,0 0 0,-1 0 0,0-3 0,0 3 0,-1 0 0,1 1 0,-1-1 0,0 1 0,0 0 0,0 0 0,0-1 0,0 1 0,0 1 0,0-1 0,-1 0 0,1 0 0,-1 1 0,1-1 0,-1 1 0,0 0 0,1 0 0,-1 0 0,-4-1 0,-57-10 0,6 9 0,-96 7 0,150-3 0,0 0 0,0 0 0,0 0 0,0 0 0,1 0 0,-1 1 0,0 0 0,1-1 0,-1 1 0,1 1 0,0-1 0,0 0 0,-1 1 0,-3 5 0,6-7 0,0 0 0,0 0 0,0 0 0,1 0 0,-1 1 0,1-1 0,-1 0 0,1 0 0,-1 1 0,1-1 0,0 0 0,-1 1 0,1-1 0,0 0 0,0 1 0,0-1 0,0 1 0,0-1 0,0 0 0,1 1 0,-1-1 0,0 0 0,1 1 0,-1-1 0,1 0 0,-1 0 0,1 1 0,0-1 0,-1 0 0,1 0 0,0 0 0,0 0 0,0 0 0,0 0 0,0 0 0,0 0 0,0 0 0,0 0 0,0-1 0,0 1 0,1 0 0,-1-1 0,0 1 0,1-1 0,1 1 0,27 12 0,0-1 0,1-2 0,0 0 0,51 7 0,38 11 0,-83-20 0,-1-2 0,1-2 0,0-1 0,1-2 0,56-5 0,4 1 0,-54 5 0,-31 0 0,0-1 0,0-1 0,1 0 0,-1-1 0,0 0 0,24-6 0,-35 6 0,-1 1 0,1-1 0,-1 1 0,1-1 0,-1 0 0,0 1 0,1-1 0,-1 0 0,0 0 0,0 0 0,1 0 0,-1 0 0,0 0 0,0 0 0,0 0 0,0-1 0,-1 1 0,1 0 0,0-1 0,0 1 0,-1 0 0,1-1 0,-1 1 0,1-1 0,-1 1 0,0-1 0,1 1 0,-1-1 0,0 1 0,0-1 0,0 1 0,0-1 0,0 0 0,-1 1 0,1-1 0,0 1 0,-1-1 0,1 1 0,-1 0 0,1-1 0,-1 1 0,0-1 0,0 1 0,1 0 0,-1 0 0,0-1 0,0 1 0,-2-1 0,-1-4 0,0 1 0,-1 0 0,1 0 0,-1 1 0,0-1 0,-1 1 0,1 0 0,-1 1 0,-11-6 0,-7 1 0,0 2 0,0 1 0,-1 0 0,0 2 0,0 1 0,0 1 0,-1 1 0,-33 5 0,57-5 0,0-1 0,1 1 0,-1 0 0,1 0 0,-1 0 0,0 1 0,1-1 0,-1 0 0,1 1 0,-1-1 0,1 1 0,-1-1 0,1 1 0,-1 0 0,1-1 0,-1 1 0,1 0 0,0 0 0,0 0 0,-1 0 0,1 0 0,0 0 0,0 1 0,0-1 0,0 0 0,0 1 0,0-1 0,1 0 0,-1 1 0,0-1 0,1 1 0,-1-1 0,1 1 0,-1-1 0,1 1 0,0 0 0,0-1 0,0 1 0,0-1 0,0 1 0,0 0 0,0-1 0,0 1 0,1-1 0,0 3 0,0 1 0,1-1 0,0 1 0,1 0 0,-1-1 0,1 0 0,0 0 0,0 0 0,0 0 0,0 0 0,1 0 0,0-1 0,0 0 0,6 5 0,24 12 0,2-1 0,37 14 0,-53-26 0,0-1 0,0-1 0,0 0 0,0-2 0,1 0 0,0-1 0,-1-2 0,22-1 0,-24 1 0,-1 1 0,0-2 0,0 0 0,0-1 0,0 0 0,17-6 0,-30 7 0,0 0 0,1-1 0,-1 0 0,-1 0 0,1 0 0,0 0 0,0-1 0,-1 1 0,1-1 0,-1 0 0,0 0 0,0-1 0,0 1 0,-1 0 0,1-1 0,-1 0 0,1 1 0,-1-1 0,0 0 0,-1 0 0,1 0 0,-1-1 0,0 1 0,2-8 0,-2 2 0,1 1 0,-1-1 0,-1 0 0,0 0 0,0 1 0,-1-1 0,0 0 0,0 1 0,-1-1 0,-4-10 0,4 16 0,0 0 0,0 0 0,0 0 0,-1 0 0,1 0 0,-1 0 0,0 1 0,0-1 0,-1 1 0,1 0 0,-1 0 0,1 0 0,-1 0 0,0 1 0,0 0 0,0-1 0,0 1 0,-1 1 0,1-1 0,0 1 0,-1 0 0,1 0 0,-7-1 0,-36-6 0,10 1 0,-1 2 0,-49-1 0,-24 4 0,-107 6 0,189 0 0,0 1 0,-32 11 0,-32 7 0,85-22 0,0 1 0,0 0 0,1 0 0,-1 1 0,0 0 0,1 1 0,-8 4 0,14-8 0,0 1 0,0 0 0,0 0 0,0-1 0,0 1 0,0 0 0,0 0 0,0 0 0,1 0 0,-1 0 0,0 0 0,1 0 0,-1 0 0,1 0 0,-1 0 0,1 0 0,-1 1 0,1-1 0,0 0 0,-1 0 0,1 2 0,1-1 0,-1-1 0,1 1 0,-1 0 0,1-1 0,0 1 0,0-1 0,0 1 0,0-1 0,0 1 0,0-1 0,0 0 0,1 1 0,-1-1 0,0 0 0,1 0 0,-1 0 0,1 0 0,-1 0 0,4 1 0,10 5 0,1 0 0,0-1 0,0-1 0,1-1 0,-1 0 0,1-1 0,0-1 0,0 0 0,0-2 0,27-1 0,-17 1 0,0 0 0,0 2 0,27 6 0,7 1 0,0-2 0,0-3 0,104-7 0,-42 1 0,-100 2 0,-3 1 0,0-1 0,0-1 0,0-1 0,-1 0 0,24-7 0,-39 8 0,0 0 0,0-1 0,0 1 0,-1-1 0,1 0 0,0 0 0,-1 0 0,0 0 0,0-1 0,1 0 0,-1 1 0,-1-1 0,1 0 0,0 0 0,-1 0 0,1-1 0,-1 1 0,0-1 0,0 1 0,-1-1 0,1 0 0,-1 0 0,1 1 0,-1-1 0,-1 0 0,1 0 0,0 0 0,-1 0 0,0 0 0,0 0 0,-1-7 0,1 8 0,0 0 0,-1 0 0,1-1 0,-1 1 0,0 0 0,0 1 0,0-1 0,-1 0 0,1 0 0,-1 0 0,1 1 0,-1-1 0,0 1 0,0-1 0,0 1 0,0 0 0,0 0 0,-1 0 0,1 0 0,-1 0 0,1 0 0,-1 1 0,0-1 0,0 1 0,-3-2 0,-9-1 0,1-1 0,-1 2 0,1 0 0,-18-1 0,-5-2 0,-13 0 0,1 1 0,-1 3 0,-65 5 0,10 0 0,31-6 0,45 1 0,1 1 0,-1 1 0,0 2 0,-36 6 0,18 11 0,45-18 0,-1 1 0,0-1 0,1 1 0,-1-1 0,1 1 0,-1 0 0,1 0 0,0 0 0,0 0 0,0 0 0,0 1 0,0-1 0,-2 5 0,4-6 0,0-1 0,0 1 0,0 0 0,0-1 0,1 1 0,-1 0 0,0-1 0,0 1 0,1 0 0,-1-1 0,0 1 0,1-1 0,-1 1 0,1-1 0,-1 1 0,1-1 0,-1 1 0,1-1 0,-1 1 0,1-1 0,-1 0 0,1 1 0,0-1 0,-1 0 0,1 1 0,-1-1 0,1 0 0,0 0 0,-1 0 0,1 0 0,0 0 0,-1 1 0,1-1 0,1-1 0,27 5 0,-26-4 0,400 1 0,-192-3 0,-119 3 0,102-3 0,-188 1 0,1-1 0,-1 0 0,0 0 0,0 0 0,0-1 0,0 0 0,-1 0 0,1-1 0,-1 1 0,8-7 0,-11 9 0,-1 0 0,1 0 0,-1 0 0,0-1 0,1 1 0,-1 0 0,0 0 0,0-1 0,1 1 0,-1-1 0,0 1 0,0-1 0,-1 0 0,1 1 0,0-1 0,-1 0 0,1 1 0,-1-1 0,1 0 0,-1 0 0,0 0 0,1 0 0,-1 1 0,0-1 0,0 0 0,-1 0 0,1 0 0,0 0 0,-1 1 0,1-1 0,-1 0 0,1 0 0,-1 1 0,0-1 0,0 0 0,0 1 0,0-1 0,0 1 0,0-1 0,-2-1 0,0 0 0,-1 1 0,0 0 0,1 0 0,-1 0 0,0 0 0,0 0 0,0 1 0,0-1 0,-1 1 0,1 0 0,0 1 0,-1-1 0,-6 1 0,-68 2 0,45 1 0,-34-4 0,48-1 0,0 2 0,0 0 0,0 1 0,0 1 0,0 1 0,-37 10 0,56-13 0,0 0 0,0 0 0,0 1 0,0-1 0,0 0 0,0 1 0,0-1 0,0 1 0,0-1 0,0 1 0,0-1 0,0 1 0,0 0 0,1-1 0,-1 1 0,0 0 0,0 0 0,1-1 0,-1 1 0,1 0 0,-1 0 0,1 0 0,-1 0 0,1 0 0,-1 0 0,1 0 0,0 0 0,0 0 0,-1 1 0,2 0 0,-1 0 0,1-1 0,0 1 0,0-1 0,0 1 0,0-1 0,0 1 0,0-1 0,0 0 0,1 1 0,-1-1 0,0 0 0,1 0 0,-1 0 0,3 2 0,11 5 0,0 1 0,27 9 0,-37-16 0,11 4 0,-1-1 0,1-1 0,-1-1 0,1 0 0,29 1 0,86-6 0,-49 0 0,-14 3 0,75-3 0,-139 1 0,-1 1 0,1-1 0,-1-1 0,0 1 0,0 0 0,1-1 0,-1 1 0,0-1 0,0 0 0,0 0 0,0 0 0,-1-1 0,1 1 0,-1-1 0,1 1 0,1-4 0,-3 5 0,0 0 0,0 0 0,-1-1 0,1 1 0,0 0 0,-1 0 0,1 0 0,-1-1 0,1 1 0,-1 0 0,0-1 0,1 1 0,-1 0 0,0-1 0,0 1 0,0-1 0,0 1 0,0 0 0,0-1 0,0 1 0,-1 0 0,1-1 0,0 1 0,-1 0 0,1-1 0,-1 1 0,0 0 0,1 0 0,-1 0 0,0 0 0,0-1 0,1 1 0,-1 0 0,0 0 0,0 0 0,0 1 0,0-1 0,-1 0 0,1 0 0,0 1 0,0-1 0,0 0 0,-2 0 0,-21-9 0,-1 0 0,-1 1 0,1 2 0,-1 0 0,-1 2 0,-28-2 0,34 5 0,1 1 0,-1 1 0,-29 4 0,45-4 0,0 1 0,0 1 0,0-1 0,0 0 0,0 1 0,0 0 0,1 0 0,-1 1 0,-3 2 0,6-3 0,1-1 0,-1 0 0,1 1 0,-1-1 0,1 1 0,0-1 0,0 1 0,-1 0 0,1-1 0,0 1 0,1 0 0,-1 0 0,0 0 0,1 0 0,-1 0 0,1 0 0,-1 0 0,1 0 0,0 0 0,0 0 0,0 0 0,0 4 0,1-2 0,1 0 0,-1 0 0,1-1 0,0 1 0,0 0 0,0 0 0,1-1 0,-1 0 0,1 1 0,0-1 0,0 0 0,0 0 0,0 0 0,0-1 0,1 1 0,-1-1 0,1 0 0,0 0 0,-1 0 0,1 0 0,6 1 0,8 4 0,-1-1 0,1-1 0,29 5 0,3-5 0,0-3 0,61-4 0,-20 0 0,-84 2 0,0 0 0,0-1 0,0 0 0,-1 0 0,1-1 0,0 0 0,10-4 0,-16 5 0,1 1 0,0-1 0,-1 0 0,1 0 0,-1 0 0,1 0 0,-1 0 0,0 0 0,1 0 0,-1-1 0,0 1 0,0 0 0,0-1 0,0 1 0,0-1 0,0 1 0,0-1 0,0 1 0,0-1 0,-1 0 0,1 1 0,-1-1 0,1 0 0,-1 0 0,0 1 0,0-1 0,0 0 0,0 0 0,0 0 0,0 1 0,0-1 0,0 0 0,-1 0 0,0-1 0,0 1 0,0 0 0,0 0 0,-1 0 0,1 0 0,-1 0 0,1 0 0,-1 0 0,0 1 0,1-1 0,-1 1 0,0-1 0,0 1 0,0 0 0,0-1 0,-1 1 0,1 0 0,0 1 0,0-1 0,-1 0 0,1 1 0,0-1 0,-1 1 0,1 0 0,-3-1 0,-66 0 0,56 2 0,-144-2 0,-85 5 0,236-2 0,-1 0 0,0 0 0,1 1 0,-1 0 0,-14 8 0,21-10 0,-1 0 0,1 0 0,-1 0 0,1 1 0,0-1 0,-1 1 0,1-1 0,0 1 0,0 0 0,0 0 0,0 0 0,1 0 0,-1 0 0,0 0 0,1 0 0,0 1 0,-1-1 0,1 0 0,0 1 0,0-1 0,0 1 0,0 4 0,2-4 0,0 0 0,0-1 0,1 1 0,-1 0 0,1-1 0,0 1 0,-1-1 0,1 1 0,1-1 0,-1 0 0,0 1 0,0-1 0,1-1 0,-1 1 0,1 0 0,0-1 0,-1 1 0,1-1 0,5 2 0,3 2 0,0-1 0,0 0 0,22 5 0,114 8 0,-103-10 0,0-3 0,0-1 0,73-6 0,-22 1 0,-53-5 0,-24-2 0,-17 8 0,-1 1 0,0-1 0,0 1 0,1-1 0,-1 1 0,0-1 0,0 1 0,0 0 0,0-1 0,0 1 0,0-1 0,0 1 0,0-1 0,0 1 0,0-1 0,0 1 0,0-1 0,0 1 0,0-1 0,0 1 0,0-1 0,-1 1 0,1-1 0,0 1 0,0 0 0,-1-1 0,1 1 0,0-1 0,0 1 0,-1 0 0,1-1 0,0 1 0,-1 0 0,1-1 0,-1 1 0,-2-2 0,0 0 0,0 0 0,0 0 0,0 1 0,0-1 0,0 1 0,-1 0 0,1 0 0,0 0 0,-1 0 0,1 1 0,-7-1 0,-48 1 0,38 1 0,7-2 0,-55 4 0,67-3 0,0 0 0,-1 0 0,1 0 0,0 1 0,0-1 0,-1 0 0,1 0 0,0 1 0,0-1 0,0 0 0,-1 1 0,1 0 0,0-1 0,0 1 0,0 0 0,0-1 0,0 1 0,0 0 0,0 0 0,0 0 0,0 0 0,0 0 0,1 0 0,-1 0 0,0 0 0,1 0 0,-1 0 0,1 0 0,-1 1 0,1-1 0,-1 0 0,1 0 0,0 0 0,0 1 0,-1-1 0,1 0 0,0 1 0,0-1 0,0 0 0,1 3 0,0-2 0,0 0 0,0 0 0,0 0 0,1-1 0,-1 1 0,0 0 0,1 0 0,-1-1 0,1 1 0,0-1 0,-1 0 0,1 1 0,0-1 0,0 0 0,0 0 0,0 0 0,0 0 0,3 1 0,48 12 0,-23-6 0,-9 0 0,0-2 0,0 0 0,0-1 0,28 2 0,-42-6 0,-1-1 0,0 0 0,0 0 0,1 0 0,-1-1 0,0 0 0,0 0 0,0 0 0,0-1 0,0 0 0,0 0 0,0-1 0,0 1 0,-1-1 0,0-1 0,1 1 0,-1-1 0,0 0 0,8-8 0,-11 10 0,0 0 0,0 1 0,-1-1 0,1 0 0,-1 0 0,1 0 0,-1-1 0,0 1 0,0 0 0,0 0 0,0-1 0,0 1 0,0 0 0,-1-1 0,1 1 0,-1-1 0,1 1 0,-1-1 0,0 1 0,0-1 0,0 1 0,-1-1 0,1 1 0,0-1 0,-1 1 0,0 0 0,0-1 0,1 1 0,-1-1 0,0 1 0,-1 0 0,1 0 0,0 0 0,-1 0 0,1 0 0,-1 0 0,0 0 0,0 0 0,-2-1 0,-2-2 0,0 1 0,0 1 0,0-1 0,-1 1 0,1 0 0,-1 0 0,0 1 0,0 0 0,0 0 0,0 1 0,0 0 0,-11-1 0,-6 1 0,6 0 0,-1 1 0,1 1 0,-21 2 0,35-2 0,-1 0 0,0 0 0,1 1 0,-1-1 0,1 1 0,-1 0 0,1 0 0,0 0 0,0 1 0,0-1 0,0 1 0,0 0 0,1 0 0,-1 1 0,1-1 0,-6 8 0,3-2 0,0 1 0,1 0 0,-1 0 0,2 1 0,0-1 0,-5 20 0,8-27 0,0-1 0,1 0 0,-1 1 0,1-1 0,0 1 0,0-1 0,0 1 0,0-1 0,1 1 0,-1-1 0,0 1 0,1-1 0,0 1 0,0-1 0,0 0 0,0 1 0,0-1 0,0 0 0,0 0 0,1 0 0,-1 0 0,1 0 0,-1 0 0,1 0 0,0 0 0,0-1 0,0 1 0,0-1 0,0 1 0,0-1 0,0 0 0,1 0 0,-1 0 0,0 0 0,1 0 0,-1 0 0,3 0 0,18 2 0,0 0 0,0-1 0,0-1 0,0-1 0,26-4 0,23 1 0,-66 2 0,0 0 0,1 0 0,-1 0 0,0-1 0,1 0 0,-1 0 0,0 0 0,0-1 0,-1 0 0,1 0 0,0-1 0,-1 1 0,0-1 0,0 0 0,0-1 0,-1 1 0,1-1 0,-1 0 0,0 0 0,0-1 0,-1 1 0,0-1 0,0 1 0,0-1 0,0 0 0,-1 0 0,0 0 0,0-1 0,-1 1 0,0 0 0,1-12 0,-2 15 0,0 0 0,0 0 0,0 1 0,0-1 0,0 0 0,-1 0 0,1 0 0,-1 1 0,0-1 0,0 0 0,0 0 0,0 1 0,0-1 0,0 1 0,-1-1 0,0 1 0,1 0 0,-1-1 0,0 1 0,0 0 0,0 0 0,0 0 0,0 1 0,-1-1 0,1 0 0,-1 1 0,1 0 0,-1-1 0,1 1 0,-1 0 0,0 0 0,1 0 0,-1 1 0,0-1 0,0 1 0,-4-1 0,-2 0 0,0 0 0,0 1 0,0 0 0,-1 0 0,1 1 0,0 0 0,0 1 0,0 0 0,0 0 0,-14 6 0,20-6 0,0 0 0,0 0 0,0 1 0,0-1 0,1 1 0,-1-1 0,1 1 0,0 0 0,0 0 0,0 0 0,0 0 0,0 0 0,0 1 0,1-1 0,0 0 0,0 1 0,0-1 0,0 1 0,0-1 0,1 1 0,-1 0 0,1-1 0,0 1 0,0 0 0,1 3 0,-1-4 0,0 0 0,0 0 0,0 1 0,1-1 0,0 0 0,-1 0 0,1 0 0,0 0 0,1 0 0,-1 0 0,1 0 0,-1 0 0,1 0 0,0-1 0,0 1 0,0-1 0,0 1 0,0-1 0,0 0 0,1 1 0,-1-1 0,1-1 0,0 1 0,0 0 0,-1-1 0,1 1 0,6 1 0,0-1 0,0-1 0,0 1 0,0-2 0,0 1 0,0-2 0,0 1 0,0-1 0,0 0 0,0-1 0,0 0 0,12-4 0,-17 4 0,1 0 0,-1-1 0,0 1 0,0-1 0,0 0 0,0 0 0,-1 0 0,1 0 0,-1-1 0,1 1 0,-1-1 0,-1 0 0,1 0 0,0 0 0,-1 0 0,0-1 0,0 1 0,0-1 0,0 1 0,-1-1 0,0 0 0,1-7 0,6-20 0,5-20 0,-13 50 0,0 0 0,1 0 0,-1 0 0,0 0 0,0-1 0,0 1 0,-1 0 0,1 0 0,0 0 0,-1 0 0,1 0 0,-1 0 0,0 0 0,1 0 0,-1 0 0,0 0 0,0 0 0,-2-2 0,2 4 0,1-1 0,-1 1 0,1-1 0,-1 1 0,1 0 0,-1-1 0,1 1 0,-1 0 0,1-1 0,-1 1 0,1 0 0,-1 0 0,0-1 0,1 1 0,-1 0 0,1 0 0,-1 0 0,0 0 0,1 0 0,-1 0 0,1 0 0,-1 0 0,0 0 0,1 0 0,-1 0 0,1 1 0,-1-1 0,0 0 0,0 1 0,-15 16 0,-3 26 0,18-38 0,0 0 0,0 0 0,1 0 0,0 0 0,0 1 0,0-1 0,1 0 0,-1 0 0,1 0 0,1 0 0,-1 0 0,1 0 0,-1 0 0,2 0 0,-1 0 0,0-1 0,1 1 0,0-1 0,0 0 0,0 0 0,0 0 0,1 0 0,0 0 0,0-1 0,0 1 0,0-1 0,0 0 0,0 0 0,1-1 0,0 0 0,-1 1 0,1-1 0,0-1 0,0 1 0,0-1 0,0 0 0,0 0 0,1 0 0,-1-1 0,0 0 0,0 0 0,0 0 0,1-1 0,-1 1 0,0-1 0,10-3 0,-9 1 0,-1 0 0,1 0 0,0-1 0,-1 1 0,0-1 0,0 0 0,0-1 0,0 1 0,0-1 0,-1 0 0,6-8 0,-7 9 0,-1 1 0,1-1 0,0 0 0,-1 0 0,0 0 0,0 0 0,0 0 0,0 0 0,-1 0 0,0-1 0,0 1 0,0-1 0,0 1 0,0-1 0,-1 1 0,0-1 0,-1-5 0,1 8 0,-1 0 0,0 0 0,0 1 0,0-1 0,-1 0 0,1 0 0,0 1 0,-1-1 0,1 1 0,-1-1 0,1 1 0,-1 0 0,0-1 0,0 1 0,1 0 0,-1 0 0,0 0 0,0 0 0,0 1 0,0-1 0,0 0 0,0 1 0,-1 0 0,1-1 0,0 1 0,0 0 0,0 0 0,0 0 0,0 0 0,0 1 0,0-1 0,-4 1 0,-1 1 0,0-1 0,1 1 0,-1 0 0,1 0 0,-1 1 0,1 0 0,0 0 0,0 0 0,-6 5 0,-10 17 0,14-19 0,5-35 0,3 27 0,0 0 0,-1 0 0,1-1 0,0 1 0,-1 0 0,0 0 0,0-1 0,1 1 0,-1 0 0,0 0 0,-1 0 0,1 0 0,0 0 0,0 0 0,-1 1 0,0-1 0,1 0 0,-1 1 0,0-1 0,1 1 0,-1 0 0,0-1 0,0 1 0,0 0 0,0 0 0,-1 0 0,1 0 0,0 1 0,0-1 0,0 1 0,-1-1 0,1 1 0,-3 0 0,2-1 0,-1 1 0,1 1 0,-1-1 0,1 0 0,0 1 0,-1 0 0,1 0 0,0 0 0,-1 0 0,1 0 0,0 1 0,0-1 0,0 1 0,0 0 0,0 0 0,0 0 0,1 0 0,-1 1 0,1-1 0,-1 1 0,-3 4 0,-34 66 0,37-68 0,1 0 0,0 0 0,0 0 0,0 0 0,0 1 0,1-1 0,0 0 0,0 1 0,1-1 0,-1 1 0,1-1 0,1 10 0,0-13 0,0 0 0,0 0 0,1 0 0,-1-1 0,0 1 0,1 0 0,0 0 0,-1-1 0,1 1 0,0-1 0,0 0 0,0 1 0,-1-1 0,1 0 0,1 0 0,-1 0 0,0 0 0,0-1 0,0 1 0,0-1 0,1 1 0,-1-1 0,0 0 0,3 1 0,64-1 0,-52-1 0,-11 1 0,1-1 0,-1 0 0,1 0 0,-1-1 0,1 1 0,-1-1 0,0-1 0,0 1 0,0-1 0,0 0 0,0 0 0,-1-1 0,1 0 0,5-5 0,-8 6 0,0 0 0,-1 1 0,0-1 0,1 0 0,-1 0 0,0-1 0,-1 1 0,1 0 0,0-1 0,-1 1 0,0-1 0,0 1 0,0-1 0,0 1 0,-1-1 0,1 0 0,-1 1 0,0-1 0,0 0 0,0 0 0,-1 1 0,1-1 0,-1 0 0,0 1 0,0-1 0,-3-6 0,2 6 0,-1 1 0,1-1 0,-1 0 0,0 1 0,-1 0 0,1 0 0,-1 0 0,1 0 0,-1 0 0,0 1 0,0-1 0,0 1 0,-7-3 0,-60-20 0,55 22 0,0-1 0,-1 2 0,0 0 0,0 1 0,1 1 0,-1 0 0,0 2 0,0 0 0,1 0 0,-1 2 0,1 0 0,0 0 0,0 2 0,-18 8 0,30-11 0,0 1 0,0 0 0,0-1 0,1 1 0,-1 0 0,1 1 0,0-1 0,0 1 0,1-1 0,-1 1 0,1 0 0,-2 7 0,3-11 0,0 1 0,0 0 0,0 0 0,1 0 0,-1 0 0,0 0 0,1 0 0,0 1 0,0-1 0,-1 0 0,1 0 0,0 0 0,1 0 0,-1 0 0,0 0 0,1 0 0,-1 0 0,1 0 0,-1 0 0,1 0 0,0 0 0,0 0 0,0 0 0,0 0 0,0 0 0,1-1 0,-1 1 0,0-1 0,1 1 0,-1-1 0,1 1 0,2 1 0,11 3 0,0 0 0,1-1 0,-1 0 0,1-2 0,0 0 0,30 2 0,104-6 0,-64-1 0,-78 2 0,49-3 0,-55 3 0,-1 0 0,1 0 0,0 0 0,0-1 0,-1 1 0,1-1 0,0 1 0,-1-1 0,1 1 0,0-1 0,-1 0 0,1 0 0,-1 0 0,1 0 0,-1 0 0,0 0 0,1 0 0,-1 0 0,0-1 0,0 1 0,0-1 0,0 1 0,0 0 0,0-1 0,1-2 0,-2 3 0,0 0 0,0 0 0,-1 1 0,1-1 0,0 0 0,0 0 0,-1 1 0,1-1 0,0 0 0,-1 1 0,1-1 0,-1 0 0,1 1 0,-1-1 0,1 1 0,-1-1 0,0 1 0,1-1 0,-1 1 0,0-1 0,1 1 0,-1 0 0,0-1 0,1 1 0,-1 0 0,0-1 0,0 1 0,1 0 0,-1 0 0,0 0 0,-1 0 0,-29-4 0,29 4 0,-283-2 0,139 4 0,135-2 0,0 1 0,0 0 0,0 1 0,1 0 0,-1 1 0,1 0 0,-1 0 0,1 1 0,0 1 0,0 0 0,1 0 0,0 1 0,0 0 0,0 0 0,0 1 0,1 0 0,0 1 0,-7 9 0,13-16 0,1 1 0,0-1 0,-1 1 0,1 0 0,0 0 0,0-1 0,0 1 0,0 0 0,0 0 0,0 0 0,1 0 0,-1 0 0,1 0 0,-1 0 0,1 0 0,0 0 0,0 0 0,0 0 0,0 0 0,0 1 0,0-1 0,0 0 0,1 0 0,-1 0 0,2 2 0,0-1 0,0 1 0,0-1 0,1 0 0,-1-1 0,1 1 0,0 0 0,-1-1 0,1 1 0,1-1 0,-1 0 0,0 0 0,7 3 0,5 1 0,0 0 0,0-1 0,0-1 0,1 0 0,26 3 0,164-5 0,-107-4 0,-91 2 0,1 0 0,-1-1 0,0 0 0,14-4 0,-20 4 0,-1 1 0,1 0 0,-1-1 0,1 1 0,-1-1 0,1 1 0,-1-1 0,0 0 0,1 0 0,-1 1 0,0-1 0,0 0 0,1 0 0,-1 0 0,0 0 0,0-1 0,0 1 0,0 0 0,0 0 0,-1-1 0,1 1 0,0 0 0,0-1 0,-1 1 0,1-1 0,-1 1 0,0 0 0,1-1 0,-1 0 0,0 1 0,0-1 0,0-2 0,0 3 0,-1-1 0,0 0 0,0 1 0,0-1 0,0 1 0,0-1 0,0 1 0,0 0 0,0-1 0,-1 1 0,1 0 0,-1 0 0,1 0 0,-1 0 0,1 0 0,-1 0 0,1 0 0,-1 1 0,0-1 0,1 1 0,-1-1 0,0 1 0,0-1 0,1 1 0,-1 0 0,-2 0 0,-55-3 0,50 4 0,-349 1 0,338-1 0,0 2 0,-37 8 0,13-2 0,33-7 0,0 0 0,0 1 0,-21 9 0,92-6 0,137-7 0,-719 1 0,1113 0 0,-586 0 0,0-1 0,0 0 0,-1 1 0,1-2 0,0 1 0,-1 0 0,1-1 0,-1 0 0,0 0 0,0 0 0,1-1 0,-1 1 0,-1-1 0,1 0 0,6-7 0,-8 9 0,-1-1 0,0 1 0,0-1 0,0 1 0,0-1 0,0 1 0,-1-1 0,1 1 0,0-1 0,-1 0 0,1 1 0,-1-1 0,0 0 0,1 0 0,-1 1 0,0-1 0,0 0 0,0-2 0,-1 1 0,0 1 0,0 0 0,0 0 0,0 0 0,0 0 0,0 0 0,-1 0 0,1 0 0,-1 0 0,1 0 0,-1 0 0,0 1 0,1-1 0,-1 1 0,0-1 0,0 1 0,-4-2 0,-1 0 0,0-1 0,0 2 0,0-1 0,-1 1 0,1 0 0,-1 0 0,1 1 0,-16-1 0,-69 5 0,40 0 0,-18-3 0,58 0 0,42 0 0,7-2 0,0-2 0,0-1 0,0-2 0,43-14 0,-60 18 0,-17 3 0,0-1 0,1 1 0,-1 0 0,0-1 0,0 0 0,0 0 0,1 0 0,-1 0 0,0 0 0,0-1 0,-1 1 0,7-5 0,-10 6 0,1-1 0,0 0 0,0 1 0,0-1 0,-1 1 0,1-1 0,0 1 0,-1-1 0,1 1 0,0-1 0,-1 1 0,1-1 0,-1 1 0,1 0 0,-1-1 0,1 1 0,-1 0 0,1-1 0,-1 1 0,1 0 0,-1-1 0,1 1 0,-1 0 0,0 0 0,1 0 0,-1 0 0,1 0 0,-1 0 0,0-1 0,1 1 0,-1 1 0,1-1 0,-1 0 0,0 0 0,0 0 0,-27-3 0,-3 1 0,13 0 0,-1 0 0,1 1 0,-1 2 0,1 0 0,-1 0 0,1 2 0,-32 8 0,49-11 0,0 0 0,0 1 0,0-1 0,0 0 0,0 1 0,0-1 0,0 1 0,0-1 0,0 1 0,0-1 0,1 1 0,-1-1 0,0 1 0,0 0 0,1 0 0,-1-1 0,0 1 0,1 0 0,-1 0 0,0 0 0,1 0 0,-1 0 0,1 0 0,-1 2 0,2-3 0,-1 1 0,1 0 0,-1 0 0,1 0 0,0-1 0,-1 1 0,1 0 0,0 0 0,0-1 0,0 1 0,-1-1 0,1 1 0,0-1 0,0 1 0,0-1 0,0 1 0,0-1 0,0 0 0,2 1 0,55 8 0,278-10-1365,-315 1-5461</inkml:trace>
+</inkml:ink>
+</file>
+
+<file path=ppt/ink/ink10.xml><?xml version="1.0" encoding="utf-8"?>
+<inkml:ink xmlns:inkml="http://www.w3.org/2003/InkML">
+  <inkml:definitions>
+    <inkml:context xml:id="ctx0">
+      <inkml:inkSource xml:id="inkSrc0">
+        <inkml:traceFormat>
+          <inkml:channel name="X" type="integer" min="-2.14748E9" max="2.14748E9" units="cm"/>
+          <inkml:channel name="Y" type="integer" min="-2.14748E9" max="2.14748E9" units="cm"/>
+          <inkml:channel name="F" type="integer" max="32767" units="dev"/>
+        </inkml:traceFormat>
+        <inkml:channelProperties>
+          <inkml:channelProperty channel="X" name="resolution" value="1000" units="1/cm"/>
+          <inkml:channelProperty channel="Y" name="resolution" value="1000" units="1/cm"/>
+          <inkml:channelProperty channel="F" name="resolution" value="0" units="1/dev"/>
+        </inkml:channelProperties>
+      </inkml:inkSource>
+      <inkml:timestamp xml:id="ts0" timeString="2023-07-30T05:36:52.561"/>
+    </inkml:context>
+    <inkml:brush xml:id="br0">
+      <inkml:brushProperty name="width" value="0.1" units="cm"/>
+      <inkml:brushProperty name="height" value="0.1" units="cm"/>
+      <inkml:brushProperty name="color" value="#FFFFFF"/>
+    </inkml:brush>
+  </inkml:definitions>
+  <inkml:trace contextRef="#ctx0" brushRef="#br0">979 214 24575,'0'1'0,"0"0"0,0 0 0,-1 1 0,1-1 0,0 0 0,0 0 0,0 0 0,0 0 0,0 0 0,0 0 0,0 0 0,1 0 0,-1 0 0,0 0 0,1 0 0,-1 0 0,1 0 0,-1 0 0,1 0 0,-1 0 0,1 0 0,-1 0 0,1-1 0,0 1 0,-1 0 0,1 0 0,0-1 0,0 1 0,0 0 0,0-1 0,0 1 0,0-1 0,0 1 0,-1-1 0,1 0 0,2 1 0,-1-1 0,0-1 0,-1 1 0,1-1 0,0 0 0,0 0 0,-1 0 0,1 0 0,0 0 0,-1 0 0,1 0 0,-1 0 0,0-1 0,1 1 0,-1-1 0,0 1 0,0-1 0,0 1 0,0-1 0,1-2 0,10-30 0,-11 30 0,0 0 0,0 0 0,0 0 0,0 1 0,0-1 0,1 0 0,0 1 0,0-1 0,0 1 0,5-6 0,-6 9 0,0 1 0,0-1 0,0 0 0,-1 1 0,1 0 0,0-1 0,0 1 0,0-1 0,0 1 0,-1 0 0,1 0 0,0 0 0,0-1 0,-1 1 0,1 0 0,-1 0 0,1 0 0,-1 0 0,1 0 0,-1 0 0,0 0 0,1 0 0,-1 0 0,0 2 0,12 29 0,-11-25 0,0 1 0,0 0 0,-1 0 0,0 0 0,-1 12 0,1-18 0,0-1 0,0 0 0,-1 0 0,1 1 0,0-1 0,-1 0 0,1 0 0,-1 0 0,1 1 0,-1-1 0,0 0 0,1 0 0,-1 0 0,0 0 0,0 0 0,0 0 0,-1 1 0,1-2 0,0 0 0,0 0 0,0 1 0,0-1 0,0 0 0,0 0 0,0-1 0,0 1 0,0 0 0,0 0 0,0 0 0,0-1 0,0 1 0,0 0 0,0-1 0,0 1 0,0-1 0,0 1 0,0-1 0,1 0 0,-1 1 0,0-1 0,0 0 0,1 1 0,-1-1 0,0-1 0,-6-5 0,2-1 0,-1 0 0,1 1 0,0-2 0,1 1 0,-6-14 0,7 14 0,0 1 0,0 0 0,-1-1 0,0 1 0,-1 1 0,1-1 0,-1 0 0,-1 1 0,-6-6 0,12 12 0,-1 0 0,1 0 0,-1 1 0,1-1 0,-1 0 0,1 0 0,0 0 0,-1 1 0,1-1 0,-1 0 0,1 1 0,0-1 0,-1 0 0,1 1 0,0-1 0,-1 1 0,1-1 0,0 0 0,-1 1 0,1-1 0,0 1 0,0-1 0,0 1 0,-1-1 0,1 1 0,0-1 0,0 1 0,0-1 0,0 1 0,0-1 0,0 1 0,0-1 0,0 1 0,0-1 0,0 1 0,0-1 0,0 1 0,1 0 0,-3 25 0,3-1 0,0-20 0,0 1 0,-1 0 0,1 0 0,-1-1 0,-1 1 0,1 0 0,-1 0 0,0-1 0,0 1 0,-1 0 0,-4 9 0,1-17 0,1-12 0,0-14 0,4-193 0,0 245 0,1 5 0,-1 0 0,-1 0 0,-2 0 0,0 0 0,-2-1 0,-16 52 0,14-49 0,6-27 0,1 0 0,-1 0 0,1 0 0,-1 0 0,0 0 0,-1 0 0,1 0 0,-1-1 0,0 1 0,0 0 0,-3 5 0,4-10 0,0 1 0,1 0 0,-1 0 0,1 0 0,-1-1 0,1 1 0,-1 0 0,1-1 0,-1 1 0,1 0 0,-1-1 0,1 1 0,0-1 0,-1 1 0,1-1 0,-1 1 0,1-1 0,0 1 0,-1-1 0,1 1 0,0-1 0,0 1 0,0-1 0,-1 1 0,1-1 0,0 0 0,0 1 0,0-1 0,0 1 0,0-1 0,0 0 0,0 1 0,0-1 0,0 1 0,1-2 0,-5-26 0,4-221 0,1 207 0,-1 282 0,0-362 0,1 166 0,1-31 0,-1 1 0,-1 0 0,0 0 0,-1-1 0,0 1 0,-6 22 0,7-35 0,0 0 0,0 0 0,0 0 0,-1-1 0,1 1 0,0 0 0,0 0 0,-1 0 0,1-1 0,0 1 0,-1 0 0,1 0 0,0-1 0,-1 1 0,1 0 0,-1-1 0,0 1 0,1 0 0,-1-1 0,1 1 0,-1-1 0,0 1 0,0-1 0,1 1 0,-1-1 0,0 0 0,0 1 0,1-1 0,-1 0 0,0 1 0,0-1 0,0 0 0,1 0 0,-1 0 0,0 0 0,0 0 0,0 0 0,0 0 0,0 0 0,1 0 0,-1 0 0,0-1 0,0 1 0,0 0 0,1 0 0,-1-1 0,0 1 0,0-1 0,1 1 0,-1-1 0,0 1 0,0-1 0,1 1 0,-1-1 0,1 1 0,-1-1 0,1 0 0,-1 1 0,1-1 0,-1-1 0,-3-2 0,1-1 0,0 0 0,0 0 0,0 0 0,1 0 0,-1 0 0,-2-11 0,1-13 0,2 0 0,1 0 0,3-42 0,-1 24 0,-15 187 0,4-52 0,10-87 0,0 0 0,0 0 0,0 0 0,0 1 0,0-1 0,-1 0 0,1 0 0,0 0 0,0 1 0,-1-1 0,1 0 0,-1 0 0,1 0 0,-1 0 0,0 0 0,1 0 0,-1 0 0,0 0 0,0 0 0,1 0 0,-1 0 0,0-1 0,0 1 0,0 0 0,0 0 0,0-1 0,0 1 0,-2 0 0,2-1 0,0-1 0,-1 1 0,1-1 0,0 1 0,0-1 0,0 1 0,0-1 0,0 0 0,0 1 0,0-1 0,0 0 0,0 0 0,0 0 0,0 0 0,1 0 0,-1 0 0,0 0 0,1 0 0,-1 0 0,1 0 0,-1 0 0,1-1 0,-1 1 0,1 0 0,0 0 0,-1-1 0,1 1 0,0-2 0,-4-22 0,1 0 0,1 0 0,1-1 0,4-34 0,-2 16 0,-21 127 0,10-23 0,9-57 0,0 1 0,0-1 0,0 1 0,0-1 0,-1 0 0,1 1 0,-1-1 0,0 0 0,0 0 0,0 0 0,0 0 0,-1-1 0,1 1 0,-4 2 0,5-4 0,1-1 0,-1 1 0,0-1 0,0 1 0,0-1 0,1 0 0,-1 1 0,0-1 0,0 0 0,0 0 0,0 0 0,0 0 0,0 0 0,0 0 0,1 0 0,-1 0 0,0 0 0,0 0 0,0 0 0,0 0 0,0 0 0,0-1 0,0 1 0,1 0 0,-1-1 0,0 1 0,-1-1 0,-15-23 0,13 15 0,1 0 0,0 0 0,1 0 0,-2-11 0,1 6 0,3 35 0,-2 28 0,0-35 0,-10 38 0,11-50 0,1-1 0,-1 1 0,1-1 0,-1 1 0,1-1 0,-1 1 0,0-1 0,0 0 0,1 1 0,-1-1 0,0 0 0,0 0 0,0 1 0,-1-1 0,1 0 0,0 0 0,0 0 0,-1 0 0,1-1 0,0 1 0,-1 0 0,1 0 0,-1-1 0,1 1 0,-3 0 0,3-2 0,0 1 0,0 0 0,-1-1 0,1 1 0,0-1 0,0 0 0,0 1 0,0-1 0,0 0 0,0 0 0,0 0 0,0 0 0,0 1 0,1-1 0,-1 0 0,0-1 0,1 1 0,-1 0 0,0 0 0,1 0 0,-1 0 0,1 0 0,0-1 0,-1 1 0,1 0 0,0 0 0,0 0 0,0-1 0,0 0 0,-4-44 0,4 42 0,1-193 0,-6 223 0,-15 46 0,0 0 0,20-71 0,0 0 0,-1 1 0,1-1 0,0 1 0,0-1 0,-1 1 0,1-1 0,-1 0 0,1 1 0,-1-1 0,1 0 0,-1 1 0,0-1 0,0 0 0,0 0 0,0 0 0,0 0 0,0 0 0,0 0 0,0 0 0,0 0 0,0 0 0,0 0 0,-1-1 0,1 1 0,-2 0 0,2-1 0,-1-1 0,1 1 0,-1-1 0,1 1 0,-1-1 0,1 0 0,-1 1 0,1-1 0,0 0 0,-1 0 0,1 0 0,0 0 0,0 0 0,0-1 0,0 1 0,0 0 0,0 0 0,0-1 0,0 1 0,0 0 0,1-1 0,-2-2 0,-40-117 0,37 180 0,6 31 0,-6-79 0,-2-21 0,-1-22 0,6-3 0,2 36 0,-2 21 0,1-13 0,-1 0 0,0 0 0,-1 0 0,1 0 0,-2 0 0,1 0 0,-1-1 0,-1 0 0,1 0 0,-1 0 0,-1 0 0,1-1 0,-8 7 0,11-12 0,0 0 0,0 0 0,-1 0 0,1 0 0,-1 0 0,1 0 0,-1-1 0,0 1 0,0-1 0,0 0 0,1 0 0,-1 0 0,0 0 0,0-1 0,0 1 0,-1-1 0,1 1 0,0-1 0,0 0 0,0 0 0,0-1 0,0 1 0,0-1 0,0 1 0,0-1 0,0 0 0,0 0 0,0 0 0,0-1 0,1 1 0,-1-1 0,0 1 0,1-1 0,-1 0 0,1 0 0,0 0 0,0 0 0,0-1 0,0 1 0,0-1 0,-2-3 0,-8-12 0,0 0 0,2-2 0,0 1 0,1-1 0,1-1 0,-7-26 0,5 5 0,11 35 0,8 28 0,-6-12 0,1 1 0,-2 0 0,0-1 0,0 1 0,0 0 0,-1 0 0,-1 0 0,0 0 0,0 0 0,-1 1 0,0-2 0,-1 1 0,0 0 0,-1 0 0,-7 18 0,3-88 0,6 33 0,1-33 0,0 57 0,0-1 0,0 1 0,1 0 0,-1-1 0,1 1 0,0 0 0,0 0 0,0 0 0,1 0 0,-1 0 0,1 0 0,0 0 0,2-3 0,-3 5 0,-1 0 0,1 0 0,-1 1 0,1-1 0,0 0 0,0 1 0,-1-1 0,1 1 0,0-1 0,0 1 0,0-1 0,-1 1 0,1-1 0,0 1 0,0 0 0,0 0 0,0-1 0,0 1 0,0 0 0,0 0 0,0 0 0,0 0 0,0 0 0,0 0 0,0 0 0,0 0 0,0 1 0,1-1 0,0 2 0,-1-1 0,1 0 0,-1 0 0,1 1 0,-1-1 0,0 1 0,1-1 0,-1 1 0,0 0 0,0-1 0,0 1 0,1 4 0,1 2 0,0 1 0,0 0 0,-1 1 0,2 15 0,-3-11 0,1 50 0,-2-60 0,0-1 0,0 1 0,-1-1 0,0 1 0,1 0 0,-1-1 0,0 0 0,0 1 0,-1-1 0,1 0 0,-1 1 0,0-1 0,-3 5 0,4-7 0,-1 0 0,1 0 0,0-1 0,0 1 0,0 0 0,-1-1 0,1 1 0,0-1 0,0 1 0,-1-1 0,1 0 0,0 1 0,-1-1 0,1 0 0,-1 0 0,1 0 0,0 0 0,-1 0 0,1 0 0,0-1 0,-1 1 0,1 0 0,0-1 0,-1 1 0,1-1 0,0 1 0,0-1 0,-1 0 0,1 1 0,0-1 0,0 0 0,0 0 0,0 0 0,0 0 0,0 0 0,0 0 0,0 0 0,1 0 0,-2-1 0,-3-4 0,1 0 0,-1 0 0,1 0 0,1-1 0,-6-11 0,3 3 0,1-1 0,0 0 0,2 0 0,-1 0 0,2-1 0,-1-18 0,3 54 0,1 33 0,0-35 0,-1-20 0,1-32 0,0 23 0,-1-1 0,0 1 0,0-1 0,-1 0 0,-1 1 0,-6-25 0,8 38 0,-1 0 0,1-1 0,-1 1 0,1 0 0,-1 0 0,1-1 0,-1 1 0,0-1 0,1 1 0,-1 0 0,0-1 0,0 1 0,1-1 0,-1 0 0,0 1 0,0-1 0,0 1 0,1-1 0,-1 0 0,0 0 0,0 0 0,0 1 0,0-1 0,0 0 0,0 0 0,1 0 0,-1 0 0,0-1 0,0 1 0,0 0 0,0 0 0,0 0 0,0-1 0,1 1 0,-1 0 0,0-1 0,0 1 0,0-1 0,1 1 0,-1-1 0,0 1 0,1-1 0,-1 1 0,0-1 0,0-1 0,-1 0 0,0-1 0,0 1 0,1-1 0,-1 1 0,1-1 0,0 1 0,0-1 0,0 0 0,0 0 0,0 1 0,1-1 0,-1-4 0,0 7 0,1-1 0,0 0 0,0 1 0,0-1 0,0 0 0,0 0 0,0 1 0,0-1 0,0 0 0,0 0 0,1 1 0,-1-1 0,0 0 0,0 0 0,1 1 0,-1-1 0,0 0 0,1 1 0,-1-1 0,0 1 0,1-1 0,-1 0 0,1 1 0,-1-1 0,1 1 0,0-1 0,-1 1 0,1 0 0,-1-1 0,1 1 0,0 0 0,-1-1 0,1 1 0,0 0 0,0-1 0,-1 1 0,1 0 0,0 0 0,0 0 0,-1 0 0,1 0 0,0 0 0,-1 0 0,1 0 0,0 0 0,0 0 0,-1 0 0,1 1 0,0-1 0,0 0 0,0 1 0,1 0 0,1 0 0,-1 0 0,0 0 0,0 1 0,0-1 0,0 0 0,-1 1 0,1 0 0,0-1 0,-1 1 0,1 0 0,-1 0 0,1 0 0,-1 0 0,0 0 0,0 0 0,0 0 0,0 0 0,0 1 0,-1-1 0,1 0 0,-1 1 0,1-1 0,-1 4 0,4 63 0,-4-60 0,0 3 0,0-1 0,0 0 0,1 0 0,1 0 0,0 0 0,1 0 0,0 0 0,6 14 0,-7-21 0,0 0 0,0-1 0,1 1 0,-1-1 0,1 0 0,0 0 0,0 0 0,0 0 0,0 0 0,0-1 0,1 1 0,-1-1 0,1 0 0,0 0 0,-1 0 0,1-1 0,0 1 0,0-1 0,0 0 0,0 0 0,0 0 0,1-1 0,-1 1 0,0-1 0,7-1 0,1 0 0,-1-1 0,0 0 0,0-1 0,0 0 0,0-1 0,-1 0 0,20-11 0,-17 8 0,0 1 0,1 1 0,-1 0 0,21-4 0,-29 8 0,1 0 0,-1 0 0,1-1 0,-1 1 0,1-1 0,-1-1 0,0 1 0,0-1 0,0 1 0,0-1 0,8-7 0,-7 2 0,1 0 0,-1 1 0,0-2 0,-1 1 0,8-18 0,-12 25 0,-1-1 0,0 1 0,1 0 0,-1 0 0,0 0 0,1 0 0,0 0 0,-1 0 0,1 0 0,-1 0 0,1 0 0,0 0 0,0 1 0,0-1 0,-1 0 0,1 0 0,0 1 0,0-1 0,0 0 0,0 1 0,0-1 0,2 0 0,-2 2 0,-1 0 0,1 0 0,0 0 0,-1 0 0,1-1 0,-1 1 0,1 0 0,-1 0 0,0 0 0,1 0 0,-1 1 0,0-1 0,0 0 0,0 0 0,1 0 0,-1 0 0,0 0 0,-1 1 0,-1 62 0,2-58 0,-1-1 0,0 0 0,0 0 0,0 0 0,0 0 0,-1 0 0,0-1 0,-3 8 0,2-11 0,3-8 0,6-12 0,3 9 0,1 0 0,0 1 0,0 0 0,1 1 0,13-8 0,37-31 0,-52 39 0,1 0 0,-1 1 0,1 0 0,1 1 0,11-6 0,36-23 0,-57 34 0,0 0 0,0 1 0,0-1 0,-1 0 0,1 1 0,0-1 0,0 0 0,0 0 0,-1 0 0,1 0 0,0 0 0,-1 0 0,1 0 0,-1 0 0,1 0 0,-1 0 0,1 0 0,-1 0 0,0 0 0,0-1 0,1-1 0,-2 3 0,1-1 0,0 0 0,-1 0 0,1 0 0,-1 1 0,1-1 0,-1 0 0,1 0 0,-1 1 0,1-1 0,-1 1 0,0-1 0,1 1 0,-1-1 0,0 1 0,0-1 0,1 1 0,-1-1 0,0 1 0,0 0 0,-1-1 0,-2 0 0,0 0 0,0 0 0,0 0 0,0 1 0,0-1 0,0 1 0,0 0 0,0 0 0,0 1 0,0-1 0,-6 2 0,2 3 0,-1-1 0,1 1 0,0 1 0,1 0 0,-1 0 0,-12 13 0,-9 8 0,8-2-1365</inkml:trace>
+</inkml:ink>
+</file>
+
+<file path=ppt/ink/ink11.xml><?xml version="1.0" encoding="utf-8"?>
+<inkml:ink xmlns:inkml="http://www.w3.org/2003/InkML">
+  <inkml:definitions>
+    <inkml:context xml:id="ctx0">
+      <inkml:inkSource xml:id="inkSrc0">
+        <inkml:traceFormat>
+          <inkml:channel name="X" type="integer" min="-2.14748E9" max="2.14748E9" units="cm"/>
+          <inkml:channel name="Y" type="integer" min="-2.14748E9" max="2.14748E9" units="cm"/>
+          <inkml:channel name="F" type="integer" max="32767" units="dev"/>
+        </inkml:traceFormat>
+        <inkml:channelProperties>
+          <inkml:channelProperty channel="X" name="resolution" value="1000" units="1/cm"/>
+          <inkml:channelProperty channel="Y" name="resolution" value="1000" units="1/cm"/>
+          <inkml:channelProperty channel="F" name="resolution" value="0" units="1/dev"/>
+        </inkml:channelProperties>
+      </inkml:inkSource>
+      <inkml:timestamp xml:id="ts0" timeString="2023-07-30T05:36:55.521"/>
+    </inkml:context>
+    <inkml:brush xml:id="br0">
+      <inkml:brushProperty name="width" value="0.1" units="cm"/>
+      <inkml:brushProperty name="height" value="0.1" units="cm"/>
+      <inkml:brushProperty name="color" value="#FFFFFF"/>
+    </inkml:brush>
+  </inkml:definitions>
+  <inkml:trace contextRef="#ctx0" brushRef="#br0">1 216 24575,'1'1'0,"0"-1"0,0 1 0,0-1 0,0 1 0,0-1 0,0 1 0,-1-1 0,1 1 0,0 0 0,0 0 0,0-1 0,0 1 0,-1 0 0,1 0 0,0 0 0,-1 0 0,1 0 0,-1 0 0,1 0 0,-1 0 0,1 0 0,-1 0 0,0 0 0,0 0 0,1 0 0,-1 0 0,0 2 0,4 36 0,-4-35 0,1 155 0,0-159 0,-1 1 0,0-1 0,1 0 0,-1 0 0,1 1 0,-1-1 0,1 0 0,-1 0 0,1 0 0,0 0 0,-1 0 0,1 0 0,-1 0 0,1 0 0,-1 0 0,1 0 0,-1 0 0,1 0 0,-1 0 0,1 0 0,-1-1 0,1 1 0,-1 0 0,1 0 0,-1 0 0,1-1 0,-1 1 0,1 0 0,-1-1 0,0 1 0,1 0 0,-1-1 0,0 1 0,1-1 0,28-17 0,-22 13 0,45-31 0,-37 25 0,1 0 0,0 1 0,18-9 0,-31 18 0,1-1 0,-1 0 0,0 0 0,-1 0 0,1 0 0,0-1 0,0 1 0,-1-1 0,0 1 0,1-1 0,-1 0 0,0 0 0,0 0 0,2-5 0,-2 4 0,0 0 0,1-1 0,0 2 0,0-1 0,0 0 0,6-6 0,-6 9 0,-1-1 0,1 1 0,-1 0 0,1 0 0,-1 0 0,1 0 0,0 0 0,0 1 0,0-1 0,-1 1 0,1 0 0,0 0 0,0 0 0,5 0 0,50 10 0,-14-3 0,43-2 0,109-10 0,-195 6 0,1-1 0,-1 0 0,0 0 0,1 0 0,-1 0 0,0 0 0,0 0 0,1-1 0,-1 1 0,0 0 0,1-1 0,-1 1 0,0-1 0,0 1 0,0-1 0,0 0 0,0 1 0,1-1 0,-1 0 0,0 0 0,0 0 0,-1 0 0,1 0 0,0 0 0,0 0 0,0 0 0,-1 0 0,1 0 0,0 0 0,-1 0 0,1 0 0,-1-1 0,0 1 0,1 0 0,-1 0 0,0-3 0,0-2 0,-2 0 0,1 0 0,-1 0 0,0 1 0,0-1 0,-6-10 0,-7-23 0,14 34 0,0 0 0,0 0 0,0 0 0,1 0 0,0 0 0,0 0 0,0 0 0,1 0 0,-1 0 0,1 0 0,0 1 0,1-1 0,-1 0 0,1 0 0,4-7 0,-3 9 0,-1 0 0,1 0 0,0 0 0,0 1 0,0-1 0,1 1 0,-1 0 0,0 0 0,1 0 0,-1 1 0,1-1 0,0 1 0,0 0 0,-1-1 0,1 2 0,0-1 0,0 0 0,0 1 0,0 0 0,5 0 0,32 1 0,-31 0 0,0 0 0,1-1 0,-1 0 0,0-1 0,13-3 0,-22 4-28,-1 0 1,1 0-1,0 0 0,-1 0 0,1 0 0,0 0 0,-1 0 0,1-1 0,-1 1 1,1 0-1,0 0 0,-1-1 0,1 1 0,-1 0 0,1-1 0,-1 1 1,1-1-1,-1 1 0,0-1 0,1 1 0,-1-1 0,1 1 0,-1-1 1,0 1-1,0-1 0,1 1 0,-1-1 0,0 0 0,0 1 0,1-1 1,-1 1-1,0-1 0,0 0 0,0 1 0,0-1 0,0 0 0,0 1 0,0-1 1,0 1-1,0-1 0,-1 0 0,1 1 0,0-1 0,0 1 0,0-1 1,-1 0-1,1 1 0,-1-1 0</inkml:trace>
+</inkml:ink>
+</file>
+
+<file path=ppt/ink/ink12.xml><?xml version="1.0" encoding="utf-8"?>
+<inkml:ink xmlns:inkml="http://www.w3.org/2003/InkML">
+  <inkml:definitions>
+    <inkml:context xml:id="ctx0">
+      <inkml:inkSource xml:id="inkSrc0">
+        <inkml:traceFormat>
+          <inkml:channel name="X" type="integer" min="-2.14748E9" max="2.14748E9" units="cm"/>
+          <inkml:channel name="Y" type="integer" min="-2.14748E9" max="2.14748E9" units="cm"/>
+          <inkml:channel name="F" type="integer" max="32767" units="dev"/>
+        </inkml:traceFormat>
+        <inkml:channelProperties>
+          <inkml:channelProperty channel="X" name="resolution" value="1000" units="1/cm"/>
+          <inkml:channelProperty channel="Y" name="resolution" value="1000" units="1/cm"/>
+          <inkml:channelProperty channel="F" name="resolution" value="0" units="1/dev"/>
+        </inkml:channelProperties>
+      </inkml:inkSource>
+      <inkml:timestamp xml:id="ts0" timeString="2023-07-30T05:36:57.124"/>
+    </inkml:context>
+    <inkml:brush xml:id="br0">
+      <inkml:brushProperty name="width" value="0.1" units="cm"/>
+      <inkml:brushProperty name="height" value="0.1" units="cm"/>
+      <inkml:brushProperty name="color" value="#FFFFFF"/>
+    </inkml:brush>
+  </inkml:definitions>
+  <inkml:trace contextRef="#ctx0" brushRef="#br0">205 405 24575,'0'179'0,"72"-235"0,-3-21 0,-66 74 0,-1 0 0,0 0 0,0 0 0,0 0 0,0-1 0,0 1 0,-1-1 0,1 1 0,-1-1 0,0 1 0,0-1 0,-1 0 0,1 1 0,-1-1 0,1 0 0,-1 0 0,0 0 0,-1 1 0,1-1 0,-1 0 0,-1-5 0,2 7 0,-1 1 0,1-1 0,-1 0 0,0 1 0,0-1 0,0 1 0,0-1 0,0 1 0,0-1 0,0 1 0,0 0 0,0 0 0,-1-1 0,1 1 0,0 0 0,-1 0 0,1 0 0,-1 0 0,-1 0 0,1 0 0,-1 1 0,1 0 0,0-1 0,0 1 0,-1 0 0,1 0 0,0 0 0,0 1 0,-1-1 0,1 1 0,0-1 0,0 1 0,0 0 0,-1-1 0,1 1 0,0 0 0,0 0 0,-3 3 0,-3 2 0,0 2 0,0-1 0,1 1 0,0 0 0,0 0 0,1 1 0,0 0 0,0 0 0,1 0 0,-7 17 0,-26 40 0,37-64 0,-1 0 0,1 0 0,-1 0 0,1 1 0,0-1 0,0 1 0,0-1 0,0 0 0,0 1 0,1 0 0,-1-1 0,1 1 0,0-1 0,-1 1 0,2 4 0,-1-7 0,0 1 0,0-1 0,0 1 0,0 0 0,1-1 0,-1 1 0,0-1 0,0 1 0,1-1 0,-1 1 0,0-1 0,1 1 0,-1-1 0,1 1 0,-1-1 0,1 1 0,-1-1 0,1 0 0,-1 1 0,1-1 0,-1 0 0,1 1 0,-1-1 0,2 0 0,-1 1 0,1-1 0,0 0 0,0 0 0,-1 0 0,1 0 0,0 0 0,-1-1 0,1 1 0,0 0 0,-1-1 0,1 0 0,-1 1 0,3-2 0,35-17 0,-1-2 0,0-1 0,37-31 0,54-34 0,-118 80 0,0-1 0,-1-1 0,1 0 0,-2 0 0,1 0 0,-2-2 0,1 1 0,-1-1 0,-1 0 0,0 0 0,0-1 0,-1 0 0,-1-1 0,8-23 0,-9 19 0,1 1 0,-2 0 0,0-1 0,0 1 0,-1-1 0,-1-24 0,-2 39 0,1-1 0,0 1 0,-1-1 0,1 1 0,-1-1 0,0 1 0,0 0 0,0-1 0,0 1 0,0 0 0,0-1 0,-1 1 0,1 0 0,-1 0 0,0 0 0,1 0 0,-4-2 0,2 2 0,0 1 0,0 0 0,0 0 0,-1 0 0,1 0 0,0 0 0,0 1 0,-1-1 0,1 1 0,0 0 0,0 0 0,-1 0 0,1 0 0,0 1 0,-1-1 0,1 1 0,-5 1 0,-3 2 0,-1 0 0,1 1 0,0 1 0,0 0 0,1 0 0,-1 1 0,1 0 0,1 1 0,-15 14 0,-43 31 0,-108 68 0,114-77 0,52-37 0,0 1 0,0 0 0,1 1 0,-13 17 0,-25 25 0,38-44 0,1 0 0,0 1 0,1 0 0,-9 15 0,12-20 0,1 1 0,0-1 0,0 1 0,0 0 0,0 0 0,1 0 0,-1 0 0,1 0 0,0 0 0,0 0 0,1 1 0,-1-1 0,1 8 0,0-12 0,0 1 0,0 0 0,1 0 0,-1 0 0,0-1 0,0 1 0,0 0 0,1 0 0,-1-1 0,0 1 0,1 0 0,-1-1 0,0 1 0,1 0 0,-1-1 0,1 1 0,-1-1 0,1 1 0,0-1 0,-1 1 0,1-1 0,-1 1 0,1-1 0,0 1 0,-1-1 0,1 0 0,0 0 0,0 1 0,1-1 0,-1 0 0,1 0 0,-1 0 0,1-1 0,-1 1 0,1-1 0,-1 1 0,1-1 0,-1 0 0,1 1 0,-1-1 0,0 0 0,1 0 0,1-2 0,2-2 0,0 0 0,0 0 0,0-1 0,0 1 0,5-10 0,-7 9-51,6-10-113,0 0 0,-1-1-1,-1 0 1,0-1 0,-2 0-1,0 0 1,5-34 0,-9 33-6662</inkml:trace>
+</inkml:ink>
+</file>
+
+<file path=ppt/ink/ink13.xml><?xml version="1.0" encoding="utf-8"?>
+<inkml:ink xmlns:inkml="http://www.w3.org/2003/InkML">
+  <inkml:definitions>
+    <inkml:context xml:id="ctx0">
+      <inkml:inkSource xml:id="inkSrc0">
+        <inkml:traceFormat>
+          <inkml:channel name="X" type="integer" min="-2.14748E9" max="2.14748E9" units="cm"/>
+          <inkml:channel name="Y" type="integer" min="-2.14748E9" max="2.14748E9" units="cm"/>
+          <inkml:channel name="F" type="integer" max="32767" units="dev"/>
+        </inkml:traceFormat>
+        <inkml:channelProperties>
+          <inkml:channelProperty channel="X" name="resolution" value="1000" units="1/cm"/>
+          <inkml:channelProperty channel="Y" name="resolution" value="1000" units="1/cm"/>
+          <inkml:channelProperty channel="F" name="resolution" value="0" units="1/dev"/>
+        </inkml:channelProperties>
+      </inkml:inkSource>
+      <inkml:timestamp xml:id="ts0" timeString="2023-07-30T05:36:44.363"/>
+    </inkml:context>
+    <inkml:brush xml:id="br0">
+      <inkml:brushProperty name="width" value="0.1" units="cm"/>
+      <inkml:brushProperty name="height" value="0.1" units="cm"/>
+      <inkml:brushProperty name="color" value="#FFFFFF"/>
+    </inkml:brush>
+  </inkml:definitions>
+  <inkml:trace contextRef="#ctx0" brushRef="#br0">1647 333 24575,'0'2'0,"0"0"0,1 0 0,-1 0 0,-1 0 0,1 1 0,0-1 0,0 0 0,-1 0 0,1 0 0,-1 0 0,0 0 0,1 0 0,-1 0 0,0 0 0,0 0 0,0 0 0,-1 0 0,1-1 0,0 1 0,-1 0 0,1-1 0,-1 1 0,1-1 0,-1 0 0,-2 2 0,1-2 0,-1 0 0,1-1 0,0 0 0,0 1 0,0-1 0,0 0 0,0-1 0,0 1 0,0 0 0,0-1 0,0 0 0,0 0 0,0 0 0,0 0 0,0 0 0,1 0 0,-1-1 0,-3-1 0,1-1 0,-1-1 0,1 1 0,0-1 0,0 0 0,1 0 0,-1 0 0,-3-7 0,5 8 0,0-1 0,0 1 0,0 1 0,0-1 0,-1 0 0,1 1 0,-1-1 0,0 1 0,0 0 0,0 1 0,-9-6 0,12 8 0,1 0 0,-1 1 0,1-1 0,-1 0 0,0 0 0,1 0 0,-1 0 0,1 1 0,-1-1 0,1 0 0,-1 1 0,1-1 0,-1 0 0,1 1 0,-1-1 0,1 0 0,0 1 0,-1-1 0,1 1 0,0-1 0,-1 1 0,1-1 0,0 1 0,-1-1 0,1 1 0,0-1 0,0 1 0,0 0 0,0-1 0,0 1 0,-1-1 0,1 1 0,0-1 0,0 1 0,0 0 0,1 0 0,-3 27 0,2-25 0,-1 12 0,0-9 0,1 0 0,-1 0 0,1 0 0,0 0 0,0-1 0,1 1 0,0 0 0,0 0 0,0 0 0,1-1 0,0 1 0,0-1 0,0 1 0,4 5 0,-6-11 0,1 1 0,-1-1 0,1 0 0,-1 1 0,0-1 0,1 1 0,-1-1 0,1 0 0,-1 0 0,1 1 0,-1-1 0,1 0 0,-1 0 0,1 1 0,-1-1 0,1 0 0,0 0 0,-1 0 0,1 0 0,-1 0 0,1 0 0,-1 0 0,1 0 0,0 0 0,-1 0 0,1 0 0,-1 0 0,1-1 0,-1 1 0,1 0 0,-1 0 0,1-1 0,-1 1 0,1 0 0,-1 0 0,1-1 0,16-24 0,2-31 0,-16 22 0,-1 0 0,-3-47 0,0 50 0,0 100 0,-1-38 0,2 0 0,1 0 0,1 0 0,12 60 0,-11-88 0,-1-8 0,1-25 0,-1-38 0,0 4 0,-1 40 0,0 0 0,-1 0 0,-2-1 0,-5-27 0,7 49 0,-1 0 0,0 1 0,1-1 0,-1 1 0,0-1 0,-1 1 0,1 0 0,0-1 0,-1 1 0,1 0 0,-1 0 0,0 0 0,-3-4 0,4 6 0,-1-1 0,1 0 0,0 1 0,0-1 0,0 1 0,-1-1 0,1 1 0,0-1 0,0 1 0,-1 0 0,1 0 0,0 0 0,-1-1 0,1 1 0,0 1 0,-1-1 0,1 0 0,0 0 0,-1 0 0,-1 1 0,1 1 0,-1-1 0,0 1 0,1-1 0,-1 1 0,1 0 0,-1 0 0,1 0 0,0 0 0,0 1 0,0-1 0,0 0 0,0 1 0,1-1 0,-1 1 0,1 0 0,-1 0 0,1 0 0,0-1 0,0 1 0,1 0 0,-1 0 0,0 5 0,1-5 0,-1 0 0,1 0 0,0 0 0,0 0 0,1 0 0,-1 0 0,0 0 0,1 0 0,0 0 0,0 0 0,0-1 0,0 1 0,0 0 0,1 0 0,-1-1 0,1 1 0,0-1 0,-1 1 0,1-1 0,0 0 0,1 0 0,3 4 0,-4-5 0,0 0 0,0 0 0,0 0 0,0 0 0,0 0 0,0 0 0,1-1 0,-1 1 0,0-1 0,0 1 0,1-1 0,-1 0 0,0 0 0,1 0 0,-1 0 0,0 0 0,1-1 0,-1 1 0,0-1 0,0 1 0,1-1 0,-1 0 0,0 0 0,0 0 0,0 0 0,0 0 0,0-1 0,0 1 0,0-1 0,2-2 0,-1 0 0,1 0 0,-2-1 0,1 0 0,0 0 0,-1 0 0,0 0 0,0 0 0,0 0 0,-1 0 0,1-1 0,-1 1 0,-1 0 0,1-1 0,-1-5 0,1 2 0,-1 0 0,0-1 0,0 1 0,-1 0 0,-1 0 0,1-1 0,-5-12 0,4 19 0,1 1 0,-1-1 0,0 1 0,0 0 0,1-1 0,-2 1 0,1 0 0,0 0 0,0 0 0,0 1 0,-1-1 0,1 0 0,-1 1 0,0 0 0,1-1 0,-1 1 0,0 0 0,0 0 0,0 1 0,0-1 0,1 1 0,-1-1 0,0 1 0,0 0 0,0 0 0,0 0 0,0 0 0,0 1 0,0-1 0,-5 2 0,3-1 0,1 0 0,-1 1 0,0-1 0,1 1 0,0 0 0,-1 0 0,1 0 0,0 0 0,0 1 0,0 0 0,0-1 0,1 2 0,-1-1 0,1 0 0,0 1 0,0-1 0,0 1 0,-4 6 0,-1 6 0,-1 1 0,-18 24 0,-1 2 0,16-24 0,8-14 0,0 0 0,1 0 0,-1 0 0,1 0 0,1 1 0,-1-1 0,1 1 0,0 0 0,0-1 0,1 1 0,-1 0 0,1 0 0,0 0 0,1 0 0,0 0 0,0 0 0,0 0 0,2 8 0,-2-13 0,0-1 0,-1 0 0,1 0 0,0 0 0,0 1 0,0-1 0,0 0 0,0 0 0,0 1 0,0-1 0,0 0 0,0 0 0,0 1 0,0-1 0,0 0 0,0 0 0,0 1 0,0-1 0,1 0 0,-1 0 0,0 1 0,0-1 0,0 0 0,0 0 0,0 1 0,0-1 0,1 0 0,-1 0 0,0 0 0,0 0 0,0 1 0,1-1 0,-1 0 0,0 0 0,0 0 0,0 0 0,1 0 0,-1 0 0,0 1 0,0-1 0,1 0 0,-1 0 0,0 0 0,0 0 0,1 0 0,-1 0 0,0 0 0,0 0 0,1 0 0,-1 0 0,0 0 0,0 0 0,1 0 0,-1-1 0,0 1 0,1 0 0,5-19 0,1-27 0,-6-29 0,-1 68 0,-1 9 0,1 39 0,0 34 0,0-67 0,0-10 0,0-39 0,2-13 0,0 38 0,-1 0 0,0 0 0,-2 0 0,0 0 0,0 0 0,-1 0 0,-9-30 0,9 41 0,-1-1 0,0 0 0,0 1 0,-1-1 0,0 1 0,1 0 0,-2 0 0,-4-4 0,9 8 0,-1 1 0,0-1 0,0 1 0,1-1 0,-1 1 0,0-1 0,0 1 0,1 0 0,-1-1 0,0 1 0,0 0 0,0 0 0,1-1 0,-1 1 0,0 0 0,0 0 0,0 0 0,0 0 0,0 0 0,1 0 0,-1 1 0,0-1 0,0 0 0,-1 1 0,0 0 0,1 0 0,-1 0 0,1 1 0,0-1 0,-1 1 0,1-1 0,0 1 0,0 0 0,0-1 0,0 1 0,0 0 0,0 0 0,0 0 0,1 0 0,-1 2 0,-21 55 0,14-39 0,0 1 0,2 0 0,-7 34 0,16-79 0,-2-1 0,0 1 0,-2 0 0,0-1 0,-10-46 0,11 70 0,0 1 0,0 0 0,0 0 0,0-1 0,0 1 0,0 0 0,0-1 0,0 1 0,0 0 0,0 0 0,0-1 0,0 1 0,0 0 0,0 0 0,0-1 0,0 1 0,0 0 0,0 0 0,0-1 0,-1 1 0,1 0 0,0 0 0,0-1 0,0 1 0,0 0 0,0 0 0,-1 0 0,1-1 0,0 1 0,0 0 0,0 0 0,-1 0 0,1 0 0,0 0 0,0-1 0,-1 1 0,1 0 0,0 0 0,0 0 0,-1 0 0,1 0 0,0 0 0,0 0 0,-1 0 0,1 0 0,0 0 0,-1 0 0,1 0 0,0 0 0,0 0 0,-1 0 0,-4 18 0,2 27 0,3-4 0,2 90 0,-2-128 0,0-1 0,0 1 0,0-1 0,1 1 0,-1-1 0,1 1 0,0-1 0,0 0 0,-1 1 0,1-1 0,1 0 0,-1 0 0,0 1 0,0-1 0,1 0 0,0 0 0,-1 0 0,1-1 0,0 1 0,0 0 0,0-1 0,0 1 0,0-1 0,0 1 0,0-1 0,0 0 0,1 0 0,-1 0 0,1 0 0,-1-1 0,0 1 0,1 0 0,-1-1 0,1 0 0,-1 0 0,1 0 0,-1 0 0,1 0 0,-1 0 0,1-1 0,-1 1 0,1-1 0,-1 1 0,1-1 0,-1 0 0,0 0 0,1 0 0,-1 0 0,4-3 0,-3 1 0,0 1 0,1 0 0,0 0 0,-1 1 0,1-1 0,0 1 0,0-1 0,0 1 0,0 0 0,0 1 0,0-1 0,0 1 0,1 0 0,-1 0 0,0 0 0,0 0 0,0 1 0,0 0 0,0 0 0,0 0 0,0 0 0,0 0 0,0 1 0,6 3 0,-8-3 0,1-1 0,-1 1 0,0 0 0,0 0 0,0 0 0,0 0 0,0 1 0,0-1 0,-1 1 0,1-1 0,-1 1 0,1-1 0,-1 1 0,0 0 0,0-1 0,0 1 0,-1 0 0,1 0 0,-1 0 0,1 0 0,-1 0 0,0 0 0,0 0 0,0 0 0,-1 0 0,1-1 0,-1 1 0,1 0 0,-1 0 0,0 0 0,0-1 0,0 1 0,-1 0 0,1-1 0,-3 4 0,-5 5 0,0 1 0,-1-2 0,0 0 0,-1 0 0,0-1 0,-1 0 0,-22 13 0,23-15 0,-20 8 0,24-10 0,36-5 0,-15 0 0,-9 0 0,-1 1 0,1-1 0,0 0 0,-1-1 0,1 1 0,-1-1 0,1 0 0,0 0 0,-1 0 0,0-1 0,9-3 0,-13 5 0,0 0 0,0 0 0,0 0 0,0 0 0,0 0 0,0-1 0,1 1 0,-1 0 0,0 0 0,0 0 0,0 0 0,0 0 0,0 0 0,0 0 0,0-1 0,0 1 0,0 0 0,0 0 0,0 0 0,0 0 0,0 0 0,0-1 0,0 1 0,0 0 0,0 0 0,0 0 0,0 0 0,0 0 0,0 0 0,0-1 0,0 1 0,0 0 0,0 0 0,0 0 0,0 0 0,0 0 0,0 0 0,0 0 0,-1-1 0,1 1 0,0 0 0,0 0 0,0 0 0,0 0 0,0 0 0,0 0 0,0 0 0,0 0 0,-1 0 0,1 0 0,0 0 0,0-1 0,0 1 0,0 0 0,-14-4 0,-13 0 0,-232 2 0,135 4 0,123-3 0,0 1 0,0 0 0,0 0 0,0 0 0,0-1 0,0 1 0,1 0 0,-1 0 0,0 0 0,0 0 0,0 1 0,0-1 0,0 0 0,0 0 0,0 1 0,0-1 0,1 0 0,-1 1 0,0-1 0,0 0 0,0 1 0,1 0 0,-1-1 0,0 1 0,0 0 0,18 11 0,40 9 0,-46-18 0,1 0 0,0-1 0,-1-1 0,1 1 0,0-2 0,0 0 0,0 0 0,-1-1 0,1 0 0,0-1 0,0-1 0,-1 1 0,0-2 0,1 0 0,-1 0 0,-1-1 0,1 0 0,16-12 0,24-10 0,10-5 0,-57 30 0,-1-1 0,1 1 0,-1-1 0,0 0 0,0 0 0,0 0 0,0 0 0,-1-1 0,1 1 0,-1-1 0,0 1 0,3-7 0,-4 9 0,-1 0 0,0 0 0,0 1 0,1-1 0,-1 0 0,0 0 0,0 0 0,0 0 0,0 0 0,0 0 0,0 0 0,0 0 0,0 0 0,0 0 0,0 0 0,-1 1 0,1-1 0,0 0 0,-1 0 0,1 0 0,-1 0 0,1 0 0,-1 1 0,1-1 0,-1 0 0,0 0 0,-26-11 0,-39 8 0,59 4 0,-34 0 0,1 2 0,-1 1 0,1 2 0,0 2 0,1 2 0,-55 19 0,28-6 0,46-17 0,1 1 0,0 1 0,1 0 0,-1 1 0,2 1 0,-34 23 0,50-31 0,-1-1 0,1 1 0,0 0 0,0 0 0,0 0 0,0 0 0,0 0 0,0 0 0,0 0 0,0 1 0,0-1 0,0 0 0,1 0 0,-1 1 0,0-1 0,1 0 0,-1 1 0,1-1 0,0 1 0,-1-1 0,1 1 0,0-1 0,0 1 0,0 2 0,1-3 0,0 1 0,-1-1 0,1 1 0,0-1 0,1 0 0,-1 0 0,0 1 0,0-1 0,0 0 0,1 0 0,-1 0 0,1 0 0,-1-1 0,1 1 0,-1 0 0,1 0 0,2 0 0,7 2 0,1 0 0,-1 0 0,1-2 0,21 2 0,-12-3 0,3 1 0,0-2 0,32-4 0,-48 4 0,-1-1 0,1 0 0,0 0 0,-1-1 0,0 0 0,1-1 0,-1 1 0,-1-1 0,1-1 0,0 1 0,6-7 0,-9 7 0,5-3 0,0-1 0,-1 0 0,12-17 0,-17 20 0,0 1 0,-1-1 0,0 0 0,0 0 0,0 0 0,-1 0 0,1 0 0,-1 0 0,0-1 0,0-9 0,-1 9 0,1 1 0,-1-1 0,-1 0 0,1 1 0,-1-1 0,1 0 0,-2 1 0,1-1 0,-1 1 0,-2-8 0,2 11 0,0-1 0,1 1 0,-1 0 0,0 0 0,0 0 0,-1 0 0,1 0 0,0 1 0,-1-1 0,1 1 0,-1-1 0,1 1 0,-1 0 0,0 0 0,1 0 0,-1 0 0,0 0 0,0 1 0,0-1 0,0 1 0,0 0 0,-3 0 0,-224 1 0,102 2 0,-383-3 0,462 4 0,47-4 0,0 0 0,0 0 0,1 0 0,-1 1 0,0-1 0,1 1 0,-1-1 0,0 1 0,1 0 0,-1-1 0,0 1 0,1 0 0,-1 0 0,1 0 0,0 0 0,-1 0 0,1 1 0,0-1 0,0 0 0,-1 1 0,1-1 0,0 1 0,0-1 0,0 3 0,1-2 0,0-1 0,0 1 0,1-1 0,-1 1 0,1-1 0,0 1 0,-1-1 0,1 1 0,0-1 0,0 0 0,0 0 0,0 1 0,0-1 0,0 0 0,0 0 0,0 0 0,1 0 0,-1 0 0,0 0 0,1 0 0,-1 0 0,3 1 0,38 18 0,-37-18 0,7 2 0,-1-1 0,0 1 0,1-2 0,-1 0 0,1 0 0,0-1 0,0 0 0,-1-1 0,1 0 0,0-1 0,19-4 0,-3-2 0,0-1 0,0-1 0,40-20 0,-38 15 0,-9 5 0,0 0 0,-1-2 0,0-1 0,22-16 0,-28 17 0,-4 3 0,0 1 0,-1-2 0,0 1 0,10-14 0,-17 19 0,0 0 0,0 0 0,0 0 0,0 0 0,-1-1 0,0 1 0,1 0 0,-1-1 0,0 1 0,-1-1 0,1 0 0,-1 1 0,0-1 0,1 1 0,-2-1 0,1 0 0,0 1 0,-1-1 0,-1-5 0,2 9 0,0-1 0,0 1 0,0 0 0,0-1 0,0 1 0,0-1 0,0 1 0,0 0 0,-1-1 0,1 1 0,0 0 0,0-1 0,0 1 0,0 0 0,-1-1 0,1 1 0,0 0 0,0 0 0,-1-1 0,1 1 0,0 0 0,-1 0 0,1-1 0,0 1 0,-1 0 0,1 0 0,0 0 0,-1 0 0,1-1 0,0 1 0,-1 0 0,1 0 0,-1 0 0,1 0 0,0 0 0,-1 0 0,1 0 0,-1 0 0,1 0 0,0 0 0,-1 0 0,0 1 0,-17 14 0,-9 24 0,9-10 0,12-18 0,-1 0 0,1 0 0,1 0 0,0 0 0,-5 19 0,10-28 0,-1 0 0,1 0 0,0-1 0,-1 1 0,1 0 0,-1-1 0,1 1 0,-1 0 0,0-1 0,0 1 0,0-1 0,0 1 0,0-1 0,0 1 0,0-1 0,0 0 0,-1 1 0,1-1 0,0 0 0,-1 0 0,1 0 0,-1 0 0,0 0 0,1-1 0,-1 1 0,1 0 0,-1-1 0,-3 1 0,3-1 0,-1 0 0,0-1 0,1 1 0,-1-1 0,1 0 0,-1 0 0,1 0 0,0 0 0,-1 0 0,1 0 0,0-1 0,0 1 0,-1-1 0,1 0 0,0 1 0,1-1 0,-1 0 0,-2-3 0,-2 0 0,1 1 0,-1 0 0,0 0 0,0 0 0,0 1 0,0 0 0,-1 0 0,1 1 0,-1 0 0,0 0 0,1 0 0,-1 1 0,0 0 0,0 0 0,0 1 0,0 0 0,0 0 0,0 1 0,0 0 0,-12 2 0,14-2 0,0 1 0,1-1 0,-1 1 0,0 0 0,0 0 0,1 0 0,-1 0 0,1 1 0,0 0 0,0 0 0,0 0 0,-7 8 0,9-9 0,0 1 0,0 0 0,1-1 0,-1 1 0,1 0 0,0 0 0,-1 1 0,1-1 0,1 0 0,-1 0 0,0 0 0,1 1 0,0-1 0,0 0 0,0 0 0,0 1 0,0-1 0,0 0 0,1 1 0,0-1 0,1 4 0,-2-6 0,0-1 0,0 1 0,0-1 0,0 1 0,0-1 0,0 1 0,1-1 0,-1 0 0,0 1 0,0-1 0,0 1 0,0-1 0,1 1 0,-1-1 0,0 0 0,0 1 0,1-1 0,-1 0 0,0 1 0,1-1 0,-1 0 0,1 1 0,-1-1 0,0 0 0,1 0 0,-1 1 0,1-1 0,-1 0 0,0 0 0,1 0 0,-1 0 0,1 0 0,-1 1 0,1-1 0,0 0 0,12-13 0,4-25 0,-13 10 0,-1 0 0,-1 0 0,-1-1 0,-6-48 0,5 75 0,0 1 0,0-1 0,0 1 0,0-1 0,0 0 0,-1 1 0,1-1 0,-1 1 0,1-1 0,-1 1 0,1-1 0,-1 1 0,0 0 0,0-1 0,1 1 0,-1 0 0,-1-2 0,1 3 0,0 0 0,1 0 0,-1 0 0,0 0 0,1 1 0,-1-1 0,1 0 0,-1 0 0,0 0 0,1 1 0,-1-1 0,1 0 0,-1 0 0,1 1 0,-1-1 0,1 1 0,-1-1 0,1 0 0,-1 1 0,1-1 0,0 1 0,-1-1 0,1 1 0,0-1 0,-1 1 0,1 0 0,-1 0 0,-24 53 0,24-50 0,-6 17 0,1 0 0,-3 24 0,7-31 0,-1-1 0,1 1 0,-2-1 0,0 0 0,-1 0 0,0-1 0,-1 1 0,-9 15 0,14-27 0,0 1 0,0-1 0,0 1 0,-1-1 0,1 0 0,0 0 0,0 1 0,-1-1 0,1 0 0,-1 0 0,1 0 0,-1-1 0,1 1 0,-1 0 0,1-1 0,-1 1 0,0 0 0,1-1 0,-1 0 0,0 1 0,0-1 0,1 0 0,-1 0 0,-3 0 0,2-1 0,0 0 0,1 0 0,-1-1 0,0 1 0,1 0 0,-1-1 0,1 0 0,-1 0 0,1 1 0,0-1 0,0-1 0,0 1 0,-3-3 0,0-2 0,0-1 0,0 1 0,1-1 0,0 0 0,0 0 0,0 0 0,1-1 0,1 1 0,-3-11 0,-4-47 0,4 39 0,1 1 0,0-42 0,4 66 0,0 1 0,0-1 0,0 1 0,0 0 0,0-1 0,0 1 0,0 0 0,0-1 0,1 1 0,-1 0 0,1-1 0,-1 1 0,1 0 0,-1 0 0,1 0 0,0-1 0,-1 1 0,1 0 0,0 0 0,0 0 0,0 0 0,0 0 0,0 0 0,0 0 0,0 1 0,0-1 0,0 0 0,0 0 0,2 0 0,-2 1 0,0 1 0,1-1 0,-1 0 0,0 1 0,0-1 0,0 1 0,0 0 0,0-1 0,0 1 0,0 0 0,0-1 0,0 1 0,0 0 0,0 0 0,0 0 0,0 0 0,-1 0 0,1 0 0,0 0 0,-1 0 0,1 0 0,-1 0 0,1 0 0,-1 1 0,1-1 0,-1 0 0,0 0 0,0 0 0,1 1 0,-1-1 0,0 2 0,3 20 0,-1-1 0,0 1 0,-2 0 0,0 0 0,-2-1 0,-1 1 0,0-1 0,-2 1 0,0-1 0,-13 32 0,17-52 0,0-1 0,0 1 0,1-1 0,-1 1 0,1-1 0,-1 1 0,1 0 0,0-1 0,-1 1 0,1-1 0,0 1 0,0 0 0,0 0 0,0-1 0,0 1 0,1-1 0,-1 1 0,1 0 0,-1-1 0,1 1 0,-1-1 0,1 1 0,0-1 0,0 1 0,-1-1 0,3 2 0,-1-1 0,0-1 0,0 1 0,0-1 0,0 0 0,1 0 0,-1 0 0,1-1 0,-1 1 0,0 0 0,1-1 0,-1 0 0,1 1 0,-1-1 0,1 0 0,4-1 0,0 1 0,0-1 0,0 0 0,0-1 0,0 1 0,0-1 0,0-1 0,-1 1 0,1-1 0,-1 0 0,0-1 0,1 1 0,6-6 0,68-77 0,-73 77 0,0 0 0,-1-1 0,0 0 0,0 0 0,-1 0 0,-1-1 0,0 0 0,6-20 0,6-11 0,-17 43 0,0-1 0,0 0 0,0 0 0,0 0 0,1 0 0,-1 0 0,0 1 0,0-1 0,0 0 0,0 0 0,0 0 0,0 0 0,1 0 0,-1 0 0,0 0 0,0 0 0,0 1 0,0-1 0,1 0 0,-1 0 0,0 0 0,0 0 0,0 0 0,0 0 0,1 0 0,-1 0 0,0 0 0,0 0 0,0 0 0,0 0 0,1 0 0,-1 0 0,0 0 0,0 0 0,0-1 0,0 1 0,1 0 0,-1 0 0,0 0 0,0 0 0,0 0 0,0 0 0,0 0 0,1 0 0,-1-1 0,0 1 0,0 0 0,0 0 0,0 0 0,0 0 0,0 0 0,0-1 0,0 1 0,0 0 0,1 0 0,-1 0 0,0 0 0,0-1 0,0 1 0,0 0 0,0 0 0,0 0 0,0 0 0,0-1 0,4 26 0,-2 31 0,-3-26 0,0 37 0,1-63 0,1 0 0,-1 0 0,1 0 0,0 0 0,0 0 0,0 0 0,0-1 0,1 1 0,0 0 0,0-1 0,0 1 0,4 5 0,-6-9 0,1 1 0,-1-1 0,1 1 0,0-1 0,0 1 0,-1-1 0,1 0 0,0 1 0,0-1 0,-1 0 0,1 0 0,0 0 0,0 1 0,0-1 0,-1 0 0,1 0 0,0 0 0,0 0 0,0 0 0,0 0 0,-1-1 0,1 1 0,0 0 0,0 0 0,0-1 0,-1 1 0,1 0 0,0-1 0,0 1 0,-1-1 0,1 1 0,0-1 0,-1 1 0,1-1 0,-1 1 0,1-1 0,-1 0 0,1 1 0,-1-1 0,1 0 0,-1 1 0,1-1 0,-1-1 0,25-42 0,-18 32 0,31-58 0,-27 47 0,1 1 0,0 0 0,2 1 0,24-29 0,-26 34 0,2-1 0,-10 19 0,-2 13 0,-4 60 0,2 39 0,0-112 0,1 0 0,-1 0 0,0 1 0,1-1 0,-1 0 0,1 0 0,0 0 0,0 0 0,0 0 0,0 0 0,0 0 0,0 0 0,0 0 0,1 0 0,-1 0 0,1-1 0,-1 1 0,1-1 0,0 1 0,3 1 0,-2-1 0,1 0 0,0-1 0,0 1 0,0-1 0,0 0 0,0 0 0,0-1 0,0 1 0,0-1 0,7 0 0,8-2 0,1-1 0,-1 0 0,34-11 0,-45 11 0,148-55 0,-121 49 0,21-7 0,-53 15 0,0 0 0,0-1 0,1 1 0,-1-1 0,0 0 0,0 1 0,-1-2 0,1 1 0,0 0 0,-1 0 0,1-1 0,2-3 0,-5 5 0,1 1 0,-1-1 0,0 1 0,1-1 0,-1 0 0,0 1 0,1-1 0,-1 0 0,0 1 0,0-1 0,0 0 0,1 1 0,-1-1 0,0 0 0,0 1 0,0-1 0,0 0 0,0 1 0,0-1 0,-1 0 0,1 1 0,0-1 0,0 0 0,0 1 0,-1-1 0,1 1 0,0-1 0,-1 0 0,1 1 0,-1-1 0,-21-10 0,-31 5 0,52 6 0,-18 0 0,0 1 0,0 1 0,0 1 0,0 0 0,-20 7 0,30-7 0,0 0 0,0 0 0,0 1 0,0 0 0,1 0 0,0 1 0,0 0 0,0 1 0,0 0 0,1 0 0,0 0 0,-8 10 0,14-15 0,0 0 0,0 1 0,0-1 0,0 0 0,1 1 0,-1-1 0,0 0 0,1 1 0,-1-1 0,1 1 0,-1-1 0,1 1 0,-1-1 0,1 1 0,0-1 0,0 1 0,0-1 0,0 1 0,0-1 0,0 1 0,0-1 0,1 1 0,-1-1 0,1 1 0,-1-1 0,2 3 0,-1-2 0,1 1 0,0-1 0,0 0 0,1 0 0,-1-1 0,0 1 0,1 0 0,-1-1 0,1 1 0,-1-1 0,1 0 0,0 0 0,3 1 0,8 2 0,0-1 0,0 0 0,0-1 0,23 0 0,32-1 0,123-5 0,-181 2 0,-1-1 0,1 0 0,-1-1 0,0 0 0,0-1 0,0 0 0,-1 0 0,0-1 0,0 0 0,0-1 0,-1 0 0,0 0 0,0-1 0,7-9 0,-14 16 0,0 0 0,0 0 0,-1 1 0,1-1 0,0 0 0,-1 0 0,1 0 0,0 0 0,-1-1 0,1 1 0,-1 0 0,0 0 0,1 0 0,-1 0 0,0 0 0,0-1 0,0 1 0,1 0 0,-1 0 0,-1 0 0,1-1 0,0 1 0,0 0 0,0 0 0,-1 0 0,1 0 0,0-1 0,-1 1 0,1 0 0,-2-2 0,0 2 0,0-1 0,0 0 0,0 1 0,-1-1 0,1 1 0,-1 0 0,1 0 0,-1 0 0,1 0 0,-1 0 0,0 1 0,-4-2 0,-9 0 0,0 1 0,0 1 0,-26 2 0,8 4 0,1 2 0,0 2 0,-59 24 0,-141 54 0,180-61 0,51-26 0,0 0 0,0 0 0,-1 1 0,1-1 0,0 1 0,0-1 0,0 1 0,1 0 0,-1 0 0,0-1 0,1 1 0,-1 1 0,1-1 0,0 0 0,-1 0 0,1 0 0,0 1 0,0-1 0,0 4 0,1-4 0,1 0 0,0 0 0,1 0 0,-1 0 0,0 0 0,1 0 0,-1-1 0,0 1 0,1-1 0,0 1 0,-1-1 0,1 0 0,0 1 0,0-1 0,0 0 0,0 0 0,0 0 0,0 0 0,0-1 0,3 2 0,45 11 0,0-8 0,0-2 0,72-5 0,-25-1 0,-146 58 0,33-33 0,4-8 0,1 0 0,0 1 0,2 0 0,0 1 0,0 0 0,2 1 0,-7 19 0,14-35 0,-1-1 0,1 1 0,0-1 0,0 1 0,-1-1 0,1 0 0,0 1 0,0-1 0,0 1 0,0-1 0,0 1 0,0-1 0,0 1 0,0-1 0,0 1 0,0-1 0,0 1 0,0-1 0,0 1 0,0-1 0,0 1 0,1-1 0,-1 1 0,0-1 0,0 1 0,0-1 0,1 1 0,-1-1 0,0 0 0,1 1 0,-1-1 0,1 1 0,14-10 0,25-34 0,-30 31 0,-4 6 0,1 0 0,0 0 0,0 0 0,0 1 0,1 0 0,-1 0 0,1 1 0,0 0 0,1 0 0,-1 1 0,18-4 0,4-9 0,-30 16 0,-1 0 0,1 0 0,0 0 0,-1 0 0,1 0 0,-1 0 0,1 0 0,-1 0 0,1 0 0,0 0 0,-1 0 0,1-1 0,-1 1 0,1 0 0,0 0 0,-1 0 0,1-1 0,0 1 0,-1 0 0,1 0 0,0-1 0,-1 1 0,1 0 0,0-1 0,-1 1 0,1 0 0,0-1 0,0 1 0,0 0 0,-1-1 0,1 1 0,0-1 0,0 1 0,0 0 0,0-1 0,0 1 0,0-1 0,0 1 0,0-1 0,0 1 0,0 0 0,0-1 0,0 1 0,0-1 0,0 1 0,0-1 0,0 1 0,0 0 0,0-1 0,1 1 0,-1-1 0,0 1 0,0 0 0,1-1 0,-1 1 0,0 0 0,0-1 0,1 1 0,-1 0 0,0 0 0,1-1 0,-1 1 0,0 0 0,1 0 0,-1-1 0,1 1 0,-4 0 0,-1 0 0,1 0 0,0 1 0,-1-1 0,1 1 0,-1 0 0,1 0 0,0 0 0,0 0 0,0 0 0,-1 1 0,1 0 0,1-1 0,-1 1 0,0 0 0,0 1 0,1-1 0,-1 0 0,1 1 0,0-1 0,-1 1 0,1 0 0,1 0 0,-1 0 0,-2 5 0,-3 3 0,2 0 0,-1 0 0,2 0 0,-1 1 0,2 0 0,-3 12 0,5-22 0,0 0 0,1 0 0,0 0 0,-1 0 0,1-1 0,0 1 0,0 0 0,0 0 0,0 0 0,0 0 0,1 0 0,-1 0 0,1 0 0,-1 0 0,1-1 0,-1 1 0,1 0 0,0 0 0,0-1 0,0 1 0,0 0 0,0-1 0,0 1 0,1-1 0,-1 1 0,0-1 0,1 0 0,-1 0 0,3 2 0,-2-3 0,0 1 0,0-1 0,0 0 0,0 0 0,0 0 0,1 0 0,-1 0 0,0-1 0,0 1 0,0 0 0,0-1 0,0 0 0,-1 1 0,1-1 0,0 0 0,0 0 0,0 0 0,0 0 0,-1 0 0,1-1 0,-1 1 0,1 0 0,-1-1 0,1 1 0,-1-1 0,0 0 0,2-3 0,25-33 0,30-35 0,36-44 0,-60 81-1365</inkml:trace>
+</inkml:ink>
+</file>
+
+<file path=ppt/ink/ink14.xml><?xml version="1.0" encoding="utf-8"?>
+<inkml:ink xmlns:inkml="http://www.w3.org/2003/InkML">
+  <inkml:definitions>
+    <inkml:context xml:id="ctx0">
+      <inkml:inkSource xml:id="inkSrc0">
+        <inkml:traceFormat>
+          <inkml:channel name="X" type="integer" min="-2.14748E9" max="2.14748E9" units="cm"/>
+          <inkml:channel name="Y" type="integer" min="-2.14748E9" max="2.14748E9" units="cm"/>
+          <inkml:channel name="F" type="integer" max="32767" units="dev"/>
+        </inkml:traceFormat>
+        <inkml:channelProperties>
+          <inkml:channelProperty channel="X" name="resolution" value="1000" units="1/cm"/>
+          <inkml:channelProperty channel="Y" name="resolution" value="1000" units="1/cm"/>
+          <inkml:channelProperty channel="F" name="resolution" value="0" units="1/dev"/>
+        </inkml:channelProperties>
+      </inkml:inkSource>
+      <inkml:timestamp xml:id="ts0" timeString="2023-07-30T05:36:47.004"/>
+    </inkml:context>
+    <inkml:brush xml:id="br0">
+      <inkml:brushProperty name="width" value="0.1" units="cm"/>
+      <inkml:brushProperty name="height" value="0.1" units="cm"/>
+      <inkml:brushProperty name="color" value="#FFFFFF"/>
+    </inkml:brush>
+  </inkml:definitions>
+  <inkml:trace contextRef="#ctx0" brushRef="#br0">1 0 24575,'2'0'0,"0"1"0,0-1 0,1 1 0,-1-1 0,0 1 0,0 0 0,0 0 0,0 0 0,0 0 0,0 0 0,0 0 0,0 1 0,0-1 0,-1 1 0,1-1 0,0 1 0,-1-1 0,0 1 0,1 0 0,-1 0 0,0 0 0,0 0 0,0 0 0,0 0 0,0 0 0,0 0 0,-1 0 0,1 1 0,-1-1 0,1 0 0,-1 0 0,0 4 0,2 11 0,0 1 0,-2 0 0,-1 20 0,0-17 0,0 8 0,0-18 0,0 1 0,1-1 0,0 1 0,1-1 0,4 17 0,-6-28 0,1 0 0,0 0 0,0 1 0,0-1 0,0 0 0,0 0 0,0 0 0,0 1 0,0-1 0,0 0 0,0 0 0,0 0 0,0 1 0,0-1 0,0 0 0,0 0 0,0 1 0,0-1 0,0 0 0,0 0 0,0 0 0,0 1 0,0-1 0,1 0 0,-1 0 0,0 0 0,0 1 0,0-1 0,0 0 0,0 0 0,1 0 0,-1 0 0,0 0 0,0 1 0,0-1 0,0 0 0,1 0 0,-1 0 0,0 0 0,0 0 0,0 0 0,1 0 0,-1 0 0,0 0 0,0 0 0,1 0 0,-1 0 0,0 1 0,0-2 0,0 1 0,1 0 0,-1 0 0,0 0 0,0 0 0,1 0 0,-1 0 0,0 0 0,0 0 0,0 0 0,1 0 0,-1-1 0,6-18 0,0-28 0,-7-8 0,-1 40 0,2-1 0,0 1 0,0 0 0,1-1 0,5-19 0,-6 34 0,0 1 0,0 0 0,0-1 0,0 1 0,0 0 0,0-1 0,0 1 0,0 0 0,0-1 0,1 1 0,-1 0 0,0-1 0,0 1 0,0 0 0,0-1 0,1 1 0,-1 0 0,0 0 0,0-1 0,1 1 0,-1 0 0,0 0 0,0-1 0,1 1 0,-1 0 0,0 0 0,1 0 0,-1 0 0,0-1 0,1 1 0,-1 0 0,0 0 0,1 0 0,-1 0 0,0 0 0,1 0 0,-1 0 0,0 0 0,1 0 0,-1 0 0,0 0 0,1 0 0,-1 0 0,0 0 0,1 1 0,-1-1 0,16 17 0,7 27 0,-14-23-120,22 44 373,-29-62-353,0 1 0,0-1 0,1 0 1,-1 0-1,1 0 0,0 0 0,0 0 0,0-1 0,0 1 0,1-1 0,-1 0 1,1 0-1,-1 0 0,7 2 0,6 0-6726</inkml:trace>
+</inkml:ink>
+</file>
+
+<file path=ppt/ink/ink15.xml><?xml version="1.0" encoding="utf-8"?>
+<inkml:ink xmlns:inkml="http://www.w3.org/2003/InkML">
+  <inkml:definitions>
+    <inkml:context xml:id="ctx0">
+      <inkml:inkSource xml:id="inkSrc0">
+        <inkml:traceFormat>
+          <inkml:channel name="X" type="integer" min="-2.14748E9" max="2.14748E9" units="cm"/>
+          <inkml:channel name="Y" type="integer" min="-2.14748E9" max="2.14748E9" units="cm"/>
+          <inkml:channel name="F" type="integer" max="32767" units="dev"/>
+        </inkml:traceFormat>
+        <inkml:channelProperties>
+          <inkml:channelProperty channel="X" name="resolution" value="1000" units="1/cm"/>
+          <inkml:channelProperty channel="Y" name="resolution" value="1000" units="1/cm"/>
+          <inkml:channelProperty channel="F" name="resolution" value="0" units="1/dev"/>
+        </inkml:channelProperties>
+      </inkml:inkSource>
+      <inkml:timestamp xml:id="ts0" timeString="2023-07-30T05:37:00.307"/>
+    </inkml:context>
+    <inkml:brush xml:id="br0">
+      <inkml:brushProperty name="width" value="0.1" units="cm"/>
+      <inkml:brushProperty name="height" value="0.1" units="cm"/>
+      <inkml:brushProperty name="color" value="#FFFFFF"/>
+    </inkml:brush>
+  </inkml:definitions>
+  <inkml:trace contextRef="#ctx0" brushRef="#br0">91 142 24575,'0'472'0,"0"-468"0,0 0 0,0-1 0,0 1 0,1-1 0,-1 1 0,1-1 0,0 1 0,0-1 0,0 0 0,1 1 0,-1-1 0,4 5 0,-5-7 0,1-1 0,-1 1 0,1-1 0,0 1 0,-1-1 0,1 1 0,-1-1 0,1 1 0,0-1 0,-1 0 0,1 1 0,0-1 0,0 0 0,-1 0 0,1 1 0,0-1 0,0 0 0,-1 0 0,1 0 0,0 0 0,0 0 0,0 0 0,0 0 0,1-1 0,0 0 0,0 0 0,0 1 0,0-1 0,0-1 0,0 1 0,0 0 0,0 0 0,-1-1 0,1 1 0,-1-1 0,3-1 0,3-8 0,1 1 0,-1-1 0,-1-1 0,0 1 0,0-1 0,-1 0 0,-1 0 0,4-14 0,-3 7 0,2 1 0,14-30 0,-11 27 0,0 0 0,-2-1 0,10-36 0,-12 35 0,1 0 0,1 1 0,14-28 0,4-5 0,-19 38 0,1 0 0,1 1 0,12-18 0,-21 33 0,0 1 0,1-1 0,-1 1 0,0 0 0,0-1 0,1 1 0,-1-1 0,1 1 0,-1-1 0,0 1 0,1 0 0,-1-1 0,1 1 0,-1 0 0,1 0 0,-1-1 0,1 1 0,-1 0 0,1 0 0,-1 0 0,1 0 0,-1-1 0,1 1 0,-1 0 0,1 0 0,-1 0 0,1 0 0,-1 0 0,1 0 0,-1 0 0,1 1 0,-1-1 0,1 0 0,-1 0 0,1 0 0,-1 0 0,2 1 0,12 21 0,-1 29 0,-11-9 0,-3 48 0,-1-48 0,5 46 0,-3-85 0,0 0 0,0 0 0,1 0 0,-1 0 0,1-1 0,0 1 0,0 0 0,0 0 0,0-1 0,0 1 0,1 0 0,-1-1 0,1 0 0,-1 1 0,1-1 0,0 0 0,0 0 0,0 0 0,1 0 0,-1 0 0,0 0 0,1-1 0,2 3 0,-2-4 0,-1 1 0,0-1 0,1 0 0,-1 0 0,0 1 0,1-2 0,-1 1 0,0 0 0,1 0 0,-1-1 0,0 1 0,1-1 0,-1 0 0,0 0 0,0 0 0,0 0 0,1 0 0,-1 0 0,0 0 0,-1-1 0,1 1 0,0-1 0,0 1 0,-1-1 0,1 0 0,-1 0 0,1 0 0,2-4 0,14-21 0,27-56 0,4-6 0,-41 72 0,4-4 0,-8 22 0,-3 14 0,-2 411 0,3-462 0,2 1 0,2 0 0,1 0 0,12-36 0,15-72 0,-17 63 0,-16 76 0,0-1 0,1 1 0,-1 0 0,1-1 0,0 1 0,0 0 0,1 0 0,-1 0 0,1 0 0,0 0 0,0 1 0,0-1 0,0 1 0,7-5 0,-9 8 0,-1 0 0,1 0 0,-1 1 0,1-1 0,-1 0 0,1 0 0,-1 0 0,1 1 0,-1-1 0,1 0 0,-1 0 0,0 1 0,1-1 0,-1 1 0,1-1 0,-1 0 0,0 1 0,1-1 0,-1 1 0,0-1 0,0 0 0,1 1 0,-1-1 0,0 1 0,0-1 0,1 1 0,-1-1 0,0 1 0,0 0 0,0-1 0,0 1 0,0-1 0,0 1 0,0-1 0,0 1 0,0-1 0,0 1 0,-1 0 0,3 26 0,-2-25 0,0-2 0,2 22 0,-1 0 0,-1 0 0,-1 0 0,-2 0 0,0 0 0,-1-1 0,0 1 0,-16 37 0,8-32 0,-1 2 0,-25 40 0,33-61 0,1-1 0,-1 0 0,1 0 0,-1-1 0,-1 0 0,1 0 0,-8 6 0,11-10 0,-1-1 0,0 1 0,0-1 0,0 1 0,0-1 0,0 0 0,0 0 0,0-1 0,0 1 0,0-1 0,-1 1 0,1-1 0,0 0 0,0 0 0,0 0 0,-1-1 0,1 1 0,0-1 0,-4-1 0,-3-1 0,1 0 0,0-1 0,0-1 0,0 1 0,0-2 0,1 1 0,0-1 0,0 0 0,0-1 0,1 0 0,-11-11 0,-6-12 0,-33-52 0,55 80 0,-18-35 0,17 29 0,0 1 0,-1 0 0,0 0 0,0 0 0,-1 1 0,0 0 0,0-1 0,0 2 0,-1-1 0,0 1 0,-7-6 0,11 10 0,1 1 0,0 0 0,0 0 0,0 0 0,0 0 0,-1 0 0,1 0 0,0 0 0,0 0 0,0 0 0,0 0 0,-1 1 0,1-1 0,0 0 0,0 1 0,0-1 0,0 1 0,0-1 0,0 1 0,0 0 0,0-1 0,0 1 0,0 0 0,0 0 0,0-1 0,1 1 0,-1 0 0,0 0 0,1 0 0,-1 0 0,0 0 0,1 0 0,-1 0 0,1 1 0,0-1 0,-1 2 0,-18 46 0,18-46 0,-21 52 0,17-46 0,1 1 0,0-1 0,0 0 0,1 1 0,0 0 0,-2 18 0,7-325 0,-3 147 0,1 144 0,0 1 0,0-1 0,0 0 0,-1 1 0,0-1 0,0 1 0,0-1 0,-1 1 0,1 0 0,-2 0 0,-1-6 0,-16 67 0,9-15 0,2-5 0,-23 55 0,-61 137 0,78-195 0,-13 33 0,26-61 0,0 0 0,1 0 0,-1 0 0,1 0 0,0 1 0,1-1 0,-1 1 0,1-1 0,1 8 0,-1-12 0,0-1 0,0 1 0,0 0 0,1-1 0,-1 1 0,0-1 0,0 1 0,0 0 0,1-1 0,-1 1 0,0-1 0,1 1 0,-1-1 0,1 1 0,-1-1 0,0 1 0,1-1 0,-1 1 0,1-1 0,-1 0 0,1 1 0,0-1 0,-1 0 0,1 0 0,-1 1 0,1-1 0,-1 0 0,1 0 0,0 0 0,-1 1 0,1-1 0,0 0 0,25-8 0,16-22 0,-23 11 0,-1-1 0,17-24 0,28-32 0,-29 43 0,-1-1 0,-2-1 0,41-63 0,-26 41 0,-36 47 0,0-1 0,-1 0 0,10-17 0,33-77 0,-47 165 0,-6-37-1365,1-1-5461</inkml:trace>
+</inkml:ink>
+</file>
+
+<file path=ppt/ink/ink16.xml><?xml version="1.0" encoding="utf-8"?>
+<inkml:ink xmlns:inkml="http://www.w3.org/2003/InkML">
+  <inkml:definitions>
+    <inkml:context xml:id="ctx0">
+      <inkml:inkSource xml:id="inkSrc0">
+        <inkml:traceFormat>
+          <inkml:channel name="X" type="integer" min="-2.14748E9" max="2.14748E9" units="cm"/>
+          <inkml:channel name="Y" type="integer" min="-2.14748E9" max="2.14748E9" units="cm"/>
+          <inkml:channel name="F" type="integer" max="32767" units="dev"/>
+        </inkml:traceFormat>
+        <inkml:channelProperties>
+          <inkml:channelProperty channel="X" name="resolution" value="1000" units="1/cm"/>
+          <inkml:channelProperty channel="Y" name="resolution" value="1000" units="1/cm"/>
+          <inkml:channelProperty channel="F" name="resolution" value="0" units="1/dev"/>
+        </inkml:channelProperties>
+      </inkml:inkSource>
+      <inkml:timestamp xml:id="ts0" timeString="2023-07-30T05:37:02.568"/>
+    </inkml:context>
+    <inkml:brush xml:id="br0">
+      <inkml:brushProperty name="width" value="0.1" units="cm"/>
+      <inkml:brushProperty name="height" value="0.1" units="cm"/>
+      <inkml:brushProperty name="color" value="#FFFFFF"/>
+    </inkml:brush>
+  </inkml:definitions>
+  <inkml:trace contextRef="#ctx0" brushRef="#br0">106 16 24575,'27'1'0,"-21"0"0,1 0 0,0 0 0,0-1 0,-1 0 0,1 0 0,0-1 0,0 0 0,-1 0 0,1 0 0,0-1 0,-1 0 0,7-3 0,-13 0 0,-11 4 0,-11 3 0,11 3 0,1 1 0,0 0 0,0 0 0,1 1 0,-1 0 0,-13 15 0,-50 58 0,64-69 0,-17 29 0,25-26 0,2-14 0,0 0 0,0 0 0,0 0 0,1 0 0,-1 0 0,0 0 0,0-1 0,0 1 0,0 0 0,0-1 0,0 1 0,0-1 0,0 1 0,0-1 0,0 1 0,0-1 0,0 0 0,1 0 0,120-75 0,-114 70 0,0 0 0,-1-1 0,0 0 0,0-1 0,0 1 0,-1-1 0,7-11 0,-13 18-34,-1 0 0,1 0 0,0 1 0,-1-1 0,1 0-1,0 1 1,-1-1 0,1 1 0,0-1 0,-1 0 0,1 1 0,-1-1 0,0 1-1,1-1 1,-1 1 0,1-1 0,-1 1 0,0 0 0,1-1 0,-1 1-1,0 0 1,1-1 0,-1 1 0,0 0 0,1 0 0,-1 0 0,0 0 0,0 0-1,1 0 1,-1 0 0,0 0 0,0 0 0,1 0 0,-1 0 0,0 0 0,1 0-1,-1 0 1,0 1 0,0-1 0</inkml:trace>
+</inkml:ink>
+</file>
+
+<file path=ppt/ink/ink2.xml><?xml version="1.0" encoding="utf-8"?>
+<inkml:ink xmlns:inkml="http://www.w3.org/2003/InkML">
+  <inkml:definitions>
+    <inkml:context xml:id="ctx0">
+      <inkml:inkSource xml:id="inkSrc0">
+        <inkml:traceFormat>
+          <inkml:channel name="X" type="integer" min="-2.14748E9" max="2.14748E9" units="cm"/>
+          <inkml:channel name="Y" type="integer" min="-2.14748E9" max="2.14748E9" units="cm"/>
+          <inkml:channel name="F" type="integer" max="32767" units="dev"/>
+        </inkml:traceFormat>
+        <inkml:channelProperties>
+          <inkml:channelProperty channel="X" name="resolution" value="1000" units="1/cm"/>
+          <inkml:channelProperty channel="Y" name="resolution" value="1000" units="1/cm"/>
+          <inkml:channelProperty channel="F" name="resolution" value="0" units="1/dev"/>
+        </inkml:channelProperties>
+      </inkml:inkSource>
+      <inkml:timestamp xml:id="ts0" timeString="2023-07-30T05:35:40.616"/>
+    </inkml:context>
+    <inkml:brush xml:id="br0">
+      <inkml:brushProperty name="width" value="0.1" units="cm"/>
+      <inkml:brushProperty name="height" value="0.1" units="cm"/>
+      <inkml:brushProperty name="color" value="#FFFFFF"/>
+    </inkml:brush>
+  </inkml:definitions>
+  <inkml:trace contextRef="#ctx0" brushRef="#br0">506 400 24575,'75'2'0,"85"-4"0,-158 2 0,-1 0 0,0 0 0,1 0 0,-1 0 0,0 0 0,0 0 0,1 0 0,-1 0 0,0 0 0,0-1 0,1 1 0,-1-1 0,0 1 0,0-1 0,0 1 0,1-1 0,-1 0 0,0 1 0,0-1 0,0 0 0,0 0 0,0 0 0,-1 0 0,1 0 0,0 0 0,0 0 0,-1 0 0,1 0 0,0 0 0,-1 0 0,1 0 0,0-3 0,-2 2 0,1 1 0,-1-1 0,0 0 0,1 0 0,-1 1 0,0-1 0,0 0 0,0 1 0,0-1 0,-1 1 0,1 0 0,0-1 0,-1 1 0,1 0 0,-1 0 0,1-1 0,-1 1 0,1 1 0,-1-1 0,0 0 0,-3-1 0,-8-3 0,0 1 0,0 0 0,0 1 0,0 0 0,0 1 0,-21 0 0,-88 4 0,43 1 0,13-3 0,51 0 0,44 0 0,403 0 0,-424 0 0,0 0 0,1-1 0,-1 0 0,0-1 0,0 0 0,0 0 0,0-1 0,0 0 0,0 0 0,-1-1 0,12-6 0,-16 8 0,-1 0 0,1 0 0,-1 0 0,0-1 0,1 1 0,-1 0 0,0-1 0,0 1 0,0-1 0,-1 0 0,1 0 0,-1 0 0,1 0 0,-1 0 0,0 0 0,0 0 0,-1 0 0,1 0 0,0 0 0,-1 0 0,0-1 0,0 1 0,0 0 0,0 0 0,0 0 0,-1-1 0,1 1 0,-1 0 0,0 0 0,0 0 0,0 0 0,-2-4 0,1 4 0,0 1 0,0-1 0,0 0 0,0 1 0,0-1 0,-1 1 0,1 0 0,-1 0 0,1 0 0,-1 0 0,0 0 0,1 0 0,-1 1 0,0-1 0,0 1 0,-1 0 0,1 0 0,0 0 0,0 1 0,0-1 0,-7 0 0,-9 0 0,1 0 0,-34 4 0,24-2 0,-35 0 0,29-1 0,0 1 0,1 1 0,-49 10 0,58-7 0,-45 2 0,51-7 0,1 2 0,0 0 0,0 1 0,0 0 0,-27 11 0,36-11 0,1 0 0,0 1 0,0 0 0,0 0 0,-12 10 0,18-13 0,0 0 0,0 0 0,0 0 0,1 0 0,-1 0 0,0 0 0,0 0 0,1 0 0,-1 0 0,1 0 0,-1 1 0,1-1 0,-1 0 0,1 0 0,0 0 0,0 1 0,-1-1 0,1 0 0,0 2 0,1-2 0,-1 1 0,1-1 0,0 1 0,-1-1 0,1 1 0,0-1 0,0 0 0,0 1 0,0-1 0,0 0 0,0 0 0,0 0 0,1 0 0,-1 0 0,0 0 0,1 0 0,-1 0 0,0 0 0,3 0 0,4 3 0,0-1 0,0-1 0,0 1 0,0-1 0,0-1 0,0 0 0,1 0 0,8 0 0,75-5 0,-34 1 0,-50 2 0,1 0 0,-1 0 0,0-1 0,1 0 0,-1-1 0,0 0 0,0 0 0,-1 0 0,14-9 0,-18 10 0,0 1 0,0-1 0,-1 0 0,1 0 0,-1 0 0,1 0 0,-1 0 0,0 0 0,0-1 0,0 1 0,0-1 0,0 1 0,0-1 0,-1 0 0,1 0 0,-1 0 0,0 0 0,0 0 0,0 0 0,0 0 0,0 0 0,-1-1 0,0 1 0,1 0 0,-1 0 0,0 0 0,-1-1 0,0-4 0,0 6 0,0-1 0,0 1 0,-1 1 0,1-1 0,-1 0 0,1 0 0,-1 0 0,1 1 0,-1-1 0,0 1 0,0 0 0,0-1 0,0 1 0,0 0 0,0 0 0,0 0 0,0 0 0,-1 0 0,1 1 0,0-1 0,0 1 0,-1-1 0,1 1 0,-3 0 0,-65-1 0,54 2 0,-15 0 0,0 1 0,-1 2 0,1 0 0,-59 19 0,48-10 0,15-5 0,0 1 0,1 1 0,-35 19 0,37-19 0,16-7 0,1 0 0,-1 1 0,1 0 0,0 0 0,-9 6 0,16-9 0,-1-1 0,0 1 0,0 0 0,1 0 0,-1-1 0,1 1 0,-1 0 0,0 0 0,1 0 0,0 0 0,-1 0 0,1 0 0,-1 0 0,1 0 0,0 0 0,0 0 0,0 0 0,0 0 0,0 0 0,0 0 0,0 0 0,0 0 0,0 0 0,0 0 0,0 0 0,0 0 0,1 0 0,-1 0 0,1 0 0,-1 0 0,0 0 0,1 0 0,-1-1 0,1 1 0,0 0 0,-1 0 0,1 0 0,0-1 0,0 1 0,-1 0 0,1-1 0,0 1 0,0-1 0,0 1 0,0-1 0,0 1 0,1 0 0,6 4 0,0 0 0,0-1 0,1 0 0,-1 0 0,1-1 0,0 0 0,0 0 0,0-1 0,0-1 0,16 2 0,11-1 0,53-5 0,-23 0 0,-54 3 0,0-1 0,0 0 0,-1-1 0,1 0 0,0-1 0,-1 0 0,0-1 0,15-6 0,-21 8 0,-1-1 0,0 1 0,1-1 0,-1 0 0,0 0 0,0 0 0,0-1 0,-1 1 0,1-1 0,-1 0 0,0 0 0,0 0 0,0 0 0,-1 0 0,0-1 0,1 1 0,-1-1 0,-1 0 0,1 0 0,-1 0 0,2-8 0,-3 9 0,1 0 0,0 0 0,-1 0 0,0 0 0,0 0 0,0 0 0,-1 0 0,1 0 0,-1 0 0,0 0 0,0 0 0,-1 1 0,1-1 0,-1 0 0,1 1 0,-1-1 0,-5-6 0,4 7 0,-1 1 0,0-1 0,1 1 0,-1 0 0,0 0 0,0 0 0,0 1 0,0-1 0,-1 1 0,1 0 0,0 0 0,-1 1 0,1-1 0,0 1 0,-1 0 0,-5 0 0,1 1 0,1-1 0,0 1 0,-1 0 0,1 1 0,0 0 0,0 0 0,0 1 0,-12 6 0,18-8 0,-1 0 0,1 0 0,0 0 0,0 1 0,0-1 0,0 1 0,0-1 0,0 1 0,0 0 0,1 0 0,-1 0 0,1 0 0,-1 0 0,1 0 0,0 0 0,0 0 0,0 0 0,0 1 0,0-1 0,0 0 0,0 1 0,1-1 0,0 1 0,-1-1 0,1 1 0,0-1 0,0 1 0,0-1 0,0 1 0,1-1 0,-1 1 0,1-1 0,1 4 0,-2-5 0,0 0 0,0 0 0,1 0 0,-1 0 0,0 0 0,1 0 0,-1 0 0,1 0 0,-1 0 0,1 0 0,-1 0 0,1-1 0,-1 1 0,1 0 0,0 0 0,0-1 0,-1 1 0,1-1 0,0 1 0,0 0 0,0-1 0,1 1 0,-2-1 0,1 0 0,0 0 0,0-1 0,-1 1 0,1 0 0,0 0 0,-1-1 0,1 1 0,0 0 0,-1-1 0,1 1 0,0-1 0,-1 1 0,1-1 0,-1 1 0,1-1 0,-1 1 0,1-1 0,-1 0 0,0 1 0,1-2 0,2-3 0,0 0 0,-1 0 0,0 0 0,0 0 0,0 0 0,1-10 0,-1-7 0,0 0 0,-1-1 0,-1 1 0,-5-29 0,4 46 0,1 0 0,-2 1 0,1-1 0,-1 0 0,1 1 0,-1-1 0,-1 1 0,1 0 0,0-1 0,-1 1 0,-5-6 0,6 9 0,0-1 0,-1 0 0,1 0 0,-1 1 0,1-1 0,-1 1 0,1 0 0,-1 0 0,0 0 0,0 0 0,1 0 0,-1 1 0,0-1 0,0 1 0,0 0 0,0 0 0,0 0 0,0 0 0,0 0 0,1 0 0,-5 2 0,3-1 0,1 0 0,-1 0 0,0 0 0,0 1 0,1 0 0,-1-1 0,1 1 0,-1 1 0,1-1 0,0 0 0,0 1 0,0 0 0,0-1 0,0 1 0,1 0 0,-1 1 0,1-1 0,0 0 0,0 1 0,0-1 0,0 1 0,1 0 0,-1-1 0,1 1 0,0 0 0,0 0 0,0 7 0,0-8 0,1 0 0,0 1 0,0-1 0,1 0 0,-1 0 0,0 0 0,1 0 0,0 0 0,0 0 0,0 0 0,0 0 0,0 0 0,0 0 0,1-1 0,0 1 0,-1-1 0,1 1 0,0-1 0,0 1 0,0-1 0,1 0 0,-1 0 0,0 0 0,1 0 0,0 0 0,-1-1 0,1 1 0,0-1 0,0 0 0,0 0 0,0 0 0,0 0 0,0 0 0,0 0 0,5 0 0,3 0 0,-1-1 0,1 0 0,0 0 0,-1-1 0,1 0 0,-1-1 0,19-5 0,-27 6 0,1 1 0,-1-1 0,0 0 0,0 0 0,1 0 0,-1 0 0,0 0 0,0-1 0,0 1 0,0-1 0,0 1 0,0-1 0,-1 0 0,1 1 0,-1-1 0,1 0 0,-1 0 0,1 0 0,-1 0 0,0-1 0,0 1 0,0 0 0,0 0 0,-1-1 0,1 1 0,-1 0 0,1-1 0,-1 1 0,0-1 0,0 1 0,0 0 0,0-1 0,0 1 0,0-1 0,-1 1 0,1-1 0,-1 1 0,0 0 0,-1-4 0,0 3 0,0 0 0,0 1 0,0-1 0,0 1 0,-1-1 0,1 1 0,-1 0 0,1 0 0,-1 0 0,0 0 0,0 1 0,0-1 0,0 1 0,0-1 0,0 1 0,0 0 0,-1 0 0,1 1 0,0-1 0,0 1 0,-1-1 0,1 1 0,-5 1 0,-4-2 0,0 1 0,0 0 0,0 1 0,0 1 0,-15 3 0,18-2 0,0 1 0,0-1 0,1 2 0,-1-1 0,1 1 0,0 0 0,0 1 0,0 0 0,-10 11 0,15-15 0,0 1 0,0 0 0,1 0 0,-1 1 0,1-1 0,0 0 0,0 1 0,0-1 0,0 1 0,1 0 0,-1 0 0,1 0 0,0-1 0,0 1 0,1 0 0,-1 0 0,1 0 0,0 1 0,0-1 0,0 0 0,0 0 0,1 0 0,0 0 0,2 7 0,-1-8 0,0 0 0,0-1 0,0 1 0,0-1 0,1 1 0,-1-1 0,1 0 0,0 0 0,-1 0 0,1 0 0,0-1 0,0 1 0,0-1 0,1 1 0,-1-1 0,0 0 0,0 0 0,1-1 0,-1 1 0,0-1 0,1 0 0,-1 0 0,5 0 0,12 1 0,0-2 0,28-3 0,-46 4 0,-1-1 0,1 1 0,0 0 0,-1 0 0,1-1 0,-1 1 0,1-1 0,-1 1 0,1-1 0,-1 1 0,1-1 0,-1 0 0,0 0 0,1 0 0,-1 0 0,2-1 0,-3 1 0,-1 1 0,1-1 0,0 0 0,0 1 0,0-1 0,-1 0 0,1 1 0,0-1 0,-1 1 0,1-1 0,0 1 0,-1-1 0,1 1 0,-1-1 0,1 1 0,-1-1 0,1 1 0,-1 0 0,1-1 0,-1 1 0,0 0 0,1-1 0,-1 1 0,1 0 0,-1 0 0,0 0 0,1-1 0,-1 1 0,0 0 0,1 0 0,-1 0 0,0 0 0,1 0 0,-1 0 0,1 0 0,-1 0 0,-1 1 0,160 46 0,-141-41 0,0-1 0,1-1 0,-1 0 0,1-1 0,25 0 0,95-5 0,-51 0 0,-58 1 0,52-6 0,-71 6 0,0-1 0,-1-1 0,1 0 0,-1 0 0,0 0 0,0-1 0,0-1 0,0 1 0,8-8 0,-13 9 0,0 0 0,-1-1 0,1 0 0,-1 1 0,0-1 0,-1-1 0,1 1 0,0 0 0,-1-1 0,0 1 0,0-1 0,-1 0 0,1 1 0,-1-1 0,0 0 0,0 0 0,0-7 0,-1 9 0,0 0 0,0 0 0,0 0 0,0 0 0,-1 0 0,0 0 0,1 0 0,-1 0 0,0 0 0,0 0 0,0 0 0,-1 0 0,1 1 0,-1-1 0,1 0 0,-1 1 0,0 0 0,0-1 0,0 1 0,0 0 0,-1 0 0,1 0 0,-1 0 0,1 0 0,-1 1 0,1-1 0,-1 1 0,-5-2 0,1 1 0,0 0 0,1 1 0,-1 0 0,0 0 0,0 1 0,0 0 0,0 0 0,0 1 0,0-1 0,0 2 0,0-1 0,-12 5 0,14-5 0,1 1 0,-1 0 0,1 0 0,0 1 0,-1-1 0,1 1 0,0 0 0,1 0 0,-1 0 0,0 0 0,1 1 0,0-1 0,0 1 0,0 0 0,0 0 0,1 0 0,-1 1 0,1-1 0,-2 6 0,3-7 0,0-1 0,1 0 0,-1 1 0,1-1 0,0 1 0,0-1 0,0 0 0,0 1 0,0-1 0,0 1 0,1-1 0,-1 1 0,1-1 0,0 0 0,0 0 0,0 1 0,0-1 0,0 0 0,0 0 0,0 0 0,1 0 0,-1 0 0,1 0 0,-1 0 0,1 0 0,0-1 0,0 1 0,0-1 0,0 1 0,0-1 0,0 0 0,0 0 0,0 0 0,0 0 0,1 0 0,1 1 0,7 1 0,0 0 0,-1 0 0,1-1 0,0 0 0,0 0 0,16-1 0,30-1 0,124-4 0,-178 4 0,0-1 0,1 1 0,-1-1 0,1 0 0,-1 0 0,0-1 0,0 1 0,1-1 0,-1 1 0,0-1 0,-1 0 0,1 0 0,0 0 0,0-1 0,-1 1 0,1-1 0,-1 1 0,0-1 0,0 0 0,3-5 0,-5 7 0,1 0 0,-1-1 0,1 1 0,-1 0 0,1 0 0,-1-1 0,0 1 0,0 0 0,0-1 0,0 1 0,0 0 0,0-1 0,0 1 0,0 0 0,0-1 0,-1 1 0,1 0 0,-1-1 0,1 1 0,-1 0 0,0-2 0,0 2 0,-1-1 0,1 0 0,-1 1 0,0-1 0,0 1 0,0-1 0,0 1 0,0 0 0,0 0 0,0-1 0,0 2 0,0-1 0,0 0 0,-1 0 0,1 1 0,-3-1 0,-31-8 0,-51-8 0,80 17 0,-1-1 0,1 1 0,0 0 0,0 0 0,0 1 0,0 0 0,0 0 0,0 1 0,-12 4 0,16-5 0,1 0 0,0 0 0,0 0 0,0 0 0,0 1 0,0-1 0,0 1 0,0-1 0,0 1 0,1 0 0,-1-1 0,1 1 0,-1 0 0,1 0 0,-1 0 0,1 0 0,0 1 0,0-1 0,0 0 0,0 0 0,1 1 0,-1-1 0,1 0 0,-1 1 0,1-1 0,0 1 0,0-1 0,0 0 0,0 1 0,0-1 0,1 1 0,-1-1 0,1 0 0,-1 1 0,1-1 0,0 0 0,0 0 0,0 1 0,0-1 0,0 0 0,0 0 0,3 2 0,0 4 0,2 0 0,-1-1 0,1 0 0,0 0 0,1 0 0,-1-1 0,1 0 0,1 0 0,14 9 0,-5-5 0,1-1 0,0-1 0,0-1 0,1 0 0,0-2 0,0 0 0,0-1 0,1-1 0,-1 0 0,38-2 0,-55-1 0,1-1 0,-1 1 0,1-1 0,-1 0 0,1 0 0,-1 0 0,1 0 0,-1-1 0,0 1 0,0-1 0,0 1 0,0-1 0,0 0 0,0 1 0,0-1 0,-1 0 0,1 0 0,0-1 0,-1 1 0,0 0 0,0 0 0,1-1 0,-1 1 0,-1-1 0,1 1 0,0-1 0,-1 1 0,1-1 0,-1 0 0,0 1 0,1-1 0,-1 1 0,-1-1 0,1 0 0,0 1 0,-1-1 0,1 1 0,-1-1 0,0 1 0,0-1 0,0 1 0,0-1 0,0 1 0,0 0 0,-1 0 0,1-1 0,-1 1 0,1 0 0,-1 0 0,0 1 0,0-1 0,0 0 0,0 1 0,0-1 0,0 1 0,-1-1 0,1 1 0,0 0 0,-1 0 0,1 0 0,-5-1 0,-20-1 0,1 0 0,-1 2 0,1 1 0,-31 4 0,-19-1 0,72-3 0,0 0 0,0 1 0,0-1 0,0 1 0,0 0 0,0 0 0,0 0 0,0 0 0,1 1 0,-1 0 0,0-1 0,-3 4 0,7-5 0,-1 1 0,0-1 0,1 1 0,-1-1 0,1 1 0,-1 0 0,1-1 0,-1 1 0,1 0 0,-1-1 0,1 1 0,0 0 0,-1 0 0,1-1 0,0 1 0,0 0 0,0 0 0,-1 0 0,1 0 0,0-1 0,0 1 0,0 0 0,0 1 0,1 0 0,0 0 0,0-1 0,-1 1 0,1 0 0,0-1 0,0 1 0,1 0 0,-1-1 0,0 1 0,0-1 0,1 0 0,-1 1 0,1-1 0,2 2 0,4 2 0,1 0 0,-1 0 0,1-1 0,0 0 0,1-1 0,-1 1 0,0-2 0,1 0 0,0 0 0,17 1 0,13-1 0,55-6 0,-21 1 0,-71 3 0,0 0 0,0 0 0,1 0 0,-1-1 0,0 1 0,0-1 0,0 0 0,0 0 0,0 0 0,0 0 0,0 0 0,0-1 0,0 1 0,-1-1 0,1 0 0,-1 0 0,1 0 0,3-4 0,-5 5 0,-1 0 0,1 0 0,-1 0 0,1 0 0,-1 0 0,1 0 0,-1-1 0,0 1 0,0 0 0,1 0 0,-1 0 0,0 0 0,0 0 0,0 0 0,0 0 0,0-1 0,0 1 0,-1 0 0,1 0 0,0 0 0,-1-1 0,0-1 0,-1 1 0,1 0 0,0 0 0,-1 0 0,0 0 0,0 0 0,1 0 0,-1 0 0,-1 0 0,1 0 0,0 1 0,-4-3 0,-1 1 0,0 0 0,0 0 0,0 0 0,0 1 0,-1 0 0,1 1 0,-14-2 0,17 3 0,0-1 0,0 1 0,0 0 0,1 0 0,-1 0 0,0 0 0,0 1 0,0 0 0,0 0 0,0 0 0,1 0 0,-1 0 0,0 1 0,1 0 0,-1 0 0,-4 3 0,8-4 0,-1 0 0,0 0 0,0 0 0,0 0 0,1 0 0,-1 0 0,0 1 0,1-1 0,0 0 0,-1 1 0,1-1 0,-1 0 0,1 1 0,0-1 0,0 0 0,0 1 0,0-1 0,0 0 0,0 1 0,0-1 0,1 0 0,-1 1 0,0-1 0,1 0 0,-1 1 0,1-1 0,-1 0 0,1 0 0,-1 0 0,1 1 0,0-1 0,0 0 0,0 0 0,0 0 0,0 0 0,0 0 0,0 0 0,1 1 0,7 5 0,0 1 0,0-1 0,16 8 0,-14-8 0,-3-1 0,1-1 0,0 0 0,0-1 0,1 1 0,-1-2 0,1 1 0,13 1 0,-21-4 0,0-1 0,0 1 0,1-1 0,-1 0 0,0 0 0,1 0 0,-1 0 0,0 0 0,0 0 0,1-1 0,-1 1 0,0-1 0,0 0 0,0 1 0,0-1 0,0 0 0,0 0 0,0-1 0,0 1 0,0 0 0,0-1 0,0 1 0,-1-1 0,1 1 0,-1-1 0,1 0 0,-1 0 0,1 1 0,-1-1 0,0 0 0,0 0 0,0 0 0,0-1 0,-1 1 0,1 0 0,0 0 0,-1 0 0,1-4 0,1-4 0,0-1 0,-1 1 0,0-1 0,-1 0 0,0 0 0,0 1 0,-1-1 0,-1 0 0,0 1 0,0-1 0,-5-13 0,4 19 0,1 1 0,0-1 0,-1 1 0,0-1 0,0 1 0,-1 0 0,1 0 0,-1 0 0,0 1 0,1-1 0,-2 1 0,1 0 0,0 0 0,-1 0 0,1 1 0,-1-1 0,0 1 0,0 0 0,0 1 0,0-1 0,0 1 0,0 0 0,0 0 0,-10 0 0,1 0 0,0 1 0,1 0 0,-1 0 0,0 2 0,-20 4 0,31-6 0,1 0 0,0 1 0,0 0 0,0-1 0,0 1 0,0 0 0,0 0 0,1 0 0,-1 0 0,0 0 0,0 1 0,1-1 0,-1 1 0,1-1 0,-1 1 0,1-1 0,0 1 0,-1 0 0,1 0 0,0-1 0,0 1 0,0 0 0,1 0 0,-1 0 0,0 0 0,1 0 0,-1 0 0,1 1 0,0-1 0,-1 0 0,1 0 0,0 0 0,0 0 0,1 0 0,-1 0 0,0 0 0,1 1 0,-1-1 0,1 0 0,0 0 0,0 0 0,-1 0 0,1-1 0,3 4 0,0 4 0,1-1 0,0 1 0,0-1 0,1-1 0,0 1 0,0-1 0,1 0 0,0 0 0,0-1 0,1 0 0,0 0 0,0-1 0,0 0 0,1 0 0,-1-1 0,1 0 0,0-1 0,0 0 0,1 0 0,-1-1 0,1 0 0,13 0 0,-21-2 0,0 0 0,0 0 0,0 0 0,0-1 0,0 1 0,0-1 0,-1 1 0,1-1 0,0 0 0,0 1 0,-1-1 0,1 0 0,0 0 0,-1-1 0,1 1 0,-1 0 0,0 0 0,1-1 0,-1 1 0,0-1 0,0 1 0,0-1 0,0 1 0,0-1 0,0 0 0,0 1 0,0-1 0,0-3 0,3-7 0,-1 0 0,0-1 0,2-17 0,-2 10 0,-3 19 0,1-1 0,-1-1 0,1 1 0,-1-1 0,1 1 0,-1-1 0,0 0 0,0 1 0,0-1 0,0 1 0,-1-1 0,1 1 0,-1-1 0,1 1 0,-1-1 0,-2-4 0,2 8 0,1-1 0,-1 1 0,1-1 0,-1 1 0,0-1 0,1 1 0,-1-1 0,1 1 0,-1-1 0,1 1 0,0 0 0,-1-1 0,1 1 0,0 0 0,-1-1 0,1 1 0,0 0 0,0 0 0,-1-1 0,1 1 0,0 0 0,0 0 0,0-1 0,0 1 0,0 0 0,0 1 0,-4 26 0,2-2 0,1 1 0,1 0 0,5 36 0,-4-57 0,-1 0 0,1 0 0,1 0 0,-1 0 0,1-1 0,0 1 0,1-1 0,-1 1 0,1-1 0,0 0 0,0 0 0,0 0 0,1 0 0,0-1 0,0 1 0,0-1 0,1 0 0,-1 0 0,1-1 0,0 1 0,10 5 0,-13-9 0,0 1 0,0 0 0,0 0 0,0-1 0,0 0 0,0 1 0,1-1 0,-1 0 0,0 0 0,0 0 0,0 0 0,0 0 0,0 0 0,0-1 0,0 1 0,0-1 0,0 1 0,0-1 0,0 0 0,0 0 0,0 0 0,0 0 0,0 0 0,1-2 0,1-1 0,0 1 0,-1-1 0,0 0 0,1-1 0,-2 1 0,1-1 0,0 1 0,-1-1 0,3-8 0,1-5 0,-1 1 0,-1-1 0,0-1 0,1-32 0,-3 27 0,0-46 0,-2 66 0,0 0 0,0 0 0,-1 0 0,1 1 0,-1-1 0,0 0 0,0 1 0,0-1 0,-1 0 0,1 1 0,-1 0 0,0-1 0,-4-4 0,6 7 0,-1 0 0,0 1 0,1-1 0,-1 0 0,0 1 0,0-1 0,1 1 0,-1-1 0,0 1 0,0-1 0,0 1 0,0 0 0,0-1 0,0 1 0,0 0 0,0 0 0,0 0 0,0 0 0,0 0 0,0 0 0,1 0 0,-1 0 0,0 0 0,0 0 0,0 0 0,0 1 0,0-1 0,-2 1 0,1 1 0,-1-1 0,1 1 0,0 0 0,-1 0 0,1 0 0,0 0 0,0 0 0,1 1 0,-4 4 0,0 1 0,1 0 0,0 0 0,0 1 0,0 0 0,-2 12 0,3-6 0,1-1 0,1 1 0,0 16 0,1-28 0,0 0 0,0-1 0,0 1 0,0-1 0,1 1 0,-1 0 0,1-1 0,-1 1 0,1-1 0,0 1 0,0-1 0,0 1 0,0-1 0,1 0 0,-1 1 0,1-1 0,-1 0 0,1 0 0,0 0 0,0 0 0,-1-1 0,2 1 0,-1 0 0,0-1 0,2 2 0,-3-3 0,0 1 0,0-1 0,0 1 0,0-1 0,1 0 0,-1 0 0,0 0 0,0 0 0,0 0 0,0 0 0,0 0 0,0 0 0,0 0 0,0 0 0,0-1 0,0 1 0,0 0 0,0-1 0,0 1 0,0 0 0,0-1 0,0 1 0,0-1 0,0 0 0,-1 1 0,2-2 0,0-1 0,0 1 0,-1 0 0,1-1 0,-1 1 0,0-1 0,0 1 0,0-1 0,0 0 0,0 1 0,0-4 0,1-3 0,-1 1 0,-1 0 0,1-1 0,-1 1 0,-1 0 0,-1-11 0,1 15 0,0-1 0,-1 1 0,1 0 0,-1 0 0,0 0 0,0 0 0,-1 0 0,1 0 0,-1 1 0,0-1 0,0 1 0,0-1 0,0 1 0,-1 0 0,1 1 0,-5-4 0,-5-1 0,0 0 0,0 1 0,-23-7 0,1 0 0,23 9-195,0 1 0,1 0 0,-2 1 0,1 0 0,0 1 0,-17 0 0,9 1-6631</inkml:trace>
+</inkml:ink>
+</file>
+
+<file path=ppt/ink/ink3.xml><?xml version="1.0" encoding="utf-8"?>
+<inkml:ink xmlns:inkml="http://www.w3.org/2003/InkML">
+  <inkml:definitions>
+    <inkml:context xml:id="ctx0">
+      <inkml:inkSource xml:id="inkSrc0">
+        <inkml:traceFormat>
+          <inkml:channel name="X" type="integer" min="-2.14748E9" max="2.14748E9" units="cm"/>
+          <inkml:channel name="Y" type="integer" min="-2.14748E9" max="2.14748E9" units="cm"/>
+          <inkml:channel name="F" type="integer" max="32767" units="dev"/>
+        </inkml:traceFormat>
+        <inkml:channelProperties>
+          <inkml:channelProperty channel="X" name="resolution" value="1000" units="1/cm"/>
+          <inkml:channelProperty channel="Y" name="resolution" value="1000" units="1/cm"/>
+          <inkml:channelProperty channel="F" name="resolution" value="0" units="1/dev"/>
+        </inkml:channelProperties>
+      </inkml:inkSource>
+      <inkml:timestamp xml:id="ts0" timeString="2023-07-30T05:35:47.535"/>
+    </inkml:context>
+    <inkml:brush xml:id="br0">
+      <inkml:brushProperty name="width" value="0.1" units="cm"/>
+      <inkml:brushProperty name="height" value="0.1" units="cm"/>
+      <inkml:brushProperty name="color" value="#FFFFFF"/>
+    </inkml:brush>
+  </inkml:definitions>
+  <inkml:trace contextRef="#ctx0" brushRef="#br0">2 355 24575,'9'1'0,"1"0"0,0 1 0,0 0 0,13 5 0,8 2 0,-19-7 0,20 6 0,-1-2 0,2-1 0,48 1 0,-63-6 0,-7 1 0,1-1 0,-1-1 0,0 1 0,-1-2 0,1 0 0,17-4 0,-25 4 0,-1 1 0,0 0 0,0 0 0,0-1 0,0 1 0,0-1 0,0 1 0,0-1 0,-1 0 0,1 0 0,0 0 0,-1 0 0,0 0 0,1 0 0,-1 0 0,0-1 0,0 1 0,0 0 0,0-1 0,-1 1 0,1 0 0,-1-1 0,1 1 0,-1-1 0,0 1 0,0-1 0,0 1 0,0-1 0,-1 1 0,1-1 0,0 1 0,-1-1 0,0 1 0,0 0 0,-1-3 0,0-2 0,0 1 0,-1 0 0,0 0 0,0 0 0,-1 0 0,0 0 0,0 1 0,0 0 0,-1 0 0,1 0 0,-1 0 0,0 1 0,-1-1 0,1 1 0,-1 1 0,0-1 0,0 1 0,0 0 0,-6-2 0,-1 0 0,-1 0 0,1 1 0,-1 0 0,0 1 0,0 1 0,0 0 0,0 1 0,-17 1 0,25 1 0,0 0 0,-1 1 0,1-1 0,0 1 0,0 1 0,0-1 0,1 1 0,-1 0 0,1 0 0,-1 1 0,1 0 0,-9 8 0,2-1 0,0 2 0,0 0 0,-15 22 0,26-34 0,0 1 0,0-1 0,0 1 0,0-1 0,0 1 0,0-1 0,1 1 0,-1 0 0,1-1 0,-1 1 0,1 0 0,-1 0 0,1-1 0,0 1 0,0 0 0,0 0 0,0-1 0,0 1 0,0 0 0,0 0 0,1-1 0,-1 1 0,1 0 0,-1 0 0,1-1 0,1 3 0,0-1 0,1 0 0,-1 0 0,1 0 0,0-1 0,0 1 0,0-1 0,0 0 0,1 0 0,-1 0 0,0-1 0,8 4 0,4 0 0,1-1 0,0 0 0,0-1 0,31 3 0,212-8 0,-256 2 0,1-1 0,-1 1 0,0-1 0,0 0 0,1 0 0,-1 0 0,0 0 0,0 0 0,0-1 0,0 1 0,0-1 0,-1 0 0,1 0 0,0 0 0,-1 0 0,0-1 0,1 1 0,-1-1 0,0 1 0,0-1 0,0 0 0,-1 0 0,1 1 0,2-8 0,-3 8 0,-1-1 0,1 0 0,-1 0 0,0 1 0,0-1 0,0 0 0,0 0 0,0 0 0,0 1 0,-1-1 0,0 0 0,1 0 0,-1 1 0,0-1 0,0 1 0,0-1 0,-1 1 0,1-1 0,-1 1 0,1 0 0,-1-1 0,0 1 0,0 0 0,0 0 0,0 0 0,0 0 0,0 1 0,-1-1 0,-3-2 0,-11-3 0,0 0 0,-1 2 0,1 0 0,-1 0 0,0 2 0,-33-2 0,48 4 0,1 1 0,-1 0 0,0 0 0,1 0 0,-1 0 0,1 0 0,-1 1 0,0-1 0,1 1 0,-1 0 0,1-1 0,-1 1 0,1 0 0,0 1 0,-1-1 0,1 0 0,0 1 0,0-1 0,0 1 0,0 0 0,0-1 0,0 1 0,1 0 0,-1 0 0,0 0 0,1 1 0,0-1 0,-1 0 0,1 0 0,-1 5 0,0-2 0,1 1 0,0-1 0,0 0 0,1 0 0,-1 1 0,1-1 0,1 0 0,-1 1 0,1-1 0,-1 0 0,2 0 0,-1 0 0,0 0 0,5 10 0,-3-10 0,0-1 0,0 0 0,0 0 0,1 0 0,0 0 0,-1-1 0,1 1 0,0-1 0,1 0 0,-1 0 0,1 0 0,-1-1 0,1 1 0,0-1 0,0 0 0,0-1 0,9 3 0,-12-3 0,1-1 0,-1 1 0,0-1 0,1 1 0,-1-1 0,1 0 0,-1 0 0,1 0 0,-1 0 0,1-1 0,-1 1 0,1 0 0,-1-1 0,1 0 0,-1 0 0,0 0 0,1 0 0,-1 0 0,0 0 0,0 0 0,0-1 0,0 1 0,0-1 0,0 1 0,0-1 0,-1 0 0,1 0 0,0 0 0,-1 0 0,0 0 0,1 0 0,-1 0 0,0 0 0,0-1 0,0 1 0,0 0 0,0-5 0,0-1 0,0 1 0,-1 0 0,0-1 0,0 1 0,-1 0 0,0 0 0,-1-1 0,1 1 0,-1 0 0,-1 0 0,1 0 0,-1 1 0,0-1 0,-1 1 0,1-1 0,-1 1 0,-1 0 0,1 0 0,-1 1 0,0 0 0,0-1 0,-1 2 0,1-1 0,-1 1 0,0-1 0,0 2 0,-1-1 0,1 1 0,-1 0 0,-9-3 0,0 0 0,0 0 0,1 2 0,-2 0 0,1 1 0,0 0 0,-19 0 0,32 3 0,0 0 0,0 0 0,0 1 0,0-1 0,0 0 0,1 1 0,-1 0 0,0 0 0,0 0 0,0 0 0,1 0 0,-1 1 0,0-1 0,1 1 0,0 0 0,-1 0 0,-1 2 0,2-2 0,0 1 0,1 0 0,0 0 0,-1-1 0,1 1 0,0 0 0,0 0 0,1 1 0,-1-1 0,1 0 0,0 0 0,-1 0 0,1 0 0,0 0 0,1 1 0,-1-1 0,1 0 0,-1 0 0,3 6 0,-2-4 0,1 1 0,-1-1 0,1 0 0,0 0 0,1 0 0,-1 0 0,1 0 0,0 0 0,0-1 0,1 1 0,-1-1 0,1 0 0,0 0 0,0 0 0,0 0 0,1-1 0,4 3 0,-2-2 0,0-1 0,0 0 0,0-1 0,0 0 0,1 0 0,-1 0 0,0-1 0,1 0 0,-1-1 0,1 0 0,-1 0 0,10-1 0,-14 0 0,-1 1 0,0 0 0,1-1 0,-1 1 0,0-1 0,0 0 0,0 0 0,1 0 0,-1 0 0,0 0 0,0 0 0,-1-1 0,1 1 0,0-1 0,0 1 0,-1-1 0,1 0 0,0 0 0,-1 0 0,0 1 0,3-5 0,-2 0 0,0 1 0,0 0 0,-1 0 0,1-1 0,-1 1 0,-1-1 0,1 1 0,-1-1 0,0-7 0,0 4 0,-1-1 0,0 1 0,0 0 0,-1-1 0,0 1 0,-1 0 0,0 0 0,-1 0 0,1 1 0,-2-1 0,-5-9 0,5 13 0,1 1 0,-1-1 0,0 1 0,0-1 0,-1 2 0,1-1 0,-1 0 0,1 1 0,-1 0 0,0 1 0,-1-1 0,1 1 0,0 0 0,-1 1 0,1-1 0,-9 1 0,10 0 0,1 1 0,0 0 0,-1 1 0,1-1 0,0 1 0,0 0 0,0 0 0,-1 0 0,1 0 0,0 1 0,0 0 0,1 0 0,-1 0 0,0 0 0,1 0 0,-1 1 0,1 0 0,0-1 0,0 1 0,0 1 0,0-1 0,0 0 0,1 1 0,-1-1 0,-2 7 0,-2 4 0,2-1 0,-1 1 0,2 0 0,-4 19 0,6-27 0,1 1 0,0 0 0,0 0 0,1 0 0,0 0 0,1 0 0,-1 0 0,1 0 0,0 0 0,1 0 0,2 7 0,-2-12 0,-1 1 0,1-1 0,0 0 0,-1 0 0,1 1 0,0-1 0,0-1 0,1 1 0,-1 0 0,0 0 0,0-1 0,1 0 0,-1 1 0,1-1 0,0 0 0,-1 0 0,1 0 0,0 0 0,-1-1 0,1 1 0,0-1 0,4 0 0,10 1 0,1 0 0,26-4 0,-19 1 0,-5 2 0,-12 0 0,0 0 0,-1 0 0,1-1 0,0 0 0,-1-1 0,1 1 0,7-4 0,-12 4 0,-1-1 0,0 1 0,0-1 0,0 0 0,0 1 0,0-1 0,0 0 0,0 0 0,0 0 0,-1 0 0,1-1 0,-1 1 0,0 0 0,1-1 0,-1 1 0,0-1 0,-1 1 0,1-1 0,0 0 0,-1 1 0,1-1 0,-1 0 0,0 1 0,0-6 0,1-4 0,-1 0 0,0-1 0,-1 1 0,-3-20 0,2 27 0,1 1 0,0 0 0,-1-1 0,0 1 0,0 0 0,0 0 0,0 0 0,-1 0 0,0 1 0,0-1 0,0 1 0,0-1 0,0 1 0,0 0 0,-7-4 0,1 1 0,1 0 0,-1 1 0,0 1 0,0-1 0,0 1 0,-1 1 0,1 0 0,-19-4 0,23 7 0,0 0 0,0 0 0,0 0 0,0 0 0,0 1 0,0 0 0,0 0 0,0 1 0,0-1 0,0 1 0,0 0 0,1 0 0,-1 1 0,1-1 0,0 1 0,-1 0 0,1 0 0,1 0 0,-6 6 0,-81 66 0,87-70 0,0-1 0,1 1 0,0 0 0,0 0 0,0 0 0,0 0 0,1 0 0,0 0 0,0 0 0,0 0 0,1 0 0,0 8 0,0-11 0,0 1 0,0 0 0,0-1 0,1 1 0,-1-1 0,1 1 0,0-1 0,-1 1 0,1-1 0,0 0 0,1 1 0,0 1 0,-1-3 0,0 0 0,0 0 0,0 0 0,0 0 0,0 0 0,0-1 0,0 1 0,0 0 0,0-1 0,1 1 0,-1-1 0,0 1 0,0-1 0,1 0 0,-1 1 0,0-1 0,0 0 0,1 0 0,-1 0 0,0 0 0,1 0 0,-1 0 0,0 0 0,3-1 0,-3 1 0,0 0 0,0 0 0,0 0 0,0 0 0,0-1 0,0 1 0,0 0 0,0-1 0,0 1 0,0-1 0,0 1 0,0-1 0,0 1 0,0-1 0,-1 1 0,1-1 0,0 0 0,0 0 0,-1 0 0,1 1 0,0-1 0,-1 0 0,1 0 0,-1 0 0,1 0 0,0-2 0,-1 1 0,0 1 0,0-1 0,0 0 0,0 0 0,-1 0 0,1 1 0,0-1 0,-1 0 0,1 0 0,-1 0 0,0 1 0,0-1 0,0 1 0,-1-3 0,-2-3 0,-1 0 0,0 1 0,-1-1 0,0 1 0,-9-8 0,30 15 0,11 7 0,-4 0 0,-1 0 0,1-2 0,0 0 0,0-1 0,1-2 0,-1 0 0,27-1 0,-47-1 0,0-1 0,-1 0 0,1 0 0,0-1 0,-1 1 0,1 0 0,0 0 0,-1-1 0,1 1 0,-1-1 0,1 1 0,-1-1 0,1 0 0,-1 0 0,1 0 0,-1 0 0,1 0 0,-1 0 0,0 0 0,0 0 0,0 0 0,1-1 0,-1 1 0,0 0 0,-1-1 0,1 1 0,0-1 0,0 1 0,-1-1 0,1 1 0,0-1 0,-1 1 0,0-1 0,1 0 0,-1 1 0,0-1 0,0 0 0,0 1 0,0-1 0,0 0 0,0 1 0,-1-1 0,1-2 0,-1 0 0,-1 1 0,1-1 0,0 0 0,-1 1 0,0-1 0,0 1 0,0-1 0,0 1 0,-1 0 0,1 0 0,-1 0 0,1 0 0,-1 1 0,0-1 0,0 1 0,-1-1 0,1 1 0,-4-2 0,-13-4 0,-1 0 0,-37-8 0,50 14 0,0 1 0,0 0 0,0 0 0,0 1 0,0 0 0,0 0 0,0 1 0,0 0 0,0 0 0,-14 5 0,20-6 0,1 1 0,-1 0 0,1-1 0,-1 1 0,1 0 0,0 0 0,-1 0 0,1 0 0,0 0 0,0 0 0,0 1 0,0-1 0,0 0 0,0 0 0,0 1 0,0-1 0,0 1 0,0-1 0,1 1 0,-1-1 0,1 1 0,-1 0 0,1-1 0,0 1 0,-1-1 0,1 1 0,0 0 0,0-1 0,0 1 0,1 0 0,-1-1 0,0 1 0,0-1 0,1 1 0,-1 0 0,1-1 0,1 4 0,3 6 0,1 1 0,0 0 0,1-1 0,8 11 0,1 2 0,-10-16 0,0-1 0,1 1 0,0-2 0,0 1 0,1 0 0,0-1 0,0-1 0,0 0 0,1 0 0,0 0 0,0-1 0,0 0 0,17 4 0,39 21 0,-58-25 0,0-1 0,0 0 0,0 0 0,0-1 0,1 0 0,-1 0 0,0-1 0,1 0 0,0 0 0,-1-1 0,1 0 0,-1 0 0,13-2 0,-16 1 0,-1 0 0,1 0 0,0 0 0,0 0 0,-1 0 0,1-1 0,-1 0 0,1 0 0,-1 0 0,0 0 0,1 0 0,-1 0 0,0-1 0,-1 0 0,1 1 0,0-1 0,-1 0 0,1-1 0,-1 1 0,0 0 0,0 0 0,-1-1 0,1 0 0,-1 1 0,1-1 0,-1 0 0,1-5 0,1-8 0,-1-1 0,-1 1 0,0-1 0,-3-24 0,2 37 0,-1 0 0,1 0 0,-1 1 0,0-1 0,-1 0 0,1 0 0,-1 1 0,0-1 0,0 1 0,0-1 0,-1 1 0,0 0 0,0 0 0,0 0 0,0 0 0,0 1 0,-1-1 0,0 1 0,-6-5 0,-6-1 0,-1-2 0,-1 1 0,-29-10 0,42 18 0,0 0 0,0 1 0,0 0 0,0 0 0,0 0 0,-1 0 0,1 1 0,0 0 0,0 0 0,-1 1 0,1-1 0,0 1 0,0 0 0,-9 3 0,11-2 0,1-1 0,-1 1 0,1-1 0,-1 1 0,1 0 0,0 0 0,0 0 0,0 0 0,0 0 0,0 0 0,1 1 0,-1-1 0,1 1 0,-1-1 0,1 1 0,0-1 0,0 1 0,0 0 0,0 0 0,1 0 0,-1-1 0,1 1 0,0 0 0,-1 0 0,1 0 0,1 0 0,-1 0 0,0 0 0,1-1 0,-1 1 0,3 5 0,-2 0 0,2 0 0,-1 0 0,1 0 0,1 0 0,-1-1 0,1 1 0,0-1 0,1 0 0,9 12 0,13 5 0,0 0 0,2-2 0,0-1 0,1-1 0,36 16 0,-15-12 0,2-2 0,100 26 0,-152-47 0,1 0 0,0-1 0,0 1 0,0-1 0,0 0 0,0 0 0,0 0 0,0 0 0,0 0 0,1 0 0,-1 0 0,0-1 0,-1 1 0,1-1 0,0 1 0,0-1 0,0 0 0,0 0 0,0 0 0,-1 0 0,1 0 0,0 0 0,-1 0 0,1 0 0,-1-1 0,1 1 0,-1-1 0,0 1 0,1-1 0,-1 0 0,0 1 0,0-1 0,0 0 0,0 0 0,-1 0 0,1 0 0,0 0 0,-1 0 0,1 0 0,-1 0 0,0 0 0,0-2 0,2-13 0,0-1 0,-2 1 0,0-1 0,-3-19 0,1 8 0,2 24 0,0 1 0,0-1 0,-1 1 0,1-1 0,-1 1 0,0-1 0,-1 1 0,1-1 0,-1 1 0,1 0 0,-1 0 0,-1 0 0,1 0 0,-1 0 0,1 1 0,-1-1 0,0 1 0,0-1 0,-1 1 0,-5-4 0,2 2 0,-1 1 0,0 1 0,0-1 0,0 2 0,0-1 0,0 1 0,-1 0 0,1 0 0,-1 1 0,-10 0 0,-9-1 0,0 1 0,0 2 0,1 1 0,-30 5 0,47-5 0,0 0 0,1 0 0,-1 1 0,1 1 0,0 0 0,0 0 0,0 0 0,0 1 0,1 1 0,0-1 0,0 1 0,1 1 0,-1-1 0,1 1 0,-6 8 0,10-11 0,1 0 0,0 0 0,-1 1 0,1-1 0,1 0 0,-1 1 0,1-1 0,0 1 0,0 0 0,0-1 0,0 1 0,1 0 0,0 0 0,0-1 0,0 1 0,1 0 0,0-1 0,-1 1 0,2 0 0,-1-1 0,0 1 0,1-1 0,0 1 0,0-1 0,0 0 0,1 0 0,-1 0 0,1 0 0,0 0 0,0-1 0,0 1 0,1-1 0,-1 0 0,1 0 0,0 0 0,0-1 0,0 1 0,0-1 0,0 0 0,1 0 0,-1 0 0,1 0 0,-1-1 0,1 0 0,7 1 0,60 2 0,72-6 0,-29-1 0,-110 2 0,-1 1 0,1-1 0,0 0 0,0 0 0,-1 0 0,1 0 0,-1-1 0,1 0 0,-1 0 0,0 0 0,0-1 0,0 1 0,0-1 0,0 0 0,6-7 0,-8 9 0,-1 0 0,0-1 0,0 1 0,0-1 0,0 1 0,-1-1 0,1 1 0,0-1 0,0 0 0,-1 1 0,1-1 0,-1 0 0,0 1 0,0-1 0,1 0 0,-1 1 0,0-1 0,-1-3 0,1 3 0,-1-1 0,0 1 0,0 0 0,0 0 0,0 0 0,-1 0 0,1 0 0,-1 0 0,1 0 0,-1 0 0,1 0 0,-1 1 0,0-1 0,0 1 0,0-1 0,0 1 0,-3-2 0,-2 0 0,1 0 0,0 1 0,-1-1 0,0 1 0,1 1 0,-11-2 0,14 2 0,0 1 0,0-1 0,0 1 0,0 0 0,0 0 0,1 0 0,-1 0 0,0 1 0,0-1 0,0 1 0,0 0 0,0-1 0,0 1 0,1 1 0,-1-1 0,0 0 0,-3 3 0,6-3 0,-1-1 0,1 1 0,-1 0 0,1 0 0,-1 0 0,1 0 0,0 0 0,-1 0 0,1 0 0,0 0 0,0 0 0,0 0 0,-1 0 0,1 0 0,0 0 0,1 0 0,-1 0 0,0 0 0,0 0 0,0 0 0,1 0 0,-1 0 0,0 0 0,1 0 0,-1 0 0,1 0 0,-1 0 0,1 0 0,-1 0 0,1-1 0,0 1 0,-1 0 0,1 0 0,0-1 0,0 1 0,-1 0 0,1-1 0,0 1 0,0-1 0,2 1 0,37 22 0,-30-19 0,8 5 0,0-2 0,1 0 0,0-1 0,1 0 0,-1-2 0,1-1 0,0 0 0,0-1 0,32-2 0,-50 0 0,1 0 0,-1 0 0,0 0 0,0 0 0,1-1 0,-1 1 0,0-1 0,0 0 0,0 0 0,0 0 0,0 0 0,0 0 0,0 0 0,0 0 0,-1 0 0,1-1 0,0 1 0,-1-1 0,1 0 0,-1 1 0,1-1 0,-1 0 0,0 0 0,0 0 0,1 0 0,-1 0 0,-1 0 0,1 0 0,0 0 0,-1 0 0,1 0 0,-1 0 0,1-1 0,-1 1 0,0 0 0,0 0 0,0-1 0,0 1 0,0 0 0,-1 0 0,1 0 0,-1-1 0,-1-3 0,0-2 0,-1-1 0,-1 1 0,1 0 0,-1 0 0,0 0 0,-1 0 0,0 1 0,0 0 0,-12-12 0,2 7 0,-2 0 0,1 1 0,-2 1 0,1 1 0,-27-10 0,-10-6 0,26 12 0,-1 1 0,0 2 0,0 1 0,-1 1 0,0 1 0,-58-4 0,84 11 0,0 0 0,1 0 0,-1 0 0,1 1 0,-1-1 0,1 1 0,-1 0 0,1 0 0,0 0 0,-1 1 0,1-1 0,0 1 0,-4 2 0,7-4 0,-1 1 0,1-1 0,-1 1 0,1-1 0,-1 1 0,1-1 0,-1 1 0,1-1 0,0 1 0,-1 0 0,1-1 0,0 1 0,-1 0 0,1-1 0,0 1 0,0 0 0,0-1 0,-1 1 0,1 0 0,0-1 0,0 1 0,0 0 0,0-1 0,0 1 0,1 1 0,0 0 0,-1-1 0,1 1 0,0 0 0,0-1 0,1 1 0,-1-1 0,0 0 0,0 1 0,1-1 0,-1 0 0,1 0 0,-1 1 0,1-1 0,2 1 0,20 11 0,0-2 0,36 13 0,4 1 0,66 19 0,-119-40 0,1 0 0,0 0 0,1-1 0,-1 0 0,0-2 0,1 1 0,-1-1 0,1-1 0,-1 0 0,1-1 0,0 0 0,18-5 0,-30 6 0,0 0 0,0-1 0,0 1 0,0 0 0,0-1 0,0 1 0,0-1 0,0 1 0,0-1 0,0 0 0,0 1 0,0-1 0,-1 0 0,1 1 0,0-1 0,0 0 0,-1 0 0,1 0 0,-1 0 0,1 0 0,-1 0 0,1 0 0,-1 0 0,1 0 0,-1-1 0,0 0 0,0 1 0,-1 0 0,1-1 0,-1 1 0,1 0 0,-1 0 0,0 0 0,1 0 0,-1 0 0,0 0 0,0 0 0,0 0 0,0 0 0,0 0 0,0 0 0,0 0 0,-2 0 0,-57-28 0,55 27 0,-33-15 0,30 12 0,0 1 0,-1 0 0,0 1 0,0 0 0,0 0 0,0 1 0,-17-2 0,13 3 0,-9-1 0,0 1 0,0 2 0,0 0 0,-31 5 0,49-5 0,0-1 0,0 1 0,0 0 0,0 0 0,1 0 0,-1 1 0,1 0 0,-1-1 0,1 1 0,-1 0 0,1 1 0,0-1 0,0 0 0,0 1 0,0 0 0,1 0 0,-1 0 0,1 0 0,-1 0 0,1 0 0,0 0 0,1 1 0,-1-1 0,0 1 0,1 0 0,0-1 0,0 1 0,0 0 0,0 0 0,1 0 0,-1 0 0,1 4 0,0-6 0,1 1 0,-1 0 0,1-1 0,-1 1 0,1-1 0,0 1 0,0-1 0,0 0 0,0 1 0,1-1 0,-1 0 0,0 0 0,1 0 0,0 0 0,-1 0 0,1 0 0,0 0 0,0-1 0,0 1 0,0 0 0,1-1 0,-1 0 0,5 2 0,8 4 0,0-1 0,31 8 0,6 3 0,-38-11 0,-1-1 0,1-1 0,1 0 0,-1 0 0,1-2 0,-1 0 0,26 0 0,103-8 0,-141 5 0,1 1 0,-1-1 0,1 1 0,-1-1 0,0 0 0,1 0 0,-1 0 0,0 0 0,0 0 0,0 0 0,0-1 0,0 1 0,0-1 0,0 1 0,0-1 0,-1 0 0,1 0 0,0 0 0,-1 0 0,0 0 0,1 0 0,-1 0 0,0 0 0,0-1 0,0 1 0,0 0 0,-1-1 0,1 1 0,-1-1 0,1 1 0,-1-1 0,0-3 0,0 1 0,0 0 0,0 1 0,0-1 0,-1 0 0,0 0 0,0 1 0,0-1 0,0 1 0,-1-1 0,0 1 0,0-1 0,0 1 0,0 0 0,-1 0 0,1 0 0,-5-5 0,-2 0 0,-1 0 0,0 1 0,-1 0 0,0 0 0,0 1 0,-1 1 0,1 0 0,-1 0 0,-1 1 0,-19-5 0,5 5 0,0 1 0,0 1 0,0 1 0,-30 2 0,-7-2 0,40 1 0,1 0 0,-1 2 0,0 0 0,-26 6 0,48-7 0,0 1 0,-1-1 0,1 1 0,0 0 0,0 0 0,0-1 0,0 1 0,0 1 0,0-1 0,0 0 0,1 0 0,-1 1 0,0-1 0,1 1 0,-1 0 0,1-1 0,-1 1 0,1 0 0,0 0 0,0 0 0,-1 0 0,0 2 0,2-2 0,0-1 0,1 0 0,-1 1 0,0-1 0,0 0 0,0 1 0,1-1 0,-1 0 0,1 1 0,-1-1 0,1 0 0,0 0 0,-1 0 0,1 1 0,0-1 0,0 0 0,0 0 0,-1 0 0,1 0 0,0 0 0,0-1 0,1 1 0,-1 0 0,0 0 0,0-1 0,0 1 0,1-1 0,-1 1 0,0-1 0,0 1 0,1-1 0,-1 0 0,0 1 0,1-1 0,-1 0 0,0 0 0,2 0 0,9 2 0,-1 1 0,1-2 0,-1 0 0,1 0 0,0-1 0,-1 0 0,1-1 0,-1-1 0,1 0 0,-1 0 0,1-1 0,-1-1 0,0 1 0,-1-2 0,1 0 0,-1 0 0,1-1 0,-2 0 0,1 0 0,15-15 0,-22 18 0,0 0 0,0 1 0,-1 0 0,2-1 0,-1 1 0,0 0 0,0 0 0,1 1 0,-1-1 0,1 1 0,-1-1 0,1 1 0,-1 0 0,1 1 0,0-1 0,0 1 0,-1-1 0,1 1 0,0 0 0,0 1 0,5 0 0,4 2 0,-1 1 0,1 0 0,-1 1 0,22 12 0,-23-11 0,-1-1 0,1 0 0,0 0 0,1-1 0,21 5 0,51-4 0,101-7 0,-55-1 0,-112 3 0,-1 0 0,0-2 0,0 0 0,-1-1 0,1-1 0,24-8 0,-37 11 0,0-1 0,0 1 0,-1-1 0,1 0 0,0 0 0,-1 0 0,0 0 0,1-1 0,-1 1 0,0-1 0,0 0 0,-1 0 0,1 0 0,0 0 0,-1 0 0,0-1 0,0 1 0,0-1 0,0 0 0,0 1 0,-1-1 0,0 0 0,0 0 0,0 0 0,0 0 0,-1 0 0,1 0 0,-1 0 0,0 0 0,0 0 0,0 0 0,-1 0 0,-1-5 0,0 4 0,0 0 0,0 0 0,0 1 0,-1-1 0,0 1 0,0-1 0,0 1 0,-1 0 0,0 1 0,1-1 0,-1 1 0,0-1 0,-1 1 0,1 0 0,0 0 0,-1 1 0,0 0 0,0 0 0,1 0 0,-1 0 0,-6-1 0,-7-3 0,-1 1 0,0 1 0,-1 1 0,-27-2 0,32 4 0,-1 1 0,1 0 0,-1 1 0,1 0 0,-1 2 0,1 0 0,0 0 0,0 1 0,0 1 0,1 1 0,0 0 0,-18 10 0,9-6 0,15-7 0,0 0 0,1 0 0,0 1 0,-13 8 0,19-12 0,1 1 0,-1-1 0,0 1 0,0 0 0,0 0 0,1-1 0,-1 1 0,0 0 0,1 0 0,-1 0 0,1 0 0,-1 0 0,1 0 0,-1 0 0,1 0 0,0 0 0,-1 0 0,1 0 0,0 0 0,0 0 0,0 0 0,0 0 0,0 0 0,0 0 0,0 0 0,0 0 0,0 0 0,1 0 0,-1 0 0,0 0 0,1 0 0,-1 0 0,0 0 0,1 0 0,-1 0 0,1 0 0,0 0 0,-1 0 0,1 0 0,0-1 0,-1 1 0,2 0 0,1 2 0,1 0 0,-1-1 0,0 0 0,1 1 0,0-1 0,-1-1 0,1 1 0,0-1 0,0 1 0,0-1 0,0 0 0,0 0 0,0-1 0,8 1 0,67-2 0,-51-1 0,-21 2 0,-4 1 0,0-1 0,0 0 0,0 0 0,0 0 0,0-1 0,0 1 0,0-1 0,0 0 0,0 0 0,0 0 0,0 0 0,0 0 0,4-3 0,-11 4 0,1-1 0,-1 1 0,0 1 0,1-1 0,-1 1 0,0-1 0,1 1 0,-1 0 0,1 0 0,-7 3 0,6-1 0,0 0 0,-1 1 0,1 0 0,0 0 0,1 0 0,-1 0 0,1 0 0,0 1 0,0-1 0,0 1 0,0 0 0,1 0 0,0 0 0,0 0 0,1 0 0,-1 1 0,0 5 0,1-8 0,1 0 0,0 1 0,0-1 0,0 1 0,0-1 0,0 1 0,1-1 0,0 1 0,0-1 0,0 1 0,0-1 0,0 0 0,0 0 0,1 1 0,0-1 0,-1 0 0,1-1 0,0 1 0,1 0 0,-1 0 0,0-1 0,1 1 0,0-1 0,-1 0 0,1 0 0,6 3 0,-1 0 0,1-2 0,0 1 0,0-1 0,0-1 0,0 0 0,0 0 0,1-1 0,-1 0 0,0 0 0,1-1 0,17-2 0,-23 2 0,0 0 0,0-1 0,0 0 0,0 0 0,0 0 0,0 0 0,0-1 0,0 1 0,0-1 0,-1 0 0,1 0 0,-1-1 0,1 1 0,-1-1 0,0 1 0,0-1 0,0 0 0,-1 0 0,1 0 0,-1-1 0,1 1 0,-1-1 0,0 1 0,0-1 0,-1 0 0,1 1 0,-1-1 0,2-7 0,-2 4 0,1-1 0,-2 0 0,1 0 0,-1 1 0,0-1 0,-1 0 0,-1-8 0,1 13 0,1 0 0,-1 1 0,0-1 0,0 1 0,-1-1 0,1 1 0,-1-1 0,1 1 0,-1 0 0,0 0 0,1 0 0,-1 0 0,0 0 0,0 0 0,-1 0 0,1 1 0,0-1 0,-1 1 0,1 0 0,-1-1 0,1 1 0,-5-1 0,-12-4 0,0 1 0,0 0 0,-1 2 0,1 0 0,-1 1 0,1 1 0,-1 1 0,0 0 0,1 2 0,-21 3 0,37-4 0,1 0 0,-1-1 0,0 1 0,0 1 0,1-1 0,-1 0 0,1 0 0,-1 1 0,1 0 0,0-1 0,0 1 0,0 0 0,-1 0 0,2 0 0,-1 0 0,0 0 0,0 1 0,1-1 0,-1 1 0,1-1 0,0 1 0,0-1 0,0 1 0,0 0 0,0-1 0,0 1 0,1 0 0,-1 0 0,1 0 0,0 3 0,0-1 0,1 0 0,-1 0 0,1-1 0,0 1 0,0 0 0,1-1 0,-1 1 0,1-1 0,0 1 0,0-1 0,0 0 0,1 0 0,0 0 0,0 0 0,0 0 0,0-1 0,5 5 0,-1-1 0,1 0 0,0-1 0,1 0 0,0 0 0,-1-1 0,2 0 0,-1-1 0,0 1 0,1-2 0,10 3 0,4 1 0,-17-5 0,-1 0 0,1 0 0,-1 0 0,1-1 0,0 0 0,11-1 0,-16 0 0,-1 0 0,1-1 0,0 1 0,-1-1 0,1 1 0,0-1 0,-1 0 0,1 0 0,-1 0 0,1 0 0,-1 0 0,1 0 0,-1 0 0,0 0 0,0 0 0,1-1 0,-1 1 0,0 0 0,0-1 0,0 1 0,0-1 0,-1 0 0,1 1 0,0-1 0,-1 1 0,1-1 0,-1 0 0,1 0 0,-1 1 0,0-4 0,1 1 0,0 0 0,0 0 0,-1 1 0,0-1 0,0 0 0,0 0 0,0 0 0,-1 0 0,1 0 0,-1 1 0,0-1 0,0 0 0,0 0 0,-1 1 0,1-1 0,-1 1 0,0-1 0,0 1 0,0 0 0,0 0 0,-1 0 0,-5-6 0,3 5 0,-1 1 0,0-1 0,0 1 0,0 0 0,0 0 0,0 1 0,-1 0 0,1 0 0,-1 0 0,0 1 0,1 0 0,-13 0 0,-61-3 0,-99 9 0,162-1 0,0 1 0,0 1 0,1 0 0,-1 1 0,2 1 0,-1 0 0,1 1 0,-20 16 0,11-9 0,19-13 0,-1 1 0,1 0 0,0 0 0,0 1 0,1-1 0,-1 1 0,1 0 0,0 0 0,0 0 0,1 1 0,0-1 0,0 1 0,0 0 0,-2 8 0,2-4 0,1 1 0,0 0 0,1 0 0,0-1 0,1 1 0,0 0 0,3 20 0,-2-26 0,1 1 0,0-1 0,0 0 0,1 1 0,-1-1 0,1 0 0,0-1 0,1 1 0,-1 0 0,1-1 0,0 0 0,8 8 0,58 41 0,-56-45 0,2-2 0,-1 0 0,0-1 0,1-1 0,0 0 0,0-1 0,1 0 0,28 0 0,213-4 0,-252 0 0,0-1 0,0 1 0,0-1 0,0 0 0,0 0 0,0-1 0,-1 1 0,0-1 0,1-1 0,-1 1 0,0-1 0,0 1 0,-1-2 0,1 1 0,-1 0 0,4-6 0,-5 6 0,0 1 0,-1-1 0,1 0 0,-1 0 0,0 0 0,0 0 0,0 0 0,0-1 0,-1 1 0,0 0 0,0-1 0,0 1 0,0-1 0,-1 1 0,0-1 0,0 0 0,0 1 0,-1-1 0,1 1 0,-1-1 0,0 1 0,-2-5 0,2 6 0,-1 1 0,0-1 0,0 1 0,0 0 0,0 0 0,0-1 0,0 2 0,-1-1 0,1 0 0,-1 0 0,1 1 0,-1-1 0,0 1 0,1 0 0,-1 0 0,0 0 0,0 0 0,0 0 0,0 1 0,0-1 0,0 1 0,0 0 0,0 0 0,0 0 0,0 0 0,0 1 0,0-1 0,0 1 0,-4 1 0,4-2 0,1 0 0,-1 1 0,1-1 0,0 1 0,-1 0 0,1-1 0,0 1 0,-1 0 0,1 0 0,0 1 0,0-1 0,0 0 0,0 1 0,0-1 0,0 1 0,0 0 0,1 0 0,-1-1 0,1 1 0,-1 0 0,1 0 0,0 1 0,-1-1 0,1 0 0,0 0 0,1 1 0,-1-1 0,0 0 0,1 1 0,-1-1 0,1 0 0,-1 1 0,1-1 0,0 1 0,0-1 0,1 4 0,0-5 0,-1 1 0,1 0 0,0 0 0,0-1 0,0 1 0,1-1 0,-1 1 0,0-1 0,0 1 0,1-1 0,-1 0 0,1 1 0,-1-1 0,1 0 0,0 0 0,-1 0 0,1-1 0,0 1 0,0 0 0,0 0 0,0-1 0,-1 0 0,1 1 0,0-1 0,0 0 0,0 0 0,0 0 0,0 0 0,0 0 0,4-1 0,-5 1 0,0 0 0,0 0 0,1 0 0,-1 0 0,0-1 0,0 1 0,0 0 0,1-1 0,-1 1 0,0-1 0,0 0 0,0 1 0,0-1 0,0 0 0,0 0 0,0 1 0,0-1 0,0 0 0,-1 0 0,1 0 0,0 0 0,0 0 0,-1 0 0,1 0 0,-1 0 0,1-1 0,-1 1 0,1 0 0,-1 0 0,0 0 0,1-1 0,-1 1 0,0 0 0,0 0 0,0-1 0,0 1 0,0 0 0,0 0 0,0-1 0,-1 1 0,1 0 0,0 0 0,-1 0 0,1-1 0,-1 1 0,1 0 0,-2-2 0,0 0 0,-1-1 0,1 1 0,-1 0 0,1 0 0,-1 0 0,0 0 0,0 0 0,0 1 0,0-1 0,-1 1 0,1 0 0,-1 0 0,-5-2 0,-58-18 0,15 6 0,31 10 0,-1 1 0,0 0 0,-1 2 0,1 1 0,-1 1 0,1 1 0,-40 4 0,-11-1 0,53-4 0,-44 4 0,61-3 0,1 0 0,-1 1 0,1-1 0,-1 1 0,1 0 0,-1 0 0,1 0 0,-1 0 0,1 0 0,0 0 0,0 1 0,0-1 0,0 1 0,0 0 0,0-1 0,0 1 0,0 0 0,1 0 0,-1 0 0,-1 3 0,2-3 0,1-1 0,0 1 0,0-1 0,0 0 0,0 1 0,0-1 0,0 1 0,1-1 0,-1 0 0,0 1 0,1-1 0,-1 0 0,1 1 0,-1-1 0,1 0 0,0 0 0,0 1 0,-1-1 0,1 0 0,0 0 0,0 0 0,0 0 0,0 0 0,0 0 0,0 0 0,1-1 0,-1 1 0,0 0 0,2 0 0,45 27 0,-38-23 0,0-1 0,0-1 0,0 0 0,-1 0 0,2-1 0,-1 0 0,0-1 0,0 0 0,18-1 0,-13 0 0,-1 1 0,1 0 0,21 5 0,2 1 0,0-2 0,0-1 0,0-2 0,65-4 0,-19 0 0,-78 2 0,0-1 0,-1 0 0,1 0 0,0 0 0,-1-1 0,0 0 0,8-3 0,-12 4 0,0 1 0,0 0 0,0-1 0,0 1 0,0 0 0,0-1 0,0 1 0,-1-1 0,1 0 0,0 1 0,0-1 0,-1 0 0,1 1 0,0-1 0,-1 0 0,1 0 0,-1 0 0,1 1 0,-1-1 0,1 0 0,-1 0 0,0 0 0,1 0 0,-1 0 0,0 0 0,0 0 0,1 0 0,-1 0 0,0 0 0,0 0 0,0 0 0,0 0 0,-1 0 0,1 0 0,0 0 0,0 0 0,0 0 0,-1 0 0,1 1 0,-1-1 0,1 0 0,-1 0 0,1 0 0,-1 0 0,1 1 0,-1-1 0,0 0 0,1 0 0,-1 1 0,0-1 0,-1 0 0,-1-2 0,0 1 0,-1 0 0,1 0 0,-1 0 0,1 0 0,-1 0 0,0 1 0,0 0 0,0 0 0,0 0 0,0 0 0,0 0 0,-6 1 0,-60 1 0,45 0 0,-166 1 0,226-2 0,-1 1 0,-1-2 0,1-1 0,54-10 0,-73 8 0,0 0 0,-1-1 0,1 0 0,-1-1 0,21-13 0,-32 17 0,0 1 0,0-1 0,0 0 0,-1 0 0,1 0 0,-1 0 0,1 0 0,-1-1 0,0 1 0,0-1 0,0 0 0,0 1 0,0-1 0,-1 0 0,1 0 0,-1 0 0,0 0 0,0 0 0,0-1 0,0 1 0,-1 0 0,1 0 0,-1-1 0,0 1 0,0 0 0,0-1 0,0 1 0,0 0 0,-1-1 0,0 1 0,1 0 0,-3-5 0,1 5 0,0 0 0,1 1 0,-1-1 0,0 1 0,-1 0 0,1-1 0,0 1 0,-1 0 0,1 0 0,-1 0 0,1 1 0,-1-1 0,0 1 0,0-1 0,0 1 0,0 0 0,0 0 0,0 0 0,0 1 0,0-1 0,0 1 0,-5-1 0,-12 0 0,1 0 0,-31 4 0,23-1 0,1-3 0,1-1 0,-36-7 0,33 4 0,-45-1 0,-445 7 0,992-1 0,-453 2 0,-1 0 0,1 2 0,0 0 0,-1 2 0,37 14 0,42 11 0,-61-22 0,1-3 0,1-1 0,53 0 0,-79-4 0,-1-1 0,0 0 0,1-1 0,-1-1 0,0 0 0,0-1 0,0 0 0,0-1 0,-1 0 0,1-1 0,-1 0 0,17-11 0,-29 16 0,1 0 0,-1 0 0,0 0 0,0 0 0,1 0 0,-1-1 0,0 1 0,1 0 0,-1 0 0,0 0 0,0-1 0,0 1 0,1 0 0,-1 0 0,0-1 0,0 1 0,0 0 0,1-1 0,-1 1 0,0 0 0,0-1 0,0 1 0,0 0 0,0-1 0,0 1 0,0 0 0,0-1 0,0 1 0,0 0 0,0-1 0,0 1 0,0 0 0,0-1 0,0 1 0,0 0 0,0 0 0,0-1 0,0 1 0,0 0 0,-1-1 0,1 1 0,0 0 0,0-1 0,0 1 0,-1 0 0,1-1 0,-21-7 0,-24 1 0,-172 8-1365,197-1-5461</inkml:trace>
+</inkml:ink>
+</file>
+
+<file path=ppt/ink/ink4.xml><?xml version="1.0" encoding="utf-8"?>
+<inkml:ink xmlns:inkml="http://www.w3.org/2003/InkML">
+  <inkml:definitions>
+    <inkml:context xml:id="ctx0">
+      <inkml:inkSource xml:id="inkSrc0">
+        <inkml:traceFormat>
+          <inkml:channel name="X" type="integer" min="-2.14748E9" max="2.14748E9" units="cm"/>
+          <inkml:channel name="Y" type="integer" min="-2.14748E9" max="2.14748E9" units="cm"/>
+          <inkml:channel name="F" type="integer" max="32767" units="dev"/>
+        </inkml:traceFormat>
+        <inkml:channelProperties>
+          <inkml:channelProperty channel="X" name="resolution" value="1000" units="1/cm"/>
+          <inkml:channelProperty channel="Y" name="resolution" value="1000" units="1/cm"/>
+          <inkml:channelProperty channel="F" name="resolution" value="0" units="1/dev"/>
+        </inkml:channelProperties>
+      </inkml:inkSource>
+      <inkml:timestamp xml:id="ts0" timeString="2023-07-30T05:35:52.025"/>
+    </inkml:context>
+    <inkml:brush xml:id="br0">
+      <inkml:brushProperty name="width" value="0.1" units="cm"/>
+      <inkml:brushProperty name="height" value="0.1" units="cm"/>
+      <inkml:brushProperty name="color" value="#FFFFFF"/>
+    </inkml:brush>
+  </inkml:definitions>
+  <inkml:trace contextRef="#ctx0" brushRef="#br0">242 193 24575,'0'10'0,"2"35"0,-2-44 0,0 0 0,0 0 0,1 1 0,-1-1 0,0 0 0,1 0 0,-1 0 0,0 1 0,1-1 0,0 0 0,-1 0 0,1 0 0,0 0 0,-1 0 0,1 0 0,0 0 0,0 0 0,0 0 0,0-1 0,0 1 0,0 0 0,0 0 0,0-1 0,0 1 0,0-1 0,0 1 0,0-1 0,2 1 0,-2-1 0,0 0 0,0-1 0,1 1 0,-1 0 0,0-1 0,0 1 0,0-1 0,0 1 0,0-1 0,-1 0 0,1 1 0,0-1 0,0 0 0,0 0 0,0 0 0,-1 0 0,1 1 0,0-1 0,-1 0 0,1 0 0,-1 0 0,1 0 0,-1 0 0,0 0 0,1-1 0,-1 1 0,0 0 0,1 0 0,-1 0 0,0 0 0,0 0 0,0 0 0,0-2 0,-1-39 0,0 35 0,-1 1 0,0 0 0,0 0 0,-1 0 0,1 0 0,-1 1 0,-1-1 0,1 1 0,-1 0 0,0 0 0,0 0 0,-7-7 0,8 10 0,0-1 0,0 1 0,-1 0 0,1-1 0,0 2 0,-1-1 0,0 0 0,1 1 0,-1-1 0,0 1 0,0 0 0,1 0 0,-1 0 0,0 1 0,0 0 0,0-1 0,0 1 0,0 1 0,0-1 0,0 0 0,-6 3 0,8-3 0,0 1 0,0 0 0,0 0 0,0 1 0,0-1 0,0 0 0,0 1 0,0-1 0,0 1 0,1-1 0,-1 1 0,1 0 0,-1 0 0,1-1 0,0 1 0,0 0 0,0 0 0,0 1 0,0-1 0,0 0 0,0 0 0,1 0 0,-1 1 0,1-1 0,-1 0 0,1 0 0,0 1 0,0-1 0,0 0 0,0 1 0,1-1 0,-1 0 0,1 1 0,1 3 0,-1-1 0,0 1 0,1 0 0,0-1 0,0 1 0,0-1 0,1 0 0,-1 0 0,2 0 0,-1 0 0,0 0 0,1-1 0,0 0 0,4 5 0,-2-6 0,0 1 0,0-1 0,1-1 0,-1 1 0,1-1 0,-1 0 0,1-1 0,0 1 0,0-2 0,0 1 0,-1-1 0,1 1 0,7-2 0,-11 1 0,1 0 0,-1 0 0,0-1 0,0 1 0,0-1 0,1 1 0,-1-1 0,0 0 0,0 0 0,0-1 0,0 1 0,0-1 0,-1 1 0,1-1 0,0 0 0,-1 0 0,1 0 0,-1 0 0,0 0 0,1-1 0,-1 1 0,0-1 0,-1 0 0,1 1 0,0-1 0,-1 0 0,1 0 0,0-5 0,0 2 0,-1 0 0,0 0 0,-1 0 0,1 0 0,-1-1 0,-1 1 0,1 0 0,-1 0 0,0 0 0,0 0 0,-3-9 0,2 12 0,1 1 0,-1-1 0,1 1 0,-1-1 0,0 1 0,0 0 0,0-1 0,-1 1 0,1 0 0,0 0 0,-1 0 0,1 1 0,-1-1 0,0 1 0,1-1 0,-1 1 0,0 0 0,0 0 0,0 0 0,0 1 0,0-1 0,0 1 0,0-1 0,-5 1 0,-44-2 0,-88 9 0,137-7 0,-1 1 0,1-1 0,-1 1 0,1 0 0,0 0 0,-1 0 0,1 1 0,0-1 0,0 1 0,0 0 0,0 0 0,0 0 0,0 0 0,1 0 0,-1 1 0,1-1 0,-1 1 0,1 0 0,0 0 0,0-1 0,0 1 0,1 1 0,-1-1 0,1 0 0,-1 0 0,1 1 0,0-1 0,0 0 0,1 1 0,-1 5 0,-1 11 0,1-1 0,1 0 0,0 1 0,5 26 0,-3-34 0,-1-8 0,0 0 0,0 0 0,1 0 0,-1-1 0,1 1 0,0 0 0,0-1 0,0 1 0,1-1 0,-1 0 0,1 0 0,0 0 0,0 0 0,0 0 0,0-1 0,0 1 0,1-1 0,-1 0 0,1 0 0,-1 0 0,1 0 0,0-1 0,0 1 0,0-1 0,4 1 0,13 4 0,1-2 0,0 0 0,27 1 0,-48-5 0,10 1 0,-1 0 0,0-1 0,0 0 0,1-1 0,-1 0 0,0 0 0,0-1 0,14-5 0,-20 6 0,0-1 0,-1 0 0,0 0 0,1 0 0,-1 0 0,0-1 0,0 1 0,0-1 0,0 0 0,-1 0 0,1 0 0,-1 0 0,1 0 0,-1 0 0,0-1 0,-1 1 0,1-1 0,0 0 0,-1 1 0,0-1 0,0 0 0,0 0 0,0 0 0,0-7 0,1-16 0,0 1 0,-2-1 0,-1 1 0,-8-53 0,8 75 0,0 1 0,-1 0 0,1 0 0,-1 0 0,1 0 0,-1 0 0,0 1 0,0-1 0,-1 0 0,1 1 0,0 0 0,-1-1 0,0 1 0,1 0 0,-1 0 0,0 1 0,0-1 0,0 0 0,0 1 0,0 0 0,0 0 0,-1 0 0,1 0 0,0 0 0,-1 1 0,1-1 0,0 1 0,-6 0 0,6 0 0,0 0 0,-1 0 0,1 0 0,-1 1 0,1-1 0,0 1 0,0 0 0,-1 0 0,1 0 0,0 0 0,0 1 0,0-1 0,0 1 0,0 0 0,0-1 0,1 1 0,-1 1 0,0-1 0,1 0 0,0 1 0,-1-1 0,1 1 0,0 0 0,1 0 0,-1-1 0,0 1 0,1 0 0,-2 5 0,0 3 0,2-1 0,-1 0 0,1 1 0,1-1 0,0 1 0,0-1 0,1 0 0,0 1 0,1-1 0,0 0 0,1 0 0,5 12 0,-6-16 0,0-1 0,0 0 0,1 0 0,0 0 0,0 0 0,0 0 0,0-1 0,1 0 0,0 1 0,0-1 0,0 0 0,0-1 0,1 1 0,-1-1 0,1 0 0,0 0 0,0 0 0,0-1 0,0 0 0,1 0 0,-1 0 0,1 0 0,8 1 0,7-1 0,0 0 0,-1-2 0,1 0 0,0-1 0,20-4 0,-36 4 0,-1 1 0,1-1 0,-1 0 0,0-1 0,0 1 0,0-1 0,0 0 0,0 0 0,0 0 0,0-1 0,-1 1 0,1-1 0,-1 0 0,1 0 0,-1 0 0,0 0 0,-1-1 0,1 1 0,0-1 0,-1 1 0,0-1 0,0 0 0,0 0 0,0 0 0,-1-1 0,1 1 0,-1 0 0,0 0 0,0-8 0,2-27 0,-3 0 0,-4-48 0,3 84 0,1 1 0,-1-1 0,0 1 0,1-1 0,-1 1 0,0-1 0,-1 1 0,1 0 0,0 0 0,-1 0 0,1-1 0,-1 1 0,1 1 0,-1-1 0,0 0 0,0 0 0,0 1 0,0-1 0,0 1 0,0-1 0,-1 1 0,1 0 0,0 0 0,-1 0 0,1 0 0,-1 0 0,1 1 0,-1-1 0,1 1 0,-5-1 0,-10 0 0,0 0 0,0 1 0,-29 4 0,13-2 0,-8-2 0,23 0 0,0 0 0,-28 4 0,40-3 0,0 1 0,0-1 0,0 1 0,1 0 0,-1 1 0,1-1 0,-1 1 0,1 0 0,0 0 0,0 1 0,-7 7 0,-4 4 0,5-6 0,1 0 0,1 1 0,0 1 0,-11 16 0,17-24 0,1 1 0,1-1 0,-1 1 0,0 0 0,1 0 0,0 0 0,0 0 0,0 0 0,1 0 0,-1 0 0,1 0 0,0 0 0,0 0 0,0 0 0,1 0 0,-1 0 0,1 0 0,0 0 0,3 7 0,-2-6 0,1-1 0,0 0 0,0 0 0,0 0 0,0 0 0,1-1 0,0 1 0,0-1 0,-1 0 0,2 0 0,-1-1 0,0 1 0,1-1 0,-1 0 0,1 0 0,0 0 0,-1 0 0,10 1 0,10 2 0,0 0 0,34 1 0,-44-5 0,1 2 0,1-2 0,0 0 0,0-1 0,0 0 0,0-1 0,-1-1 0,1-1 0,21-5 0,-34 6 0,-1 0 0,1 0 0,0 0 0,-1 0 0,1 0 0,-1 0 0,0-1 0,0 1 0,1-1 0,-2 1 0,1-1 0,0 0 0,2-5 0,16-48 0,-10 26 0,-6 21 0,-1-1 0,0 0 0,-1 0 0,0 0 0,-1 0 0,0 0 0,0 0 0,-1 0 0,-1 0 0,-1-12 0,2 20 0,-1-1 0,1 0 0,-1 1 0,1-1 0,-1 1 0,0-1 0,0 1 0,-1-1 0,1 1 0,0-1 0,-1 1 0,0 0 0,1 0 0,-1 0 0,0 0 0,0 0 0,0 0 0,0 1 0,0-1 0,-1 0 0,1 1 0,0 0 0,-1 0 0,1-1 0,-1 2 0,1-1 0,-1 0 0,0 0 0,1 1 0,-1-1 0,0 1 0,1 0 0,-1 0 0,0 0 0,1 0 0,-1 0 0,0 1 0,0-1 0,1 1 0,-6 2 0,-1 0 0,1 0 0,-1 1 0,1 1 0,0-1 0,0 2 0,0-1 0,-14 13 0,-32 20 0,39-28 0,0 1 0,0 0 0,-24 25 0,20-19 0,16-14 0,-1 0 0,1 1 0,0-1 0,0 0 0,0 1 0,0 0 0,0 0 0,1 0 0,0 0 0,0 0 0,0 0 0,1 1 0,-1-1 0,1 1 0,0-1 0,0 1 0,0-1 0,1 1 0,0 5 0,0-6 0,1-1 0,0 1 0,0-1 0,0 0 0,1 0 0,-1 0 0,1 0 0,0 0 0,-1 0 0,2 0 0,-1 0 0,0-1 0,0 1 0,1-1 0,-1 0 0,1 1 0,0-1 0,0 0 0,0-1 0,0 1 0,0 0 0,0-1 0,0 0 0,0 0 0,1 0 0,3 1 0,11 2 0,1-1 0,-1-1 0,0 0 0,1-2 0,-1 0 0,1-1 0,-1-1 0,0 0 0,1-2 0,-1 0 0,-1-1 0,1-1 0,-1 0 0,0-1 0,26-15 0,-37 17 0,-1 1 0,0-1 0,0 0 0,0-1 0,0 1 0,-1-1 0,0 0 0,0 0 0,0 0 0,-1 0 0,0-1 0,3-8 0,-1 2 0,-1-1 0,0 1 0,-1-1 0,0 0 0,0-17 0,-2 24 0,-1 1 0,0 0 0,-1-1 0,1 1 0,-1 0 0,-1-1 0,1 1 0,-1 0 0,-4-9 0,5 13 0,1 1 0,-1 0 0,0-1 0,0 1 0,0 0 0,0 0 0,0 0 0,0 0 0,0 0 0,0 0 0,0 0 0,-1 1 0,1-1 0,0 0 0,-1 1 0,1-1 0,0 0 0,-3 0 0,2 1 0,-1 0 0,1 0 0,-1 0 0,1 1 0,0-1 0,-1 1 0,1-1 0,0 1 0,-1 0 0,1-1 0,0 1 0,0 0 0,-1 1 0,1-1 0,-2 2 0,-2 1 0,1 1 0,-1-1 0,1 1 0,0 1 0,0-1 0,1 1 0,-1 0 0,1 0 0,1 0 0,-1 0 0,1 1 0,0-1 0,0 1 0,1 0 0,0 0 0,-1 7 0,2-10 0,0 0 0,1 0 0,-1 0 0,1 0 0,0 0 0,0-1 0,1 1 0,-1 0 0,1 0 0,-1 0 0,1 0 0,1-1 0,-1 1 0,0 0 0,1-1 0,0 1 0,0-1 0,0 0 0,0 1 0,0-1 0,1 0 0,-1 0 0,1 0 0,0-1 0,0 1 0,0-1 0,0 0 0,1 1 0,-1-1 0,0-1 0,6 3 0,7 0 0,1 0 0,0-1 0,0-1 0,0-1 0,1 0 0,-1-1 0,31-4 0,13 0 0,-57 5 0,0-1 0,0 0 0,-1-1 0,1 1 0,0-1 0,-1 0 0,1 0 0,0 0 0,-1 0 0,1 0 0,-1-1 0,0 0 0,1 1 0,-1-1 0,0 0 0,0-1 0,0 1 0,-1-1 0,1 1 0,4-6 0,-4 2 0,0 1 0,0-1 0,-1 0 0,0 0 0,0 0 0,0 0 0,-1 0 0,1-1 0,-2 1 0,1 0 0,-1-11 0,1 9 0,-1 0 0,-1-1 0,1 1 0,-1 0 0,-1-1 0,1 1 0,-6-13 0,6 19 0,0-1 0,-1 0 0,1 1 0,-1-1 0,0 1 0,0-1 0,0 1 0,0 0 0,0 0 0,-1 0 0,1 0 0,-1 0 0,1 1 0,-1-1 0,0 1 0,1 0 0,-1-1 0,0 1 0,0 0 0,0 1 0,0-1 0,0 0 0,-6 1 0,-11-3 0,-1 2 0,0 1 0,0 0 0,-20 4 0,33-3 0,-1 1 0,2 0 0,-1 0 0,0 0 0,0 1 0,1 1 0,-1-1 0,1 1 0,0 0 0,0 1 0,1 0 0,-13 11 0,11-7 0,0 1 0,1 0 0,0 0 0,1 0 0,0 1 0,0 0 0,1 0 0,1 1 0,-7 22 0,10-31 0,0 0 0,1 1 0,-1-1 0,1 0 0,-1 0 0,1 1 0,0-1 0,0 1 0,0-1 0,1 0 0,-1 0 0,1 1 0,0-1 0,0 0 0,0 0 0,0 1 0,1-1 0,-1 0 0,1-1 0,0 1 0,-1 0 0,1 0 0,1-1 0,-1 1 0,0-1 0,1 1 0,-1-1 0,1 0 0,-1 0 0,1 0 0,0-1 0,0 1 0,0-1 0,0 1 0,0-1 0,1 0 0,-1 0 0,0 0 0,7 0 0,1 1 0,0-1 0,0 0 0,0 0 0,0-1 0,1-1 0,-1 0 0,0-1 0,0 0 0,0 0 0,-1-1 0,1 0 0,-1-1 0,1-1 0,-1 1 0,0-2 0,-1 1 0,1-1 0,-1-1 0,0 0 0,-1 0 0,0 0 0,0-1 0,0-1 0,-1 1 0,7-12 0,-9 12 0,0-1 0,0 0 0,-1 0 0,-1 0 0,1-1 0,-2 1 0,1-1 0,1-10 0,-4 18 0,1 0 0,-1 0 0,0 0 0,0 1 0,0-1 0,1 0 0,-2 0 0,1 0 0,0 1 0,0-1 0,-1 0 0,1 0 0,0 0 0,-1 1 0,0-1 0,1 0 0,-1 1 0,0-1 0,0 1 0,0-1 0,0 1 0,0-1 0,-1 1 0,1-1 0,0 1 0,0 0 0,-1 0 0,1 0 0,-1 0 0,1 0 0,-1 0 0,0 0 0,1 0 0,-1 1 0,0-1 0,0 1 0,1-1 0,-1 1 0,0 0 0,0-1 0,0 1 0,1 0 0,-1 0 0,0 0 0,0 1 0,0-1 0,1 0 0,-1 1 0,-3 1 0,0-1 0,0 0 0,1 1 0,0 0 0,-1 0 0,1 1 0,0-1 0,0 1 0,0 0 0,0 0 0,1 0 0,-1 1 0,1-1 0,0 1 0,0 0 0,0-1 0,0 1 0,1 1 0,-1-1 0,-1 7 0,3-10 0,0 1 0,0 0 0,0 0 0,0 0 0,1 1 0,-1-1 0,1 0 0,0 0 0,0 0 0,-1 0 0,1 0 0,1 0 0,-1 1 0,0-1 0,0 0 0,1 0 0,-1 0 0,1 0 0,0 0 0,0 0 0,-1 0 0,1 0 0,0 0 0,1 0 0,-1-1 0,0 1 0,1 0 0,-1-1 0,0 1 0,1-1 0,0 1 0,-1-1 0,1 0 0,0 0 0,0 0 0,0 0 0,0 0 0,0 0 0,0 0 0,0 0 0,0-1 0,0 1 0,0-1 0,3 1 0,22 2 0,0-1 0,1-1 0,52-4 0,-3-1 0,-73 5 0,0-1 0,0 0 0,0-1 0,0 1 0,0-1 0,1 1 0,-2-1 0,1 0 0,0-1 0,0 1 0,0-1 0,0 0 0,-1 0 0,1 0 0,-1 0 0,1 0 0,-1-1 0,0 0 0,4-3 0,-5 2 0,1-1 0,-1 1 0,0-1 0,0 0 0,-1 1 0,1-1 0,-1 0 0,0 0 0,0 0 0,0 0 0,-1 0 0,0 0 0,0 0 0,0 0 0,-2-7 0,2 9 0,-1 0 0,0 1 0,1-1 0,-1 0 0,0 1 0,0-1 0,-1 1 0,1 0 0,0-1 0,-1 1 0,1 0 0,-1 0 0,0 0 0,0 0 0,0 0 0,0 0 0,0 1 0,0-1 0,0 0 0,-1 1 0,1 0 0,0 0 0,-1-1 0,1 2 0,-1-1 0,1 0 0,-1 0 0,0 1 0,1-1 0,-4 1 0,-12-2 0,1 1 0,-1 1 0,-29 3 0,15 0 0,28-4 0,-1 1 0,1 1 0,-1-1 0,1 1 0,0-1 0,-1 1 0,1 1 0,0-1 0,0 0 0,-1 1 0,1 0 0,1 0 0,-1 0 0,0 1 0,0-1 0,1 1 0,-7 6 0,8-5 0,-1 0 0,1 0 0,0 1 0,0-1 0,0 1 0,1-1 0,-1 1 0,1 0 0,0 0 0,1-1 0,-1 1 0,1 0 0,0 0 0,0 0 0,0 0 0,2 5 0,-2-7 0,1 0 0,0 0 0,0 0 0,0-1 0,0 1 0,0 0 0,1-1 0,-1 1 0,1-1 0,0 0 0,-1 1 0,1-1 0,0 0 0,0 0 0,0 0 0,1 0 0,-1-1 0,0 1 0,1 0 0,-1-1 0,1 0 0,0 0 0,-1 0 0,1 0 0,0 0 0,0 0 0,0-1 0,-1 1 0,1-1 0,6 0 0,8 2 0,0-2 0,0 0 0,31-5 0,-43 3 0,-1 1 0,1-1 0,0-1 0,0 1 0,-1-1 0,1 1 0,-1-1 0,0 0 0,5-5 0,-8 7 0,0 0 0,1-1 0,-1 1 0,0 0 0,0 0 0,-1 0 0,1-1 0,0 1 0,0-1 0,-1 1 0,1 0 0,0-1 0,-1 1 0,1-3 0,-1 3 0,0 0 0,-1 1 0,1-1 0,0 0 0,0 0 0,-1 1 0,1-1 0,0 0 0,-1 1 0,1-1 0,-1 0 0,1 1 0,-1-1 0,1 1 0,-1-1 0,1 0 0,-1 1 0,1 0 0,-1-1 0,0 1 0,1-1 0,-1 1 0,0 0 0,0-1 0,1 1 0,-1 0 0,0 0 0,0-1 0,1 1 0,-2 0 0,1 0 0,0-1 0,1 1 0,-1 0 0,0-1 0,0 1 0,1 0 0,-1 0 0,0 0 0,1 0 0,-1-1 0,0 1 0,0 0 0,0 0 0,1 0 0,-1 0 0,0 1 0,0-1 0,1 0 0,-1 0 0,0 0 0,1 1 0,-1-1 0,0 0 0,1 1 0,-1-1 0,0 0 0,1 1 0,-1-1 0,0 1 0,1-1 0,-1 1 0,1-1 0,-1 1 0,1 0 0,-1-1 0,1 1 0,0 0 0,-1-1 0,1 1 0,0 0 0,0-1 0,-1 1 0,1 0 0,0 0 0,0-1 0,0 2 0,0 0 0,0-1 0,0 1 0,0 0 0,1 0 0,-1 0 0,1-1 0,0 1 0,-1 0 0,1-1 0,0 1 0,0 0 0,0-1 0,0 1 0,0-1 0,0 0 0,0 1 0,1-1 0,-1 0 0,2 2 0,2 0 0,-1-1 0,1 1 0,-1-1 0,1 0 0,0 0 0,0-1 0,-1 1 0,1-1 0,0 0 0,1 0 0,-1-1 0,0 1 0,0-1 0,0-1 0,0 1 0,0-1 0,7-1 0,-8 1 0,-1 0 0,0 0 0,0 0 0,0 0 0,0-1 0,0 1 0,0-1 0,0 0 0,0 0 0,-1 0 0,1 0 0,-1-1 0,1 1 0,-1-1 0,0 1 0,0-1 0,0 0 0,-1 0 0,1 0 0,0 0 0,-1 0 0,0 0 0,0 0 0,0 0 0,0-1 0,0-5 0,0 2 0,0 0 0,-1-1 0,1 1 0,-2 0 0,1-1 0,-1 1 0,0 0 0,-1 0 0,1 0 0,-6-12 0,6 16 0,-1 1 0,1 0 0,-1 0 0,0 0 0,1 0 0,-1 0 0,0 0 0,0 0 0,0 0 0,-1 1 0,1-1 0,0 1 0,-1 0 0,1 0 0,-1 0 0,1 0 0,-1 0 0,1 0 0,-1 0 0,0 1 0,1 0 0,-1-1 0,0 1 0,1 0 0,-1 0 0,0 0 0,1 1 0,-1-1 0,0 1 0,1-1 0,-6 3 0,5-2 0,0 0 0,0 0 0,0 0 0,0 1 0,0-1 0,1 1 0,-1 0 0,0 0 0,1 0 0,-1 0 0,1 0 0,0 0 0,0 1 0,0-1 0,0 1 0,0-1 0,0 1 0,1 0 0,-1 0 0,1 0 0,0 0 0,0 0 0,0 0 0,-1 3 0,2-4 0,0 1 0,0-1 0,0 0 0,0 0 0,0 0 0,0 0 0,0 1 0,1-1 0,-1 0 0,1 0 0,-1 0 0,1 0 0,0 0 0,0 0 0,0 0 0,0 0 0,0-1 0,0 1 0,1 0 0,-1 0 0,0-1 0,1 1 0,0-1 0,-1 1 0,1-1 0,0 0 0,0 0 0,-1 0 0,1 0 0,0 0 0,0 0 0,0 0 0,0-1 0,1 1 0,-1-1 0,2 1 0,24 1 0,9 3 0,-36-4 0,0-1 0,0 1 0,-1 0 0,1-1 0,0 1 0,-1 0 0,1-1 0,-1 1 0,1 0 0,-1 0 0,1-1 0,-1 1 0,1 0 0,-1 0 0,0 0 0,0 0 0,1 0 0,-1 0 0,0 0 0,0 0 0,0-1 0,0 1 0,0 0 0,0 0 0,0 0 0,0 0 0,0 0 0,-1 0 0,1 0 0,0 0 0,-1 0 0,1-1 0,0 1 0,-1 0 0,1 0 0,-2 1 0,-8 19 0,5-10 0,0 0 0,1 0 0,0 0 0,-5 23 0,8-32 0,1 0 0,0-1 0,0 1 0,-1 0 0,1 0 0,1 0 0,-1 0 0,0-1 0,0 1 0,1 0 0,-1 0 0,1 0 0,-1-1 0,1 1 0,0 0 0,0-1 0,0 1 0,0-1 0,0 1 0,0-1 0,0 1 0,0-1 0,1 0 0,-1 1 0,1-1 0,-1 0 0,1 0 0,-1 0 0,1 0 0,-1 0 0,1-1 0,0 1 0,-1 0 0,1-1 0,0 1 0,0-1 0,0 0 0,1 1 0,11 1 0,-1 0 0,1-1 0,22-1 0,-33 0 0,0 0 0,0 0 0,0-1 0,0 1 0,0 0 0,-1-1 0,1 0 0,0 0 0,0 0 0,-1 0 0,1 0 0,0 0 0,-1-1 0,0 1 0,1-1 0,-1 0 0,0 0 0,0 1 0,0-1 0,0-1 0,0 1 0,0 0 0,2-4 0,-3 4 0,-1 1 0,0-1 0,0 0 0,1 1 0,-1-1 0,0 0 0,0 0 0,-1 1 0,1-1 0,0 0 0,0 1 0,-1-1 0,1 1 0,-1-1 0,0 0 0,1 1 0,-1-1 0,0 1 0,0-1 0,0 1 0,0 0 0,0-1 0,0 1 0,0 0 0,0 0 0,-1 0 0,1 0 0,0 0 0,-1 0 0,1 0 0,-1 0 0,-2-1 0,-4-2 0,0 1 0,0-1 0,-1 1 0,-12-3 0,22 6 0,1 1 0,-1-1 0,1 0 0,0 0 0,-1 0 0,1 0 0,-1 0 0,1 0 0,-1 0 0,1 0 0,-1-1 0,1 1 0,-1-1 0,1 1 0,-1-1 0,1 0 0,-1 1 0,0-1 0,1 0 0,-1 0 0,0 0 0,0 0 0,1 0 0,-1 0 0,1-3 0,0 2 0,0-1 0,0 0 0,-1 0 0,0 0 0,0 0 0,1 0 0,-2 0 0,1 0 0,0 0 0,-1-1 0,1 1 0,-1-5 0,0 6 0,1 0 0,-1 0 0,0 0 0,0 0 0,0 0 0,0 0 0,0 0 0,-1 0 0,1 0 0,-1 0 0,1 0 0,-1 0 0,0 0 0,0 0 0,0 0 0,0 1 0,0-1 0,0 0 0,0 1 0,0-1 0,-1 0 0,1 1 0,-1 0 0,1-1 0,-1 1 0,0 0 0,1 0 0,-1 0 0,0 0 0,0 0 0,0 0 0,0 0 0,1 1 0,-1-1 0,0 1 0,0-1 0,0 1 0,-1 0 0,1 0 0,0 0 0,0 0 0,0 0 0,-3 1 0,4-1 0,0 0 0,-1 0 0,1 0 0,0 1 0,0-1 0,0 0 0,0 1 0,0-1 0,0 0 0,0 1 0,0-1 0,1 1 0,-1 0 0,0-1 0,0 1 0,0 0 0,0-1 0,1 1 0,-1 0 0,0 0 0,1 0 0,-1 0 0,1 0 0,-1 0 0,1 0 0,-1 0 0,1 0 0,0 0 0,-1 0 0,1 0 0,0 0 0,0 0 0,0 0 0,0 0 0,0 0 0,0 0 0,0 0 0,0 0 0,0 0 0,0 0 0,1 2 0,0-1 0,0 0 0,0 0 0,0 0 0,1 0 0,-1 0 0,0 0 0,1-1 0,-1 1 0,1 0 0,0-1 0,0 1 0,-1-1 0,1 0 0,0 0 0,0 0 0,0 0 0,0 0 0,0 0 0,3 1 0,-1-1 0,1 0 0,-1 0 0,0 0 0,1 0 0,-1-1 0,0 1 0,1-1 0,-1 0 0,1-1 0,-1 1 0,0-1 0,1 0 0,-1 0 0,0 0 0,8-4 0,-12 5 0,0 0 0,0 0 0,0 0 0,0 0 0,0 0 0,1 0 0,-1 0 0,0 0 0,0-1 0,0 1 0,0 0 0,0 0 0,0 0 0,0 0 0,0 0 0,0-1 0,0 1 0,0 0 0,0 0 0,0 0 0,0 0 0,0-1 0,0 1 0,0 0 0,0 0 0,0 0 0,0 0 0,0 0 0,0-1 0,0 1 0,0 0 0,0 0 0,0 0 0,0 0 0,0 0 0,0-1 0,0 1 0,0 0 0,-1 0 0,1 0 0,0 0 0,0 0 0,0 0 0,0 0 0,0 0 0,0-1 0,-1 1 0,1 0 0,0 0 0,0 0 0,0 0 0,-14-5 0,-13 1 0,7 3 0,-1 1 0,1 2 0,0 0 0,1 1 0,-1 0 0,0 2 0,1 1 0,0 0 0,0 1 0,1 1 0,0 1 0,0 1 0,1 0 0,0 1 0,1 1 0,0 0 0,1 1 0,0 1 0,2 1 0,-17 20 0,29-34 0,0 0 0,0 0 0,0 0 0,1 0 0,-1 0 0,0 0 0,1 0 0,-1 1 0,1-1 0,-1 0 0,1 0 0,-1 0 0,1 1 0,0-1 0,0 0 0,0 0 0,0 1 0,0-1 0,0 0 0,0 0 0,0 1 0,0-1 0,0 0 0,1 0 0,-1 1 0,1 1 0,1-1 0,-1-1 0,1 0 0,-1 1 0,1-1 0,0 0 0,0 0 0,-1 0 0,1 0 0,0 0 0,0 0 0,0 0 0,0-1 0,0 1 0,4 0 0,11 1 0,-1 0 0,1-1 0,21-2 0,-29 0 0,36-4-1365,-29-1-5461</inkml:trace>
+</inkml:ink>
+</file>
+
+<file path=ppt/ink/ink5.xml><?xml version="1.0" encoding="utf-8"?>
+<inkml:ink xmlns:inkml="http://www.w3.org/2003/InkML">
+  <inkml:definitions>
+    <inkml:context xml:id="ctx0">
+      <inkml:inkSource xml:id="inkSrc0">
+        <inkml:traceFormat>
+          <inkml:channel name="X" type="integer" min="-2.14748E9" max="2.14748E9" units="cm"/>
+          <inkml:channel name="Y" type="integer" min="-2.14748E9" max="2.14748E9" units="cm"/>
+          <inkml:channel name="F" type="integer" max="32767" units="dev"/>
+        </inkml:traceFormat>
+        <inkml:channelProperties>
+          <inkml:channelProperty channel="X" name="resolution" value="1000" units="1/cm"/>
+          <inkml:channelProperty channel="Y" name="resolution" value="1000" units="1/cm"/>
+          <inkml:channelProperty channel="F" name="resolution" value="0" units="1/dev"/>
+        </inkml:channelProperties>
+      </inkml:inkSource>
+      <inkml:timestamp xml:id="ts0" timeString="2023-07-30T05:35:59.977"/>
+    </inkml:context>
+    <inkml:brush xml:id="br0">
+      <inkml:brushProperty name="width" value="0.1" units="cm"/>
+      <inkml:brushProperty name="height" value="0.1" units="cm"/>
+      <inkml:brushProperty name="color" value="#FFFFFF"/>
+    </inkml:brush>
+  </inkml:definitions>
+  <inkml:trace contextRef="#ctx0" brushRef="#br0">22 167 24575,'11'1'0,"0"0"0,0 1 0,20 6 0,-24-6 0,0 0 0,-1 0 0,1 0 0,1-1 0,-1 0 0,0 0 0,0-1 0,0 0 0,0 0 0,0-1 0,11-2 0,-16 3 0,-1-1 0,1 0 0,-1 1 0,1-1 0,-1 0 0,0 0 0,1 1 0,-1-1 0,0 0 0,1 0 0,-1-1 0,0 1 0,0 0 0,0 0 0,0-1 0,0 1 0,0 0 0,-1-1 0,1 1 0,0-1 0,-1 1 0,1-1 0,0-2 0,-1 1 0,0 0 0,0-1 0,0 1 0,0 0 0,0 0 0,-1 0 0,0 0 0,0 0 0,1 0 0,-2 0 0,-1-5 0,0 3 0,1 0 0,-1 0 0,0 1 0,0-1 0,0 1 0,-1 0 0,0 0 0,1 0 0,-2 1 0,1-1 0,0 1 0,0 0 0,-1 0 0,-8-4 0,1 5 0,1 0 0,-1 0 0,0 2 0,0-1 0,-13 2 0,22-1 0,-1 1 0,0-1 0,1 1 0,-1 0 0,1 0 0,-1 0 0,1 1 0,0-1 0,-5 4 0,7-5 0,0 1 0,0 0 0,0 0 0,0 0 0,0 0 0,0 0 0,0 0 0,1 0 0,-1 0 0,0 0 0,1 1 0,-1-1 0,1 0 0,-1 0 0,1 0 0,0 1 0,-1-1 0,1 0 0,0 1 0,0-1 0,0 0 0,0 0 0,0 1 0,0-1 0,0 0 0,1 2 0,0 0 0,0 0 0,0-1 0,0 1 0,1 0 0,-1-1 0,1 1 0,-1-1 0,1 0 0,0 0 0,0 1 0,0-1 0,0 0 0,1-1 0,-1 1 0,1 0 0,-1-1 0,1 1 0,-1-1 0,1 0 0,0 0 0,-1 0 0,1 0 0,0 0 0,0 0 0,0-1 0,0 0 0,0 1 0,5-2 0,-6 2 0,-1-1 0,1 0 0,0 0 0,0 0 0,0 0 0,-1-1 0,1 1 0,0 0 0,-1-1 0,1 1 0,0-1 0,-1 0 0,1 0 0,0 1 0,-1-1 0,1 0 0,-1 0 0,0 0 0,1-1 0,-1 1 0,0 0 0,1 0 0,-1-1 0,0 1 0,0-1 0,0 1 0,-1-1 0,1 1 0,0-1 0,0 1 0,-1-1 0,1 0 0,-1 0 0,1 1 0,-1-1 0,0 0 0,0 0 0,0 1 0,0-1 0,0 0 0,0 0 0,0 1 0,-1-1 0,1 0 0,0 0 0,-2-1 0,2 1 0,-1 0 0,1 0 0,-1 1 0,0-1 0,1 1 0,-1-1 0,0 1 0,0-1 0,0 1 0,0-1 0,0 1 0,-1 0 0,1-1 0,0 1 0,-1 0 0,1 0 0,0 0 0,-1 0 0,1 0 0,-1 1 0,0-1 0,1 0 0,-1 1 0,0-1 0,1 1 0,-1-1 0,0 1 0,1 0 0,-1 0 0,0 0 0,0 0 0,1 0 0,-1 0 0,0 0 0,0 0 0,-2 2 0,1-1 0,-1 0 0,1 0 0,0 0 0,-1 1 0,1-1 0,0 1 0,0 0 0,0 0 0,0 0 0,1 0 0,-1 1 0,0-1 0,1 1 0,0 0 0,0-1 0,0 1 0,-3 4 0,4-4 0,0 0 0,1 0 0,-1 0 0,0 0 0,1 0 0,0 1 0,0-1 0,0 0 0,0 0 0,0 0 0,1 0 0,-1 0 0,1 0 0,0 0 0,0 0 0,0 0 0,0 0 0,0 0 0,1-1 0,-1 1 0,1 0 0,0-1 0,0 1 0,0-1 0,0 0 0,0 0 0,0 0 0,1 0 0,2 2 0,-3-2 0,0 0 0,1 0 0,-1-1 0,1 1 0,-1-1 0,1 0 0,-1 0 0,1 0 0,0 0 0,-1 0 0,1 0 0,0-1 0,0 1 0,-1-1 0,1 0 0,0 0 0,0 0 0,0 0 0,0 0 0,-1-1 0,1 1 0,0-1 0,0 0 0,-1 0 0,1 0 0,0 0 0,-1 0 0,1 0 0,-1-1 0,0 1 0,4-4 0,-3 1 0,0 0 0,-1 0 0,0 0 0,0 0 0,0 0 0,0-1 0,0 1 0,-1-1 0,0 1 0,0-1 0,0 0 0,-1 0 0,1 1 0,-2-8 0,-4-67 0,5 78 0,0-1 0,0 0 0,-1 0 0,1 1 0,0-1 0,-1 0 0,1 0 0,-1 1 0,0-1 0,0 0 0,1 1 0,-1-1 0,-2-1 0,3 3 0,-1-1 0,1 1 0,0 0 0,-1 0 0,1 0 0,-1 0 0,1 0 0,0-1 0,-1 1 0,1 0 0,-1 0 0,1 0 0,0 0 0,-1 0 0,1 0 0,-1 0 0,1 0 0,0 0 0,-1 0 0,1 1 0,-1-1 0,1 0 0,0 0 0,-1 0 0,1 0 0,-1 1 0,1-1 0,0 0 0,-1 0 0,1 1 0,0-1 0,0 0 0,-1 1 0,-2 2 0,1 0 0,0 0 0,0 0 0,0 1 0,0-1 0,0 1 0,0-1 0,1 1 0,0 0 0,-2 6 0,-4 42 0,7-49 0,0 0 0,0 0 0,0 0 0,0 0 0,0 0 0,1 0 0,-1 0 0,1 0 0,0 0 0,0 0 0,0 0 0,0 0 0,0-1 0,3 5 0,-4-11 0,-14-7 0,12 10 3,0 0 0,0 0 0,0 1 0,0 0 0,0-1-1,0 1 1,0 0 0,0 0 0,0 0 0,0 0 0,0 0-1,0 0 1,0 1 0,0-1 0,0 1 0,0-1 0,0 1 0,1 0-1,-1 0 1,0-1 0,0 1 0,0 1 0,1-1 0,-1 0 0,1 0-1,-1 1 1,1-1 0,-1 1 0,1-1 0,0 1 0,0-1-1,0 1 1,0 0 0,0 0 0,0 0 0,0-1 0,0 1 0,1 0-1,-1 0 1,1 0 0,-1 2 0,0-1-56,0 0 0,1 0 0,-1 0 0,1 0 0,0 0 0,0 0 0,0 0 0,0 0 0,0-1 0,0 1 0,1 0 0,-1 0-1,1 0 1,0 0 0,0 0 0,0-1 0,0 1 0,1 0 0,-1-1 0,1 1 0,0-1 0,-1 0 0,1 1 0,0-1 0,0 0 0,0 0 0,4 2 0</inkml:trace>
+</inkml:ink>
+</file>
+
+<file path=ppt/ink/ink6.xml><?xml version="1.0" encoding="utf-8"?>
+<inkml:ink xmlns:inkml="http://www.w3.org/2003/InkML">
+  <inkml:definitions>
+    <inkml:context xml:id="ctx0">
+      <inkml:inkSource xml:id="inkSrc0">
+        <inkml:traceFormat>
+          <inkml:channel name="X" type="integer" min="-2.14748E9" max="2.14748E9" units="cm"/>
+          <inkml:channel name="Y" type="integer" min="-2.14748E9" max="2.14748E9" units="cm"/>
+          <inkml:channel name="F" type="integer" max="32767" units="dev"/>
+        </inkml:traceFormat>
+        <inkml:channelProperties>
+          <inkml:channelProperty channel="X" name="resolution" value="1000" units="1/cm"/>
+          <inkml:channelProperty channel="Y" name="resolution" value="1000" units="1/cm"/>
+          <inkml:channelProperty channel="F" name="resolution" value="0" units="1/dev"/>
+        </inkml:channelProperties>
+      </inkml:inkSource>
+      <inkml:timestamp xml:id="ts0" timeString="2023-07-30T05:36:02.899"/>
+    </inkml:context>
+    <inkml:brush xml:id="br0">
+      <inkml:brushProperty name="width" value="0.1" units="cm"/>
+      <inkml:brushProperty name="height" value="0.1" units="cm"/>
+      <inkml:brushProperty name="color" value="#FFFFFF"/>
+    </inkml:brush>
+  </inkml:definitions>
+  <inkml:trace contextRef="#ctx0" brushRef="#br0">463 97 24575,'0'0'0,"-1"0"0,1 0 0,0 0 0,0-1 0,-1 1 0,1 0 0,0 0 0,0 0 0,0 0 0,-1 0 0,1 0 0,0 0 0,0 0 0,-1 0 0,1 0 0,0 0 0,0 0 0,-1 0 0,1 0 0,0 0 0,0 0 0,-1 0 0,1 0 0,0 0 0,0 1 0,0-1 0,-1 0 0,1 0 0,0 0 0,0 0 0,0 0 0,-1 1 0,1-1 0,0 0 0,0 0 0,0 0 0,0 1 0,0-1 0,-1 0 0,1 0 0,0 0 0,0 1 0,0-1 0,0 0 0,0 0 0,0 1 0,0-1 0,0 0 0,0 0 0,0 1 0,0-1 0,0 0 0,0 0 0,0 1 0,0-1 0,0 0 0,0 0 0,0 0 0,0 1 0,0-1 0,0 0 0,1 0 0,-1 1 0,0-1 0,0 0 0,15 10 0,10-6 0,0-1 0,0-1 0,0-2 0,27-2 0,-8 1 0,-49 0 0,-66 5 0,36 9 0,34-12 0,-1 0 0,1 0 0,0-1 0,1 1 0,-1 0 0,0 0 0,0 0 0,0 0 0,1 0 0,-1 0 0,0 1 0,1-1 0,-1 0 0,1 0 0,-1 0 0,1 1 0,0-1 0,-1 0 0,1 0 0,0 1 0,0-1 0,0 3 0,1-2 0,-1 1 0,1-1 0,0 0 0,0 1 0,0-1 0,0 0 0,0 0 0,1 0 0,-1 0 0,1 0 0,-1 0 0,1 0 0,0 0 0,0 0 0,0-1 0,0 1 0,0-1 0,0 0 0,0 1 0,0-1 0,1 0 0,-1 0 0,0-1 0,1 1 0,-1 0 0,1-1 0,4 1 0,8 2 0,1-1 0,-1-1 0,17 0 0,-31-1 0,8 0 0,6 1 0,0-1 0,0-1 0,0 0 0,-1-1 0,20-6 0,-31 8 0,0-1 0,-1 0 0,1 0 0,-1 0 0,1-1 0,-1 1 0,1-1 0,-1 1 0,0-1 0,1 0 0,-1 0 0,0 0 0,0 0 0,-1 0 0,1 0 0,0-1 0,-1 1 0,1 0 0,-1-1 0,0 1 0,0-1 0,0 0 0,0 1 0,0-1 0,-1 0 0,1 0 0,-1 0 0,1 1 0,-1-1 0,0 0 0,0 0 0,-1 0 0,1 1 0,-1-1 0,0-3 0,0 3 0,0-1 0,0 1 0,-1 0 0,1 0 0,-1 0 0,0 1 0,0-1 0,0 0 0,0 1 0,0-1 0,-1 1 0,1-1 0,-1 1 0,1 0 0,-1 0 0,0 0 0,0 1 0,0-1 0,0 1 0,0-1 0,0 1 0,0 0 0,0 0 0,-1 1 0,1-1 0,0 1 0,-1-1 0,-4 1 0,-12-1 0,-1 1 0,1 0 0,-27 5 0,47-5 0,-3 0 0,0 0 0,0 1 0,-1-1 0,1 1 0,0 0 0,0 0 0,0 0 0,0 0 0,0 1 0,1-1 0,-1 1 0,0 0 0,1-1 0,-1 1 0,1 0 0,-1 1 0,1-1 0,0 0 0,0 1 0,0-1 0,-2 5 0,3-5 0,1 0 0,-1 0 0,1 1 0,0-1 0,0 0 0,0 0 0,0 1 0,0-1 0,0 0 0,1 0 0,-1 1 0,1-1 0,-1 0 0,1 0 0,0 0 0,0 0 0,0 1 0,0-2 0,0 1 0,0 0 0,1 0 0,-1 0 0,1 0 0,-1-1 0,1 1 0,0-1 0,-1 1 0,1-1 0,0 0 0,3 2 0,-1 0 0,-1-1 0,1 0 0,0 0 0,0 0 0,0 0 0,0-1 0,0 0 0,0 1 0,0-1 0,0-1 0,1 1 0,-1-1 0,0 1 0,0-1 0,1-1 0,-1 1 0,0-1 0,0 1 0,1-1 0,-1 0 0,0-1 0,0 1 0,0-1 0,0 1 0,0-1 0,-1 0 0,1-1 0,5-3 0,-5 3 0,0-1 0,0 0 0,0 1 0,-1-2 0,1 1 0,-1 0 0,0 0 0,0-1 0,0 0 0,-1 0 0,1 1 0,-1-1 0,-1-1 0,1 1 0,-1 0 0,1 0 0,-2-1 0,1 1 0,0 0 0,-1-1 0,0 1 0,-1-9 0,0 12 0,1-1 0,-1 1 0,0-1 0,0 1 0,0-1 0,0 1 0,0-1 0,0 1 0,0 0 0,-1 0 0,1 0 0,-1 0 0,0 0 0,0 0 0,0 0 0,0 0 0,0 0 0,0 1 0,0 0 0,0-1 0,0 1 0,-1 0 0,1 0 0,-1 0 0,1 0 0,-1 0 0,1 1 0,-1-1 0,1 1 0,-1-1 0,0 1 0,1 0 0,-5 1 0,-9-1 0,1 2 0,-1 0 0,0 1 0,-21 7 0,17-5 0,-7 2 0,13-5 0,0 1 0,0 1 0,1 0 0,-1 1 0,1 0 0,0 1 0,-23 14 0,34-18 0,-1-1 0,1 1 0,0 0 0,0 0 0,0-1 0,0 2 0,1-1 0,-1 0 0,0 0 0,1 0 0,0 1 0,-1-1 0,1 1 0,0-1 0,0 1 0,1-1 0,-1 1 0,0-1 0,1 1 0,-1 0 0,1 0 0,0-1 0,0 1 0,0 0 0,1-1 0,-1 1 0,0 0 0,1-1 0,0 1 0,0 0 0,0-1 0,0 1 0,0-1 0,3 5 0,-1-3 0,0 0 0,0 0 0,1 0 0,0-1 0,-1 0 0,1 1 0,1-1 0,-1-1 0,0 1 0,1 0 0,-1-1 0,1 0 0,0 0 0,0-1 0,-1 1 0,1-1 0,10 1 0,-5-1 0,0 0 0,0-1 0,1 0 0,19-4 0,-26 3 0,0 0 0,1 0 0,-1-1 0,0 0 0,0 0 0,0 0 0,0 0 0,0-1 0,0 1 0,-1-1 0,0 0 0,1 0 0,4-6 0,5-6 0,-6 9 0,-1-1 0,0 0 0,0-1 0,0 0 0,6-12 0,-11 19 0,-1 0 0,1-1 0,-1 1 0,1-1 0,-1 1 0,1-1 0,-1 1 0,0-1 0,0 1 0,0-1 0,0 0 0,0 1 0,0-1 0,0 1 0,0-1 0,-1 1 0,1-1 0,-1 1 0,1-1 0,-1 1 0,0-1 0,1 1 0,-1 0 0,0-1 0,0 1 0,0 0 0,0 0 0,0-1 0,0 1 0,0 0 0,0 0 0,0 0 0,-1 0 0,1 1 0,0-1 0,-1 0 0,1 0 0,-1 1 0,1-1 0,-2 0 0,-3-1 0,0 0 0,0 1 0,-1 0 0,1 0 0,0 0 0,0 0 0,0 1 0,-1 0 0,1 0 0,0 1 0,0 0 0,-1 0 0,1 0 0,0 1 0,-6 2 0,-5 3 0,0 0 0,0 2 0,-28 17 0,42-24 0,1 0 0,-1 1 0,1-1 0,0 0 0,0 1 0,0 0 0,0-1 0,0 1 0,0 0 0,1 0 0,-1 0 0,1 0 0,0 0 0,0 1 0,0-1 0,0 5 0,0-4 0,0-1 0,0 1 0,0-1 0,0 1 0,-1-1 0,1 0 0,-1 1 0,0-1 0,0 0 0,-3 4 0,4-6 0,0 0 0,0-1 0,0 1 0,0 0 0,0-1 0,0 1 0,0-1 0,0 1 0,-1-1 0,1 0 0,0 0 0,0 1 0,0-1 0,0 0 0,0 0 0,-1 0 0,1 0 0,0 0 0,0 0 0,0-1 0,0 1 0,-1 0 0,1-1 0,0 1 0,0 0 0,0-1 0,0 1 0,0-1 0,0 0 0,-1 0 0,-34-28 0,20 15 0,9 9 0,0 0 0,-1 1 0,0 0 0,1 0 0,-2 1 0,1 0 0,0 0 0,0 1 0,-10-1 0,16 2 0,-1 1 0,1 0 0,-1 0 0,0 0 0,1 0 0,-1 0 0,0 1 0,1-1 0,-1 1 0,1 0 0,-1-1 0,1 1 0,-1 0 0,1 1 0,0-1 0,-1 0 0,1 1 0,0-1 0,0 1 0,0 0 0,0 0 0,0-1 0,1 1 0,-1 1 0,0-1 0,1 0 0,0 0 0,-1 0 0,1 1 0,0-1 0,0 1 0,-1 3 0,-9 17 0,11-23 0,0 1 0,0-1 0,0 0 0,-1 0 0,1 0 0,0 0 0,0 0 0,0 0 0,-1 0 0,1 0 0,0 0 0,0 0 0,0 0 0,0 0 0,-1 0 0,1 0 0,0 0 0,0 0 0,0 0 0,-1 0 0,1 0 0,0 0 0,0 0 0,0 0 0,-1-1 0,1 1 0,0 0 0,0 0 0,0 0 0,0 0 0,0 0 0,-1 0 0,1-1 0,0 1 0,0 0 0,0 0 0,0 0 0,0 0 0,0-1 0,0 1 0,0 0 0,0 0 0,-1 0 0,1-1 0,0 1 0,0 0 0,0 0 0,0 0 0,0-1 0,0 1 0,0 0 0,-6-50 0,3 23 0,2 24 0,1 1 0,-1-1 0,1 0 0,-1 1 0,0-1 0,0 1 0,0 0 0,0-1 0,-1 1 0,1 0 0,-1-1 0,1 1 0,-1 0 0,0 0 0,0 1 0,1-1 0,-2 0 0,1 0 0,0 1 0,0 0 0,0-1 0,-1 1 0,1 0 0,0 0 0,-1 0 0,1 0 0,-5 0 0,4 1 0,0 0 0,1 0 0,-1 0 0,0 1 0,1-1 0,-1 1 0,1 0 0,-1 0 0,1 0 0,-1 0 0,1 0 0,0 1 0,-1-1 0,1 1 0,0-1 0,0 1 0,0 0 0,0 0 0,0 0 0,1 0 0,-1 0 0,1 0 0,-1 0 0,1 1 0,0-1 0,0 1 0,-2 2 0,-7 25 0,8-23 0,0 0 0,-1 0 0,0 0 0,0 0 0,0-1 0,-1 1 0,-7 10 0,32-75 0,-16 44 0,2 1 0,0 0 0,0 1 0,1 0 0,1 0 0,12-13 0,-19 22 0,1 0 0,0 0 0,0 1 0,0-1 0,1 1 0,-1 0 0,1 0 0,-1 0 0,1 1 0,0-1 0,-1 1 0,1 0 0,0 0 0,0 0 0,0 0 0,0 1 0,0-1 0,0 1 0,0 0 0,0 0 0,0 1 0,0-1 0,0 1 0,0 0 0,0 0 0,-1 0 0,7 3 0,8 12 0,-2-2 0,-12-16 0,-5-11 0,-3-1-1365</inkml:trace>
+</inkml:ink>
+</file>
+
+<file path=ppt/ink/ink7.xml><?xml version="1.0" encoding="utf-8"?>
+<inkml:ink xmlns:inkml="http://www.w3.org/2003/InkML">
+  <inkml:definitions>
+    <inkml:context xml:id="ctx0">
+      <inkml:inkSource xml:id="inkSrc0">
+        <inkml:traceFormat>
+          <inkml:channel name="X" type="integer" min="-2.14748E9" max="2.14748E9" units="cm"/>
+          <inkml:channel name="Y" type="integer" min="-2.14748E9" max="2.14748E9" units="cm"/>
+          <inkml:channel name="F" type="integer" max="32767" units="dev"/>
+        </inkml:traceFormat>
+        <inkml:channelProperties>
+          <inkml:channelProperty channel="X" name="resolution" value="1000" units="1/cm"/>
+          <inkml:channelProperty channel="Y" name="resolution" value="1000" units="1/cm"/>
+          <inkml:channelProperty channel="F" name="resolution" value="0" units="1/dev"/>
+        </inkml:channelProperties>
+      </inkml:inkSource>
+      <inkml:timestamp xml:id="ts0" timeString="2023-07-30T05:36:06.842"/>
+    </inkml:context>
+    <inkml:brush xml:id="br0">
+      <inkml:brushProperty name="width" value="0.1" units="cm"/>
+      <inkml:brushProperty name="height" value="0.1" units="cm"/>
+      <inkml:brushProperty name="color" value="#FFFFFF"/>
+    </inkml:brush>
+  </inkml:definitions>
+  <inkml:trace contextRef="#ctx0" brushRef="#br0">681 0 24575,'-1'9'0,"0"1"0,-1-1 0,-1 0 0,0 0 0,0 0 0,-1-1 0,1 1 0,-2-1 0,-6 11 0,-21 46 0,31-61 0,0 0 0,0 0 0,0 0 0,0 0 0,1 1 0,0-1 0,0 0 0,0 0 0,0 1 0,0-1 0,1 0 0,0 0 0,0 0 0,2 5 0,-3-8 0,0 0 0,1 0 0,-1 0 0,0 0 0,1 0 0,-1 0 0,1 0 0,-1 0 0,1 0 0,0 0 0,0 0 0,-1 0 0,1-1 0,0 1 0,0 0 0,0 0 0,0-1 0,-1 1 0,1-1 0,2 2 0,-3-2 0,1-1 0,0 1 0,0 0 0,-1 0 0,1 0 0,0 0 0,-1-1 0,1 1 0,-1 0 0,1 0 0,0-1 0,-1 1 0,1 0 0,-1-1 0,1 1 0,-1-1 0,1 1 0,-1-1 0,1 1 0,-1-1 0,1 1 0,-1-1 0,1-1 0,1-1 0,0-1 0,0 0 0,0 0 0,-1 0 0,0 0 0,0 0 0,0 0 0,0 0 0,0-5 0,-1 5 0,0 0 0,-1 0 0,0 0 0,1 0 0,-2 0 0,1 1 0,0-1 0,-1 0 0,1 1 0,-1-1 0,0 1 0,0-1 0,-1 1 0,1 0 0,-1 0 0,0 0 0,1 0 0,-1 1 0,0-1 0,-1 1 0,1-1 0,0 1 0,-1 0 0,1 1 0,-1-1 0,0 0 0,1 1 0,-1 0 0,0 0 0,-4-1 0,-13-2 0,-1 0 0,0 1 0,0 1 0,-24 1 0,-25-1 0,-141 5 0,199-1 0,1 0 0,0 1 0,-1 1 0,1 0 0,0 0 0,0 1 0,-15 9 0,23-12 0,0 1 0,0 0 0,0 0 0,0 0 0,0 1 0,0 0 0,1-1 0,0 1 0,-4 7 0,5-9 0,1 0 0,0 0 0,0 1 0,0-1 0,1 0 0,-1 1 0,1-1 0,-1 1 0,1-1 0,0 1 0,0-1 0,0 1 0,0-1 0,0 1 0,1-1 0,-1 1 0,1-1 0,-1 1 0,3 3 0,-1-2 0,0 0 0,1-1 0,-1 1 0,1-1 0,0 1 0,0-1 0,0 0 0,0 0 0,1 0 0,-1-1 0,1 1 0,-1-1 0,1 0 0,0 0 0,0 0 0,0 0 0,0-1 0,1 0 0,-1 0 0,0 0 0,5 0 0,13 2 0,0-1 0,42-2 0,-47 0 0,116 1 0,87-4 0,-216 2 0,0 0 0,0 1 0,0-1 0,0-1 0,-1 1 0,1-1 0,0 1 0,-1-1 0,1 0 0,-1 0 0,0 0 0,0-1 0,0 1 0,5-7 0,-7 8 0,0 0 0,0 0 0,0 0 0,-1 0 0,1-1 0,0 1 0,-1 0 0,0 0 0,1-1 0,-1 1 0,0 0 0,1-1 0,-1 1 0,0-1 0,0 1 0,0 0 0,0-1 0,0 1 0,0 0 0,-1-1 0,1 1 0,0 0 0,-1-1 0,1 1 0,-1 0 0,1 0 0,-1-1 0,0 1 0,0 0 0,1 0 0,-1 0 0,0 0 0,0 0 0,0 0 0,0 0 0,0 0 0,0 0 0,0 0 0,-1 1 0,1-1 0,0 0 0,0 1 0,-1-1 0,1 1 0,-2-1 0,-6-3 0,0 1 0,0 0 0,-1 1 0,1 0 0,-1 0 0,0 1 0,1 0 0,-17 1 0,-78 7 0,103-7 0,-11 2 0,0 1 0,0 0 0,0 1 0,1 0 0,-1 0 0,-20 13 0,29-15 0,0 0 0,0 0 0,0 0 0,0 0 0,1 1 0,-1-1 0,1 1 0,-1 0 0,1 0 0,0-1 0,0 2 0,-2 3 0,4-5 0,-1 0 0,1-1 0,0 1 0,-1 0 0,1 0 0,0 0 0,0 0 0,0 0 0,0 0 0,1 0 0,-1-1 0,0 1 0,1 0 0,0 0 0,-1 0 0,1-1 0,0 1 0,0 0 0,0-1 0,0 1 0,0 0 0,0-1 0,0 1 0,3 1 0,-1 0 0,0 0 0,1-1 0,-1 0 0,1 1 0,0-1 0,-1 0 0,1-1 0,0 1 0,0-1 0,0 0 0,0 0 0,0 0 0,1 0 0,6 0 0,68-3 0,-50 1 0,-21 0 0,15 1 0,0-1 0,-1-1 0,1-1 0,31-8 0,-50 10 0,1-1 0,-1 1 0,0-1 0,0 0 0,1 1 0,-1-2 0,-1 1 0,1 0 0,0-1 0,0 0 0,-1 0 0,0 0 0,0 0 0,0-1 0,0 1 0,0-1 0,0 0 0,-1 0 0,0 0 0,0 0 0,0 0 0,0 0 0,-1 0 0,1-1 0,-1 1 0,0 0 0,-1-1 0,1 0 0,-1-4 0,0 7 0,0 0 0,0 0 0,0 0 0,-1-1 0,1 1 0,-1 0 0,1 0 0,-1 0 0,0 0 0,0 0 0,0 0 0,0 0 0,0 0 0,0 0 0,-1 1 0,1-1 0,-1 0 0,-2-2 0,0 1 0,-1 0 0,1 0 0,-1 1 0,1-1 0,-1 1 0,0 0 0,-9-2 0,-3 0 0,0 2 0,-1-1 0,-30 1 0,36 2 0,0 0 0,-1 0 0,0 0 0,-18 4 0,29-4 0,1 0 0,-1 0 0,1 1 0,-1-1 0,1 0 0,0 1 0,-1-1 0,1 1 0,-1-1 0,1 1 0,0 0 0,-1-1 0,1 1 0,0 0 0,0 0 0,0 0 0,0 0 0,0 0 0,0 0 0,0 0 0,0 0 0,0 1 0,0-1 0,1 0 0,-1 1 0,0-1 0,1 0 0,-1 1 0,1-1 0,-1 1 0,1-1 0,0 0 0,0 1 0,0-1 0,0 1 0,0-1 0,0 1 0,0 2 0,1-2 0,1 1 0,-1-1 0,1 1 0,0-1 0,-1 1 0,1-1 0,0 0 0,0 0 0,1 0 0,-1 0 0,0 0 0,1 0 0,-1-1 0,1 1 0,-1-1 0,1 0 0,0 0 0,-1 0 0,1 0 0,3 1 0,60 11 0,-52-12 0,2 1 0,0 0 0,1-1 0,-1-1 0,0-1 0,1 0 0,-1-1 0,17-5 0,-32 7 0,0-1 0,0 1 0,1 0 0,-1-1 0,0 1 0,0-1 0,0 0 0,0 0 0,0 1 0,0-1 0,0 0 0,0 0 0,0 0 0,0 0 0,0 0 0,0 0 0,-1 0 0,1 0 0,0 0 0,-1 0 0,1-2 0,-1 2 0,0 0 0,0 0 0,0 0 0,0 0 0,0 0 0,0 0 0,-1 0 0,1 0 0,0 0 0,-1 0 0,1 0 0,-1 0 0,0 0 0,1 0 0,-1 0 0,1 0 0,-1 1 0,0-1 0,0 0 0,0 0 0,-3-2 0,0 0 0,0 0 0,0 0 0,-1 1 0,1-1 0,0 1 0,-1 1 0,0-1 0,-8-2 0,-69-7 0,-123-3 0,143 12 0,40 0 0,-1 2 0,0 0 0,1 1 0,-34 7 0,53-8 0,1 1 0,-1 0 0,0 0 0,1 0 0,-1 0 0,1 0 0,-1 0 0,1 1 0,0-1 0,-1 1 0,1 0 0,0 0 0,0 0 0,0 0 0,-2 2 0,3-2 0,1-1 0,-1 1 0,0-1 0,1 1 0,-1 0 0,1-1 0,-1 1 0,1 0 0,0-1 0,-1 1 0,1 0 0,0-1 0,0 1 0,0 0 0,1 0 0,-1-1 0,0 1 0,2 3 0,-1-2 0,1 0 0,-1 1 0,1-1 0,0 0 0,0 0 0,1 0 0,-1 0 0,1-1 0,-1 1 0,1 0 0,0-1 0,0 0 0,0 0 0,0 0 0,0 0 0,1 0 0,-1-1 0,0 1 0,1-1 0,0 0 0,4 1 0,23 2 0,0-2 0,0-1 0,41-4 0,0 1 0,-65 2 0,1 0 0,0-1 0,-1 0 0,1 0 0,0-1 0,-1 0 0,10-3 0,-13 3 0,-1 0 0,0 0 0,1 1 0,-1-2 0,0 1 0,0 0 0,0-1 0,-1 1 0,1-1 0,-1 0 0,1 0 0,-1 0 0,0 0 0,0 0 0,0-1 0,1-3 0,0 7 0,-1 0 0,1 0 0,0 1 0,-1-1 0,1 1 0,-1 0 0,1 0 0,-1 0 0,0 0 0,1 0 0,-1 1 0,0-1 0,0 1 0,4 3 0,7 3 0,-5-6 0,0 1 0,0-1 0,0-1 0,0 1 0,0-1 0,0-1 0,0 1 0,0-1 0,10-2 0,-16 2 0,0 0 0,0 0 0,0 0 0,0-1 0,0 1 0,0-1 0,-1 1 0,1-1 0,0 0 0,0 0 0,0 0 0,-1 0 0,1 0 0,0 0 0,-1 0 0,1-1 0,-1 1 0,1 0 0,-1-1 0,0 0 0,0 1 0,0-1 0,1 1 0,-2-1 0,1 0 0,0 0 0,0 0 0,0 0 0,-1 1 0,1-1 0,-1 0 0,0 0 0,1 0 0,-1 0 0,0 0 0,0 0 0,0 0 0,-1 0 0,1 0 0,0 0 0,-2-3 0,-2-3 0,2 13 0,3-3 0,-1-1 0,0 0 0,0 1 0,1-1 0,-1 0 0,0 1 0,1-1 0,-1 0 0,1 1 0,0-1 0,0 0 0,-1 0 0,1 0 0,0 0 0,0 0 0,0 0 0,0 0 0,0 0 0,0 0 0,2 1 0,4 2 0,1-1 0,0 0 0,0 0 0,1-1 0,-1 1 0,0-2 0,1 1 0,-1-1 0,1-1 0,-1 0 0,1 0 0,15-2 0,-7-1 0,0 0 0,0-1 0,-1 0 0,1-2 0,20-9 0,-21 8 0,54-29 0,-66 34 0,0-1 0,0 1 0,0-1 0,0 0 0,-1 0 0,1 0 0,-1 0 0,0-1 0,0 0 0,0 1 0,0-1 0,3-8 0,-6 12 0,0 0 0,0 0 0,0 0 0,0 0 0,0-1 0,0 1 0,0 0 0,1 0 0,-1 0 0,0 0 0,0-1 0,-1 1 0,1 0 0,0 0 0,0 0 0,0 0 0,0 0 0,0-1 0,0 1 0,0 0 0,0 0 0,0 0 0,0 0 0,0 0 0,0-1 0,0 1 0,0 0 0,-1 0 0,1 0 0,0 0 0,0 0 0,0 0 0,0 0 0,0 0 0,0-1 0,-1 1 0,1 0 0,0 0 0,0 0 0,0 0 0,0 0 0,0 0 0,-1 0 0,1 0 0,0 0 0,0 0 0,0 0 0,0 0 0,-1 0 0,1 0 0,0 0 0,0 0 0,-15 4 0,-11 7 0,19-5 0,0 1 0,0 0 0,1 0 0,0 0 0,0 1 0,1 0 0,0 0 0,0 0 0,1 1 0,0 0 0,-3 11 0,7-20 0,-1 1 0,1-1 0,0 1 0,-1-1 0,1 1 0,0 0 0,0-1 0,-1 1 0,1 0 0,0-1 0,0 1 0,0 0 0,0-1 0,0 1 0,0-1 0,0 1 0,0 0 0,0-1 0,1 1 0,-1 0 0,0-1 0,0 1 0,0 0 0,1-1 0,-1 1 0,0-1 0,1 1 0,-1-1 0,0 1 0,1-1 0,-1 1 0,1-1 0,-1 1 0,1-1 0,-1 1 0,2 0 0,-1-1 0,-1 0 0,1 0 0,0-1 0,0 1 0,0 0 0,-1 0 0,1 0 0,0-1 0,0 1 0,-1 0 0,1-1 0,0 1 0,-1 0 0,1-1 0,0 1 0,-1-1 0,1 0 0,-1 1 0,1-1 0,-1 1 0,1-1 0,-1 0 0,1 1 0,-1-1 0,1 0 0,-1 1 0,0-1 0,0 0 0,1 0 0,-1-1 0,2-1 0,-1 0 0,0-1 0,0 1 0,0-1 0,-1 1 0,1 0 0,-1-1 0,0 1 0,0-1 0,0 0 0,0 1 0,0-1 0,-1 1 0,0 0 0,1-1 0,-1 1 0,-1-1 0,1 1 0,0 0 0,-3-4 0,0 2 0,1 1 0,-1 1 0,0-1 0,0 0 0,0 1 0,0 0 0,0 0 0,-1 0 0,0 0 0,1 1 0,-1 0 0,-6-2 0,-9-2 0,-1 1 0,1 1 0,-1 1 0,1 0 0,-39 2 0,32 0 0,-29 1 0,53 0 0,0 0 0,0 1 0,0-1 0,0 1 0,0-1 0,0 1 0,0 0 0,0 0 0,0 1 0,0-1 0,1 1 0,-1-1 0,-3 4 0,5-5 0,1 1 0,-1 0 0,0-1 0,1 1 0,-1 0 0,1 0 0,-1-1 0,1 1 0,-1 0 0,1 0 0,0 0 0,-1 0 0,1 0 0,0 0 0,0 0 0,-1-1 0,1 1 0,0 0 0,0 0 0,0 0 0,0 0 0,0 0 0,1 0 0,-1 0 0,0 0 0,0 0 0,1 0 0,-1 0 0,1 0 0,0 2 0,1-1 0,0 1 0,0-1 0,0 0 0,0 0 0,0 1 0,0-2 0,1 1 0,3 2 0,2 1 0,1 0 0,-1-1 0,1 0 0,0-1 0,11 4 0,14-3 0,0-1 0,0-2 0,0-1 0,41-6 0,-68 5 0,-1 0 0,1-1 0,0 0 0,-1 0 0,10-5 0,-14 6 0,0 0 0,0 0 0,0 1 0,0-2 0,0 1 0,-1 0 0,1 0 0,0 0 0,-1-1 0,1 1 0,-1-1 0,0 1 0,1-1 0,-1 0 0,0 1 0,0-1 0,0 0 0,0 0 0,0 0 0,-1 0 0,2-4 0,-2 5 0,-1 0 0,1 0 0,-1 0 0,1 0 0,-1 0 0,0 0 0,1 0 0,-1 0 0,0 0 0,1 0 0,-1 1 0,0-1 0,0 0 0,0 0 0,0 1 0,0-1 0,0 0 0,0 1 0,0-1 0,0 1 0,0 0 0,0-1 0,0 1 0,0 0 0,0-1 0,-1 1 0,1 0 0,0 0 0,-2 0 0,-40-3 0,38 3 0,-7 0 0,0 1 0,0 0 0,1 1 0,-1 0 0,1 0 0,0 2 0,-1-1 0,1 1 0,-18 10 0,26-12 0,0-1 0,1 1 0,-1 0 0,0 0 0,1 0 0,0 0 0,-1 0 0,1 0 0,0 1 0,0-1 0,0 1 0,1-1 0,-1 1 0,1 0 0,-1 0 0,1 0 0,0 0 0,0 0 0,0 0 0,1 0 0,-1 0 0,1 0 0,-1 0 0,1 0 0,0 0 0,0 0 0,0 1 0,1-1 0,-1 0 0,1 0 0,0 0 0,0 0 0,0 0 0,0 0 0,0 0 0,1 0 0,-1-1 0,1 1 0,0 0 0,4 4 0,-1 0 0,1 0 0,1-1 0,-1 1 0,1-1 0,1 0 0,-1-1 0,1 0 0,0 0 0,0-1 0,0 0 0,1 0 0,-1 0 0,1-1 0,0-1 0,0 0 0,12 2 0,16 1 0,0-2 0,59-1 0,-49-7 0,-46 5 0,1 0 0,0 0 0,-1-1 0,1 1 0,0 0 0,-1-1 0,1 0 0,0 1 0,-1-1 0,1 0 0,-1 0 0,1 0 0,-1 0 0,0 0 0,1 0 0,-1 0 0,0 0 0,0-1 0,0 1 0,0 0 0,0-1 0,0 1 0,1-4 0,-2 5 0,0-1 0,0 0 0,0 0 0,-1 0 0,1 1 0,0-1 0,-1 0 0,1 1 0,0-1 0,-1 0 0,1 1 0,-1-1 0,1 0 0,-1 1 0,1-1 0,-1 1 0,1-1 0,-1 1 0,0-1 0,1 1 0,-1-1 0,0 1 0,0 0 0,1-1 0,-1 1 0,0 0 0,0 0 0,1 0 0,-1-1 0,0 1 0,-1 0 0,-29-4 0,28 4 0,-213-1 93,100 2-1551</inkml:trace>
+</inkml:ink>
+</file>
+
+<file path=ppt/ink/ink8.xml><?xml version="1.0" encoding="utf-8"?>
+<inkml:ink xmlns:inkml="http://www.w3.org/2003/InkML">
+  <inkml:definitions>
+    <inkml:context xml:id="ctx0">
+      <inkml:inkSource xml:id="inkSrc0">
+        <inkml:traceFormat>
+          <inkml:channel name="X" type="integer" min="-2.14748E9" max="2.14748E9" units="cm"/>
+          <inkml:channel name="Y" type="integer" min="-2.14748E9" max="2.14748E9" units="cm"/>
+          <inkml:channel name="F" type="integer" max="32767" units="dev"/>
+        </inkml:traceFormat>
+        <inkml:channelProperties>
+          <inkml:channelProperty channel="X" name="resolution" value="1000" units="1/cm"/>
+          <inkml:channelProperty channel="Y" name="resolution" value="1000" units="1/cm"/>
+          <inkml:channelProperty channel="F" name="resolution" value="0" units="1/dev"/>
+        </inkml:channelProperties>
+      </inkml:inkSource>
+      <inkml:timestamp xml:id="ts0" timeString="2023-07-30T05:36:09.435"/>
+    </inkml:context>
+    <inkml:brush xml:id="br0">
+      <inkml:brushProperty name="width" value="0.1" units="cm"/>
+      <inkml:brushProperty name="height" value="0.1" units="cm"/>
+      <inkml:brushProperty name="color" value="#FFFFFF"/>
+    </inkml:brush>
+  </inkml:definitions>
+  <inkml:trace contextRef="#ctx0" brushRef="#br0">2 235 24575,'0'-48'0,"0"40"0,0 24 0,0-30 0,-1 9 0,1 1 0,0-1 0,0 0 0,0 1 0,0-1 0,1 0 0,-1 1 0,1-1 0,1 1 0,-1-1 0,0 1 0,3-5 0,-3 8 0,-1 1 0,1 0 0,-1 0 0,0-1 0,1 1 0,-1 0 0,1 0 0,-1-1 0,1 1 0,-1 0 0,1 0 0,-1 0 0,1 0 0,-1 0 0,1 0 0,-1 0 0,1 0 0,-1 0 0,1 0 0,-1 0 0,1 0 0,-1 0 0,1 0 0,-1 0 0,1 0 0,-1 1 0,1-1 0,0 0 0,-1 1 0,1-1 0,-1 0 0,1 0 0,-1 0 0,1 1 0,-1-1 0,1 0 0,-1 0 0,1 0 0,0 0 0,-1 0 0,1 0 0,-1 0 0,1 0 0,-1 0 0,1 0 0,-1-1 0,1 1 0,-1 0 0,1 0 0,-1 0 0,1-1 0,-1 1 0,1 0 0,-1-1 0,1 1 0,-1 0 0,1-1 0,-1 1 0,0 0 0,1-1 0,-1 1 0,0-1 0,1 1 0,-1-1 0,0 1 0,0-1 0,1 1 0,-1-1 0,0 1 0,0-1 0,0 1 0,0-2 0,2-5 0,0 0 0,-1-1 0,0 0 0,-1 1 0,0-13 0,1-17 0,4 26 0,1 21 0,2 21 0,-4 58 0,-4-62 0,1 0 0,1 0 0,7 31 0,-2-25-9,-4-19 89,-3-42-1516,0 9-5390</inkml:trace>
+</inkml:ink>
+</file>
+
+<file path=ppt/ink/ink9.xml><?xml version="1.0" encoding="utf-8"?>
+<inkml:ink xmlns:inkml="http://www.w3.org/2003/InkML">
+  <inkml:definitions>
+    <inkml:context xml:id="ctx0">
+      <inkml:inkSource xml:id="inkSrc0">
+        <inkml:traceFormat>
+          <inkml:channel name="X" type="integer" min="-2.14748E9" max="2.14748E9" units="cm"/>
+          <inkml:channel name="Y" type="integer" min="-2.14748E9" max="2.14748E9" units="cm"/>
+          <inkml:channel name="F" type="integer" max="32767" units="dev"/>
+        </inkml:traceFormat>
+        <inkml:channelProperties>
+          <inkml:channelProperty channel="X" name="resolution" value="1000" units="1/cm"/>
+          <inkml:channelProperty channel="Y" name="resolution" value="1000" units="1/cm"/>
+          <inkml:channelProperty channel="F" name="resolution" value="0" units="1/dev"/>
+        </inkml:channelProperties>
+      </inkml:inkSource>
+      <inkml:timestamp xml:id="ts0" timeString="2023-07-30T05:36:37.341"/>
+    </inkml:context>
+    <inkml:brush xml:id="br0">
+      <inkml:brushProperty name="width" value="0.1" units="cm"/>
+      <inkml:brushProperty name="height" value="0.1" units="cm"/>
+      <inkml:brushProperty name="color" value="#FFFFFF"/>
+    </inkml:brush>
+  </inkml:definitions>
+  <inkml:trace contextRef="#ctx0" brushRef="#br0">2003 277 24575,'1'2'0,"-1"0"0,1 0 0,0 0 0,0 0 0,0 0 0,0 0 0,0 0 0,0 0 0,0 0 0,1-1 0,-1 1 0,0-1 0,1 1 0,0-1 0,-1 1 0,1-1 0,2 2 0,35 21 0,-33-20 0,-28-40 0,21 35 0,1 0 0,0 0 0,-1 1 0,1-1 0,-1 0 0,1 0 0,-1 1 0,1-1 0,-1 0 0,0 1 0,1-1 0,-1 1 0,0-1 0,0 0 0,1 1 0,-1 0 0,0-1 0,0 1 0,0-1 0,1 1 0,-1 0 0,0 0 0,0-1 0,0 1 0,0 0 0,0 0 0,0 0 0,0 0 0,1 0 0,-1 0 0,0 0 0,0 1 0,0-1 0,0 0 0,0 0 0,0 1 0,1-1 0,-1 0 0,0 1 0,0-1 0,0 1 0,1-1 0,-1 1 0,0-1 0,1 1 0,-1 0 0,0-1 0,1 1 0,-1 0 0,1 0 0,-1-1 0,1 1 0,-1 0 0,1 0 0,0 0 0,-1-1 0,1 3 0,-3 8 0,0 0 0,0 1 0,1 0 0,1-1 0,0 1 0,1 0 0,0 0 0,1 0 0,0-1 0,1 1 0,0 0 0,1-1 0,4 12 0,-7-22 0,0 0 0,0 0 0,1 0 0,-1 0 0,0 0 0,1 0 0,-1 0 0,1 0 0,0 0 0,-1 0 0,1 0 0,0 0 0,-1 0 0,1 0 0,0-1 0,0 1 0,0 0 0,0-1 0,-1 1 0,1-1 0,0 1 0,0-1 0,2 1 0,-2-1 0,0 0 0,0-1 0,-1 0 0,1 1 0,0-1 0,0 1 0,-1-1 0,1 0 0,0 0 0,-1 1 0,1-1 0,-1 0 0,1 0 0,-1 0 0,1 1 0,-1-1 0,0 0 0,1 0 0,-1 0 0,0-1 0,10-57 0,-9 19 0,1 19 0,-1 0 0,-1 0 0,-1 0 0,-1 0 0,-5-25 0,7 46 0,0-1 0,0 0 0,-1 1 0,1-1 0,0 0 0,0 1 0,-1-1 0,1 0 0,0 1 0,0-1 0,-1 0 0,1 1 0,-1-1 0,1 1 0,-1-1 0,1 1 0,-1-1 0,1 1 0,-1-1 0,1 1 0,-1 0 0,1-1 0,-1 1 0,0 0 0,1-1 0,-1 1 0,0 0 0,1 0 0,-1-1 0,0 1 0,0 0 0,-1 1 0,1-1 0,-1 1 0,1-1 0,0 1 0,-1 0 0,1-1 0,0 1 0,-1 0 0,1 0 0,0 0 0,0 0 0,0 0 0,-2 2 0,-1 2 0,0 0 0,1 1 0,-1-1 0,1 1 0,0-1 0,-2 9 0,-4 52 0,8-62 0,1 0 0,0-1 0,0 1 0,1 0 0,-1-1 0,1 1 0,0 0 0,0-1 0,0 1 0,0 0 0,0-1 0,1 0 0,0 1 0,0-1 0,2 4 0,-4-7 0,1 1 0,-1-1 0,1 0 0,-1 1 0,1-1 0,-1 1 0,1-1 0,-1 0 0,1 1 0,-1-1 0,1 0 0,-1 0 0,1 1 0,0-1 0,-1 0 0,1 0 0,-1 0 0,1 0 0,0 0 0,-1 0 0,1 0 0,-1 0 0,1 0 0,0 0 0,-1 0 0,1 0 0,0 0 0,-1 0 0,1-1 0,-1 1 0,1 0 0,-1 0 0,1-1 0,0 1 0,16-23 0,0-31 0,-13 38 0,-2 1 0,0-1 0,-1 0 0,0 0 0,-1 0 0,-1 0 0,-1 0 0,-5-25 0,6 40 0,1-1 0,-1 1 0,1-1 0,-1 1 0,0 0 0,1-1 0,-1 1 0,0 0 0,0-1 0,0 1 0,0 0 0,0 0 0,0 0 0,-1 0 0,1 0 0,0 0 0,0 0 0,-1 0 0,1 0 0,-1 1 0,-1-2 0,1 2 0,1 0 0,0 0 0,-1 1 0,1-1 0,-1 0 0,1 0 0,-1 1 0,1-1 0,0 1 0,-1-1 0,1 1 0,0 0 0,-1 0 0,1-1 0,0 1 0,0 0 0,0 0 0,-2 2 0,-5 6 0,1 0 0,-1 1 0,1 0 0,-7 14 0,9-16 0,-5 9 0,0-2 0,1 1 0,0 0 0,-11 30 0,19-42 0,-1 0 0,1-1 0,0 1 0,0 0 0,1 0 0,-1 0 0,1 0 0,0 0 0,0 0 0,0 0 0,1 0 0,-1 0 0,1-1 0,0 1 0,0 0 0,0 0 0,1 0 0,0-1 0,-1 1 0,1-1 0,0 1 0,0-1 0,4 4 0,-4-5 0,-1 0 0,0-1 0,1 1 0,-1-1 0,1 0 0,0 0 0,-1 1 0,1-1 0,0 0 0,0 0 0,0 0 0,-1-1 0,1 1 0,0 0 0,0-1 0,0 0 0,0 1 0,1-1 0,-1 0 0,0 0 0,0 0 0,0 0 0,0 0 0,0 0 0,0-1 0,0 1 0,0-1 0,0 1 0,0-1 0,0 0 0,0 0 0,3-2 0,-2 1 0,0 0 0,-1-1 0,1 1 0,0-1 0,-1 0 0,1 0 0,-1 0 0,0 0 0,0 0 0,0-1 0,0 1 0,-1 0 0,1-1 0,-1 0 0,0 1 0,0-1 0,0-4 0,2-9 0,-1 1 0,-1-1 0,-1 0 0,0 0 0,-1 0 0,-1 0 0,0 0 0,-9-30 0,10 45 0,0 0 0,0 0 0,-1 0 0,1 0 0,0 0 0,-1 0 0,1 0 0,-1 0 0,0 0 0,1 1 0,-1-1 0,0 1 0,0-1 0,0 1 0,0 0 0,0 0 0,-1 0 0,1 0 0,0 0 0,0 0 0,-1 1 0,1-1 0,0 1 0,-1 0 0,1-1 0,-1 1 0,1 0 0,0 0 0,-1 1 0,1-1 0,-5 1 0,2 1 0,0-1 0,1 1 0,-1 0 0,1 0 0,-1 0 0,1 0 0,0 1 0,-1 0 0,1 0 0,1 0 0,-1 0 0,0 1 0,1 0 0,-4 5 0,-12 17 0,5-6 0,0 1 0,-16 35 0,26-47 0,1 0 0,0 0 0,1 1 0,-1-1 0,2 1 0,0-1 0,0 1 0,0-1 0,1 1 0,2 10 0,-3-18 0,1 0 0,0-1 0,0 1 0,0-1 0,1 1 0,-1 0 0,0-1 0,1 1 0,-1-1 0,1 1 0,-1-1 0,1 1 0,-1-1 0,1 1 0,0-1 0,0 0 0,0 1 0,0-1 0,0 0 0,0 0 0,0 0 0,0 0 0,1 0 0,-1 0 0,0 0 0,1 0 0,-1 0 0,0 0 0,1-1 0,-1 1 0,1-1 0,-1 1 0,1-1 0,0 0 0,-1 1 0,1-1 0,-1 0 0,1 0 0,1 0 0,0-1 0,0 0 0,0 0 0,-1 0 0,1 0 0,0 0 0,-1-1 0,1 1 0,-1-1 0,0 0 0,0 1 0,1-1 0,-1 0 0,0-1 0,-1 1 0,1 0 0,0 0 0,0-1 0,-1 1 0,0-1 0,1 1 0,0-5 0,2-8 0,0 1 0,-1-1 0,-1 0 0,-1 0 0,0-26 0,-8-77 0,7 116 0,-1 0 0,1 0 0,0-1 0,-1 1 0,0 0 0,1 0 0,-1 0 0,0 0 0,0-1 0,0 1 0,-2-3 0,2 5 0,1-1 0,-1 0 0,0 1 0,1-1 0,-1 1 0,0-1 0,1 1 0,-1-1 0,0 1 0,0 0 0,0-1 0,1 1 0,-1 0 0,0 0 0,0-1 0,0 1 0,0 0 0,1 0 0,-1 0 0,0 0 0,-1 0 0,-1 1 0,0 0 0,0 0 0,1 0 0,-1 1 0,0-1 0,1 1 0,-1-1 0,1 1 0,0 0 0,-1 0 0,1 0 0,0 0 0,0 0 0,0 1 0,-2 3 0,-47 84 0,24-37 0,26-52 0,0-1 0,1 1 0,-1 0 0,0 0 0,1 0 0,-1 0 0,1 0 0,-1 0 0,1 0 0,-1 0 0,1 0 0,0 0 0,0 0 0,-1 0 0,1 1 0,0-1 0,0 0 0,0 0 0,0 0 0,0 0 0,0 0 0,1 0 0,-1 0 0,0 0 0,0 1 0,1-1 0,-1 0 0,1 0 0,-1 0 0,1 0 0,-1 0 0,1-1 0,0 1 0,-1 0 0,2 1 0,-1-2 0,1 0 0,-1 0 0,1 0 0,-1 0 0,0 0 0,1 0 0,-1 0 0,0-1 0,1 1 0,-1 0 0,0-1 0,1 1 0,-1-1 0,0 0 0,0 1 0,0-1 0,0 0 0,1 0 0,-1 1 0,0-1 0,0 0 0,-1 0 0,1 0 0,0 0 0,0-1 0,0 1 0,-1 0 0,1 0 0,0-2 0,3-4 0,-1 0 0,0 0 0,0 0 0,0-1 0,-1 1 0,-1-1 0,1 1 0,-1-1 0,0-9 0,-3-77 0,0 45 0,2 46 0,0-1 0,0 0 0,0 1 0,-1-1 0,0 0 0,0 1 0,0-1 0,0 1 0,0-1 0,-1 1 0,-2-6 0,3 9 0,1-1 0,-1 1 0,1-1 0,0 1 0,-1-1 0,1 1 0,-1 0 0,1-1 0,-1 1 0,1 0 0,-1-1 0,0 1 0,1 0 0,-1 0 0,1 0 0,-1-1 0,0 1 0,1 0 0,-1 0 0,1 0 0,-1 0 0,0 0 0,1 0 0,-1 0 0,1 0 0,-2 1 0,0 0 0,0 0 0,0 0 0,0 0 0,1 0 0,-1 1 0,0-1 0,1 1 0,-1-1 0,1 1 0,-1-1 0,1 1 0,-2 2 0,0 3 0,-1 1 0,1-1 0,0 1 0,0 0 0,1 0 0,0 0 0,0 0 0,1 0 0,0 1 0,1-1 0,-1 0 0,3 15 0,-2-18 0,0-1 0,0 1 0,1-1 0,0 1 0,0-1 0,0 1 0,0-1 0,1 0 0,-1 0 0,1 1 0,0-1 0,0 0 0,1-1 0,-1 1 0,1 0 0,0-1 0,0 1 0,0-1 0,1 0 0,-1 0 0,1 0 0,-1 0 0,1-1 0,5 3 0,-7-4 0,-1-1 0,0 0 0,1 0 0,-1 0 0,0 0 0,1 0 0,-1 0 0,0 0 0,1 0 0,-1-1 0,0 1 0,1 0 0,-1-1 0,0 1 0,0-1 0,1 1 0,-1-1 0,0 0 0,0 0 0,0 1 0,0-1 0,0 0 0,0 0 0,0 0 0,0 0 0,0 0 0,0 0 0,-1 0 0,1-1 0,0 1 0,-1 0 0,1 0 0,-1 0 0,1-1 0,-1 1 0,0 0 0,1-1 0,-1 1 0,0 0 0,0-1 0,0-1 0,2-10 0,-1 0 0,0 0 0,-1-16 0,0 23 0,0-21 0,1 14 0,-1 1 0,0-1 0,-1 1 0,-1-1 0,-3-14 0,5 26 0,0 0 0,0 1 0,-1-1 0,1 0 0,0 1 0,-1-1 0,1 0 0,0 1 0,-1-1 0,1 0 0,-1 1 0,1-1 0,-1 1 0,1-1 0,-1 1 0,1-1 0,-1 1 0,1 0 0,-1-1 0,0 1 0,1-1 0,-1 1 0,0 0 0,1 0 0,-1-1 0,0 1 0,0 0 0,1 0 0,-1 0 0,0 0 0,1 0 0,-2 0 0,-25 13 0,-17 30 0,33-27 0,0 1 0,1 0 0,-8 19 0,14-28 0,1 1 0,-1-1 0,2 1 0,-1 0 0,1 0 0,0 0 0,1 0 0,-1 15 0,7-16 0,2-19 0,3-19 0,-6-4 0,-2 0 0,-2 1 0,-3-36 0,3 66 0,0 1 0,-1 0 0,1-1 0,-1 1 0,1 0 0,-1 0 0,0 0 0,0-1 0,0 1 0,0 0 0,-2-3 0,2 4 0,0 1 0,1-1 0,-1 1 0,1-1 0,-1 0 0,0 1 0,0-1 0,1 1 0,-1 0 0,0-1 0,0 1 0,0 0 0,0-1 0,1 1 0,-1 0 0,0 0 0,0 0 0,0 0 0,0 0 0,0 0 0,-1 0 0,-1 1 0,1 0 0,-1 0 0,0 0 0,1 0 0,-1 0 0,1 1 0,-1-1 0,1 1 0,-1 0 0,1 0 0,0 0 0,0 0 0,0 0 0,0 0 0,0 1 0,-1 2 0,-45 81 0,19-29 0,26-51 0,0 0 0,0 1 0,1-1 0,0 1 0,-1 11 0,2-17 0,1 0 0,0 0 0,-1 0 0,1 1 0,0-1 0,0 0 0,-1 0 0,1 0 0,0 0 0,0 1 0,1-1 0,-1 0 0,0 0 0,0 0 0,0 1 0,1-1 0,-1 0 0,1 0 0,-1 0 0,1 0 0,-1 0 0,1 0 0,0 0 0,-1 0 0,1 0 0,0 0 0,0 0 0,0 0 0,0-1 0,0 1 0,0 0 0,0-1 0,0 1 0,0 0 0,0-1 0,0 1 0,0-1 0,0 0 0,2 1 0,-2-1 0,0-1 0,0 1 0,0-1 0,1 1 0,-1-1 0,0 0 0,0 1 0,0-1 0,0 0 0,0 0 0,0 0 0,0 0 0,-1 0 0,1 0 0,0 0 0,0 0 0,-1 0 0,1 0 0,-1 0 0,1 0 0,-1 0 0,1-3 0,12-34 0,-10 30 0,2-17 0,0 0 0,-2 0 0,0-1 0,-2 1 0,-4-45 0,2 15 0,-2 40 0,-4 12 0,-14 27 0,-15 44 0,27-45 0,2 0 0,-7 32 0,13-47 0,0 0 0,0 1 0,0-1 0,1 0 0,0 1 0,1-1 0,0 0 0,0 0 0,0 0 0,5 13 0,-5-19 0,-1-1 0,1 1 0,0 0 0,0-1 0,-1 1 0,1 0 0,0-1 0,1 1 0,-1-1 0,0 0 0,0 1 0,1-1 0,-1 0 0,0 0 0,1 0 0,-1 0 0,1 0 0,0 0 0,-1 0 0,1 0 0,0-1 0,0 1 0,-1-1 0,1 1 0,0-1 0,0 1 0,0-1 0,-1 0 0,1 0 0,0 0 0,0 0 0,0-1 0,0 1 0,-1 0 0,1-1 0,0 1 0,0-1 0,-1 0 0,1 1 0,0-1 0,-1 0 0,1 0 0,-1 0 0,1 0 0,2-3 0,2 0 0,-1 0 0,1-1 0,-1 0 0,0 0 0,0 0 0,0-1 0,-1 0 0,0 0 0,0 0 0,5-11 0,19-88 0,-27 118 0,1-1 0,0 0 0,1 0 0,4 13 0,-5-20 0,1 1 0,0-1 0,1 0 0,-1 0 0,1 0 0,0 0 0,0-1 0,1 0 0,-1 0 0,1 0 0,0 0 0,0 0 0,0-1 0,1 0 0,-1 0 0,1-1 0,-1 0 0,1 0 0,0 0 0,0 0 0,0-1 0,7 1 0,-9-2 0,-1 0 0,0 0 0,1 0 0,-1 0 0,0 0 0,1-1 0,-1 1 0,0-1 0,0 0 0,0 0 0,1 0 0,-1 0 0,0-1 0,0 1 0,0-1 0,-1 0 0,1 0 0,0 0 0,-1 0 0,1 0 0,-1-1 0,0 1 0,0-1 0,0 0 0,0 1 0,0-1 0,0 0 0,-1 0 0,0 0 0,1 0 0,-1 0 0,0-1 0,0 1 0,-1 0 0,1 0 0,-1-1 0,1 1 0,-1 0 0,0-1 0,-1-6 0,1 8 0,-1 0 0,1 0 0,0 1 0,0-1 0,-1 0 0,1 0 0,-1 0 0,0 0 0,1 0 0,-1 0 0,0 1 0,0-1 0,0 0 0,0 1 0,-1-1 0,1 1 0,0-1 0,-1 1 0,1-1 0,-1 1 0,-3-2 0,1 0 0,-1 1 0,1 0 0,-1 1 0,0-1 0,1 1 0,-1-1 0,0 1 0,-9 0 0,3 0 0,1 1 0,-1 1 0,0-1 0,1 1 0,-1 1 0,1 0 0,0 1 0,-12 4 0,-148 79 0,40-23 0,120-59 0,1 0 0,0 0 0,0 1 0,1 1 0,-14 9 0,21-14 0,-1 1 0,1-1 0,0 0 0,-1 0 0,1 1 0,0-1 0,0 1 0,0-1 0,0 1 0,0-1 0,0 1 0,1-1 0,-1 1 0,0 0 0,1 0 0,0-1 0,-1 1 0,1 0 0,0 0 0,0 0 0,0-1 0,0 1 0,0 0 0,0 0 0,0 0 0,1-1 0,-1 1 0,1 0 0,-1-1 0,1 1 0,0 0 0,-1-1 0,1 1 0,0 0 0,0-1 0,0 0 0,0 1 0,1-1 0,1 3 0,2 0 0,0-1 0,0 1 0,0-1 0,1 0 0,0 0 0,-1-1 0,1 0 0,0 1 0,0-2 0,10 3 0,64 7 0,-68-10 0,0-1 0,-1 0 0,1-1 0,-1 0 0,1 0 0,-1-2 0,1 1 0,-1-2 0,0 1 0,0-1 0,0-1 0,18-10 0,-24 11 0,1 0 0,-1 0 0,0-1 0,0 1 0,-1-1 0,1 0 0,-1 0 0,0-1 0,-1 1 0,1-1 0,-1 0 0,0 0 0,0 0 0,-1 0 0,0 0 0,0 0 0,0-1 0,-1 1 0,0-1 0,0 0 0,-1 1 0,0-1 0,-1-12 0,1 17 0,0 0 0,0 0 0,0-1 0,-1 1 0,1 0 0,-1 0 0,0 0 0,1 0 0,-1 0 0,0 0 0,0 0 0,0 0 0,-1 0 0,1 0 0,0 0 0,-1 0 0,1 1 0,-1-1 0,1 1 0,-1-1 0,0 1 0,0 0 0,0-1 0,0 1 0,0 0 0,0 0 0,0 0 0,0 1 0,0-1 0,0 0 0,0 1 0,0-1 0,-1 1 0,1 0 0,0 0 0,0 0 0,-1 0 0,1 0 0,0 0 0,-3 1 0,-2 1 0,0-1 0,0 1 0,0 0 0,1 0 0,-1 1 0,0 0 0,1 0 0,0 1 0,0 0 0,0 0 0,-8 7 0,10-8 0,1 1 0,0-1 0,0 1 0,0-1 0,0 1 0,0 0 0,1 0 0,0 0 0,0 1 0,0-1 0,0 0 0,1 1 0,0-1 0,-1 1 0,2-1 0,-2 10 0,3-11 0,-1 1 0,1-1 0,0 0 0,0 1 0,0-1 0,0 0 0,0 0 0,1 0 0,-1 0 0,1 0 0,0 0 0,0 0 0,0 0 0,1-1 0,-1 1 0,0-1 0,1 0 0,0 1 0,0-1 0,-1 0 0,1-1 0,0 1 0,5 1 0,11 5 0,0-2 0,1 0 0,0-1 0,0-1 0,0-1 0,0-1 0,0-1 0,1 0 0,-1-2 0,35-5 0,-53 6 0,0 0 0,-1 0 0,1 0 0,0 0 0,-1-1 0,1 1 0,0 0 0,-1-1 0,1 0 0,0 1 0,-1-1 0,1 0 0,-1 0 0,1 1 0,-1-1 0,1-1 0,-1 1 0,0 0 0,0 0 0,0 0 0,1-1 0,-1 1 0,0 0 0,0-1 0,-1 1 0,1-1 0,0 1 0,0-1 0,-1 0 0,1 1 0,0-3 0,-2 2 0,1 1 0,0-1 0,-1 0 0,1 1 0,-1-1 0,1 0 0,-1 1 0,0-1 0,0 1 0,1-1 0,-1 1 0,0-1 0,0 1 0,-1 0 0,1-1 0,0 1 0,0 0 0,-1 0 0,1 0 0,0 0 0,-1 0 0,1 0 0,-1 0 0,0 1 0,1-1 0,-1 1 0,1-1 0,-1 1 0,0-1 0,-3 1 0,-28-5 0,-1 2 0,1 1 0,-65 6 0,8-1 0,21-3 0,-4-1 0,0 3 0,-80 12 0,39-4 0,82-10 0,2 3 0,-47 8 0,35-4 0,33-6 0,0 0 0,0 0 0,0 1 0,1 0 0,-1 1 0,1 0 0,-1 0 0,-9 6 0,17-8 0,0-1 0,0 0 0,1 0 0,-1 1 0,0-1 0,1 1 0,-1-1 0,1 1 0,-1-1 0,1 1 0,-1-1 0,0 1 0,1-1 0,0 1 0,-1 0 0,1-1 0,-1 1 0,1 0 0,0-1 0,0 1 0,-1 0 0,1-1 0,0 1 0,0 0 0,0 0 0,0-1 0,0 1 0,0 0 0,0 0 0,0-1 0,0 1 0,0 1 0,1-1 0,0 1 0,0-1 0,0 0 0,1 0 0,-1 0 0,0 0 0,1 0 0,-1 0 0,1 0 0,-1 0 0,1 0 0,-1-1 0,3 2 0,53 10 0,-21-10 0,0-2 0,-1-2 0,1-1 0,0-2 0,-1-1 0,40-13 0,234-90 0,-262 90 0,-21 9 0,44-23 0,-63 29 0,-1 0 0,1 0 0,-1-1 0,0 1 0,-1-1 0,1-1 0,-1 1 0,0-1 0,-1 0 0,1 0 0,4-9 0,-8 14 0,-1 0 0,1 1 0,-1-1 0,0 0 0,0 1 0,1-1 0,-1 0 0,0 0 0,0 1 0,0-1 0,0 0 0,0 1 0,0-1 0,0 0 0,0 0 0,0 1 0,0-1 0,0 0 0,0 1 0,0-1 0,-1 0 0,1 0 0,0 1 0,-1-1 0,1 0 0,0 1 0,-1-1 0,1 1 0,-1-1 0,0 0 0,-24-9 0,-39 7 0,57 3 0,-43 2 0,0 2 0,0 2 0,1 2 0,0 2 0,0 3 0,-59 23 0,69-24 0,-74 15 0,-14 3 0,123-29 0,0 1 0,0-1 0,1 1 0,-1 0 0,0 0 0,1 0 0,0 0 0,0 1 0,-1-1 0,1 1 0,1 0 0,-1 0 0,0 0 0,-2 4 0,4-6 0,1 0 0,-1 0 0,1 0 0,-1 0 0,1 0 0,0 0 0,0 0 0,0 0 0,-1 0 0,1 0 0,0 0 0,0 0 0,0 0 0,1 0 0,-1 0 0,0 0 0,0 0 0,0 0 0,1 0 0,-1 0 0,0 0 0,2 1 0,-1 0 0,1 0 0,-1 0 0,1-1 0,0 1 0,0-1 0,0 1 0,0-1 0,0 0 0,0 0 0,0 0 0,0 0 0,0 0 0,4 1 0,17 3 0,-1-1 0,0-1 0,1-1 0,0-1 0,-1-1 0,30-4 0,18 1 0,-41 2 0,0-2 0,0 0 0,-1-2 0,1-2 0,-1 0 0,0-2 0,-1-1 0,32-16 0,22-7 0,-48 21 0,-1-1 0,-1-2 0,0-1 0,31-22 0,-60 37 0,0-1 0,0 1 0,0-1 0,0 1 0,0-1 0,0 0 0,0 0 0,-1 0 0,1 0 0,-1 0 0,1 0 0,-1 0 0,0 0 0,0-1 0,0 1 0,0 0 0,0-1 0,0 1 0,-1-1 0,1 1 0,-1-1 0,0 1 0,0-1 0,0 1 0,0-1 0,0 1 0,0-1 0,-1 1 0,-1-5 0,1 4 0,-1 0 0,1 1 0,-1-1 0,0 0 0,0 1 0,0 0 0,0-1 0,-1 1 0,1 0 0,-1 0 0,1 0 0,-1 1 0,0-1 0,1 1 0,-1-1 0,0 1 0,0 0 0,0 0 0,0 0 0,0 0 0,0 1 0,0-1 0,-4 1 0,-9-2 0,0 0 0,0 2 0,0-1 0,0 2 0,0 0 0,0 1 0,0 1 0,0 1 0,1 0 0,0 0 0,-24 12 0,2 3 0,-63 23 0,16-8 0,-5-4 0,72-26 0,1 0 0,0 1 0,0 1 0,0 1 0,1 0 0,0 1 0,-15 11 0,29-19 0,0 0 0,0 0 0,1 1 0,-1-1 0,0 1 0,0-1 0,1 1 0,-1-1 0,0 1 0,1-1 0,-1 1 0,0 0 0,1-1 0,-1 1 0,1 0 0,-1-1 0,1 1 0,0 0 0,-1 0 0,1-1 0,0 1 0,-1 0 0,1 0 0,0 0 0,0 0 0,0-1 0,0 1 0,0 0 0,0 0 0,0 0 0,0 0 0,0 0 0,0 0 0,0-1 0,0 1 0,1 0 0,-1 0 0,0 0 0,1-1 0,-1 1 0,0 0 0,1 0 0,-1-1 0,1 1 0,-1 0 0,1-1 0,0 1 0,-1 0 0,1-1 0,0 1 0,-1-1 0,1 1 0,0-1 0,0 0 0,-1 1 0,1-1 0,0 0 0,0 1 0,0-1 0,0 0 0,-1 0 0,1 0 0,1 0 0,6 3 0,0-1 0,0-1 0,0 0 0,0 0 0,13 0 0,-13-2 0,-1 0 0,1 0 0,-1 0 0,0-1 0,1 0 0,-1-1 0,0 1 0,0-1 0,-1-1 0,1 1 0,-1-1 0,1-1 0,8-6 0,-2-3 0,0 0 0,0 0 0,-2-1 0,12-19 0,4-2 0,-16 23 0,-1 0 0,-1-1 0,10-19 0,-17 29 0,0 0 0,0 0 0,-1 0 0,0-1 0,0 1 0,0 0 0,0-1 0,-1 1 0,1-1 0,-1 1 0,0 0 0,-1-1 0,1 1 0,-1-1 0,0 1 0,0 0 0,-2-5 0,2 7 0,0 0 0,0 0 0,0 0 0,0 0 0,0 0 0,-1 0 0,1 0 0,-1 0 0,1 1 0,-1-1 0,0 1 0,0-1 0,0 1 0,0 0 0,0 0 0,0-1 0,0 1 0,0 1 0,0-1 0,0 0 0,-1 1 0,1-1 0,0 1 0,-1-1 0,1 1 0,0 0 0,-1 0 0,1 0 0,0 0 0,0 1 0,-1-1 0,-3 2 0,-8 1 0,0 1 0,1 1 0,-1 0 0,-13 8 0,11-6 0,-382 139 0,368-135 0,0 1 0,0 1 0,2 2 0,-35 22 0,62-36 0,0-1 0,-1 1 0,1 0 0,0-1 0,0 1 0,0 0 0,0 0 0,0 0 0,0 0 0,0 0 0,0 0 0,0 1 0,0-1 0,0 0 0,1 0 0,-1 1 0,1-1 0,-1 0 0,1 1 0,-1-1 0,0 3 0,2-3 0,-1 0 0,0 0 0,1 0 0,-1 0 0,1 0 0,-1 0 0,1 0 0,0 0 0,-1 0 0,1 0 0,0 0 0,0 0 0,0 0 0,0 0 0,-1-1 0,1 1 0,0 0 0,0-1 0,0 1 0,2 0 0,4 2 0,0 0 0,0-1 0,0 0 0,0 0 0,1 0 0,12 1 0,-8-2 0,-1-1 0,1 1 0,0-2 0,-1 0 0,1 0 0,0-1 0,-1 0 0,0-1 0,1-1 0,-1 1 0,-1-2 0,1 1 0,0-2 0,-1 1 0,0-2 0,-1 1 0,1-1 0,-1-1 0,-1 1 0,1-1 0,-1-1 0,10-14 0,-12 16 0,0 0 0,0 1 0,0 0 0,12-9 0,24-25 0,-26 20 0,-9 12 0,1-1 0,-1 0 0,-1-1 0,0 0 0,7-13 0,-13 21 0,1 1 0,-1-1 0,1 1 0,-1-1 0,0 1 0,1-1 0,-1 1 0,0-1 0,0 1 0,0-1 0,0 0 0,-1 1 0,1-1 0,0 1 0,-1-1 0,1 1 0,-1-1 0,0-1 0,-1 1 0,1 0 0,-1 1 0,1-1 0,-1 1 0,0-1 0,0 1 0,0 0 0,1 0 0,-1 0 0,0 0 0,0 0 0,-1 0 0,1 0 0,0 1 0,0-1 0,-4 0 0,1 1 0,0 0 0,1 0 0,-1 0 0,0 0 0,1 1 0,-1 0 0,1 0 0,-1 0 0,1 0 0,-1 1 0,1 0 0,0 0 0,-6 3 0,-56 40 0,41-26 0,12-9 0,-54 42 0,62-48 0,2 0 0,-1 0 0,0 0 0,1 0 0,0 0 0,0 1 0,0 0 0,1 0 0,-1-1 0,1 1 0,0 1 0,-2 9 0,4-14 0,0 1 0,0 0 0,0 0 0,0 0 0,0 0 0,1 0 0,-1 0 0,1 0 0,-1 0 0,1 0 0,-1 0 0,1 0 0,0-1 0,0 1 0,0 0 0,0-1 0,0 1 0,1 0 0,-1-1 0,0 0 0,1 1 0,-1-1 0,1 0 0,0 0 0,-1 1 0,1-1 0,0 0 0,-1-1 0,1 1 0,0 0 0,0 0 0,0-1 0,0 1 0,0-1 0,0 0 0,0 0 0,3 0 0,12 2 0,0-1 0,-1 0 0,27-4 0,-23 2 0,30 1 0,-36 1 0,0 0 0,0-1 0,0-1 0,0-1 0,0 0 0,0 0 0,-1-1 0,25-10 0,-12 2 0,43-12 0,-53 18 0,1 0 0,-1 0 0,0-2 0,0 0 0,-1 0 0,0-2 0,23-17 0,-37 26 0,0-1 0,0 1 0,0-1 0,-1 0 0,1 1 0,0-1 0,0 0 0,0 0 0,-1 1 0,1-1 0,0 0 0,-1 0 0,1 0 0,-1 0 0,1 0 0,-1 0 0,0 0 0,1 0 0,-1 0 0,0 0 0,0 0 0,0 0 0,0 0 0,0-1 0,0 1 0,0-1 0,-1 0 0,0 1 0,0 0 0,1 0 0,-2 0 0,1 1 0,0-1 0,0 0 0,0 0 0,0 1 0,0-1 0,-1 0 0,1 1 0,0-1 0,-1 1 0,1 0 0,0-1 0,-3 1 0,-67-5 0,67 5 0,-12 1 0,4-2 0,0 0 0,0 2 0,0-1 0,0 2 0,0 0 0,0 0 0,0 1 0,1 0 0,-1 1 0,-20 10 0,7-2 0,0 0 0,0-2 0,-1-1 0,-45 10 0,32-9 0,-186 71 0,169-62 0,54-18 0,-1 0 0,1 0 0,0 0 0,0 0 0,-1 0 0,1 1 0,0-1 0,0 1 0,0-1 0,1 1 0,-1 0 0,0-1 0,1 1 0,-1 0 0,1 0 0,-1 0 0,1 1 0,0-1 0,0 0 0,0 0 0,-1 3 0,3-3 0,-1-1 0,0 0 0,1 0 0,-1 0 0,1 0 0,0 0 0,-1 0 0,1-1 0,0 1 0,-1 0 0,1 0 0,0 0 0,0-1 0,0 1 0,0 0 0,0-1 0,0 1 0,0-1 0,0 1 0,0-1 0,0 1 0,0-1 0,0 0 0,0 1 0,0-1 0,0 0 0,0 0 0,0 0 0,3 0 0,39 2 0,-38-1 0,8 0 0,1-1 0,-1 0 0,0 0 0,0-1 0,1-1 0,-1 0 0,0-1 0,-1-1 0,1 0 0,-1 0 0,1-1 0,-1-1 0,16-10 0,7-6 0,-15 10 0,38-30 0,-54 39 0,0-1 0,0 1 0,-1-1 0,1 0 0,-1-1 0,1 1 0,-1-1 0,-1 1 0,1-1 0,-1 0 0,0 0 0,0 0 0,0 0 0,1-6 0,-3 9 0,1 1 0,-1 0 0,0 0 0,0 0 0,1-1 0,-1 1 0,0 0 0,0 0 0,0-1 0,-1 1 0,1 0 0,0 0 0,0 0 0,-1-1 0,1 1 0,-1 0 0,1 0 0,-1 0 0,1 0 0,-1 0 0,0 0 0,1 0 0,-2-2 0,0 3 0,1-1 0,0 1 0,0 0 0,0-1 0,0 1 0,-1 0 0,1 0 0,0 0 0,0 0 0,-1 0 0,1 0 0,0 0 0,0 0 0,0 1 0,-1-1 0,1 0 0,0 1 0,-2 0 0,-4 2 0,0 1 0,0-1 0,1 1 0,0 1 0,-1-1 0,-5 7 0,-201 206 0,199-202 0,9-9 0,0 0 0,0-1 0,0 0 0,-1 0 0,0 0 0,-10 6 0,15-10 0,-1-1 0,1 1 0,-1-1 0,1 1 0,-1-1 0,1 0 0,-1 0 0,0 0 0,1 0 0,-1 0 0,1 0 0,-1 0 0,0 0 0,1 0 0,-1-1 0,1 1 0,-1-1 0,1 1 0,-1-1 0,1 0 0,0 1 0,-1-1 0,1 0 0,0 0 0,-1 0 0,1 0 0,0 0 0,0 0 0,0-1 0,0 1 0,0 0 0,0 0 0,0-1 0,0 1 0,1-1 0,-1 1 0,0-1 0,0-1 0,-2-5 0,0 0 0,0-1 0,1 1 0,0-1 0,1 1 0,0-1 0,0 0 0,1 0 0,1-14 0,-1 10 0,0 0 0,-1 0 0,-3-21 0,-2 1 0,-7-27 0,12 56 0,0 1 0,-1 0 0,1 0 0,0 0 0,-1-1 0,0 2 0,0-1 0,1 0 0,-2 0 0,1 0 0,0 1 0,-1-1 0,-4-3 0,6 6 0,0-1 0,0 1 0,0-1 0,0 1 0,0 0 0,0 0 0,0-1 0,0 1 0,-1 0 0,1 0 0,0 0 0,0 0 0,0 0 0,0 0 0,0 0 0,0 1 0,0-1 0,-1 0 0,1 1 0,0-1 0,0 1 0,0-1 0,0 1 0,0-1 0,0 1 0,0 0 0,1-1 0,-1 1 0,0 0 0,0 0 0,0 0 0,1-1 0,-1 1 0,0 0 0,1 0 0,-1 0 0,1 0 0,-1 2 0,-20 46 0,17-37 0,-22 44 0,19-44 0,1 0 0,0 0 0,1 1 0,1 0 0,0 0 0,0 0 0,-1 14 0,-6 48 0,6-49 0,-3 52 0,8-78 0,0 0 0,0 0 0,0 0 0,0 0 0,0 0 0,0 0 0,0 0 0,0 0 0,0 0 0,0 0 0,1 0 0,-1 0 0,0 0 0,0 0 0,0 0 0,0 0 0,0 0 0,0 0 0,0 0 0,0 0 0,0 0 0,0 0 0,0 0 0,1 0 0,-1 0 0,0 0 0,0 0 0,0 0 0,0 0 0,0 0 0,0 0 0,0 0 0,0 0 0,0 0 0,0 0 0,0 0 0,0 0 0,0 1 0,0-1 0,0 0 0,0 0 0,0 0 0,0 0 0,0 0 0,0 0 0,0 0 0,0 0 0,0 0 0,0 0 0,0 0 0,0 1 0,0-1 0,0 0 0,0 0 0,0 0 0,7-11 0,3-15 0,11-33 0,-14 44 0,-2 0 0,0-1 0,0 1 0,-2-1 0,4-30 0,-6 67 0,-1 42 0,0-58 0,0-1 0,0 0 0,-1 0 0,0 0 0,0 1 0,0-1 0,0 0 0,-1 0 0,1 0 0,-1-1 0,-4 7 0,6-9 0,0-1 0,-1 1 0,1-1 0,0 0 0,0 1 0,-1-1 0,1 1 0,0-1 0,-1 0 0,1 1 0,0-1 0,-1 0 0,1 0 0,-1 1 0,1-1 0,-1 0 0,1 0 0,0 0 0,-1 1 0,1-1 0,-1 0 0,1 0 0,-1 0 0,1 0 0,-1 0 0,1 0 0,-1 0 0,1 0 0,-1 0 0,1 0 0,-1 0 0,1 0 0,-1-1 0,1 1 0,-1 0 0,1 0 0,0 0 0,-1-1 0,1 1 0,-1 0 0,-10-24 0,4-28 0,8-39 0,-2 98 0,0 0 0,0-1 0,-1 1 0,0 0 0,0-1 0,-1 0 0,0 1 0,0-1 0,-4 6 0,-43 61 0,27-42 0,21-29 0,0 1 0,0-1 0,1 1 0,-1-1 0,1 1 0,0 0 0,0-1 0,0 1 0,0 0 0,0 0 0,1 0 0,-1 0 0,1 0 0,0 0 0,-1 0 0,2 3 0,2-8 0,0-1 0,-1 1 0,1-1 0,0 0 0,-1 0 0,0 0 0,0 0 0,0 0 0,3-5 0,10-21 0,-1-1 0,-1 0 0,-2-1 0,0 0 0,-3-1 0,8-49 0,-21 86 0,0-1 0,1 1 0,0 0 0,0 1 0,0-1 0,-5 9 0,2 14 0,-5 16 0,12-42 0,-1-1 0,1 1 0,-1-1 0,0 1 0,1-1 0,-1 1 0,0-1 0,0 1 0,0-1 0,0 0 0,0 1 0,-1-1 0,1 0 0,0 0 0,0 0 0,-1 0 0,1 0 0,-1 0 0,-1 0 0,2-1 0,0 0 0,1 0 0,-1 0 0,0 0 0,1-1 0,-1 1 0,0 0 0,1 0 0,-1-1 0,0 1 0,1 0 0,-1-1 0,1 1 0,-1-1 0,1 1 0,-1-1 0,1 1 0,-1-1 0,1 1 0,-1-1 0,1 0 0,0 1 0,-1-1 0,1 0 0,0 1 0,-1-1 0,1 0 0,0 1 0,0-1 0,0 0 0,0 1 0,0-1 0,0 0 0,0 0 0,-4-30 0,4 29 0,0-65 0,2 54 0,-1 0 0,-1 0 0,0 0 0,-1-1 0,-1 1 0,0 0 0,0 1 0,-1-1 0,-8-18 0,5 92 0,8-21 0,-1-26 0,0 1 0,-1-1 0,-1 0 0,0 1 0,-4 16 0,5-30 0,0 0 0,0-1 0,0 1 0,0 0 0,-1 0 0,1-1 0,0 1 0,0 0 0,-1-1 0,1 1 0,0 0 0,-1-1 0,1 1 0,-1 0 0,1-1 0,-1 1 0,1-1 0,-1 1 0,1-1 0,-1 1 0,1-1 0,-1 1 0,0-1 0,1 0 0,-1 1 0,0-1 0,0 0 0,-12-11 0,-3-31 0,13 13 0,-7-39 0,9 64 0,0-1 0,0 1 0,-1 0 0,0 0 0,0-1 0,0 1 0,0 0 0,0 1 0,-1-1 0,0 0 0,-6-6 0,8 10 0,0 0 0,0-1 0,0 1 0,0 0 0,0 0 0,0 0 0,0-1 0,0 1 0,0 0 0,0 1 0,1-1 0,-1 0 0,0 0 0,0 0 0,0 0 0,0 1 0,0-1 0,0 1 0,0-1 0,0 0 0,0 1 0,1-1 0,-1 1 0,0 0 0,0-1 0,1 1 0,-1 0 0,0-1 0,1 1 0,-1 0 0,1 0 0,-1-1 0,1 1 0,-1 0 0,1 0 0,-1 2 0,-24 41 0,21-36 0,-1 6 0,0-1 0,0 1 0,2 0 0,-5 28 0,1-3 0,3-22 0,1 0 0,1 0 0,0 1 0,1-1 0,1 1 0,1-1 0,1 0 0,3 19 0,-5-35 0,0 0 0,0-1 0,0 1 0,1 0 0,-1 0 0,0-1 0,0 1 0,1 0 0,-1-1 0,0 1 0,1 0 0,-1-1 0,0 1 0,1 0 0,-1-1 0,1 1 0,-1-1 0,1 1 0,0-1 0,-1 1 0,1-1 0,-1 1 0,1-1 0,0 0 0,-1 1 0,1-1 0,1 0 0,11-12 0,3-29 0,43-143 0,-45 146 0,-9 26 0,-1 0 0,0 1 0,-1-1 0,0 0 0,1-19 0,-3 25 0,-1-1 0,2 1 0,-1-1 0,1 1 0,0 0 0,0-1 0,0 1 0,1 0 0,0 0 0,5-7 0,-7 11 0,1 1 0,-1-1 0,0 1 0,0-1 0,1 1 0,-1 0 0,0 0 0,1 0 0,-1 0 0,1 0 0,-1 0 0,1 0 0,0 0 0,0 1 0,-1-1 0,1 1 0,0-1 0,0 1 0,-1 0 0,1 0 0,0-1 0,0 1 0,0 0 0,-1 1 0,1-1 0,0 0 0,0 0 0,0 1 0,-1-1 0,1 1 0,0 0 0,-1-1 0,1 1 0,0 0 0,-1 0 0,1 0 0,-1 0 0,1 0 0,-1 1 0,0-1 0,1 0 0,1 3 0,0 0 0,0 0 0,0 0 0,-1 0 0,1 0 0,-1 0 0,0 1 0,0-1 0,-1 1 0,1-1 0,-1 1 0,0-1 0,0 1 0,-1 0 0,1 8 0,-4 75 0,1-62 0,2-116 0,0 63 0,-1 74 0,1-39 0,0 0 0,0 1 0,1-1 0,0 0 0,0 0 0,5 15 0,-5-21 0,0 1 0,1-1 0,-1 0 0,1 0 0,0 0 0,-1 0 0,1 0 0,0 0 0,0 0 0,0 0 0,1-1 0,-1 1 0,0-1 0,0 0 0,1 0 0,-1 0 0,1 0 0,-1 0 0,1 0 0,0-1 0,-1 1 0,1-1 0,0 1 0,-1-1 0,4 0 0,2 0 0,0-1 0,0 1 0,0-1 0,0 0 0,0-1 0,-1 0 0,1 0 0,12-6 0,61-34 0,-22 9 0,-28 21-24,-23 10-143,-1-1-1,1 0 0,-1 0 1,0-1-1,0 0 0,0 0 1,7-6-1</inkml:trace>
+</inkml:ink>
 </file>
 
 <file path=ppt/slideLayouts/slideLayout1.xml><?xml version="1.0" encoding="utf-8"?>
@@ -3325,10 +3781,9 @@
           <a:lstStyle/>
           <a:p>
             <a:r>
-              <a:rPr lang="en-US" dirty="0" err="1"/>
+              <a:rPr lang="en-US" dirty="0"/>
               <a:t>Hypertextmarkuplanguage</a:t>
             </a:r>
-            <a:endParaRPr lang="en-US" dirty="0"/>
           </a:p>
         </p:txBody>
       </p:sp>
@@ -3404,522 +3859,6 @@
 </file>
 
 <file path=ppt/slides/slide10.xml><?xml version="1.0" encoding="utf-8"?>
-<p:sld xmlns:a="http://schemas.openxmlformats.org/drawingml/2006/main" xmlns:r="http://schemas.openxmlformats.org/officeDocument/2006/relationships" xmlns:p="http://schemas.openxmlformats.org/presentationml/2006/main">
-  <p:cSld>
-    <p:spTree>
-      <p:nvGrpSpPr>
-        <p:cNvPr id="1" name=""/>
-        <p:cNvGrpSpPr/>
-        <p:nvPr/>
-      </p:nvGrpSpPr>
-      <p:grpSpPr>
-        <a:xfrm>
-          <a:off x="0" y="0"/>
-          <a:ext cx="0" cy="0"/>
-          <a:chOff x="0" y="0"/>
-          <a:chExt cx="0" cy="0"/>
-        </a:xfrm>
-      </p:grpSpPr>
-      <p:sp>
-        <p:nvSpPr>
-          <p:cNvPr id="2" name="Title 1">
-            <a:extLst>
-              <a:ext uri="{FF2B5EF4-FFF2-40B4-BE49-F238E27FC236}">
-                <a16:creationId xmlns:a16="http://schemas.microsoft.com/office/drawing/2014/main" id="{078ED12A-DD65-B922-2C34-E72F647028D3}"/>
-              </a:ext>
-            </a:extLst>
-          </p:cNvPr>
-          <p:cNvSpPr>
-            <a:spLocks noGrp="1"/>
-          </p:cNvSpPr>
-          <p:nvPr>
-            <p:ph type="title"/>
-          </p:nvPr>
-        </p:nvSpPr>
-        <p:spPr/>
-        <p:txBody>
-          <a:bodyPr/>
-          <a:lstStyle/>
-          <a:p>
-            <a:r>
-              <a:rPr lang="en-US" dirty="0"/>
-              <a:t>Tags</a:t>
-            </a:r>
-          </a:p>
-        </p:txBody>
-      </p:sp>
-      <p:pic>
-        <p:nvPicPr>
-          <p:cNvPr id="4" name="Picture 3">
-            <a:extLst>
-              <a:ext uri="{FF2B5EF4-FFF2-40B4-BE49-F238E27FC236}">
-                <a16:creationId xmlns:a16="http://schemas.microsoft.com/office/drawing/2014/main" id="{C42ADA82-DB63-C230-D29E-C53441269D2F}"/>
-              </a:ext>
-            </a:extLst>
-          </p:cNvPr>
-          <p:cNvPicPr>
-            <a:picLocks noChangeAspect="1"/>
-          </p:cNvPicPr>
-          <p:nvPr/>
-        </p:nvPicPr>
-        <p:blipFill>
-          <a:blip r:embed="rId2"/>
-          <a:stretch>
-            <a:fillRect/>
-          </a:stretch>
-        </p:blipFill>
-        <p:spPr>
-          <a:xfrm>
-            <a:off x="3226067" y="2278115"/>
-            <a:ext cx="5739866" cy="4295709"/>
-          </a:xfrm>
-          <a:prstGeom prst="rect">
-            <a:avLst/>
-          </a:prstGeom>
-        </p:spPr>
-      </p:pic>
-    </p:spTree>
-    <p:extLst>
-      <p:ext uri="{BB962C8B-B14F-4D97-AF65-F5344CB8AC3E}">
-        <p14:creationId xmlns:p14="http://schemas.microsoft.com/office/powerpoint/2010/main" val="4016275256"/>
-      </p:ext>
-    </p:extLst>
-  </p:cSld>
-  <p:clrMapOvr>
-    <a:masterClrMapping/>
-  </p:clrMapOvr>
-</p:sld>
-</file>
-
-<file path=ppt/slides/slide11.xml><?xml version="1.0" encoding="utf-8"?>
-<p:sld xmlns:a="http://schemas.openxmlformats.org/drawingml/2006/main" xmlns:r="http://schemas.openxmlformats.org/officeDocument/2006/relationships" xmlns:p="http://schemas.openxmlformats.org/presentationml/2006/main">
-  <p:cSld>
-    <p:spTree>
-      <p:nvGrpSpPr>
-        <p:cNvPr id="1" name=""/>
-        <p:cNvGrpSpPr/>
-        <p:nvPr/>
-      </p:nvGrpSpPr>
-      <p:grpSpPr>
-        <a:xfrm>
-          <a:off x="0" y="0"/>
-          <a:ext cx="0" cy="0"/>
-          <a:chOff x="0" y="0"/>
-          <a:chExt cx="0" cy="0"/>
-        </a:xfrm>
-      </p:grpSpPr>
-      <p:sp>
-        <p:nvSpPr>
-          <p:cNvPr id="2" name="Title 1">
-            <a:extLst>
-              <a:ext uri="{FF2B5EF4-FFF2-40B4-BE49-F238E27FC236}">
-                <a16:creationId xmlns:a16="http://schemas.microsoft.com/office/drawing/2014/main" id="{7D954C4D-091E-335D-CD8B-6B78AFB6C7CB}"/>
-              </a:ext>
-            </a:extLst>
-          </p:cNvPr>
-          <p:cNvSpPr>
-            <a:spLocks noGrp="1"/>
-          </p:cNvSpPr>
-          <p:nvPr>
-            <p:ph type="title"/>
-          </p:nvPr>
-        </p:nvSpPr>
-        <p:spPr/>
-        <p:txBody>
-          <a:bodyPr/>
-          <a:lstStyle/>
-          <a:p>
-            <a:r>
-              <a:rPr lang="en-US" dirty="0"/>
-              <a:t>Example and explain</a:t>
-            </a:r>
-          </a:p>
-        </p:txBody>
-      </p:sp>
-      <p:pic>
-        <p:nvPicPr>
-          <p:cNvPr id="5" name="Content Placeholder 4">
-            <a:extLst>
-              <a:ext uri="{FF2B5EF4-FFF2-40B4-BE49-F238E27FC236}">
-                <a16:creationId xmlns:a16="http://schemas.microsoft.com/office/drawing/2014/main" id="{EC25FA02-C7F9-4BA4-515E-52DF766F00BA}"/>
-              </a:ext>
-            </a:extLst>
-          </p:cNvPr>
-          <p:cNvPicPr>
-            <a:picLocks noGrp="1" noChangeAspect="1"/>
-          </p:cNvPicPr>
-          <p:nvPr>
-            <p:ph idx="1"/>
-          </p:nvPr>
-        </p:nvPicPr>
-        <p:blipFill>
-          <a:blip r:embed="rId2"/>
-          <a:stretch>
-            <a:fillRect/>
-          </a:stretch>
-        </p:blipFill>
-        <p:spPr>
-          <a:xfrm>
-            <a:off x="2131312" y="2139563"/>
-            <a:ext cx="7929375" cy="4434261"/>
-          </a:xfrm>
-        </p:spPr>
-      </p:pic>
-    </p:spTree>
-    <p:extLst>
-      <p:ext uri="{BB962C8B-B14F-4D97-AF65-F5344CB8AC3E}">
-        <p14:creationId xmlns:p14="http://schemas.microsoft.com/office/powerpoint/2010/main" val="2859101963"/>
-      </p:ext>
-    </p:extLst>
-  </p:cSld>
-  <p:clrMapOvr>
-    <a:masterClrMapping/>
-  </p:clrMapOvr>
-</p:sld>
-</file>
-
-<file path=ppt/slides/slide12.xml><?xml version="1.0" encoding="utf-8"?>
-<p:sld xmlns:a="http://schemas.openxmlformats.org/drawingml/2006/main" xmlns:r="http://schemas.openxmlformats.org/officeDocument/2006/relationships" xmlns:p="http://schemas.openxmlformats.org/presentationml/2006/main">
-  <p:cSld>
-    <p:spTree>
-      <p:nvGrpSpPr>
-        <p:cNvPr id="1" name=""/>
-        <p:cNvGrpSpPr/>
-        <p:nvPr/>
-      </p:nvGrpSpPr>
-      <p:grpSpPr>
-        <a:xfrm>
-          <a:off x="0" y="0"/>
-          <a:ext cx="0" cy="0"/>
-          <a:chOff x="0" y="0"/>
-          <a:chExt cx="0" cy="0"/>
-        </a:xfrm>
-      </p:grpSpPr>
-      <p:sp>
-        <p:nvSpPr>
-          <p:cNvPr id="2" name="Title 1">
-            <a:extLst>
-              <a:ext uri="{FF2B5EF4-FFF2-40B4-BE49-F238E27FC236}">
-                <a16:creationId xmlns:a16="http://schemas.microsoft.com/office/drawing/2014/main" id="{017161EF-9A44-56FB-7165-3CED5AF4542D}"/>
-              </a:ext>
-            </a:extLst>
-          </p:cNvPr>
-          <p:cNvSpPr>
-            <a:spLocks noGrp="1"/>
-          </p:cNvSpPr>
-          <p:nvPr>
-            <p:ph type="title"/>
-          </p:nvPr>
-        </p:nvSpPr>
-        <p:spPr/>
-        <p:txBody>
-          <a:bodyPr/>
-          <a:lstStyle/>
-          <a:p>
-            <a:pPr>
-              <a:lnSpc>
-                <a:spcPct val="200000"/>
-              </a:lnSpc>
-            </a:pPr>
-            <a:r>
-              <a:rPr lang="en-US" sz="2400" b="0" i="0" dirty="0">
-                <a:effectLst/>
-                <a:latin typeface="Arial" panose="020B0604020202020204" pitchFamily="34" charset="0"/>
-              </a:rPr>
-              <a:t>&lt;DIV&gt;How do you annoy a web developer?&lt;/SPAN&gt;</a:t>
-            </a:r>
-            <a:endParaRPr lang="en-US" sz="2400" dirty="0"/>
-          </a:p>
-        </p:txBody>
-      </p:sp>
-    </p:spTree>
-    <p:extLst>
-      <p:ext uri="{BB962C8B-B14F-4D97-AF65-F5344CB8AC3E}">
-        <p14:creationId xmlns:p14="http://schemas.microsoft.com/office/powerpoint/2010/main" val="3341279000"/>
-      </p:ext>
-    </p:extLst>
-  </p:cSld>
-  <p:clrMapOvr>
-    <a:masterClrMapping/>
-  </p:clrMapOvr>
-</p:sld>
-</file>
-
-<file path=ppt/slides/slide2.xml><?xml version="1.0" encoding="utf-8"?>
-<p:sld xmlns:a="http://schemas.openxmlformats.org/drawingml/2006/main" xmlns:r="http://schemas.openxmlformats.org/officeDocument/2006/relationships" xmlns:p="http://schemas.openxmlformats.org/presentationml/2006/main">
-  <p:cSld>
-    <p:spTree>
-      <p:nvGrpSpPr>
-        <p:cNvPr id="1" name=""/>
-        <p:cNvGrpSpPr/>
-        <p:nvPr/>
-      </p:nvGrpSpPr>
-      <p:grpSpPr>
-        <a:xfrm>
-          <a:off x="0" y="0"/>
-          <a:ext cx="0" cy="0"/>
-          <a:chOff x="0" y="0"/>
-          <a:chExt cx="0" cy="0"/>
-        </a:xfrm>
-      </p:grpSpPr>
-      <p:sp>
-        <p:nvSpPr>
-          <p:cNvPr id="2" name="Title 1">
-            <a:extLst>
-              <a:ext uri="{FF2B5EF4-FFF2-40B4-BE49-F238E27FC236}">
-                <a16:creationId xmlns:a16="http://schemas.microsoft.com/office/drawing/2014/main" id="{FFAA5A28-1E90-EE88-94FB-D6B346509735}"/>
-              </a:ext>
-            </a:extLst>
-          </p:cNvPr>
-          <p:cNvSpPr>
-            <a:spLocks noGrp="1"/>
-          </p:cNvSpPr>
-          <p:nvPr>
-            <p:ph type="title"/>
-          </p:nvPr>
-        </p:nvSpPr>
-        <p:spPr/>
-        <p:txBody>
-          <a:bodyPr/>
-          <a:lstStyle/>
-          <a:p>
-            <a:r>
-              <a:rPr lang="en-US" dirty="0"/>
-              <a:t>Before we start…</a:t>
-            </a:r>
-          </a:p>
-        </p:txBody>
-      </p:sp>
-      <p:pic>
-        <p:nvPicPr>
-          <p:cNvPr id="5" name="Picture 4">
-            <a:extLst>
-              <a:ext uri="{FF2B5EF4-FFF2-40B4-BE49-F238E27FC236}">
-                <a16:creationId xmlns:a16="http://schemas.microsoft.com/office/drawing/2014/main" id="{6B71CA3C-7B62-2039-200E-CBEA10530417}"/>
-              </a:ext>
-            </a:extLst>
-          </p:cNvPr>
-          <p:cNvPicPr>
-            <a:picLocks noChangeAspect="1"/>
-          </p:cNvPicPr>
-          <p:nvPr/>
-        </p:nvPicPr>
-        <p:blipFill>
-          <a:blip r:embed="rId2"/>
-          <a:stretch>
-            <a:fillRect/>
-          </a:stretch>
-        </p:blipFill>
-        <p:spPr>
-          <a:xfrm>
-            <a:off x="3586225" y="2011680"/>
-            <a:ext cx="4465575" cy="4263120"/>
-          </a:xfrm>
-          <a:prstGeom prst="rect">
-            <a:avLst/>
-          </a:prstGeom>
-        </p:spPr>
-      </p:pic>
-      <p:pic>
-        <p:nvPicPr>
-          <p:cNvPr id="6" name="Picture 5">
-            <a:extLst>
-              <a:ext uri="{FF2B5EF4-FFF2-40B4-BE49-F238E27FC236}">
-                <a16:creationId xmlns:a16="http://schemas.microsoft.com/office/drawing/2014/main" id="{DC882A29-7E6A-9B21-37A5-840C1383BD20}"/>
-              </a:ext>
-            </a:extLst>
-          </p:cNvPr>
-          <p:cNvPicPr>
-            <a:picLocks noChangeAspect="1"/>
-          </p:cNvPicPr>
-          <p:nvPr/>
-        </p:nvPicPr>
-        <p:blipFill>
-          <a:blip r:embed="rId3"/>
-          <a:stretch>
-            <a:fillRect/>
-          </a:stretch>
-        </p:blipFill>
-        <p:spPr>
-          <a:xfrm>
-            <a:off x="365759" y="5808134"/>
-            <a:ext cx="812800" cy="812800"/>
-          </a:xfrm>
-          <a:prstGeom prst="rect">
-            <a:avLst/>
-          </a:prstGeom>
-        </p:spPr>
-      </p:pic>
-    </p:spTree>
-    <p:extLst>
-      <p:ext uri="{BB962C8B-B14F-4D97-AF65-F5344CB8AC3E}">
-        <p14:creationId xmlns:p14="http://schemas.microsoft.com/office/powerpoint/2010/main" val="4020284729"/>
-      </p:ext>
-    </p:extLst>
-  </p:cSld>
-  <p:clrMapOvr>
-    <a:masterClrMapping/>
-  </p:clrMapOvr>
-</p:sld>
-</file>
-
-<file path=ppt/slides/slide3.xml><?xml version="1.0" encoding="utf-8"?>
-<p:sld xmlns:a="http://schemas.openxmlformats.org/drawingml/2006/main" xmlns:r="http://schemas.openxmlformats.org/officeDocument/2006/relationships" xmlns:p="http://schemas.openxmlformats.org/presentationml/2006/main">
-  <p:cSld>
-    <p:spTree>
-      <p:nvGrpSpPr>
-        <p:cNvPr id="1" name=""/>
-        <p:cNvGrpSpPr/>
-        <p:nvPr/>
-      </p:nvGrpSpPr>
-      <p:grpSpPr>
-        <a:xfrm>
-          <a:off x="0" y="0"/>
-          <a:ext cx="0" cy="0"/>
-          <a:chOff x="0" y="0"/>
-          <a:chExt cx="0" cy="0"/>
-        </a:xfrm>
-      </p:grpSpPr>
-      <p:sp>
-        <p:nvSpPr>
-          <p:cNvPr id="2" name="Title 1">
-            <a:extLst>
-              <a:ext uri="{FF2B5EF4-FFF2-40B4-BE49-F238E27FC236}">
-                <a16:creationId xmlns:a16="http://schemas.microsoft.com/office/drawing/2014/main" id="{FFAA5A28-1E90-EE88-94FB-D6B346509735}"/>
-              </a:ext>
-            </a:extLst>
-          </p:cNvPr>
-          <p:cNvSpPr>
-            <a:spLocks noGrp="1"/>
-          </p:cNvSpPr>
-          <p:nvPr>
-            <p:ph type="title"/>
-          </p:nvPr>
-        </p:nvSpPr>
-        <p:spPr/>
-        <p:txBody>
-          <a:bodyPr/>
-          <a:lstStyle/>
-          <a:p>
-            <a:r>
-              <a:rPr lang="en-US" dirty="0"/>
-              <a:t>Install git</a:t>
-            </a:r>
-          </a:p>
-        </p:txBody>
-      </p:sp>
-      <p:sp>
-        <p:nvSpPr>
-          <p:cNvPr id="4" name="TextBox 3">
-            <a:extLst>
-              <a:ext uri="{FF2B5EF4-FFF2-40B4-BE49-F238E27FC236}">
-                <a16:creationId xmlns:a16="http://schemas.microsoft.com/office/drawing/2014/main" id="{93682064-0C44-BFAC-F15F-BC338EBD299C}"/>
-              </a:ext>
-            </a:extLst>
-          </p:cNvPr>
-          <p:cNvSpPr txBox="1"/>
-          <p:nvPr/>
-        </p:nvSpPr>
-        <p:spPr>
-          <a:xfrm>
-            <a:off x="897467" y="2075934"/>
-            <a:ext cx="6096000" cy="369332"/>
-          </a:xfrm>
-          <a:prstGeom prst="rect">
-            <a:avLst/>
-          </a:prstGeom>
-          <a:noFill/>
-        </p:spPr>
-        <p:txBody>
-          <a:bodyPr wrap="square">
-            <a:spAutoFit/>
-          </a:bodyPr>
-          <a:lstStyle/>
-          <a:p>
-            <a:r>
-              <a:rPr lang="en-US" dirty="0">
-                <a:hlinkClick r:id="rId2"/>
-              </a:rPr>
-              <a:t>Git - Downloads (git-scm.com)</a:t>
-            </a:r>
-            <a:endParaRPr lang="en-US" dirty="0"/>
-          </a:p>
-        </p:txBody>
-      </p:sp>
-      <p:pic>
-        <p:nvPicPr>
-          <p:cNvPr id="7" name="Picture 6">
-            <a:extLst>
-              <a:ext uri="{FF2B5EF4-FFF2-40B4-BE49-F238E27FC236}">
-                <a16:creationId xmlns:a16="http://schemas.microsoft.com/office/drawing/2014/main" id="{04FD89A2-6579-9E8B-7F55-F5A9C31AD41A}"/>
-              </a:ext>
-            </a:extLst>
-          </p:cNvPr>
-          <p:cNvPicPr>
-            <a:picLocks noChangeAspect="1"/>
-          </p:cNvPicPr>
-          <p:nvPr/>
-        </p:nvPicPr>
-        <p:blipFill>
-          <a:blip r:embed="rId3"/>
-          <a:stretch>
-            <a:fillRect/>
-          </a:stretch>
-        </p:blipFill>
-        <p:spPr>
-          <a:xfrm>
-            <a:off x="4687420" y="1963216"/>
-            <a:ext cx="6607113" cy="4709568"/>
-          </a:xfrm>
-          <a:prstGeom prst="rect">
-            <a:avLst/>
-          </a:prstGeom>
-        </p:spPr>
-      </p:pic>
-      <p:pic>
-        <p:nvPicPr>
-          <p:cNvPr id="8" name="Picture 7">
-            <a:extLst>
-              <a:ext uri="{FF2B5EF4-FFF2-40B4-BE49-F238E27FC236}">
-                <a16:creationId xmlns:a16="http://schemas.microsoft.com/office/drawing/2014/main" id="{5ECD9A0A-937D-C2D2-4343-84889C54F6ED}"/>
-              </a:ext>
-            </a:extLst>
-          </p:cNvPr>
-          <p:cNvPicPr>
-            <a:picLocks noChangeAspect="1"/>
-          </p:cNvPicPr>
-          <p:nvPr/>
-        </p:nvPicPr>
-        <p:blipFill>
-          <a:blip r:embed="rId4"/>
-          <a:stretch>
-            <a:fillRect/>
-          </a:stretch>
-        </p:blipFill>
-        <p:spPr>
-          <a:xfrm>
-            <a:off x="365759" y="5808134"/>
-            <a:ext cx="812800" cy="812800"/>
-          </a:xfrm>
-          <a:prstGeom prst="rect">
-            <a:avLst/>
-          </a:prstGeom>
-        </p:spPr>
-      </p:pic>
-    </p:spTree>
-    <p:extLst>
-      <p:ext uri="{BB962C8B-B14F-4D97-AF65-F5344CB8AC3E}">
-        <p14:creationId xmlns:p14="http://schemas.microsoft.com/office/powerpoint/2010/main" val="991701108"/>
-      </p:ext>
-    </p:extLst>
-  </p:cSld>
-  <p:clrMapOvr>
-    <a:masterClrMapping/>
-  </p:clrMapOvr>
-</p:sld>
-</file>
-
-<file path=ppt/slides/slide4.xml><?xml version="1.0" encoding="utf-8"?>
 <p:sld xmlns:a="http://schemas.openxmlformats.org/drawingml/2006/main" xmlns:r="http://schemas.openxmlformats.org/officeDocument/2006/relationships" xmlns:p="http://schemas.openxmlformats.org/presentationml/2006/main">
   <p:cSld>
     <p:spTree>
@@ -4080,7 +4019,7 @@
 </p:sld>
 </file>
 
-<file path=ppt/slides/slide5.xml><?xml version="1.0" encoding="utf-8"?>
+<file path=ppt/slides/slide11.xml><?xml version="1.0" encoding="utf-8"?>
 <p:sld xmlns:a="http://schemas.openxmlformats.org/drawingml/2006/main" xmlns:r="http://schemas.openxmlformats.org/officeDocument/2006/relationships" xmlns:p="http://schemas.openxmlformats.org/presentationml/2006/main">
   <p:cSld>
     <p:spTree>
@@ -4203,7 +4142,7 @@
 </p:sld>
 </file>
 
-<file path=ppt/slides/slide6.xml><?xml version="1.0" encoding="utf-8"?>
+<file path=ppt/slides/slide12.xml><?xml version="1.0" encoding="utf-8"?>
 <p:sld xmlns:a="http://schemas.openxmlformats.org/drawingml/2006/main" xmlns:r="http://schemas.openxmlformats.org/officeDocument/2006/relationships" xmlns:p="http://schemas.openxmlformats.org/presentationml/2006/main">
   <p:cSld>
     <p:spTree>
@@ -4313,6 +4252,58 @@
           </a:prstGeom>
         </p:spPr>
       </p:pic>
+      <p:sp>
+        <p:nvSpPr>
+          <p:cNvPr id="25" name="Rectangle 24">
+            <a:extLst>
+              <a:ext uri="{FF2B5EF4-FFF2-40B4-BE49-F238E27FC236}">
+                <a16:creationId xmlns:a16="http://schemas.microsoft.com/office/drawing/2014/main" id="{5ACFA666-E761-175E-A64B-6B70820AA02C}"/>
+              </a:ext>
+            </a:extLst>
+          </p:cNvPr>
+          <p:cNvSpPr/>
+          <p:nvPr/>
+        </p:nvSpPr>
+        <p:spPr>
+          <a:xfrm>
+            <a:off x="6096000" y="3649133"/>
+            <a:ext cx="2167467" cy="1735667"/>
+          </a:xfrm>
+          <a:prstGeom prst="rect">
+            <a:avLst/>
+          </a:prstGeom>
+          <a:solidFill>
+            <a:srgbClr val="1E1E1E"/>
+          </a:solidFill>
+          <a:ln>
+            <a:noFill/>
+          </a:ln>
+        </p:spPr>
+        <p:style>
+          <a:lnRef idx="2">
+            <a:schemeClr val="accent1">
+              <a:shade val="15000"/>
+            </a:schemeClr>
+          </a:lnRef>
+          <a:fillRef idx="1">
+            <a:schemeClr val="accent1"/>
+          </a:fillRef>
+          <a:effectRef idx="0">
+            <a:schemeClr val="accent1"/>
+          </a:effectRef>
+          <a:fontRef idx="minor">
+            <a:schemeClr val="lt1"/>
+          </a:fontRef>
+        </p:style>
+        <p:txBody>
+          <a:bodyPr rtlCol="0" anchor="ctr"/>
+          <a:lstStyle/>
+          <a:p>
+            <a:pPr algn="ctr"/>
+            <a:endParaRPr lang="en-US"/>
+          </a:p>
+        </p:txBody>
+      </p:sp>
     </p:spTree>
     <p:extLst>
       <p:ext uri="{BB962C8B-B14F-4D97-AF65-F5344CB8AC3E}">
@@ -4326,7 +4317,7 @@
 </p:sld>
 </file>
 
-<file path=ppt/slides/slide7.xml><?xml version="1.0" encoding="utf-8"?>
+<file path=ppt/slides/slide13.xml><?xml version="1.0" encoding="utf-8"?>
 <p:sld xmlns:a="http://schemas.openxmlformats.org/drawingml/2006/main" xmlns:r="http://schemas.openxmlformats.org/officeDocument/2006/relationships" xmlns:p="http://schemas.openxmlformats.org/presentationml/2006/main">
   <p:cSld>
     <p:spTree>
@@ -4348,7 +4339,7 @@
           <p:cNvPr id="2" name="Title 1">
             <a:extLst>
               <a:ext uri="{FF2B5EF4-FFF2-40B4-BE49-F238E27FC236}">
-                <a16:creationId xmlns:a16="http://schemas.microsoft.com/office/drawing/2014/main" id="{277F0623-11C3-DD13-F66F-2B43EF40A6DE}"/>
+                <a16:creationId xmlns:a16="http://schemas.microsoft.com/office/drawing/2014/main" id="{2A8B6FC4-58F5-7BA7-F79F-55F9321B2340}"/>
               </a:ext>
             </a:extLst>
           </p:cNvPr>
@@ -4366,43 +4357,75 @@
           <a:p>
             <a:r>
               <a:rPr lang="en-US" dirty="0"/>
-              <a:t>HTML</a:t>
-            </a:r>
-          </a:p>
-        </p:txBody>
-      </p:sp>
-      <p:sp>
-        <p:nvSpPr>
-          <p:cNvPr id="3" name="Text Placeholder 2">
+              <a:t>Prettier and live server</a:t>
+            </a:r>
+          </a:p>
+        </p:txBody>
+      </p:sp>
+      <p:pic>
+        <p:nvPicPr>
+          <p:cNvPr id="7" name="Picture 6">
             <a:extLst>
               <a:ext uri="{FF2B5EF4-FFF2-40B4-BE49-F238E27FC236}">
-                <a16:creationId xmlns:a16="http://schemas.microsoft.com/office/drawing/2014/main" id="{C436D353-EBD2-BC3E-B40E-AB69855B3B77}"/>
+                <a16:creationId xmlns:a16="http://schemas.microsoft.com/office/drawing/2014/main" id="{125E5451-7797-4591-9154-C93B113E80B8}"/>
               </a:ext>
             </a:extLst>
           </p:cNvPr>
-          <p:cNvSpPr>
-            <a:spLocks noGrp="1"/>
-          </p:cNvSpPr>
-          <p:nvPr>
-            <p:ph type="body" idx="1"/>
-          </p:nvPr>
-        </p:nvSpPr>
-        <p:spPr/>
-        <p:txBody>
-          <a:bodyPr/>
-          <a:lstStyle/>
-          <a:p>
-            <a:r>
-              <a:rPr lang="en-US" dirty="0"/>
-              <a:t>introduction</a:t>
-            </a:r>
-          </a:p>
-        </p:txBody>
-      </p:sp>
+          <p:cNvPicPr>
+            <a:picLocks noChangeAspect="1"/>
+          </p:cNvPicPr>
+          <p:nvPr/>
+        </p:nvPicPr>
+        <p:blipFill>
+          <a:blip r:embed="rId2"/>
+          <a:stretch>
+            <a:fillRect/>
+          </a:stretch>
+        </p:blipFill>
+        <p:spPr>
+          <a:xfrm>
+            <a:off x="5940091" y="2175741"/>
+            <a:ext cx="6052836" cy="3641748"/>
+          </a:xfrm>
+          <a:prstGeom prst="rect">
+            <a:avLst/>
+          </a:prstGeom>
+        </p:spPr>
+      </p:pic>
+      <p:pic>
+        <p:nvPicPr>
+          <p:cNvPr id="11" name="Picture 10">
+            <a:extLst>
+              <a:ext uri="{FF2B5EF4-FFF2-40B4-BE49-F238E27FC236}">
+                <a16:creationId xmlns:a16="http://schemas.microsoft.com/office/drawing/2014/main" id="{0EB70431-1962-067C-2876-B5B1EE9DC770}"/>
+              </a:ext>
+            </a:extLst>
+          </p:cNvPr>
+          <p:cNvPicPr>
+            <a:picLocks noChangeAspect="1"/>
+          </p:cNvPicPr>
+          <p:nvPr/>
+        </p:nvPicPr>
+        <p:blipFill>
+          <a:blip r:embed="rId3"/>
+          <a:stretch>
+            <a:fillRect/>
+          </a:stretch>
+        </p:blipFill>
+        <p:spPr>
+          <a:xfrm>
+            <a:off x="199073" y="2175741"/>
+            <a:ext cx="5617528" cy="3641748"/>
+          </a:xfrm>
+          <a:prstGeom prst="rect">
+            <a:avLst/>
+          </a:prstGeom>
+        </p:spPr>
+      </p:pic>
     </p:spTree>
     <p:extLst>
       <p:ext uri="{BB962C8B-B14F-4D97-AF65-F5344CB8AC3E}">
-        <p14:creationId xmlns:p14="http://schemas.microsoft.com/office/powerpoint/2010/main" val="137654939"/>
+        <p14:creationId xmlns:p14="http://schemas.microsoft.com/office/powerpoint/2010/main" val="1578673638"/>
       </p:ext>
     </p:extLst>
   </p:cSld>
@@ -4412,7 +4435,7 @@
 </p:sld>
 </file>
 
-<file path=ppt/slides/slide8.xml><?xml version="1.0" encoding="utf-8"?>
+<file path=ppt/slides/slide14.xml><?xml version="1.0" encoding="utf-8"?>
 <p:sld xmlns:a="http://schemas.openxmlformats.org/drawingml/2006/main" xmlns:r="http://schemas.openxmlformats.org/officeDocument/2006/relationships" xmlns:p="http://schemas.openxmlformats.org/presentationml/2006/main">
   <p:cSld>
     <p:spTree>
@@ -4434,6 +4457,97 @@
           <p:cNvPr id="2" name="Title 1">
             <a:extLst>
               <a:ext uri="{FF2B5EF4-FFF2-40B4-BE49-F238E27FC236}">
+                <a16:creationId xmlns:a16="http://schemas.microsoft.com/office/drawing/2014/main" id="{277F0623-11C3-DD13-F66F-2B43EF40A6DE}"/>
+              </a:ext>
+            </a:extLst>
+          </p:cNvPr>
+          <p:cNvSpPr>
+            <a:spLocks noGrp="1"/>
+          </p:cNvSpPr>
+          <p:nvPr>
+            <p:ph type="title"/>
+          </p:nvPr>
+        </p:nvSpPr>
+        <p:spPr>
+          <a:xfrm>
+            <a:off x="833191" y="2161171"/>
+            <a:ext cx="10515600" cy="1676400"/>
+          </a:xfrm>
+        </p:spPr>
+        <p:txBody>
+          <a:bodyPr/>
+          <a:lstStyle/>
+          <a:p>
+            <a:r>
+              <a:rPr lang="en-US" dirty="0"/>
+              <a:t>HTML</a:t>
+            </a:r>
+          </a:p>
+        </p:txBody>
+      </p:sp>
+      <p:sp>
+        <p:nvSpPr>
+          <p:cNvPr id="3" name="Text Placeholder 2">
+            <a:extLst>
+              <a:ext uri="{FF2B5EF4-FFF2-40B4-BE49-F238E27FC236}">
+                <a16:creationId xmlns:a16="http://schemas.microsoft.com/office/drawing/2014/main" id="{C436D353-EBD2-BC3E-B40E-AB69855B3B77}"/>
+              </a:ext>
+            </a:extLst>
+          </p:cNvPr>
+          <p:cNvSpPr>
+            <a:spLocks noGrp="1"/>
+          </p:cNvSpPr>
+          <p:nvPr>
+            <p:ph type="body" idx="1"/>
+          </p:nvPr>
+        </p:nvSpPr>
+        <p:spPr/>
+        <p:txBody>
+          <a:bodyPr/>
+          <a:lstStyle/>
+          <a:p>
+            <a:r>
+              <a:rPr lang="en-US" dirty="0"/>
+              <a:t>introduction</a:t>
+            </a:r>
+          </a:p>
+        </p:txBody>
+      </p:sp>
+    </p:spTree>
+    <p:extLst>
+      <p:ext uri="{BB962C8B-B14F-4D97-AF65-F5344CB8AC3E}">
+        <p14:creationId xmlns:p14="http://schemas.microsoft.com/office/powerpoint/2010/main" val="137654939"/>
+      </p:ext>
+    </p:extLst>
+  </p:cSld>
+  <p:clrMapOvr>
+    <a:masterClrMapping/>
+  </p:clrMapOvr>
+</p:sld>
+</file>
+
+<file path=ppt/slides/slide15.xml><?xml version="1.0" encoding="utf-8"?>
+<p:sld xmlns:a="http://schemas.openxmlformats.org/drawingml/2006/main" xmlns:r="http://schemas.openxmlformats.org/officeDocument/2006/relationships" xmlns:p="http://schemas.openxmlformats.org/presentationml/2006/main">
+  <p:cSld>
+    <p:spTree>
+      <p:nvGrpSpPr>
+        <p:cNvPr id="1" name=""/>
+        <p:cNvGrpSpPr/>
+        <p:nvPr/>
+      </p:nvGrpSpPr>
+      <p:grpSpPr>
+        <a:xfrm>
+          <a:off x="0" y="0"/>
+          <a:ext cx="0" cy="0"/>
+          <a:chOff x="0" y="0"/>
+          <a:chExt cx="0" cy="0"/>
+        </a:xfrm>
+      </p:grpSpPr>
+      <p:sp>
+        <p:nvSpPr>
+          <p:cNvPr id="2" name="Title 1">
+            <a:extLst>
+              <a:ext uri="{FF2B5EF4-FFF2-40B4-BE49-F238E27FC236}">
                 <a16:creationId xmlns:a16="http://schemas.microsoft.com/office/drawing/2014/main" id="{C93D4E3B-BFDB-7C5B-F10D-5BA5B3D9ABE1}"/>
               </a:ext>
             </a:extLst>
@@ -4537,7 +4651,7 @@
 </p:sld>
 </file>
 
-<file path=ppt/slides/slide9.xml><?xml version="1.0" encoding="utf-8"?>
+<file path=ppt/slides/slide16.xml><?xml version="1.0" encoding="utf-8"?>
 <p:sld xmlns:a="http://schemas.openxmlformats.org/drawingml/2006/main" xmlns:r="http://schemas.openxmlformats.org/officeDocument/2006/relationships" xmlns:p="http://schemas.openxmlformats.org/presentationml/2006/main">
   <p:cSld>
     <p:spTree>
@@ -4616,6 +4730,2266 @@
     <p:extLst>
       <p:ext uri="{BB962C8B-B14F-4D97-AF65-F5344CB8AC3E}">
         <p14:creationId xmlns:p14="http://schemas.microsoft.com/office/powerpoint/2010/main" val="3676829541"/>
+      </p:ext>
+    </p:extLst>
+  </p:cSld>
+  <p:clrMapOvr>
+    <a:masterClrMapping/>
+  </p:clrMapOvr>
+</p:sld>
+</file>
+
+<file path=ppt/slides/slide17.xml><?xml version="1.0" encoding="utf-8"?>
+<p:sld xmlns:a="http://schemas.openxmlformats.org/drawingml/2006/main" xmlns:r="http://schemas.openxmlformats.org/officeDocument/2006/relationships" xmlns:p="http://schemas.openxmlformats.org/presentationml/2006/main">
+  <p:cSld>
+    <p:spTree>
+      <p:nvGrpSpPr>
+        <p:cNvPr id="1" name=""/>
+        <p:cNvGrpSpPr/>
+        <p:nvPr/>
+      </p:nvGrpSpPr>
+      <p:grpSpPr>
+        <a:xfrm>
+          <a:off x="0" y="0"/>
+          <a:ext cx="0" cy="0"/>
+          <a:chOff x="0" y="0"/>
+          <a:chExt cx="0" cy="0"/>
+        </a:xfrm>
+      </p:grpSpPr>
+      <p:sp>
+        <p:nvSpPr>
+          <p:cNvPr id="2" name="Title 1">
+            <a:extLst>
+              <a:ext uri="{FF2B5EF4-FFF2-40B4-BE49-F238E27FC236}">
+                <a16:creationId xmlns:a16="http://schemas.microsoft.com/office/drawing/2014/main" id="{078ED12A-DD65-B922-2C34-E72F647028D3}"/>
+              </a:ext>
+            </a:extLst>
+          </p:cNvPr>
+          <p:cNvSpPr>
+            <a:spLocks noGrp="1"/>
+          </p:cNvSpPr>
+          <p:nvPr>
+            <p:ph type="title"/>
+          </p:nvPr>
+        </p:nvSpPr>
+        <p:spPr/>
+        <p:txBody>
+          <a:bodyPr/>
+          <a:lstStyle/>
+          <a:p>
+            <a:r>
+              <a:rPr lang="en-US" dirty="0"/>
+              <a:t>Tags</a:t>
+            </a:r>
+          </a:p>
+        </p:txBody>
+      </p:sp>
+      <p:pic>
+        <p:nvPicPr>
+          <p:cNvPr id="4" name="Picture 3">
+            <a:extLst>
+              <a:ext uri="{FF2B5EF4-FFF2-40B4-BE49-F238E27FC236}">
+                <a16:creationId xmlns:a16="http://schemas.microsoft.com/office/drawing/2014/main" id="{C42ADA82-DB63-C230-D29E-C53441269D2F}"/>
+              </a:ext>
+            </a:extLst>
+          </p:cNvPr>
+          <p:cNvPicPr>
+            <a:picLocks noChangeAspect="1"/>
+          </p:cNvPicPr>
+          <p:nvPr/>
+        </p:nvPicPr>
+        <p:blipFill>
+          <a:blip r:embed="rId2"/>
+          <a:stretch>
+            <a:fillRect/>
+          </a:stretch>
+        </p:blipFill>
+        <p:spPr>
+          <a:xfrm>
+            <a:off x="3226067" y="2278115"/>
+            <a:ext cx="5739866" cy="4295709"/>
+          </a:xfrm>
+          <a:prstGeom prst="rect">
+            <a:avLst/>
+          </a:prstGeom>
+        </p:spPr>
+      </p:pic>
+    </p:spTree>
+    <p:extLst>
+      <p:ext uri="{BB962C8B-B14F-4D97-AF65-F5344CB8AC3E}">
+        <p14:creationId xmlns:p14="http://schemas.microsoft.com/office/powerpoint/2010/main" val="4016275256"/>
+      </p:ext>
+    </p:extLst>
+  </p:cSld>
+  <p:clrMapOvr>
+    <a:masterClrMapping/>
+  </p:clrMapOvr>
+</p:sld>
+</file>
+
+<file path=ppt/slides/slide18.xml><?xml version="1.0" encoding="utf-8"?>
+<p:sld xmlns:a="http://schemas.openxmlformats.org/drawingml/2006/main" xmlns:r="http://schemas.openxmlformats.org/officeDocument/2006/relationships" xmlns:p="http://schemas.openxmlformats.org/presentationml/2006/main">
+  <p:cSld>
+    <p:spTree>
+      <p:nvGrpSpPr>
+        <p:cNvPr id="1" name=""/>
+        <p:cNvGrpSpPr/>
+        <p:nvPr/>
+      </p:nvGrpSpPr>
+      <p:grpSpPr>
+        <a:xfrm>
+          <a:off x="0" y="0"/>
+          <a:ext cx="0" cy="0"/>
+          <a:chOff x="0" y="0"/>
+          <a:chExt cx="0" cy="0"/>
+        </a:xfrm>
+      </p:grpSpPr>
+      <p:sp>
+        <p:nvSpPr>
+          <p:cNvPr id="2" name="Title 1">
+            <a:extLst>
+              <a:ext uri="{FF2B5EF4-FFF2-40B4-BE49-F238E27FC236}">
+                <a16:creationId xmlns:a16="http://schemas.microsoft.com/office/drawing/2014/main" id="{7D954C4D-091E-335D-CD8B-6B78AFB6C7CB}"/>
+              </a:ext>
+            </a:extLst>
+          </p:cNvPr>
+          <p:cNvSpPr>
+            <a:spLocks noGrp="1"/>
+          </p:cNvSpPr>
+          <p:nvPr>
+            <p:ph type="title"/>
+          </p:nvPr>
+        </p:nvSpPr>
+        <p:spPr/>
+        <p:txBody>
+          <a:bodyPr/>
+          <a:lstStyle/>
+          <a:p>
+            <a:r>
+              <a:rPr lang="en-US" dirty="0"/>
+              <a:t>Example and explain</a:t>
+            </a:r>
+          </a:p>
+        </p:txBody>
+      </p:sp>
+      <p:pic>
+        <p:nvPicPr>
+          <p:cNvPr id="5" name="Content Placeholder 4">
+            <a:extLst>
+              <a:ext uri="{FF2B5EF4-FFF2-40B4-BE49-F238E27FC236}">
+                <a16:creationId xmlns:a16="http://schemas.microsoft.com/office/drawing/2014/main" id="{EC25FA02-C7F9-4BA4-515E-52DF766F00BA}"/>
+              </a:ext>
+            </a:extLst>
+          </p:cNvPr>
+          <p:cNvPicPr>
+            <a:picLocks noGrp="1" noChangeAspect="1"/>
+          </p:cNvPicPr>
+          <p:nvPr>
+            <p:ph idx="1"/>
+          </p:nvPr>
+        </p:nvPicPr>
+        <p:blipFill>
+          <a:blip r:embed="rId2"/>
+          <a:stretch>
+            <a:fillRect/>
+          </a:stretch>
+        </p:blipFill>
+        <p:spPr>
+          <a:xfrm>
+            <a:off x="2131312" y="2139563"/>
+            <a:ext cx="7929375" cy="4434261"/>
+          </a:xfrm>
+        </p:spPr>
+      </p:pic>
+    </p:spTree>
+    <p:extLst>
+      <p:ext uri="{BB962C8B-B14F-4D97-AF65-F5344CB8AC3E}">
+        <p14:creationId xmlns:p14="http://schemas.microsoft.com/office/powerpoint/2010/main" val="2859101963"/>
+      </p:ext>
+    </p:extLst>
+  </p:cSld>
+  <p:clrMapOvr>
+    <a:masterClrMapping/>
+  </p:clrMapOvr>
+</p:sld>
+</file>
+
+<file path=ppt/slides/slide19.xml><?xml version="1.0" encoding="utf-8"?>
+<p:sld xmlns:a="http://schemas.openxmlformats.org/drawingml/2006/main" xmlns:r="http://schemas.openxmlformats.org/officeDocument/2006/relationships" xmlns:p="http://schemas.openxmlformats.org/presentationml/2006/main">
+  <p:cSld>
+    <p:spTree>
+      <p:nvGrpSpPr>
+        <p:cNvPr id="1" name=""/>
+        <p:cNvGrpSpPr/>
+        <p:nvPr/>
+      </p:nvGrpSpPr>
+      <p:grpSpPr>
+        <a:xfrm>
+          <a:off x="0" y="0"/>
+          <a:ext cx="0" cy="0"/>
+          <a:chOff x="0" y="0"/>
+          <a:chExt cx="0" cy="0"/>
+        </a:xfrm>
+      </p:grpSpPr>
+      <p:sp>
+        <p:nvSpPr>
+          <p:cNvPr id="2" name="Title 1">
+            <a:extLst>
+              <a:ext uri="{FF2B5EF4-FFF2-40B4-BE49-F238E27FC236}">
+                <a16:creationId xmlns:a16="http://schemas.microsoft.com/office/drawing/2014/main" id="{23FF7EEE-961E-2850-109E-C62EA6F0746C}"/>
+              </a:ext>
+            </a:extLst>
+          </p:cNvPr>
+          <p:cNvSpPr>
+            <a:spLocks noGrp="1"/>
+          </p:cNvSpPr>
+          <p:nvPr>
+            <p:ph type="title"/>
+          </p:nvPr>
+        </p:nvSpPr>
+        <p:spPr/>
+        <p:txBody>
+          <a:bodyPr/>
+          <a:lstStyle/>
+          <a:p>
+            <a:r>
+              <a:rPr lang="en-US" dirty="0"/>
+              <a:t>Images!</a:t>
+            </a:r>
+          </a:p>
+        </p:txBody>
+      </p:sp>
+      <p:sp>
+        <p:nvSpPr>
+          <p:cNvPr id="3" name="Content Placeholder 2">
+            <a:extLst>
+              <a:ext uri="{FF2B5EF4-FFF2-40B4-BE49-F238E27FC236}">
+                <a16:creationId xmlns:a16="http://schemas.microsoft.com/office/drawing/2014/main" id="{58CF3B5F-C10D-D7D7-EE49-3E93C3FFE4F8}"/>
+              </a:ext>
+            </a:extLst>
+          </p:cNvPr>
+          <p:cNvSpPr>
+            <a:spLocks noGrp="1"/>
+          </p:cNvSpPr>
+          <p:nvPr>
+            <p:ph idx="1"/>
+          </p:nvPr>
+        </p:nvSpPr>
+        <p:spPr/>
+        <p:txBody>
+          <a:bodyPr/>
+          <a:lstStyle/>
+          <a:p>
+            <a:r>
+              <a:rPr lang="en-US" dirty="0">
+                <a:hlinkClick r:id="rId2"/>
+              </a:rPr>
+              <a:t>Beautiful Free Images &amp; Pictures | </a:t>
+            </a:r>
+            <a:r>
+              <a:rPr lang="en-US" dirty="0" err="1">
+                <a:hlinkClick r:id="rId2"/>
+              </a:rPr>
+              <a:t>Unsplash</a:t>
+            </a:r>
+            <a:endParaRPr lang="en-US" dirty="0"/>
+          </a:p>
+        </p:txBody>
+      </p:sp>
+      <p:pic>
+        <p:nvPicPr>
+          <p:cNvPr id="5" name="Picture 4">
+            <a:extLst>
+              <a:ext uri="{FF2B5EF4-FFF2-40B4-BE49-F238E27FC236}">
+                <a16:creationId xmlns:a16="http://schemas.microsoft.com/office/drawing/2014/main" id="{C7B69D89-182E-0A8B-7424-78B4E08DE4B2}"/>
+              </a:ext>
+            </a:extLst>
+          </p:cNvPr>
+          <p:cNvPicPr>
+            <a:picLocks noChangeAspect="1"/>
+          </p:cNvPicPr>
+          <p:nvPr/>
+        </p:nvPicPr>
+        <p:blipFill>
+          <a:blip r:embed="rId3"/>
+          <a:stretch>
+            <a:fillRect/>
+          </a:stretch>
+        </p:blipFill>
+        <p:spPr>
+          <a:xfrm>
+            <a:off x="1997169" y="2569920"/>
+            <a:ext cx="8195580" cy="3866744"/>
+          </a:xfrm>
+          <a:prstGeom prst="rect">
+            <a:avLst/>
+          </a:prstGeom>
+        </p:spPr>
+      </p:pic>
+    </p:spTree>
+    <p:extLst>
+      <p:ext uri="{BB962C8B-B14F-4D97-AF65-F5344CB8AC3E}">
+        <p14:creationId xmlns:p14="http://schemas.microsoft.com/office/powerpoint/2010/main" val="2922550026"/>
+      </p:ext>
+    </p:extLst>
+  </p:cSld>
+  <p:clrMapOvr>
+    <a:masterClrMapping/>
+  </p:clrMapOvr>
+</p:sld>
+</file>
+
+<file path=ppt/slides/slide2.xml><?xml version="1.0" encoding="utf-8"?>
+<p:sld xmlns:a="http://schemas.openxmlformats.org/drawingml/2006/main" xmlns:r="http://schemas.openxmlformats.org/officeDocument/2006/relationships" xmlns:p="http://schemas.openxmlformats.org/presentationml/2006/main">
+  <p:cSld>
+    <p:spTree>
+      <p:nvGrpSpPr>
+        <p:cNvPr id="1" name=""/>
+        <p:cNvGrpSpPr/>
+        <p:nvPr/>
+      </p:nvGrpSpPr>
+      <p:grpSpPr>
+        <a:xfrm>
+          <a:off x="0" y="0"/>
+          <a:ext cx="0" cy="0"/>
+          <a:chOff x="0" y="0"/>
+          <a:chExt cx="0" cy="0"/>
+        </a:xfrm>
+      </p:grpSpPr>
+      <p:sp>
+        <p:nvSpPr>
+          <p:cNvPr id="2" name="Title 1">
+            <a:extLst>
+              <a:ext uri="{FF2B5EF4-FFF2-40B4-BE49-F238E27FC236}">
+                <a16:creationId xmlns:a16="http://schemas.microsoft.com/office/drawing/2014/main" id="{2DA79951-EBE0-EFD7-A672-270960E7FCA0}"/>
+              </a:ext>
+            </a:extLst>
+          </p:cNvPr>
+          <p:cNvSpPr>
+            <a:spLocks noGrp="1"/>
+          </p:cNvSpPr>
+          <p:nvPr>
+            <p:ph type="title"/>
+          </p:nvPr>
+        </p:nvSpPr>
+        <p:spPr/>
+        <p:txBody>
+          <a:bodyPr/>
+          <a:lstStyle/>
+          <a:p>
+            <a:r>
+              <a:rPr lang="en-US" dirty="0"/>
+              <a:t>Danger!</a:t>
+            </a:r>
+          </a:p>
+        </p:txBody>
+      </p:sp>
+      <p:pic>
+        <p:nvPicPr>
+          <p:cNvPr id="4098" name="Picture 2" descr="4 Reasons Why Working From Home Can be Unproductive | Corporate Suites">
+            <a:extLst>
+              <a:ext uri="{FF2B5EF4-FFF2-40B4-BE49-F238E27FC236}">
+                <a16:creationId xmlns:a16="http://schemas.microsoft.com/office/drawing/2014/main" id="{84773B6F-4C53-DDFA-1704-49CD66CF322F}"/>
+              </a:ext>
+            </a:extLst>
+          </p:cNvPr>
+          <p:cNvPicPr>
+            <a:picLocks noGrp="1" noChangeAspect="1" noChangeArrowheads="1"/>
+          </p:cNvPicPr>
+          <p:nvPr>
+            <p:ph idx="1"/>
+          </p:nvPr>
+        </p:nvPicPr>
+        <p:blipFill>
+          <a:blip r:embed="rId2">
+            <a:extLst>
+              <a:ext uri="{28A0092B-C50C-407E-A947-70E740481C1C}">
+                <a14:useLocalDpi xmlns:a14="http://schemas.microsoft.com/office/drawing/2010/main" val="0"/>
+              </a:ext>
+            </a:extLst>
+          </a:blip>
+          <a:srcRect/>
+          <a:stretch>
+            <a:fillRect/>
+          </a:stretch>
+        </p:blipFill>
+        <p:spPr bwMode="auto">
+          <a:xfrm>
+            <a:off x="3230981" y="2379509"/>
+            <a:ext cx="5730038" cy="3802049"/>
+          </a:xfrm>
+          <a:prstGeom prst="rect">
+            <a:avLst/>
+          </a:prstGeom>
+          <a:noFill/>
+          <a:extLst>
+            <a:ext uri="{909E8E84-426E-40DD-AFC4-6F175D3DCCD1}">
+              <a14:hiddenFill xmlns:a14="http://schemas.microsoft.com/office/drawing/2010/main">
+                <a:solidFill>
+                  <a:srgbClr val="FFFFFF"/>
+                </a:solidFill>
+              </a14:hiddenFill>
+            </a:ext>
+          </a:extLst>
+        </p:spPr>
+      </p:pic>
+    </p:spTree>
+    <p:extLst>
+      <p:ext uri="{BB962C8B-B14F-4D97-AF65-F5344CB8AC3E}">
+        <p14:creationId xmlns:p14="http://schemas.microsoft.com/office/powerpoint/2010/main" val="4291740879"/>
+      </p:ext>
+    </p:extLst>
+  </p:cSld>
+  <p:clrMapOvr>
+    <a:masterClrMapping/>
+  </p:clrMapOvr>
+</p:sld>
+</file>
+
+<file path=ppt/slides/slide20.xml><?xml version="1.0" encoding="utf-8"?>
+<p:sld xmlns:a="http://schemas.openxmlformats.org/drawingml/2006/main" xmlns:r="http://schemas.openxmlformats.org/officeDocument/2006/relationships" xmlns:p="http://schemas.openxmlformats.org/presentationml/2006/main">
+  <p:cSld>
+    <p:spTree>
+      <p:nvGrpSpPr>
+        <p:cNvPr id="1" name=""/>
+        <p:cNvGrpSpPr/>
+        <p:nvPr/>
+      </p:nvGrpSpPr>
+      <p:grpSpPr>
+        <a:xfrm>
+          <a:off x="0" y="0"/>
+          <a:ext cx="0" cy="0"/>
+          <a:chOff x="0" y="0"/>
+          <a:chExt cx="0" cy="0"/>
+        </a:xfrm>
+      </p:grpSpPr>
+      <p:sp>
+        <p:nvSpPr>
+          <p:cNvPr id="2" name="Title 1">
+            <a:extLst>
+              <a:ext uri="{FF2B5EF4-FFF2-40B4-BE49-F238E27FC236}">
+                <a16:creationId xmlns:a16="http://schemas.microsoft.com/office/drawing/2014/main" id="{017161EF-9A44-56FB-7165-3CED5AF4542D}"/>
+              </a:ext>
+            </a:extLst>
+          </p:cNvPr>
+          <p:cNvSpPr>
+            <a:spLocks noGrp="1"/>
+          </p:cNvSpPr>
+          <p:nvPr>
+            <p:ph type="title"/>
+          </p:nvPr>
+        </p:nvSpPr>
+        <p:spPr>
+          <a:xfrm>
+            <a:off x="838200" y="2014146"/>
+            <a:ext cx="10515600" cy="1676400"/>
+          </a:xfrm>
+        </p:spPr>
+        <p:txBody>
+          <a:bodyPr/>
+          <a:lstStyle/>
+          <a:p>
+            <a:pPr>
+              <a:lnSpc>
+                <a:spcPct val="200000"/>
+              </a:lnSpc>
+            </a:pPr>
+            <a:r>
+              <a:rPr lang="en-US" sz="2400" b="0" i="0" dirty="0">
+                <a:effectLst/>
+                <a:latin typeface="Arial" panose="020B0604020202020204" pitchFamily="34" charset="0"/>
+              </a:rPr>
+              <a:t>&lt;DIV&gt;How do you annoy a web developer?&lt;/SPAN&gt;</a:t>
+            </a:r>
+            <a:endParaRPr lang="en-US" sz="2400" dirty="0"/>
+          </a:p>
+        </p:txBody>
+      </p:sp>
+    </p:spTree>
+    <p:extLst>
+      <p:ext uri="{BB962C8B-B14F-4D97-AF65-F5344CB8AC3E}">
+        <p14:creationId xmlns:p14="http://schemas.microsoft.com/office/powerpoint/2010/main" val="3341279000"/>
+      </p:ext>
+    </p:extLst>
+  </p:cSld>
+  <p:clrMapOvr>
+    <a:masterClrMapping/>
+  </p:clrMapOvr>
+</p:sld>
+</file>
+
+<file path=ppt/slides/slide3.xml><?xml version="1.0" encoding="utf-8"?>
+<p:sld xmlns:a="http://schemas.openxmlformats.org/drawingml/2006/main" xmlns:r="http://schemas.openxmlformats.org/officeDocument/2006/relationships" xmlns:p="http://schemas.openxmlformats.org/presentationml/2006/main">
+  <p:cSld>
+    <p:spTree>
+      <p:nvGrpSpPr>
+        <p:cNvPr id="1" name=""/>
+        <p:cNvGrpSpPr/>
+        <p:nvPr/>
+      </p:nvGrpSpPr>
+      <p:grpSpPr>
+        <a:xfrm>
+          <a:off x="0" y="0"/>
+          <a:ext cx="0" cy="0"/>
+          <a:chOff x="0" y="0"/>
+          <a:chExt cx="0" cy="0"/>
+        </a:xfrm>
+      </p:grpSpPr>
+      <p:sp>
+        <p:nvSpPr>
+          <p:cNvPr id="2" name="Title 1">
+            <a:extLst>
+              <a:ext uri="{FF2B5EF4-FFF2-40B4-BE49-F238E27FC236}">
+                <a16:creationId xmlns:a16="http://schemas.microsoft.com/office/drawing/2014/main" id="{CAB4E120-196E-F043-6033-A5C63BBC6BAF}"/>
+              </a:ext>
+            </a:extLst>
+          </p:cNvPr>
+          <p:cNvSpPr>
+            <a:spLocks noGrp="1"/>
+          </p:cNvSpPr>
+          <p:nvPr>
+            <p:ph type="title"/>
+          </p:nvPr>
+        </p:nvSpPr>
+        <p:spPr/>
+        <p:txBody>
+          <a:bodyPr/>
+          <a:lstStyle/>
+          <a:p>
+            <a:r>
+              <a:rPr lang="en-US" dirty="0"/>
+              <a:t>Html, </a:t>
+            </a:r>
+            <a:r>
+              <a:rPr lang="en-US" dirty="0" err="1"/>
+              <a:t>css</a:t>
+            </a:r>
+            <a:r>
+              <a:rPr lang="en-US" dirty="0"/>
+              <a:t>, </a:t>
+            </a:r>
+            <a:r>
+              <a:rPr lang="en-US" dirty="0" err="1"/>
+              <a:t>js</a:t>
+            </a:r>
+            <a:endParaRPr lang="en-US" dirty="0"/>
+          </a:p>
+        </p:txBody>
+      </p:sp>
+      <p:pic>
+        <p:nvPicPr>
+          <p:cNvPr id="1028" name="Picture 4" descr="The Building Blocks of Web Development: HTML, CSS, and JavaScript">
+            <a:extLst>
+              <a:ext uri="{FF2B5EF4-FFF2-40B4-BE49-F238E27FC236}">
+                <a16:creationId xmlns:a16="http://schemas.microsoft.com/office/drawing/2014/main" id="{26DD3754-2E9B-3D49-AE3D-2995BBB9FBF4}"/>
+              </a:ext>
+            </a:extLst>
+          </p:cNvPr>
+          <p:cNvPicPr>
+            <a:picLocks noChangeAspect="1" noChangeArrowheads="1"/>
+          </p:cNvPicPr>
+          <p:nvPr/>
+        </p:nvPicPr>
+        <p:blipFill>
+          <a:blip r:embed="rId2">
+            <a:extLst>
+              <a:ext uri="{28A0092B-C50C-407E-A947-70E740481C1C}">
+                <a14:useLocalDpi xmlns:a14="http://schemas.microsoft.com/office/drawing/2010/main" val="0"/>
+              </a:ext>
+            </a:extLst>
+          </a:blip>
+          <a:srcRect/>
+          <a:stretch>
+            <a:fillRect/>
+          </a:stretch>
+        </p:blipFill>
+        <p:spPr bwMode="auto">
+          <a:xfrm>
+            <a:off x="3808448" y="2277533"/>
+            <a:ext cx="4575104" cy="4368800"/>
+          </a:xfrm>
+          <a:prstGeom prst="rect">
+            <a:avLst/>
+          </a:prstGeom>
+          <a:noFill/>
+          <a:extLst>
+            <a:ext uri="{909E8E84-426E-40DD-AFC4-6F175D3DCCD1}">
+              <a14:hiddenFill xmlns:a14="http://schemas.microsoft.com/office/drawing/2010/main">
+                <a:solidFill>
+                  <a:srgbClr val="FFFFFF"/>
+                </a:solidFill>
+              </a14:hiddenFill>
+            </a:ext>
+          </a:extLst>
+        </p:spPr>
+      </p:pic>
+    </p:spTree>
+    <p:extLst>
+      <p:ext uri="{BB962C8B-B14F-4D97-AF65-F5344CB8AC3E}">
+        <p14:creationId xmlns:p14="http://schemas.microsoft.com/office/powerpoint/2010/main" val="2056817278"/>
+      </p:ext>
+    </p:extLst>
+  </p:cSld>
+  <p:clrMapOvr>
+    <a:masterClrMapping/>
+  </p:clrMapOvr>
+</p:sld>
+</file>
+
+<file path=ppt/slides/slide4.xml><?xml version="1.0" encoding="utf-8"?>
+<p:sld xmlns:a="http://schemas.openxmlformats.org/drawingml/2006/main" xmlns:r="http://schemas.openxmlformats.org/officeDocument/2006/relationships" xmlns:p="http://schemas.openxmlformats.org/presentationml/2006/main">
+  <p:cSld>
+    <p:spTree>
+      <p:nvGrpSpPr>
+        <p:cNvPr id="1" name=""/>
+        <p:cNvGrpSpPr/>
+        <p:nvPr/>
+      </p:nvGrpSpPr>
+      <p:grpSpPr>
+        <a:xfrm>
+          <a:off x="0" y="0"/>
+          <a:ext cx="0" cy="0"/>
+          <a:chOff x="0" y="0"/>
+          <a:chExt cx="0" cy="0"/>
+        </a:xfrm>
+      </p:grpSpPr>
+      <p:sp>
+        <p:nvSpPr>
+          <p:cNvPr id="2" name="Title 1">
+            <a:extLst>
+              <a:ext uri="{FF2B5EF4-FFF2-40B4-BE49-F238E27FC236}">
+                <a16:creationId xmlns:a16="http://schemas.microsoft.com/office/drawing/2014/main" id="{AF961286-C445-4223-6F71-5C1F78F040BC}"/>
+              </a:ext>
+            </a:extLst>
+          </p:cNvPr>
+          <p:cNvSpPr>
+            <a:spLocks noGrp="1"/>
+          </p:cNvSpPr>
+          <p:nvPr>
+            <p:ph type="title"/>
+          </p:nvPr>
+        </p:nvSpPr>
+        <p:spPr>
+          <a:xfrm>
+            <a:off x="1143652" y="597442"/>
+            <a:ext cx="6106557" cy="950833"/>
+          </a:xfrm>
+        </p:spPr>
+        <p:txBody>
+          <a:bodyPr/>
+          <a:lstStyle/>
+          <a:p>
+            <a:r>
+              <a:rPr lang="en-US" dirty="0"/>
+              <a:t>Js frameworks</a:t>
+            </a:r>
+          </a:p>
+        </p:txBody>
+      </p:sp>
+      <p:pic>
+        <p:nvPicPr>
+          <p:cNvPr id="2050" name="Picture 2" descr="Angular vs Vue vs React: Choose the best framework">
+            <a:extLst>
+              <a:ext uri="{FF2B5EF4-FFF2-40B4-BE49-F238E27FC236}">
+                <a16:creationId xmlns:a16="http://schemas.microsoft.com/office/drawing/2014/main" id="{98AB50B3-2980-DDF3-0053-37C3650BA67C}"/>
+              </a:ext>
+            </a:extLst>
+          </p:cNvPr>
+          <p:cNvPicPr>
+            <a:picLocks noChangeAspect="1" noChangeArrowheads="1"/>
+          </p:cNvPicPr>
+          <p:nvPr/>
+        </p:nvPicPr>
+        <p:blipFill>
+          <a:blip r:embed="rId2">
+            <a:extLst>
+              <a:ext uri="{28A0092B-C50C-407E-A947-70E740481C1C}">
+                <a14:useLocalDpi xmlns:a14="http://schemas.microsoft.com/office/drawing/2010/main" val="0"/>
+              </a:ext>
+            </a:extLst>
+          </a:blip>
+          <a:srcRect/>
+          <a:stretch>
+            <a:fillRect/>
+          </a:stretch>
+        </p:blipFill>
+        <p:spPr bwMode="auto">
+          <a:xfrm>
+            <a:off x="3022600" y="2777066"/>
+            <a:ext cx="6146800" cy="3073400"/>
+          </a:xfrm>
+          <a:prstGeom prst="rect">
+            <a:avLst/>
+          </a:prstGeom>
+          <a:noFill/>
+          <a:extLst>
+            <a:ext uri="{909E8E84-426E-40DD-AFC4-6F175D3DCCD1}">
+              <a14:hiddenFill xmlns:a14="http://schemas.microsoft.com/office/drawing/2010/main">
+                <a:solidFill>
+                  <a:srgbClr val="FFFFFF"/>
+                </a:solidFill>
+              </a14:hiddenFill>
+            </a:ext>
+          </a:extLst>
+        </p:spPr>
+      </p:pic>
+    </p:spTree>
+    <p:extLst>
+      <p:ext uri="{BB962C8B-B14F-4D97-AF65-F5344CB8AC3E}">
+        <p14:creationId xmlns:p14="http://schemas.microsoft.com/office/powerpoint/2010/main" val="3791541393"/>
+      </p:ext>
+    </p:extLst>
+  </p:cSld>
+  <p:clrMapOvr>
+    <a:masterClrMapping/>
+  </p:clrMapOvr>
+</p:sld>
+</file>
+
+<file path=ppt/slides/slide5.xml><?xml version="1.0" encoding="utf-8"?>
+<p:sld xmlns:a="http://schemas.openxmlformats.org/drawingml/2006/main" xmlns:r="http://schemas.openxmlformats.org/officeDocument/2006/relationships" xmlns:p="http://schemas.openxmlformats.org/presentationml/2006/main">
+  <p:cSld>
+    <p:spTree>
+      <p:nvGrpSpPr>
+        <p:cNvPr id="1" name=""/>
+        <p:cNvGrpSpPr/>
+        <p:nvPr/>
+      </p:nvGrpSpPr>
+      <p:grpSpPr>
+        <a:xfrm>
+          <a:off x="0" y="0"/>
+          <a:ext cx="0" cy="0"/>
+          <a:chOff x="0" y="0"/>
+          <a:chExt cx="0" cy="0"/>
+        </a:xfrm>
+      </p:grpSpPr>
+      <p:sp>
+        <p:nvSpPr>
+          <p:cNvPr id="2" name="Title 1">
+            <a:extLst>
+              <a:ext uri="{FF2B5EF4-FFF2-40B4-BE49-F238E27FC236}">
+                <a16:creationId xmlns:a16="http://schemas.microsoft.com/office/drawing/2014/main" id="{E1075926-02AE-DFD6-11A4-50FE2D6B5F58}"/>
+              </a:ext>
+            </a:extLst>
+          </p:cNvPr>
+          <p:cNvSpPr>
+            <a:spLocks noGrp="1"/>
+          </p:cNvSpPr>
+          <p:nvPr>
+            <p:ph type="title"/>
+          </p:nvPr>
+        </p:nvSpPr>
+        <p:spPr/>
+        <p:txBody>
+          <a:bodyPr/>
+          <a:lstStyle/>
+          <a:p>
+            <a:r>
+              <a:rPr lang="en-US" dirty="0"/>
+              <a:t>URL</a:t>
+            </a:r>
+          </a:p>
+        </p:txBody>
+      </p:sp>
+      <p:pic>
+        <p:nvPicPr>
+          <p:cNvPr id="6" name="Picture 5">
+            <a:extLst>
+              <a:ext uri="{FF2B5EF4-FFF2-40B4-BE49-F238E27FC236}">
+                <a16:creationId xmlns:a16="http://schemas.microsoft.com/office/drawing/2014/main" id="{69B0A640-9567-E94A-B8CB-E1D9C71BF669}"/>
+              </a:ext>
+            </a:extLst>
+          </p:cNvPr>
+          <p:cNvPicPr>
+            <a:picLocks noChangeAspect="1"/>
+          </p:cNvPicPr>
+          <p:nvPr/>
+        </p:nvPicPr>
+        <p:blipFill>
+          <a:blip r:embed="rId2"/>
+          <a:stretch>
+            <a:fillRect/>
+          </a:stretch>
+        </p:blipFill>
+        <p:spPr>
+          <a:xfrm>
+            <a:off x="3042884" y="2338760"/>
+            <a:ext cx="6104149" cy="3619814"/>
+          </a:xfrm>
+          <a:prstGeom prst="rect">
+            <a:avLst/>
+          </a:prstGeom>
+        </p:spPr>
+      </p:pic>
+      <mc:AlternateContent xmlns:mc="http://schemas.openxmlformats.org/markup-compatibility/2006">
+        <mc:Choice xmlns:p14="http://schemas.microsoft.com/office/powerpoint/2010/main" Requires="p14">
+          <p:contentPart p14:bwMode="auto" r:id="rId3">
+            <p14:nvContentPartPr>
+              <p14:cNvPr id="8" name="Ink 7">
+                <a:extLst>
+                  <a:ext uri="{FF2B5EF4-FFF2-40B4-BE49-F238E27FC236}">
+                    <a16:creationId xmlns:a16="http://schemas.microsoft.com/office/drawing/2014/main" id="{7D6D3577-0724-DA5A-FA9F-37BE70057B0C}"/>
+                  </a:ext>
+                </a:extLst>
+              </p14:cNvPr>
+              <p14:cNvContentPartPr/>
+              <p14:nvPr/>
+            </p14:nvContentPartPr>
+            <p14:xfrm>
+              <a:off x="3382173" y="3056093"/>
+              <a:ext cx="1061640" cy="162360"/>
+            </p14:xfrm>
+          </p:contentPart>
+        </mc:Choice>
+        <mc:Fallback>
+          <p:pic>
+            <p:nvPicPr>
+              <p:cNvPr id="8" name="Ink 7">
+                <a:extLst>
+                  <a:ext uri="{FF2B5EF4-FFF2-40B4-BE49-F238E27FC236}">
+                    <a16:creationId xmlns:a16="http://schemas.microsoft.com/office/drawing/2014/main" id="{7D6D3577-0724-DA5A-FA9F-37BE70057B0C}"/>
+                  </a:ext>
+                </a:extLst>
+              </p:cNvPr>
+              <p:cNvPicPr/>
+              <p:nvPr/>
+            </p:nvPicPr>
+            <p:blipFill>
+              <a:blip r:embed="rId4"/>
+              <a:stretch>
+                <a:fillRect/>
+              </a:stretch>
+            </p:blipFill>
+            <p:spPr>
+              <a:xfrm>
+                <a:off x="3364173" y="3038093"/>
+                <a:ext cx="1097280" cy="198000"/>
+              </a:xfrm>
+              <a:prstGeom prst="rect">
+                <a:avLst/>
+              </a:prstGeom>
+            </p:spPr>
+          </p:pic>
+        </mc:Fallback>
+      </mc:AlternateContent>
+      <mc:AlternateContent xmlns:mc="http://schemas.openxmlformats.org/markup-compatibility/2006">
+        <mc:Choice xmlns:p14="http://schemas.microsoft.com/office/powerpoint/2010/main" Requires="p14">
+          <p:contentPart p14:bwMode="auto" r:id="rId5">
+            <p14:nvContentPartPr>
+              <p14:cNvPr id="9" name="Ink 8">
+                <a:extLst>
+                  <a:ext uri="{FF2B5EF4-FFF2-40B4-BE49-F238E27FC236}">
+                    <a16:creationId xmlns:a16="http://schemas.microsoft.com/office/drawing/2014/main" id="{B05566C0-AC73-A6F8-BE3D-2320EA4C542F}"/>
+                  </a:ext>
+                </a:extLst>
+              </p14:cNvPr>
+              <p14:cNvContentPartPr/>
+              <p14:nvPr/>
+            </p14:nvContentPartPr>
+            <p14:xfrm>
+              <a:off x="4838733" y="3030893"/>
+              <a:ext cx="590040" cy="168480"/>
+            </p14:xfrm>
+          </p:contentPart>
+        </mc:Choice>
+        <mc:Fallback>
+          <p:pic>
+            <p:nvPicPr>
+              <p:cNvPr id="9" name="Ink 8">
+                <a:extLst>
+                  <a:ext uri="{FF2B5EF4-FFF2-40B4-BE49-F238E27FC236}">
+                    <a16:creationId xmlns:a16="http://schemas.microsoft.com/office/drawing/2014/main" id="{B05566C0-AC73-A6F8-BE3D-2320EA4C542F}"/>
+                  </a:ext>
+                </a:extLst>
+              </p:cNvPr>
+              <p:cNvPicPr/>
+              <p:nvPr/>
+            </p:nvPicPr>
+            <p:blipFill>
+              <a:blip r:embed="rId6"/>
+              <a:stretch>
+                <a:fillRect/>
+              </a:stretch>
+            </p:blipFill>
+            <p:spPr>
+              <a:xfrm>
+                <a:off x="4821093" y="3013253"/>
+                <a:ext cx="625680" cy="204120"/>
+              </a:xfrm>
+              <a:prstGeom prst="rect">
+                <a:avLst/>
+              </a:prstGeom>
+            </p:spPr>
+          </p:pic>
+        </mc:Fallback>
+      </mc:AlternateContent>
+      <mc:AlternateContent xmlns:mc="http://schemas.openxmlformats.org/markup-compatibility/2006">
+        <mc:Choice xmlns:p14="http://schemas.microsoft.com/office/powerpoint/2010/main" Requires="p14">
+          <p:contentPart p14:bwMode="auto" r:id="rId7">
+            <p14:nvContentPartPr>
+              <p14:cNvPr id="10" name="Ink 9">
+                <a:extLst>
+                  <a:ext uri="{FF2B5EF4-FFF2-40B4-BE49-F238E27FC236}">
+                    <a16:creationId xmlns:a16="http://schemas.microsoft.com/office/drawing/2014/main" id="{CB6DCF31-AFF2-5A24-1935-AAB344F3764F}"/>
+                  </a:ext>
+                </a:extLst>
+              </p14:cNvPr>
+              <p14:cNvContentPartPr/>
+              <p14:nvPr/>
+            </p14:nvContentPartPr>
+            <p14:xfrm>
+              <a:off x="5833053" y="3013253"/>
+              <a:ext cx="611280" cy="229680"/>
+            </p14:xfrm>
+          </p:contentPart>
+        </mc:Choice>
+        <mc:Fallback>
+          <p:pic>
+            <p:nvPicPr>
+              <p:cNvPr id="10" name="Ink 9">
+                <a:extLst>
+                  <a:ext uri="{FF2B5EF4-FFF2-40B4-BE49-F238E27FC236}">
+                    <a16:creationId xmlns:a16="http://schemas.microsoft.com/office/drawing/2014/main" id="{CB6DCF31-AFF2-5A24-1935-AAB344F3764F}"/>
+                  </a:ext>
+                </a:extLst>
+              </p:cNvPr>
+              <p:cNvPicPr/>
+              <p:nvPr/>
+            </p:nvPicPr>
+            <p:blipFill>
+              <a:blip r:embed="rId8"/>
+              <a:stretch>
+                <a:fillRect/>
+              </a:stretch>
+            </p:blipFill>
+            <p:spPr>
+              <a:xfrm>
+                <a:off x="5815413" y="2995613"/>
+                <a:ext cx="646920" cy="265320"/>
+              </a:xfrm>
+              <a:prstGeom prst="rect">
+                <a:avLst/>
+              </a:prstGeom>
+            </p:spPr>
+          </p:pic>
+        </mc:Fallback>
+      </mc:AlternateContent>
+      <mc:AlternateContent xmlns:mc="http://schemas.openxmlformats.org/markup-compatibility/2006">
+        <mc:Choice xmlns:p14="http://schemas.microsoft.com/office/powerpoint/2010/main" Requires="p14">
+          <p:contentPart p14:bwMode="auto" r:id="rId9">
+            <p14:nvContentPartPr>
+              <p14:cNvPr id="11" name="Ink 10">
+                <a:extLst>
+                  <a:ext uri="{FF2B5EF4-FFF2-40B4-BE49-F238E27FC236}">
+                    <a16:creationId xmlns:a16="http://schemas.microsoft.com/office/drawing/2014/main" id="{2302F74D-BF0F-2B16-C597-17ACED14EFC5}"/>
+                  </a:ext>
+                </a:extLst>
+              </p14:cNvPr>
+              <p14:cNvContentPartPr/>
+              <p14:nvPr/>
+            </p14:nvContentPartPr>
+            <p14:xfrm>
+              <a:off x="6779133" y="3054653"/>
+              <a:ext cx="461520" cy="146160"/>
+            </p14:xfrm>
+          </p:contentPart>
+        </mc:Choice>
+        <mc:Fallback>
+          <p:pic>
+            <p:nvPicPr>
+              <p:cNvPr id="11" name="Ink 10">
+                <a:extLst>
+                  <a:ext uri="{FF2B5EF4-FFF2-40B4-BE49-F238E27FC236}">
+                    <a16:creationId xmlns:a16="http://schemas.microsoft.com/office/drawing/2014/main" id="{2302F74D-BF0F-2B16-C597-17ACED14EFC5}"/>
+                  </a:ext>
+                </a:extLst>
+              </p:cNvPr>
+              <p:cNvPicPr/>
+              <p:nvPr/>
+            </p:nvPicPr>
+            <p:blipFill>
+              <a:blip r:embed="rId10"/>
+              <a:stretch>
+                <a:fillRect/>
+              </a:stretch>
+            </p:blipFill>
+            <p:spPr>
+              <a:xfrm>
+                <a:off x="6761493" y="3036653"/>
+                <a:ext cx="497160" cy="181800"/>
+              </a:xfrm>
+              <a:prstGeom prst="rect">
+                <a:avLst/>
+              </a:prstGeom>
+            </p:spPr>
+          </p:pic>
+        </mc:Fallback>
+      </mc:AlternateContent>
+      <p:grpSp>
+        <p:nvGrpSpPr>
+          <p:cNvPr id="18" name="Group 17">
+            <a:extLst>
+              <a:ext uri="{FF2B5EF4-FFF2-40B4-BE49-F238E27FC236}">
+                <a16:creationId xmlns:a16="http://schemas.microsoft.com/office/drawing/2014/main" id="{FCE1CC0B-A0F3-C0F5-9916-89112666F418}"/>
+              </a:ext>
+            </a:extLst>
+          </p:cNvPr>
+          <p:cNvGrpSpPr/>
+          <p:nvPr/>
+        </p:nvGrpSpPr>
+        <p:grpSpPr>
+          <a:xfrm>
+            <a:off x="7622613" y="3080933"/>
+            <a:ext cx="302400" cy="89280"/>
+            <a:chOff x="7622613" y="3080933"/>
+            <a:chExt cx="302400" cy="89280"/>
+          </a:xfrm>
+        </p:grpSpPr>
+        <mc:AlternateContent xmlns:mc="http://schemas.openxmlformats.org/markup-compatibility/2006">
+          <mc:Choice xmlns:p14="http://schemas.microsoft.com/office/powerpoint/2010/main" Requires="p14">
+            <p:contentPart p14:bwMode="auto" r:id="rId11">
+              <p14:nvContentPartPr>
+                <p14:cNvPr id="16" name="Ink 15">
+                  <a:extLst>
+                    <a:ext uri="{FF2B5EF4-FFF2-40B4-BE49-F238E27FC236}">
+                      <a16:creationId xmlns:a16="http://schemas.microsoft.com/office/drawing/2014/main" id="{0C1C8817-07E1-304C-C66E-4DD79D94C59F}"/>
+                    </a:ext>
+                  </a:extLst>
+                </p14:cNvPr>
+                <p14:cNvContentPartPr/>
+                <p14:nvPr/>
+              </p14:nvContentPartPr>
+              <p14:xfrm>
+                <a:off x="7662933" y="3080933"/>
+                <a:ext cx="75240" cy="89280"/>
+              </p14:xfrm>
+            </p:contentPart>
+          </mc:Choice>
+          <mc:Fallback>
+            <p:pic>
+              <p:nvPicPr>
+                <p:cNvPr id="16" name="Ink 15">
+                  <a:extLst>
+                    <a:ext uri="{FF2B5EF4-FFF2-40B4-BE49-F238E27FC236}">
+                      <a16:creationId xmlns:a16="http://schemas.microsoft.com/office/drawing/2014/main" id="{0C1C8817-07E1-304C-C66E-4DD79D94C59F}"/>
+                    </a:ext>
+                  </a:extLst>
+                </p:cNvPr>
+                <p:cNvPicPr/>
+                <p:nvPr/>
+              </p:nvPicPr>
+              <p:blipFill>
+                <a:blip r:embed="rId12"/>
+                <a:stretch>
+                  <a:fillRect/>
+                </a:stretch>
+              </p:blipFill>
+              <p:spPr>
+                <a:xfrm>
+                  <a:off x="7645293" y="3062933"/>
+                  <a:ext cx="110880" cy="124920"/>
+                </a:xfrm>
+                <a:prstGeom prst="rect">
+                  <a:avLst/>
+                </a:prstGeom>
+              </p:spPr>
+            </p:pic>
+          </mc:Fallback>
+        </mc:AlternateContent>
+        <mc:AlternateContent xmlns:mc="http://schemas.openxmlformats.org/markup-compatibility/2006">
+          <mc:Choice xmlns:p14="http://schemas.microsoft.com/office/powerpoint/2010/main" Requires="p14">
+            <p:contentPart p14:bwMode="auto" r:id="rId13">
+              <p14:nvContentPartPr>
+                <p14:cNvPr id="17" name="Ink 16">
+                  <a:extLst>
+                    <a:ext uri="{FF2B5EF4-FFF2-40B4-BE49-F238E27FC236}">
+                      <a16:creationId xmlns:a16="http://schemas.microsoft.com/office/drawing/2014/main" id="{17753880-1780-6ECE-AC8D-0B77F7412D88}"/>
+                    </a:ext>
+                  </a:extLst>
+                </p14:cNvPr>
+                <p14:cNvContentPartPr/>
+                <p14:nvPr/>
+              </p14:nvContentPartPr>
+              <p14:xfrm>
+                <a:off x="7622613" y="3080933"/>
+                <a:ext cx="302400" cy="78840"/>
+              </p14:xfrm>
+            </p:contentPart>
+          </mc:Choice>
+          <mc:Fallback>
+            <p:pic>
+              <p:nvPicPr>
+                <p:cNvPr id="17" name="Ink 16">
+                  <a:extLst>
+                    <a:ext uri="{FF2B5EF4-FFF2-40B4-BE49-F238E27FC236}">
+                      <a16:creationId xmlns:a16="http://schemas.microsoft.com/office/drawing/2014/main" id="{17753880-1780-6ECE-AC8D-0B77F7412D88}"/>
+                    </a:ext>
+                  </a:extLst>
+                </p:cNvPr>
+                <p:cNvPicPr/>
+                <p:nvPr/>
+              </p:nvPicPr>
+              <p:blipFill>
+                <a:blip r:embed="rId14"/>
+                <a:stretch>
+                  <a:fillRect/>
+                </a:stretch>
+              </p:blipFill>
+              <p:spPr>
+                <a:xfrm>
+                  <a:off x="7604973" y="3062933"/>
+                  <a:ext cx="338040" cy="114480"/>
+                </a:xfrm>
+                <a:prstGeom prst="rect">
+                  <a:avLst/>
+                </a:prstGeom>
+              </p:spPr>
+            </p:pic>
+          </mc:Fallback>
+        </mc:AlternateContent>
+      </p:grpSp>
+      <p:grpSp>
+        <p:nvGrpSpPr>
+          <p:cNvPr id="21" name="Group 20">
+            <a:extLst>
+              <a:ext uri="{FF2B5EF4-FFF2-40B4-BE49-F238E27FC236}">
+                <a16:creationId xmlns:a16="http://schemas.microsoft.com/office/drawing/2014/main" id="{454AED9C-57FC-F76B-0C2D-7B2CFC66F44D}"/>
+              </a:ext>
+            </a:extLst>
+          </p:cNvPr>
+          <p:cNvGrpSpPr/>
+          <p:nvPr/>
+        </p:nvGrpSpPr>
+        <p:grpSpPr>
+          <a:xfrm>
+            <a:off x="8280693" y="3047813"/>
+            <a:ext cx="829800" cy="140040"/>
+            <a:chOff x="8280693" y="3047813"/>
+            <a:chExt cx="829800" cy="140040"/>
+          </a:xfrm>
+        </p:grpSpPr>
+        <mc:AlternateContent xmlns:mc="http://schemas.openxmlformats.org/markup-compatibility/2006">
+          <mc:Choice xmlns:p14="http://schemas.microsoft.com/office/powerpoint/2010/main" Requires="p14">
+            <p:contentPart p14:bwMode="auto" r:id="rId15">
+              <p14:nvContentPartPr>
+                <p14:cNvPr id="19" name="Ink 18">
+                  <a:extLst>
+                    <a:ext uri="{FF2B5EF4-FFF2-40B4-BE49-F238E27FC236}">
+                      <a16:creationId xmlns:a16="http://schemas.microsoft.com/office/drawing/2014/main" id="{6F61AB08-57F1-F03F-4C66-6510B642311E}"/>
+                    </a:ext>
+                  </a:extLst>
+                </p14:cNvPr>
+                <p14:cNvContentPartPr/>
+                <p14:nvPr/>
+              </p14:nvContentPartPr>
+              <p14:xfrm>
+                <a:off x="8280693" y="3047813"/>
+                <a:ext cx="426960" cy="120600"/>
+              </p14:xfrm>
+            </p:contentPart>
+          </mc:Choice>
+          <mc:Fallback>
+            <p:pic>
+              <p:nvPicPr>
+                <p:cNvPr id="19" name="Ink 18">
+                  <a:extLst>
+                    <a:ext uri="{FF2B5EF4-FFF2-40B4-BE49-F238E27FC236}">
+                      <a16:creationId xmlns:a16="http://schemas.microsoft.com/office/drawing/2014/main" id="{6F61AB08-57F1-F03F-4C66-6510B642311E}"/>
+                    </a:ext>
+                  </a:extLst>
+                </p:cNvPr>
+                <p:cNvPicPr/>
+                <p:nvPr/>
+              </p:nvPicPr>
+              <p:blipFill>
+                <a:blip r:embed="rId16"/>
+                <a:stretch>
+                  <a:fillRect/>
+                </a:stretch>
+              </p:blipFill>
+              <p:spPr>
+                <a:xfrm>
+                  <a:off x="8263053" y="3029813"/>
+                  <a:ext cx="462600" cy="156240"/>
+                </a:xfrm>
+                <a:prstGeom prst="rect">
+                  <a:avLst/>
+                </a:prstGeom>
+              </p:spPr>
+            </p:pic>
+          </mc:Fallback>
+        </mc:AlternateContent>
+        <mc:AlternateContent xmlns:mc="http://schemas.openxmlformats.org/markup-compatibility/2006">
+          <mc:Choice xmlns:p14="http://schemas.microsoft.com/office/powerpoint/2010/main" Requires="p14">
+            <p:contentPart p14:bwMode="auto" r:id="rId17">
+              <p14:nvContentPartPr>
+                <p14:cNvPr id="20" name="Ink 19">
+                  <a:extLst>
+                    <a:ext uri="{FF2B5EF4-FFF2-40B4-BE49-F238E27FC236}">
+                      <a16:creationId xmlns:a16="http://schemas.microsoft.com/office/drawing/2014/main" id="{213970F7-8913-B731-7555-94AEFCC212F7}"/>
+                    </a:ext>
+                  </a:extLst>
+                </p14:cNvPr>
+                <p14:cNvContentPartPr/>
+                <p14:nvPr/>
+              </p14:nvContentPartPr>
+              <p14:xfrm>
+                <a:off x="9075573" y="3073733"/>
+                <a:ext cx="34920" cy="114120"/>
+              </p14:xfrm>
+            </p:contentPart>
+          </mc:Choice>
+          <mc:Fallback>
+            <p:pic>
+              <p:nvPicPr>
+                <p:cNvPr id="20" name="Ink 19">
+                  <a:extLst>
+                    <a:ext uri="{FF2B5EF4-FFF2-40B4-BE49-F238E27FC236}">
+                      <a16:creationId xmlns:a16="http://schemas.microsoft.com/office/drawing/2014/main" id="{213970F7-8913-B731-7555-94AEFCC212F7}"/>
+                    </a:ext>
+                  </a:extLst>
+                </p:cNvPr>
+                <p:cNvPicPr/>
+                <p:nvPr/>
+              </p:nvPicPr>
+              <p:blipFill>
+                <a:blip r:embed="rId18"/>
+                <a:stretch>
+                  <a:fillRect/>
+                </a:stretch>
+              </p:blipFill>
+              <p:spPr>
+                <a:xfrm>
+                  <a:off x="9057933" y="3055733"/>
+                  <a:ext cx="70560" cy="149760"/>
+                </a:xfrm>
+                <a:prstGeom prst="rect">
+                  <a:avLst/>
+                </a:prstGeom>
+              </p:spPr>
+            </p:pic>
+          </mc:Fallback>
+        </mc:AlternateContent>
+      </p:grpSp>
+      <p:sp>
+        <p:nvSpPr>
+          <p:cNvPr id="22" name="Rectangle 21">
+            <a:extLst>
+              <a:ext uri="{FF2B5EF4-FFF2-40B4-BE49-F238E27FC236}">
+                <a16:creationId xmlns:a16="http://schemas.microsoft.com/office/drawing/2014/main" id="{FC6F5D63-4E1E-2D5C-5260-4FDDF56FA713}"/>
+              </a:ext>
+            </a:extLst>
+          </p:cNvPr>
+          <p:cNvSpPr/>
+          <p:nvPr/>
+        </p:nvSpPr>
+        <p:spPr>
+          <a:xfrm>
+            <a:off x="3124200" y="3013253"/>
+            <a:ext cx="5914833" cy="229680"/>
+          </a:xfrm>
+          <a:prstGeom prst="rect">
+            <a:avLst/>
+          </a:prstGeom>
+          <a:solidFill>
+            <a:srgbClr val="F7F7F7"/>
+          </a:solidFill>
+          <a:ln>
+            <a:noFill/>
+          </a:ln>
+        </p:spPr>
+        <p:style>
+          <a:lnRef idx="2">
+            <a:schemeClr val="accent1">
+              <a:shade val="15000"/>
+            </a:schemeClr>
+          </a:lnRef>
+          <a:fillRef idx="1">
+            <a:schemeClr val="accent1"/>
+          </a:fillRef>
+          <a:effectRef idx="0">
+            <a:schemeClr val="accent1"/>
+          </a:effectRef>
+          <a:fontRef idx="minor">
+            <a:schemeClr val="lt1"/>
+          </a:fontRef>
+        </p:style>
+        <p:txBody>
+          <a:bodyPr rtlCol="0" anchor="ctr"/>
+          <a:lstStyle/>
+          <a:p>
+            <a:pPr algn="ctr"/>
+            <a:endParaRPr lang="en-US"/>
+          </a:p>
+        </p:txBody>
+      </p:sp>
+      <p:sp>
+        <p:nvSpPr>
+          <p:cNvPr id="24" name="TextBox 23">
+            <a:extLst>
+              <a:ext uri="{FF2B5EF4-FFF2-40B4-BE49-F238E27FC236}">
+                <a16:creationId xmlns:a16="http://schemas.microsoft.com/office/drawing/2014/main" id="{3B2C171B-2261-AC7B-C4C2-951721C8E68D}"/>
+              </a:ext>
+            </a:extLst>
+          </p:cNvPr>
+          <p:cNvSpPr txBox="1"/>
+          <p:nvPr/>
+        </p:nvSpPr>
+        <p:spPr>
+          <a:xfrm>
+            <a:off x="5196153" y="2937763"/>
+            <a:ext cx="3048000" cy="261610"/>
+          </a:xfrm>
+          <a:prstGeom prst="rect">
+            <a:avLst/>
+          </a:prstGeom>
+          <a:noFill/>
+        </p:spPr>
+        <p:txBody>
+          <a:bodyPr wrap="square">
+            <a:spAutoFit/>
+          </a:bodyPr>
+          <a:lstStyle/>
+          <a:p>
+            <a:r>
+              <a:rPr lang="en-US" sz="1100" b="1" i="0" dirty="0">
+                <a:solidFill>
+                  <a:srgbClr val="5F6368"/>
+                </a:solidFill>
+                <a:effectLst/>
+                <a:latin typeface="arial" panose="020B0604020202020204" pitchFamily="34" charset="0"/>
+              </a:rPr>
+              <a:t>Uniform Resource Locator</a:t>
+            </a:r>
+            <a:endParaRPr lang="en-US" sz="1100" dirty="0"/>
+          </a:p>
+        </p:txBody>
+      </p:sp>
+    </p:spTree>
+    <p:extLst>
+      <p:ext uri="{BB962C8B-B14F-4D97-AF65-F5344CB8AC3E}">
+        <p14:creationId xmlns:p14="http://schemas.microsoft.com/office/powerpoint/2010/main" val="4290556808"/>
+      </p:ext>
+    </p:extLst>
+  </p:cSld>
+  <p:clrMapOvr>
+    <a:masterClrMapping/>
+  </p:clrMapOvr>
+</p:sld>
+</file>
+
+<file path=ppt/slides/slide6.xml><?xml version="1.0" encoding="utf-8"?>
+<p:sld xmlns:a="http://schemas.openxmlformats.org/drawingml/2006/main" xmlns:r="http://schemas.openxmlformats.org/officeDocument/2006/relationships" xmlns:p="http://schemas.openxmlformats.org/presentationml/2006/main">
+  <p:cSld>
+    <p:spTree>
+      <p:nvGrpSpPr>
+        <p:cNvPr id="1" name=""/>
+        <p:cNvGrpSpPr/>
+        <p:nvPr/>
+      </p:nvGrpSpPr>
+      <p:grpSpPr>
+        <a:xfrm>
+          <a:off x="0" y="0"/>
+          <a:ext cx="0" cy="0"/>
+          <a:chOff x="0" y="0"/>
+          <a:chExt cx="0" cy="0"/>
+        </a:xfrm>
+      </p:grpSpPr>
+      <p:sp>
+        <p:nvSpPr>
+          <p:cNvPr id="2" name="Title 1">
+            <a:extLst>
+              <a:ext uri="{FF2B5EF4-FFF2-40B4-BE49-F238E27FC236}">
+                <a16:creationId xmlns:a16="http://schemas.microsoft.com/office/drawing/2014/main" id="{06A89696-BB07-9F17-E6AF-B8AE0A1930E7}"/>
+              </a:ext>
+            </a:extLst>
+          </p:cNvPr>
+          <p:cNvSpPr>
+            <a:spLocks noGrp="1"/>
+          </p:cNvSpPr>
+          <p:nvPr>
+            <p:ph type="title"/>
+          </p:nvPr>
+        </p:nvSpPr>
+        <p:spPr>
+          <a:xfrm>
+            <a:off x="1202918" y="593040"/>
+            <a:ext cx="5252148" cy="886629"/>
+          </a:xfrm>
+        </p:spPr>
+        <p:txBody>
+          <a:bodyPr/>
+          <a:lstStyle/>
+          <a:p>
+            <a:r>
+              <a:rPr lang="en-US" dirty="0"/>
+              <a:t>DOM</a:t>
+            </a:r>
+          </a:p>
+        </p:txBody>
+      </p:sp>
+      <p:pic>
+        <p:nvPicPr>
+          <p:cNvPr id="3074" name="Picture 2" descr="What is the DOM? Document Object Model Meaning in JavaScript">
+            <a:extLst>
+              <a:ext uri="{FF2B5EF4-FFF2-40B4-BE49-F238E27FC236}">
+                <a16:creationId xmlns:a16="http://schemas.microsoft.com/office/drawing/2014/main" id="{003F3DFD-3FFD-6954-3C0C-318FAF212A42}"/>
+              </a:ext>
+            </a:extLst>
+          </p:cNvPr>
+          <p:cNvPicPr>
+            <a:picLocks noChangeAspect="1" noChangeArrowheads="1"/>
+          </p:cNvPicPr>
+          <p:nvPr/>
+        </p:nvPicPr>
+        <p:blipFill>
+          <a:blip r:embed="rId2">
+            <a:extLst>
+              <a:ext uri="{28A0092B-C50C-407E-A947-70E740481C1C}">
+                <a14:useLocalDpi xmlns:a14="http://schemas.microsoft.com/office/drawing/2010/main" val="0"/>
+              </a:ext>
+            </a:extLst>
+          </a:blip>
+          <a:srcRect/>
+          <a:stretch>
+            <a:fillRect/>
+          </a:stretch>
+        </p:blipFill>
+        <p:spPr bwMode="auto">
+          <a:xfrm>
+            <a:off x="2872726" y="2506132"/>
+            <a:ext cx="7164681" cy="4030133"/>
+          </a:xfrm>
+          <a:prstGeom prst="rect">
+            <a:avLst/>
+          </a:prstGeom>
+          <a:noFill/>
+          <a:extLst>
+            <a:ext uri="{909E8E84-426E-40DD-AFC4-6F175D3DCCD1}">
+              <a14:hiddenFill xmlns:a14="http://schemas.microsoft.com/office/drawing/2010/main">
+                <a:solidFill>
+                  <a:srgbClr val="FFFFFF"/>
+                </a:solidFill>
+              </a14:hiddenFill>
+            </a:ext>
+          </a:extLst>
+        </p:spPr>
+      </p:pic>
+    </p:spTree>
+    <p:extLst>
+      <p:ext uri="{BB962C8B-B14F-4D97-AF65-F5344CB8AC3E}">
+        <p14:creationId xmlns:p14="http://schemas.microsoft.com/office/powerpoint/2010/main" val="2598582826"/>
+      </p:ext>
+    </p:extLst>
+  </p:cSld>
+  <p:clrMapOvr>
+    <a:masterClrMapping/>
+  </p:clrMapOvr>
+</p:sld>
+</file>
+
+<file path=ppt/slides/slide7.xml><?xml version="1.0" encoding="utf-8"?>
+<p:sld xmlns:a="http://schemas.openxmlformats.org/drawingml/2006/main" xmlns:r="http://schemas.openxmlformats.org/officeDocument/2006/relationships" xmlns:p="http://schemas.openxmlformats.org/presentationml/2006/main">
+  <p:cSld>
+    <p:spTree>
+      <p:nvGrpSpPr>
+        <p:cNvPr id="1" name=""/>
+        <p:cNvGrpSpPr/>
+        <p:nvPr/>
+      </p:nvGrpSpPr>
+      <p:grpSpPr>
+        <a:xfrm>
+          <a:off x="0" y="0"/>
+          <a:ext cx="0" cy="0"/>
+          <a:chOff x="0" y="0"/>
+          <a:chExt cx="0" cy="0"/>
+        </a:xfrm>
+      </p:grpSpPr>
+      <p:sp>
+        <p:nvSpPr>
+          <p:cNvPr id="2" name="Title 1">
+            <a:extLst>
+              <a:ext uri="{FF2B5EF4-FFF2-40B4-BE49-F238E27FC236}">
+                <a16:creationId xmlns:a16="http://schemas.microsoft.com/office/drawing/2014/main" id="{11F34C2B-21C8-35BA-531C-6AB08AED9402}"/>
+              </a:ext>
+            </a:extLst>
+          </p:cNvPr>
+          <p:cNvSpPr>
+            <a:spLocks noGrp="1"/>
+          </p:cNvSpPr>
+          <p:nvPr>
+            <p:ph type="title"/>
+          </p:nvPr>
+        </p:nvSpPr>
+        <p:spPr/>
+        <p:txBody>
+          <a:bodyPr/>
+          <a:lstStyle/>
+          <a:p>
+            <a:r>
+              <a:rPr lang="en-US" dirty="0"/>
+              <a:t>Dev tool in the browser</a:t>
+            </a:r>
+          </a:p>
+        </p:txBody>
+      </p:sp>
+      <p:pic>
+        <p:nvPicPr>
+          <p:cNvPr id="4" name="Picture 3">
+            <a:extLst>
+              <a:ext uri="{FF2B5EF4-FFF2-40B4-BE49-F238E27FC236}">
+                <a16:creationId xmlns:a16="http://schemas.microsoft.com/office/drawing/2014/main" id="{B6C083C7-C3EA-8B37-5492-84F7E6D9204D}"/>
+              </a:ext>
+            </a:extLst>
+          </p:cNvPr>
+          <p:cNvPicPr>
+            <a:picLocks noChangeAspect="1"/>
+          </p:cNvPicPr>
+          <p:nvPr/>
+        </p:nvPicPr>
+        <p:blipFill>
+          <a:blip r:embed="rId2"/>
+          <a:stretch>
+            <a:fillRect/>
+          </a:stretch>
+        </p:blipFill>
+        <p:spPr>
+          <a:xfrm>
+            <a:off x="3050505" y="2235015"/>
+            <a:ext cx="6088908" cy="4267570"/>
+          </a:xfrm>
+          <a:prstGeom prst="rect">
+            <a:avLst/>
+          </a:prstGeom>
+        </p:spPr>
+      </p:pic>
+    </p:spTree>
+    <p:extLst>
+      <p:ext uri="{BB962C8B-B14F-4D97-AF65-F5344CB8AC3E}">
+        <p14:creationId xmlns:p14="http://schemas.microsoft.com/office/powerpoint/2010/main" val="1264713117"/>
+      </p:ext>
+    </p:extLst>
+  </p:cSld>
+  <p:clrMapOvr>
+    <a:masterClrMapping/>
+  </p:clrMapOvr>
+</p:sld>
+</file>
+
+<file path=ppt/slides/slide8.xml><?xml version="1.0" encoding="utf-8"?>
+<p:sld xmlns:a="http://schemas.openxmlformats.org/drawingml/2006/main" xmlns:r="http://schemas.openxmlformats.org/officeDocument/2006/relationships" xmlns:p="http://schemas.openxmlformats.org/presentationml/2006/main">
+  <p:cSld>
+    <p:spTree>
+      <p:nvGrpSpPr>
+        <p:cNvPr id="1" name=""/>
+        <p:cNvGrpSpPr/>
+        <p:nvPr/>
+      </p:nvGrpSpPr>
+      <p:grpSpPr>
+        <a:xfrm>
+          <a:off x="0" y="0"/>
+          <a:ext cx="0" cy="0"/>
+          <a:chOff x="0" y="0"/>
+          <a:chExt cx="0" cy="0"/>
+        </a:xfrm>
+      </p:grpSpPr>
+      <p:sp>
+        <p:nvSpPr>
+          <p:cNvPr id="2" name="Title 1">
+            <a:extLst>
+              <a:ext uri="{FF2B5EF4-FFF2-40B4-BE49-F238E27FC236}">
+                <a16:creationId xmlns:a16="http://schemas.microsoft.com/office/drawing/2014/main" id="{FFAA5A28-1E90-EE88-94FB-D6B346509735}"/>
+              </a:ext>
+            </a:extLst>
+          </p:cNvPr>
+          <p:cNvSpPr>
+            <a:spLocks noGrp="1"/>
+          </p:cNvSpPr>
+          <p:nvPr>
+            <p:ph type="title"/>
+          </p:nvPr>
+        </p:nvSpPr>
+        <p:spPr/>
+        <p:txBody>
+          <a:bodyPr/>
+          <a:lstStyle/>
+          <a:p>
+            <a:r>
+              <a:rPr lang="en-US" dirty="0"/>
+              <a:t>Before we start…</a:t>
+            </a:r>
+          </a:p>
+        </p:txBody>
+      </p:sp>
+      <p:pic>
+        <p:nvPicPr>
+          <p:cNvPr id="5" name="Picture 4">
+            <a:extLst>
+              <a:ext uri="{FF2B5EF4-FFF2-40B4-BE49-F238E27FC236}">
+                <a16:creationId xmlns:a16="http://schemas.microsoft.com/office/drawing/2014/main" id="{6B71CA3C-7B62-2039-200E-CBEA10530417}"/>
+              </a:ext>
+            </a:extLst>
+          </p:cNvPr>
+          <p:cNvPicPr>
+            <a:picLocks noChangeAspect="1"/>
+          </p:cNvPicPr>
+          <p:nvPr/>
+        </p:nvPicPr>
+        <p:blipFill rotWithShape="1">
+          <a:blip r:embed="rId2"/>
+          <a:srcRect b="19486"/>
+          <a:stretch/>
+        </p:blipFill>
+        <p:spPr>
+          <a:xfrm>
+            <a:off x="3586225" y="2011680"/>
+            <a:ext cx="4465575" cy="3432387"/>
+          </a:xfrm>
+          <a:prstGeom prst="rect">
+            <a:avLst/>
+          </a:prstGeom>
+        </p:spPr>
+      </p:pic>
+      <p:pic>
+        <p:nvPicPr>
+          <p:cNvPr id="6" name="Picture 5">
+            <a:extLst>
+              <a:ext uri="{FF2B5EF4-FFF2-40B4-BE49-F238E27FC236}">
+                <a16:creationId xmlns:a16="http://schemas.microsoft.com/office/drawing/2014/main" id="{DC882A29-7E6A-9B21-37A5-840C1383BD20}"/>
+              </a:ext>
+            </a:extLst>
+          </p:cNvPr>
+          <p:cNvPicPr>
+            <a:picLocks noChangeAspect="1"/>
+          </p:cNvPicPr>
+          <p:nvPr/>
+        </p:nvPicPr>
+        <p:blipFill>
+          <a:blip r:embed="rId3"/>
+          <a:stretch>
+            <a:fillRect/>
+          </a:stretch>
+        </p:blipFill>
+        <p:spPr>
+          <a:xfrm>
+            <a:off x="365759" y="5808134"/>
+            <a:ext cx="812800" cy="812800"/>
+          </a:xfrm>
+          <a:prstGeom prst="rect">
+            <a:avLst/>
+          </a:prstGeom>
+        </p:spPr>
+      </p:pic>
+      <mc:AlternateContent xmlns:mc="http://schemas.openxmlformats.org/markup-compatibility/2006">
+        <mc:Choice xmlns:p14="http://schemas.microsoft.com/office/powerpoint/2010/main" Requires="p14">
+          <p:contentPart p14:bwMode="auto" r:id="rId4">
+            <p14:nvContentPartPr>
+              <p14:cNvPr id="7" name="Ink 6">
+                <a:extLst>
+                  <a:ext uri="{FF2B5EF4-FFF2-40B4-BE49-F238E27FC236}">
+                    <a16:creationId xmlns:a16="http://schemas.microsoft.com/office/drawing/2014/main" id="{B68115EB-F6FC-CFD8-9EFE-6616214191FD}"/>
+                  </a:ext>
+                </a:extLst>
+              </p14:cNvPr>
+              <p14:cNvContentPartPr/>
+              <p14:nvPr/>
+            </p14:nvContentPartPr>
+            <p14:xfrm>
+              <a:off x="4409613" y="2101733"/>
+              <a:ext cx="746280" cy="198720"/>
+            </p14:xfrm>
+          </p:contentPart>
+        </mc:Choice>
+        <mc:Fallback>
+          <p:pic>
+            <p:nvPicPr>
+              <p:cNvPr id="7" name="Ink 6">
+                <a:extLst>
+                  <a:ext uri="{FF2B5EF4-FFF2-40B4-BE49-F238E27FC236}">
+                    <a16:creationId xmlns:a16="http://schemas.microsoft.com/office/drawing/2014/main" id="{B68115EB-F6FC-CFD8-9EFE-6616214191FD}"/>
+                  </a:ext>
+                </a:extLst>
+              </p:cNvPr>
+              <p:cNvPicPr/>
+              <p:nvPr/>
+            </p:nvPicPr>
+            <p:blipFill>
+              <a:blip r:embed="rId5"/>
+              <a:stretch>
+                <a:fillRect/>
+              </a:stretch>
+            </p:blipFill>
+            <p:spPr>
+              <a:xfrm>
+                <a:off x="4391613" y="2083733"/>
+                <a:ext cx="781920" cy="234360"/>
+              </a:xfrm>
+              <a:prstGeom prst="rect">
+                <a:avLst/>
+              </a:prstGeom>
+            </p:spPr>
+          </p:pic>
+        </mc:Fallback>
+      </mc:AlternateContent>
+      <p:grpSp>
+        <p:nvGrpSpPr>
+          <p:cNvPr id="13" name="Group 12">
+            <a:extLst>
+              <a:ext uri="{FF2B5EF4-FFF2-40B4-BE49-F238E27FC236}">
+                <a16:creationId xmlns:a16="http://schemas.microsoft.com/office/drawing/2014/main" id="{D34AB041-7FBF-1070-E93E-9A66F9D2B4F3}"/>
+              </a:ext>
+            </a:extLst>
+          </p:cNvPr>
+          <p:cNvGrpSpPr/>
+          <p:nvPr/>
+        </p:nvGrpSpPr>
+        <p:grpSpPr>
+          <a:xfrm>
+            <a:off x="4173813" y="3986693"/>
+            <a:ext cx="565920" cy="185400"/>
+            <a:chOff x="4173813" y="3986693"/>
+            <a:chExt cx="565920" cy="185400"/>
+          </a:xfrm>
+        </p:grpSpPr>
+        <mc:AlternateContent xmlns:mc="http://schemas.openxmlformats.org/markup-compatibility/2006">
+          <mc:Choice xmlns:p14="http://schemas.microsoft.com/office/powerpoint/2010/main" Requires="p14">
+            <p:contentPart p14:bwMode="auto" r:id="rId6">
+              <p14:nvContentPartPr>
+                <p14:cNvPr id="11" name="Ink 10">
+                  <a:extLst>
+                    <a:ext uri="{FF2B5EF4-FFF2-40B4-BE49-F238E27FC236}">
+                      <a16:creationId xmlns:a16="http://schemas.microsoft.com/office/drawing/2014/main" id="{57D60BFB-8AA9-85D8-9359-4A063F86B193}"/>
+                    </a:ext>
+                  </a:extLst>
+                </p14:cNvPr>
+                <p14:cNvContentPartPr/>
+                <p14:nvPr/>
+              </p14:nvContentPartPr>
+              <p14:xfrm>
+                <a:off x="4346613" y="3986693"/>
+                <a:ext cx="393120" cy="136800"/>
+              </p14:xfrm>
+            </p:contentPart>
+          </mc:Choice>
+          <mc:Fallback>
+            <p:pic>
+              <p:nvPicPr>
+                <p:cNvPr id="11" name="Ink 10">
+                  <a:extLst>
+                    <a:ext uri="{FF2B5EF4-FFF2-40B4-BE49-F238E27FC236}">
+                      <a16:creationId xmlns:a16="http://schemas.microsoft.com/office/drawing/2014/main" id="{57D60BFB-8AA9-85D8-9359-4A063F86B193}"/>
+                    </a:ext>
+                  </a:extLst>
+                </p:cNvPr>
+                <p:cNvPicPr/>
+                <p:nvPr/>
+              </p:nvPicPr>
+              <p:blipFill>
+                <a:blip r:embed="rId7"/>
+                <a:stretch>
+                  <a:fillRect/>
+                </a:stretch>
+              </p:blipFill>
+              <p:spPr>
+                <a:xfrm>
+                  <a:off x="4328973" y="3969053"/>
+                  <a:ext cx="428760" cy="172440"/>
+                </a:xfrm>
+                <a:prstGeom prst="rect">
+                  <a:avLst/>
+                </a:prstGeom>
+              </p:spPr>
+            </p:pic>
+          </mc:Fallback>
+        </mc:AlternateContent>
+        <mc:AlternateContent xmlns:mc="http://schemas.openxmlformats.org/markup-compatibility/2006">
+          <mc:Choice xmlns:p14="http://schemas.microsoft.com/office/powerpoint/2010/main" Requires="p14">
+            <p:contentPart p14:bwMode="auto" r:id="rId8">
+              <p14:nvContentPartPr>
+                <p14:cNvPr id="12" name="Ink 11">
+                  <a:extLst>
+                    <a:ext uri="{FF2B5EF4-FFF2-40B4-BE49-F238E27FC236}">
+                      <a16:creationId xmlns:a16="http://schemas.microsoft.com/office/drawing/2014/main" id="{17838C1B-A6A0-F02E-13A5-AB0FB0DDF453}"/>
+                    </a:ext>
+                  </a:extLst>
+                </p14:cNvPr>
+                <p14:cNvContentPartPr/>
+                <p14:nvPr/>
+              </p14:nvContentPartPr>
+              <p14:xfrm>
+                <a:off x="4173813" y="4011533"/>
+                <a:ext cx="334080" cy="160560"/>
+              </p14:xfrm>
+            </p:contentPart>
+          </mc:Choice>
+          <mc:Fallback>
+            <p:pic>
+              <p:nvPicPr>
+                <p:cNvPr id="12" name="Ink 11">
+                  <a:extLst>
+                    <a:ext uri="{FF2B5EF4-FFF2-40B4-BE49-F238E27FC236}">
+                      <a16:creationId xmlns:a16="http://schemas.microsoft.com/office/drawing/2014/main" id="{17838C1B-A6A0-F02E-13A5-AB0FB0DDF453}"/>
+                    </a:ext>
+                  </a:extLst>
+                </p:cNvPr>
+                <p:cNvPicPr/>
+                <p:nvPr/>
+              </p:nvPicPr>
+              <p:blipFill>
+                <a:blip r:embed="rId9"/>
+                <a:stretch>
+                  <a:fillRect/>
+                </a:stretch>
+              </p:blipFill>
+              <p:spPr>
+                <a:xfrm>
+                  <a:off x="4156173" y="3993893"/>
+                  <a:ext cx="369720" cy="196200"/>
+                </a:xfrm>
+                <a:prstGeom prst="rect">
+                  <a:avLst/>
+                </a:prstGeom>
+              </p:spPr>
+            </p:pic>
+          </mc:Fallback>
+        </mc:AlternateContent>
+      </p:grpSp>
+      <mc:AlternateContent xmlns:mc="http://schemas.openxmlformats.org/markup-compatibility/2006">
+        <mc:Choice xmlns:p14="http://schemas.microsoft.com/office/powerpoint/2010/main" Requires="p14">
+          <p:contentPart p14:bwMode="auto" r:id="rId10">
+            <p14:nvContentPartPr>
+              <p14:cNvPr id="14" name="Ink 13">
+                <a:extLst>
+                  <a:ext uri="{FF2B5EF4-FFF2-40B4-BE49-F238E27FC236}">
+                    <a16:creationId xmlns:a16="http://schemas.microsoft.com/office/drawing/2014/main" id="{447B060E-35F2-F9CB-F74E-260B3BF44204}"/>
+                  </a:ext>
+                </a:extLst>
+              </p14:cNvPr>
+              <p14:cNvContentPartPr/>
+              <p14:nvPr/>
+            </p14:nvContentPartPr>
+            <p14:xfrm>
+              <a:off x="4523733" y="3291533"/>
+              <a:ext cx="242280" cy="210240"/>
+            </p14:xfrm>
+          </p:contentPart>
+        </mc:Choice>
+        <mc:Fallback>
+          <p:pic>
+            <p:nvPicPr>
+              <p:cNvPr id="14" name="Ink 13">
+                <a:extLst>
+                  <a:ext uri="{FF2B5EF4-FFF2-40B4-BE49-F238E27FC236}">
+                    <a16:creationId xmlns:a16="http://schemas.microsoft.com/office/drawing/2014/main" id="{447B060E-35F2-F9CB-F74E-260B3BF44204}"/>
+                  </a:ext>
+                </a:extLst>
+              </p:cNvPr>
+              <p:cNvPicPr/>
+              <p:nvPr/>
+            </p:nvPicPr>
+            <p:blipFill>
+              <a:blip r:embed="rId11"/>
+              <a:stretch>
+                <a:fillRect/>
+              </a:stretch>
+            </p:blipFill>
+            <p:spPr>
+              <a:xfrm>
+                <a:off x="4505733" y="3273893"/>
+                <a:ext cx="277920" cy="245880"/>
+              </a:xfrm>
+              <a:prstGeom prst="rect">
+                <a:avLst/>
+              </a:prstGeom>
+            </p:spPr>
+          </p:pic>
+        </mc:Fallback>
+      </mc:AlternateContent>
+      <p:grpSp>
+        <p:nvGrpSpPr>
+          <p:cNvPr id="19" name="Group 18">
+            <a:extLst>
+              <a:ext uri="{FF2B5EF4-FFF2-40B4-BE49-F238E27FC236}">
+                <a16:creationId xmlns:a16="http://schemas.microsoft.com/office/drawing/2014/main" id="{CA046639-B2A5-A826-172D-1750C529BDF1}"/>
+              </a:ext>
+            </a:extLst>
+          </p:cNvPr>
+          <p:cNvGrpSpPr/>
+          <p:nvPr/>
+        </p:nvGrpSpPr>
+        <p:grpSpPr>
+          <a:xfrm>
+            <a:off x="4309533" y="3242213"/>
+            <a:ext cx="593280" cy="315360"/>
+            <a:chOff x="4309533" y="3242213"/>
+            <a:chExt cx="593280" cy="315360"/>
+          </a:xfrm>
+        </p:grpSpPr>
+        <mc:AlternateContent xmlns:mc="http://schemas.openxmlformats.org/markup-compatibility/2006">
+          <mc:Choice xmlns:p14="http://schemas.microsoft.com/office/powerpoint/2010/main" Requires="p14">
+            <p:contentPart p14:bwMode="auto" r:id="rId12">
+              <p14:nvContentPartPr>
+                <p14:cNvPr id="8" name="Ink 7">
+                  <a:extLst>
+                    <a:ext uri="{FF2B5EF4-FFF2-40B4-BE49-F238E27FC236}">
+                      <a16:creationId xmlns:a16="http://schemas.microsoft.com/office/drawing/2014/main" id="{026C3DCE-1A74-4278-1FA5-D61E807B439A}"/>
+                    </a:ext>
+                  </a:extLst>
+                </p14:cNvPr>
+                <p14:cNvContentPartPr/>
+                <p14:nvPr/>
+              </p14:nvContentPartPr>
+              <p14:xfrm>
+                <a:off x="4309533" y="3250133"/>
+                <a:ext cx="593280" cy="259560"/>
+              </p14:xfrm>
+            </p:contentPart>
+          </mc:Choice>
+          <mc:Fallback>
+            <p:pic>
+              <p:nvPicPr>
+                <p:cNvPr id="8" name="Ink 7">
+                  <a:extLst>
+                    <a:ext uri="{FF2B5EF4-FFF2-40B4-BE49-F238E27FC236}">
+                      <a16:creationId xmlns:a16="http://schemas.microsoft.com/office/drawing/2014/main" id="{026C3DCE-1A74-4278-1FA5-D61E807B439A}"/>
+                    </a:ext>
+                  </a:extLst>
+                </p:cNvPr>
+                <p:cNvPicPr/>
+                <p:nvPr/>
+              </p:nvPicPr>
+              <p:blipFill>
+                <a:blip r:embed="rId13"/>
+                <a:stretch>
+                  <a:fillRect/>
+                </a:stretch>
+              </p:blipFill>
+              <p:spPr>
+                <a:xfrm>
+                  <a:off x="4291893" y="3232133"/>
+                  <a:ext cx="628920" cy="295200"/>
+                </a:xfrm>
+                <a:prstGeom prst="rect">
+                  <a:avLst/>
+                </a:prstGeom>
+              </p:spPr>
+            </p:pic>
+          </mc:Fallback>
+        </mc:AlternateContent>
+        <mc:AlternateContent xmlns:mc="http://schemas.openxmlformats.org/markup-compatibility/2006">
+          <mc:Choice xmlns:p14="http://schemas.microsoft.com/office/powerpoint/2010/main" Requires="p14">
+            <p:contentPart p14:bwMode="auto" r:id="rId14">
+              <p14:nvContentPartPr>
+                <p14:cNvPr id="9" name="Ink 8">
+                  <a:extLst>
+                    <a:ext uri="{FF2B5EF4-FFF2-40B4-BE49-F238E27FC236}">
+                      <a16:creationId xmlns:a16="http://schemas.microsoft.com/office/drawing/2014/main" id="{755B5213-DCD7-8DB8-7E58-FC771B48C40D}"/>
+                    </a:ext>
+                  </a:extLst>
+                </p14:cNvPr>
+                <p14:cNvContentPartPr/>
+                <p14:nvPr/>
+              </p14:nvContentPartPr>
+              <p14:xfrm>
+                <a:off x="4537773" y="3454253"/>
+                <a:ext cx="83880" cy="103320"/>
+              </p14:xfrm>
+            </p:contentPart>
+          </mc:Choice>
+          <mc:Fallback>
+            <p:pic>
+              <p:nvPicPr>
+                <p:cNvPr id="9" name="Ink 8">
+                  <a:extLst>
+                    <a:ext uri="{FF2B5EF4-FFF2-40B4-BE49-F238E27FC236}">
+                      <a16:creationId xmlns:a16="http://schemas.microsoft.com/office/drawing/2014/main" id="{755B5213-DCD7-8DB8-7E58-FC771B48C40D}"/>
+                    </a:ext>
+                  </a:extLst>
+                </p:cNvPr>
+                <p:cNvPicPr/>
+                <p:nvPr/>
+              </p:nvPicPr>
+              <p:blipFill>
+                <a:blip r:embed="rId15"/>
+                <a:stretch>
+                  <a:fillRect/>
+                </a:stretch>
+              </p:blipFill>
+              <p:spPr>
+                <a:xfrm>
+                  <a:off x="4520133" y="3436253"/>
+                  <a:ext cx="119520" cy="138960"/>
+                </a:xfrm>
+                <a:prstGeom prst="rect">
+                  <a:avLst/>
+                </a:prstGeom>
+              </p:spPr>
+            </p:pic>
+          </mc:Fallback>
+        </mc:AlternateContent>
+        <mc:AlternateContent xmlns:mc="http://schemas.openxmlformats.org/markup-compatibility/2006">
+          <mc:Choice xmlns:p14="http://schemas.microsoft.com/office/powerpoint/2010/main" Requires="p14">
+            <p:contentPart p14:bwMode="auto" r:id="rId16">
+              <p14:nvContentPartPr>
+                <p14:cNvPr id="16" name="Ink 15">
+                  <a:extLst>
+                    <a:ext uri="{FF2B5EF4-FFF2-40B4-BE49-F238E27FC236}">
+                      <a16:creationId xmlns:a16="http://schemas.microsoft.com/office/drawing/2014/main" id="{079BC389-AE3E-546B-1E92-F826941B5212}"/>
+                    </a:ext>
+                  </a:extLst>
+                </p14:cNvPr>
+                <p14:cNvContentPartPr/>
+                <p14:nvPr/>
+              </p14:nvContentPartPr>
+              <p14:xfrm>
+                <a:off x="4530933" y="3242213"/>
+                <a:ext cx="297000" cy="241920"/>
+              </p14:xfrm>
+            </p:contentPart>
+          </mc:Choice>
+          <mc:Fallback>
+            <p:pic>
+              <p:nvPicPr>
+                <p:cNvPr id="16" name="Ink 15">
+                  <a:extLst>
+                    <a:ext uri="{FF2B5EF4-FFF2-40B4-BE49-F238E27FC236}">
+                      <a16:creationId xmlns:a16="http://schemas.microsoft.com/office/drawing/2014/main" id="{079BC389-AE3E-546B-1E92-F826941B5212}"/>
+                    </a:ext>
+                  </a:extLst>
+                </p:cNvPr>
+                <p:cNvPicPr/>
+                <p:nvPr/>
+              </p:nvPicPr>
+              <p:blipFill>
+                <a:blip r:embed="rId17"/>
+                <a:stretch>
+                  <a:fillRect/>
+                </a:stretch>
+              </p:blipFill>
+              <p:spPr>
+                <a:xfrm>
+                  <a:off x="4512933" y="3224213"/>
+                  <a:ext cx="332640" cy="277560"/>
+                </a:xfrm>
+                <a:prstGeom prst="rect">
+                  <a:avLst/>
+                </a:prstGeom>
+              </p:spPr>
+            </p:pic>
+          </mc:Fallback>
+        </mc:AlternateContent>
+        <mc:AlternateContent xmlns:mc="http://schemas.openxmlformats.org/markup-compatibility/2006">
+          <mc:Choice xmlns:p14="http://schemas.microsoft.com/office/powerpoint/2010/main" Requires="p14">
+            <p:contentPart p14:bwMode="auto" r:id="rId18">
+              <p14:nvContentPartPr>
+                <p14:cNvPr id="18" name="Ink 17">
+                  <a:extLst>
+                    <a:ext uri="{FF2B5EF4-FFF2-40B4-BE49-F238E27FC236}">
+                      <a16:creationId xmlns:a16="http://schemas.microsoft.com/office/drawing/2014/main" id="{5A86FFC9-D411-B8D6-DE66-0FFAD2D4DAE0}"/>
+                    </a:ext>
+                  </a:extLst>
+                </p14:cNvPr>
+                <p14:cNvContentPartPr/>
+                <p14:nvPr/>
+              </p14:nvContentPartPr>
+              <p14:xfrm>
+                <a:off x="4424013" y="3397733"/>
+                <a:ext cx="81360" cy="74520"/>
+              </p14:xfrm>
+            </p:contentPart>
+          </mc:Choice>
+          <mc:Fallback>
+            <p:pic>
+              <p:nvPicPr>
+                <p:cNvPr id="18" name="Ink 17">
+                  <a:extLst>
+                    <a:ext uri="{FF2B5EF4-FFF2-40B4-BE49-F238E27FC236}">
+                      <a16:creationId xmlns:a16="http://schemas.microsoft.com/office/drawing/2014/main" id="{5A86FFC9-D411-B8D6-DE66-0FFAD2D4DAE0}"/>
+                    </a:ext>
+                  </a:extLst>
+                </p:cNvPr>
+                <p:cNvPicPr/>
+                <p:nvPr/>
+              </p:nvPicPr>
+              <p:blipFill>
+                <a:blip r:embed="rId19"/>
+                <a:stretch>
+                  <a:fillRect/>
+                </a:stretch>
+              </p:blipFill>
+              <p:spPr>
+                <a:xfrm>
+                  <a:off x="4406373" y="3380093"/>
+                  <a:ext cx="117000" cy="110160"/>
+                </a:xfrm>
+                <a:prstGeom prst="rect">
+                  <a:avLst/>
+                </a:prstGeom>
+              </p:spPr>
+            </p:pic>
+          </mc:Fallback>
+        </mc:AlternateContent>
+      </p:grpSp>
+    </p:spTree>
+    <p:extLst>
+      <p:ext uri="{BB962C8B-B14F-4D97-AF65-F5344CB8AC3E}">
+        <p14:creationId xmlns:p14="http://schemas.microsoft.com/office/powerpoint/2010/main" val="4020284729"/>
+      </p:ext>
+    </p:extLst>
+  </p:cSld>
+  <p:clrMapOvr>
+    <a:masterClrMapping/>
+  </p:clrMapOvr>
+</p:sld>
+</file>
+
+<file path=ppt/slides/slide9.xml><?xml version="1.0" encoding="utf-8"?>
+<p:sld xmlns:a="http://schemas.openxmlformats.org/drawingml/2006/main" xmlns:r="http://schemas.openxmlformats.org/officeDocument/2006/relationships" xmlns:p="http://schemas.openxmlformats.org/presentationml/2006/main">
+  <p:cSld>
+    <p:spTree>
+      <p:nvGrpSpPr>
+        <p:cNvPr id="1" name=""/>
+        <p:cNvGrpSpPr/>
+        <p:nvPr/>
+      </p:nvGrpSpPr>
+      <p:grpSpPr>
+        <a:xfrm>
+          <a:off x="0" y="0"/>
+          <a:ext cx="0" cy="0"/>
+          <a:chOff x="0" y="0"/>
+          <a:chExt cx="0" cy="0"/>
+        </a:xfrm>
+      </p:grpSpPr>
+      <p:sp>
+        <p:nvSpPr>
+          <p:cNvPr id="2" name="Title 1">
+            <a:extLst>
+              <a:ext uri="{FF2B5EF4-FFF2-40B4-BE49-F238E27FC236}">
+                <a16:creationId xmlns:a16="http://schemas.microsoft.com/office/drawing/2014/main" id="{FFAA5A28-1E90-EE88-94FB-D6B346509735}"/>
+              </a:ext>
+            </a:extLst>
+          </p:cNvPr>
+          <p:cNvSpPr>
+            <a:spLocks noGrp="1"/>
+          </p:cNvSpPr>
+          <p:nvPr>
+            <p:ph type="title"/>
+          </p:nvPr>
+        </p:nvSpPr>
+        <p:spPr/>
+        <p:txBody>
+          <a:bodyPr/>
+          <a:lstStyle/>
+          <a:p>
+            <a:r>
+              <a:rPr lang="en-US" dirty="0"/>
+              <a:t>Install git</a:t>
+            </a:r>
+          </a:p>
+        </p:txBody>
+      </p:sp>
+      <p:sp>
+        <p:nvSpPr>
+          <p:cNvPr id="4" name="TextBox 3">
+            <a:extLst>
+              <a:ext uri="{FF2B5EF4-FFF2-40B4-BE49-F238E27FC236}">
+                <a16:creationId xmlns:a16="http://schemas.microsoft.com/office/drawing/2014/main" id="{93682064-0C44-BFAC-F15F-BC338EBD299C}"/>
+              </a:ext>
+            </a:extLst>
+          </p:cNvPr>
+          <p:cNvSpPr txBox="1"/>
+          <p:nvPr/>
+        </p:nvSpPr>
+        <p:spPr>
+          <a:xfrm>
+            <a:off x="897467" y="2075934"/>
+            <a:ext cx="6096000" cy="369332"/>
+          </a:xfrm>
+          <a:prstGeom prst="rect">
+            <a:avLst/>
+          </a:prstGeom>
+          <a:noFill/>
+        </p:spPr>
+        <p:txBody>
+          <a:bodyPr wrap="square">
+            <a:spAutoFit/>
+          </a:bodyPr>
+          <a:lstStyle/>
+          <a:p>
+            <a:r>
+              <a:rPr lang="en-US" dirty="0">
+                <a:hlinkClick r:id="rId2"/>
+              </a:rPr>
+              <a:t>Git - Downloads (git-scm.com)</a:t>
+            </a:r>
+            <a:endParaRPr lang="en-US" dirty="0"/>
+          </a:p>
+        </p:txBody>
+      </p:sp>
+      <p:pic>
+        <p:nvPicPr>
+          <p:cNvPr id="7" name="Picture 6">
+            <a:extLst>
+              <a:ext uri="{FF2B5EF4-FFF2-40B4-BE49-F238E27FC236}">
+                <a16:creationId xmlns:a16="http://schemas.microsoft.com/office/drawing/2014/main" id="{04FD89A2-6579-9E8B-7F55-F5A9C31AD41A}"/>
+              </a:ext>
+            </a:extLst>
+          </p:cNvPr>
+          <p:cNvPicPr>
+            <a:picLocks noChangeAspect="1"/>
+          </p:cNvPicPr>
+          <p:nvPr/>
+        </p:nvPicPr>
+        <p:blipFill>
+          <a:blip r:embed="rId3"/>
+          <a:stretch>
+            <a:fillRect/>
+          </a:stretch>
+        </p:blipFill>
+        <p:spPr>
+          <a:xfrm>
+            <a:off x="4687420" y="1963216"/>
+            <a:ext cx="6607113" cy="4709568"/>
+          </a:xfrm>
+          <a:prstGeom prst="rect">
+            <a:avLst/>
+          </a:prstGeom>
+        </p:spPr>
+      </p:pic>
+      <p:pic>
+        <p:nvPicPr>
+          <p:cNvPr id="8" name="Picture 7">
+            <a:extLst>
+              <a:ext uri="{FF2B5EF4-FFF2-40B4-BE49-F238E27FC236}">
+                <a16:creationId xmlns:a16="http://schemas.microsoft.com/office/drawing/2014/main" id="{5ECD9A0A-937D-C2D2-4343-84889C54F6ED}"/>
+              </a:ext>
+            </a:extLst>
+          </p:cNvPr>
+          <p:cNvPicPr>
+            <a:picLocks noChangeAspect="1"/>
+          </p:cNvPicPr>
+          <p:nvPr/>
+        </p:nvPicPr>
+        <p:blipFill>
+          <a:blip r:embed="rId4"/>
+          <a:stretch>
+            <a:fillRect/>
+          </a:stretch>
+        </p:blipFill>
+        <p:spPr>
+          <a:xfrm>
+            <a:off x="365759" y="5808134"/>
+            <a:ext cx="812800" cy="812800"/>
+          </a:xfrm>
+          <a:prstGeom prst="rect">
+            <a:avLst/>
+          </a:prstGeom>
+        </p:spPr>
+      </p:pic>
+    </p:spTree>
+    <p:extLst>
+      <p:ext uri="{BB962C8B-B14F-4D97-AF65-F5344CB8AC3E}">
+        <p14:creationId xmlns:p14="http://schemas.microsoft.com/office/powerpoint/2010/main" val="991701108"/>
       </p:ext>
     </p:extLst>
   </p:cSld>
